--- a/doc/Raschupkin_EV_UAV_Route_Planning.pptx
+++ b/doc/Raschupkin_EV_UAV_Route_Planning.pptx
@@ -7,6 +7,8 @@
   <p:sldIdLst>
     <p:sldId id="256" r:id="rId3"/>
     <p:sldId id="257" r:id="rId4"/>
+    <p:sldId id="258" r:id="rId5"/>
+    <p:sldId id="259" r:id="rId6"/>
   </p:sldIdLst>
   <p:sldSz cx="9144000" cy="6858000" type="screen4x3"/>
   <p:notesSz cx="9144000" cy="6858000"/>
@@ -530,7 +532,7 @@
         </p:nvSpPr>
         <p:spPr bwMode="auto">
           <a:xfrm>
-            <a:off x="6543674" y="365125"/>
+            <a:off x="6543673" y="365125"/>
             <a:ext cx="1971675" cy="5811838"/>
           </a:xfrm>
         </p:spPr>
@@ -3249,7 +3251,7 @@
         </p:nvSpPr>
         <p:spPr bwMode="auto">
           <a:xfrm flipH="0" flipV="0">
-            <a:off x="111105" y="605080"/>
+            <a:off x="111105" y="605079"/>
             <a:ext cx="8921789" cy="1177172"/>
           </a:xfrm>
         </p:spPr>
@@ -3893,7 +3895,7 @@
         </p:nvSpPr>
         <p:spPr bwMode="auto">
           <a:xfrm flipH="0" flipV="0">
-            <a:off x="2639248" y="6412431"/>
+            <a:off x="2639247" y="6412431"/>
             <a:ext cx="3865500" cy="399688"/>
           </a:xfrm>
         </p:spPr>
@@ -4135,11 +4137,11 @@
           <a:bodyPr/>
           <a:lstStyle/>
           <a:p>
-            <a:pPr>
-              <a:defRPr/>
-            </a:pPr>
-            <a:r>
-              <a:rPr lang="ru-RU" sz="4400" b="0" i="0" u="none" strike="noStrike" cap="none" spc="0">
+            <a:pPr algn="ctr">
+              <a:defRPr/>
+            </a:pPr>
+            <a:r>
+              <a:rPr lang="ru-RU" sz="4400" b="1" i="0" u="none" strike="noStrike" cap="none" spc="0">
                 <a:solidFill>
                   <a:schemeClr val="tx1"/>
                 </a:solidFill>
@@ -4149,14 +4151,14 @@
               <a:t>ЦЕЛЬ И</a:t>
             </a:r>
             <a:r>
-              <a:rPr lang="ru-RU" sz="4400" b="0" i="0" u="none" strike="noStrike" cap="none" spc="0">
+              <a:rPr lang="ru-RU" sz="4400" b="1" i="0" u="none" strike="noStrike" cap="none" spc="0">
                 <a:solidFill>
                   <a:schemeClr val="tx1"/>
                 </a:solidFill>
                 <a:latin typeface="Times New Roman"/>
                 <a:cs typeface="Times New Roman"/>
               </a:rPr>
-              <a:t> ЗАДАЧИ ИССЛЕДОВАНИЯ</a:t>
+              <a:t> ЗАДАЧИ</a:t>
             </a:r>
             <a:endParaRPr/>
           </a:p>
@@ -4165,6 +4167,280 @@
       <p:sp>
         <p:nvSpPr>
           <p:cNvPr id="1038117892" name="Content Placeholder 2"/>
+          <p:cNvSpPr>
+            <a:spLocks noGrp="1"/>
+          </p:cNvSpPr>
+          <p:nvPr>
+            <p:ph idx="1"/>
+          </p:nvPr>
+        </p:nvSpPr>
+        <p:spPr bwMode="auto"/>
+        <p:txBody>
+          <a:bodyPr/>
+          <a:lstStyle/>
+          <a:p>
+            <a:pPr marL="0" indent="0">
+              <a:buFont typeface="Arial"/>
+              <a:buNone/>
+              <a:defRPr/>
+            </a:pPr>
+            <a:r>
+              <a:rPr b="1">
+                <a:latin typeface="Times New Roman"/>
+                <a:cs typeface="Times New Roman"/>
+              </a:rPr>
+              <a:t>Цель работы</a:t>
+            </a:r>
+            <a:r>
+              <a:rPr lang="en-US" b="1">
+                <a:latin typeface="Times New Roman"/>
+                <a:cs typeface="Times New Roman"/>
+              </a:rPr>
+              <a:t>:</a:t>
+            </a:r>
+            <a:endParaRPr>
+              <a:latin typeface="Times New Roman"/>
+              <a:cs typeface="Times New Roman"/>
+            </a:endParaRPr>
+          </a:p>
+          <a:p>
+            <a:pPr marL="0" indent="0">
+              <a:buFont typeface="Arial"/>
+              <a:buNone/>
+              <a:defRPr/>
+            </a:pPr>
+            <a:r>
+              <a:rPr lang="en-US" sz="2800" b="0" i="0" u="none" strike="noStrike" cap="none" spc="0">
+                <a:solidFill>
+                  <a:schemeClr val="tx1"/>
+                </a:solidFill>
+                <a:latin typeface="Times New Roman"/>
+                <a:cs typeface="Times New Roman"/>
+              </a:rPr>
+              <a:t>Разработка десктопного приложения для расчета маршрута сельскохозяйственного дрона по имеющимся характеристикам</a:t>
+            </a:r>
+            <a:endParaRPr>
+              <a:latin typeface="Times New Roman"/>
+              <a:cs typeface="Times New Roman"/>
+            </a:endParaRPr>
+          </a:p>
+          <a:p>
+            <a:pPr marL="0" indent="0">
+              <a:buFont typeface="Arial"/>
+              <a:buNone/>
+              <a:defRPr/>
+            </a:pPr>
+            <a:r>
+              <a:rPr lang="ru-RU" b="1">
+                <a:latin typeface="Times New Roman"/>
+                <a:cs typeface="Times New Roman"/>
+              </a:rPr>
+              <a:t>Задачи</a:t>
+            </a:r>
+            <a:r>
+              <a:rPr lang="en-US" b="1">
+                <a:latin typeface="Times New Roman"/>
+                <a:cs typeface="Times New Roman"/>
+              </a:rPr>
+              <a:t>:</a:t>
+            </a:r>
+            <a:endParaRPr>
+              <a:latin typeface="Times New Roman"/>
+              <a:cs typeface="Times New Roman"/>
+            </a:endParaRPr>
+          </a:p>
+          <a:p>
+            <a:pPr marL="394023" indent="-394023">
+              <a:buFont typeface="Arial"/>
+              <a:buAutoNum type="arabicPeriod"/>
+              <a:defRPr/>
+            </a:pPr>
+            <a:r>
+              <a:rPr lang="ru-RU">
+                <a:latin typeface="Times New Roman"/>
+                <a:cs typeface="Times New Roman"/>
+              </a:rPr>
+              <a:t>Выполнить анализ предметной области и произвести обзор существующих решений.</a:t>
+            </a:r>
+            <a:endParaRPr lang="ru-RU">
+              <a:latin typeface="Times New Roman"/>
+              <a:cs typeface="Times New Roman"/>
+            </a:endParaRPr>
+          </a:p>
+          <a:p>
+            <a:pPr marL="394023" indent="-394023">
+              <a:buFont typeface="Arial"/>
+              <a:buAutoNum type="arabicPeriod"/>
+              <a:defRPr/>
+            </a:pPr>
+            <a:endParaRPr lang="en-US">
+              <a:latin typeface="Times New Roman"/>
+              <a:cs typeface="Times New Roman"/>
+            </a:endParaRPr>
+          </a:p>
+        </p:txBody>
+      </p:sp>
+    </p:spTree>
+  </p:cSld>
+  <p:clrMapOvr>
+    <a:masterClrMapping/>
+  </p:clrMapOvr>
+  <mc:AlternateContent xmlns:mc="http://schemas.openxmlformats.org/markup-compatibility/2006">
+    <mc:Choice xmlns:p14="http://schemas.microsoft.com/office/powerpoint/2010/main" Requires="p14">
+      <p:transition p14:dur="2000" advClick="1"/>
+    </mc:Choice>
+    <mc:Fallback>
+      <p:transition advClick="1"/>
+    </mc:Fallback>
+  </mc:AlternateContent>
+</p:sld>
+</file>
+
+<file path=ppt/slides/slide3.xml><?xml version="1.0" encoding="utf-8"?>
+<p:sld xmlns:a="http://schemas.openxmlformats.org/drawingml/2006/main" xmlns:r="http://schemas.openxmlformats.org/officeDocument/2006/relationships" xmlns:p="http://schemas.openxmlformats.org/presentationml/2006/main" xmlns:m="http://schemas.openxmlformats.org/officeDocument/2006/math" xmlns:w="http://schemas.openxmlformats.org/wordprocessingml/2006/main" showMasterPhAnim="0" show="1">
+  <p:cSld name="">
+    <p:spTree>
+      <p:nvGrpSpPr>
+        <p:cNvPr id="1" name=""/>
+        <p:cNvGrpSpPr/>
+        <p:nvPr/>
+      </p:nvGrpSpPr>
+      <p:grpSpPr bwMode="auto">
+        <a:xfrm>
+          <a:off x="0" y="0"/>
+          <a:ext cx="0" cy="0"/>
+          <a:chOff x="0" y="0"/>
+          <a:chExt cx="0" cy="0"/>
+        </a:xfrm>
+      </p:grpSpPr>
+      <p:sp>
+        <p:nvSpPr>
+          <p:cNvPr id="227832949" name="Title 1"/>
+          <p:cNvSpPr>
+            <a:spLocks noGrp="1"/>
+          </p:cNvSpPr>
+          <p:nvPr>
+            <p:ph type="title"/>
+          </p:nvPr>
+        </p:nvSpPr>
+        <p:spPr bwMode="auto"/>
+        <p:txBody>
+          <a:bodyPr/>
+          <a:lstStyle/>
+          <a:p>
+            <a:pPr algn="ctr">
+              <a:defRPr/>
+            </a:pPr>
+            <a:r>
+              <a:rPr lang="ru-RU" sz="4400" b="1" i="0" u="none" strike="noStrike" cap="none" spc="0">
+                <a:solidFill>
+                  <a:schemeClr val="tx1"/>
+                </a:solidFill>
+                <a:latin typeface="Times New Roman"/>
+                <a:cs typeface="Times New Roman"/>
+              </a:rPr>
+              <a:t>АКТУАЛЬНОСТЬ</a:t>
+            </a:r>
+            <a:endParaRPr b="1">
+              <a:latin typeface="Times New Roman"/>
+              <a:cs typeface="Times New Roman"/>
+            </a:endParaRPr>
+          </a:p>
+        </p:txBody>
+      </p:sp>
+      <p:sp>
+        <p:nvSpPr>
+          <p:cNvPr id="1664509925" name="Content Placeholder 2"/>
+          <p:cNvSpPr>
+            <a:spLocks noGrp="1"/>
+          </p:cNvSpPr>
+          <p:nvPr>
+            <p:ph idx="1"/>
+          </p:nvPr>
+        </p:nvSpPr>
+        <p:spPr bwMode="auto"/>
+        <p:txBody>
+          <a:bodyPr/>
+          <a:lstStyle/>
+          <a:p>
+            <a:pPr>
+              <a:defRPr/>
+            </a:pPr>
+            <a:endParaRPr/>
+          </a:p>
+        </p:txBody>
+      </p:sp>
+    </p:spTree>
+  </p:cSld>
+  <p:clrMapOvr>
+    <a:masterClrMapping/>
+  </p:clrMapOvr>
+  <mc:AlternateContent xmlns:mc="http://schemas.openxmlformats.org/markup-compatibility/2006">
+    <mc:Choice xmlns:p14="http://schemas.microsoft.com/office/powerpoint/2010/main" Requires="p14">
+      <p:transition p14:dur="2000" advClick="1"/>
+    </mc:Choice>
+    <mc:Fallback>
+      <p:transition advClick="1"/>
+    </mc:Fallback>
+  </mc:AlternateContent>
+</p:sld>
+</file>
+
+<file path=ppt/slides/slide4.xml><?xml version="1.0" encoding="utf-8"?>
+<p:sld xmlns:a="http://schemas.openxmlformats.org/drawingml/2006/main" xmlns:r="http://schemas.openxmlformats.org/officeDocument/2006/relationships" xmlns:p="http://schemas.openxmlformats.org/presentationml/2006/main" xmlns:m="http://schemas.openxmlformats.org/officeDocument/2006/math" xmlns:w="http://schemas.openxmlformats.org/wordprocessingml/2006/main" showMasterPhAnim="0" show="1">
+  <p:cSld name="">
+    <p:spTree>
+      <p:nvGrpSpPr>
+        <p:cNvPr id="1" name=""/>
+        <p:cNvGrpSpPr/>
+        <p:nvPr/>
+      </p:nvGrpSpPr>
+      <p:grpSpPr bwMode="auto">
+        <a:xfrm>
+          <a:off x="0" y="0"/>
+          <a:ext cx="0" cy="0"/>
+          <a:chOff x="0" y="0"/>
+          <a:chExt cx="0" cy="0"/>
+        </a:xfrm>
+      </p:grpSpPr>
+      <p:sp>
+        <p:nvSpPr>
+          <p:cNvPr id="2090658852" name="Title 1"/>
+          <p:cNvSpPr>
+            <a:spLocks noGrp="1"/>
+          </p:cNvSpPr>
+          <p:nvPr>
+            <p:ph type="title"/>
+          </p:nvPr>
+        </p:nvSpPr>
+        <p:spPr bwMode="auto"/>
+        <p:txBody>
+          <a:bodyPr/>
+          <a:lstStyle/>
+          <a:p>
+            <a:pPr algn="ctr">
+              <a:defRPr/>
+            </a:pPr>
+            <a:r>
+              <a:rPr lang="ru-RU" sz="4400" b="1" i="0" u="none" strike="noStrike" cap="none" spc="0">
+                <a:solidFill>
+                  <a:schemeClr val="tx1"/>
+                </a:solidFill>
+                <a:latin typeface="Times New Roman"/>
+                <a:cs typeface="Times New Roman"/>
+              </a:rPr>
+              <a:t>ИСПОЛЬЗУЕМЫЕ ТЕХНОЛОГИИ</a:t>
+            </a:r>
+            <a:endParaRPr b="1">
+              <a:latin typeface="Times New Roman"/>
+              <a:cs typeface="Times New Roman"/>
+            </a:endParaRPr>
+          </a:p>
+        </p:txBody>
+      </p:sp>
+      <p:sp>
+        <p:nvSpPr>
+          <p:cNvPr id="829541434" name="Content Placeholder 2"/>
           <p:cNvSpPr>
             <a:spLocks noGrp="1"/>
           </p:cNvSpPr>

--- a/doc/Raschupkin_EV_UAV_Route_Planning.pptx
+++ b/doc/Raschupkin_EV_UAV_Route_Planning.pptx
@@ -9,6 +9,14 @@
     <p:sldId id="257" r:id="rId4"/>
     <p:sldId id="258" r:id="rId5"/>
     <p:sldId id="259" r:id="rId6"/>
+    <p:sldId id="260" r:id="rId7"/>
+    <p:sldId id="261" r:id="rId8"/>
+    <p:sldId id="262" r:id="rId9"/>
+    <p:sldId id="263" r:id="rId10"/>
+    <p:sldId id="264" r:id="rId11"/>
+    <p:sldId id="265" r:id="rId12"/>
+    <p:sldId id="266" r:id="rId13"/>
+    <p:sldId id="267" r:id="rId14"/>
   </p:sldIdLst>
   <p:sldSz cx="9144000" cy="6858000" type="screen4x3"/>
   <p:notesSz cx="9144000" cy="6858000"/>
@@ -274,7 +282,11 @@
             <a:pPr>
               <a:defRPr/>
             </a:pPr>
-            <a:endParaRPr lang="en-US"/>
+            <a:r>
+              <a:rPr/>
+              <a:t>ASDSA</a:t>
+            </a:r>
+            <a:endParaRPr/>
           </a:p>
         </p:txBody>
       </p:sp>
@@ -465,7 +477,11 @@
             <a:pPr>
               <a:defRPr/>
             </a:pPr>
-            <a:endParaRPr lang="en-US"/>
+            <a:r>
+              <a:rPr/>
+              <a:t>ASDSA</a:t>
+            </a:r>
+            <a:endParaRPr/>
           </a:p>
         </p:txBody>
       </p:sp>
@@ -666,7 +682,11 @@
             <a:pPr>
               <a:defRPr/>
             </a:pPr>
-            <a:endParaRPr lang="en-US"/>
+            <a:r>
+              <a:rPr/>
+              <a:t>ASDSA</a:t>
+            </a:r>
+            <a:endParaRPr/>
           </a:p>
         </p:txBody>
       </p:sp>
@@ -857,7 +877,11 @@
             <a:pPr>
               <a:defRPr/>
             </a:pPr>
-            <a:endParaRPr lang="en-US"/>
+            <a:r>
+              <a:rPr/>
+              <a:t>ASDSA</a:t>
+            </a:r>
+            <a:endParaRPr/>
           </a:p>
         </p:txBody>
       </p:sp>
@@ -1113,7 +1137,11 @@
             <a:pPr>
               <a:defRPr/>
             </a:pPr>
-            <a:endParaRPr lang="en-US"/>
+            <a:r>
+              <a:rPr/>
+              <a:t>ASDSA</a:t>
+            </a:r>
+            <a:endParaRPr/>
           </a:p>
         </p:txBody>
       </p:sp>
@@ -1380,7 +1408,11 @@
             <a:pPr>
               <a:defRPr/>
             </a:pPr>
-            <a:endParaRPr lang="en-US"/>
+            <a:r>
+              <a:rPr/>
+              <a:t>ASDSA</a:t>
+            </a:r>
+            <a:endParaRPr/>
           </a:p>
         </p:txBody>
       </p:sp>
@@ -1788,7 +1820,11 @@
             <a:pPr>
               <a:defRPr/>
             </a:pPr>
-            <a:endParaRPr lang="en-US"/>
+            <a:r>
+              <a:rPr/>
+              <a:t>ASDSA</a:t>
+            </a:r>
+            <a:endParaRPr/>
           </a:p>
         </p:txBody>
       </p:sp>
@@ -1913,7 +1949,11 @@
             <a:pPr>
               <a:defRPr/>
             </a:pPr>
-            <a:endParaRPr lang="en-US"/>
+            <a:r>
+              <a:rPr/>
+              <a:t>ASDSA</a:t>
+            </a:r>
+            <a:endParaRPr/>
           </a:p>
         </p:txBody>
       </p:sp>
@@ -2012,7 +2052,11 @@
             <a:pPr>
               <a:defRPr/>
             </a:pPr>
-            <a:endParaRPr lang="en-US"/>
+            <a:r>
+              <a:rPr/>
+              <a:t>ASDSA</a:t>
+            </a:r>
+            <a:endParaRPr/>
           </a:p>
         </p:txBody>
       </p:sp>
@@ -2313,7 +2357,11 @@
             <a:pPr>
               <a:defRPr/>
             </a:pPr>
-            <a:endParaRPr lang="en-US"/>
+            <a:r>
+              <a:rPr/>
+              <a:t>ASDSA</a:t>
+            </a:r>
+            <a:endParaRPr/>
           </a:p>
         </p:txBody>
       </p:sp>
@@ -2583,7 +2631,11 @@
             <a:pPr>
               <a:defRPr/>
             </a:pPr>
-            <a:endParaRPr lang="en-US"/>
+            <a:r>
+              <a:rPr/>
+              <a:t>ASDSA</a:t>
+            </a:r>
+            <a:endParaRPr/>
           </a:p>
         </p:txBody>
       </p:sp>
@@ -2835,7 +2887,11 @@
             <a:pPr>
               <a:defRPr/>
             </a:pPr>
-            <a:endParaRPr lang="en-US"/>
+            <a:r>
+              <a:rPr/>
+              <a:t>ASDSA</a:t>
+            </a:r>
+            <a:endParaRPr/>
           </a:p>
         </p:txBody>
       </p:sp>
@@ -2899,6 +2955,7 @@
     <p:sldLayoutId id="2147483658" r:id="rId10"/>
     <p:sldLayoutId id="2147483659" r:id="rId11"/>
   </p:sldLayoutIdLst>
+  <p:hf dt="0" ftr="0" hdr="0" sldNum="0"/>
   <p:txStyles>
     <p:titleStyle>
       <a:lvl1pPr algn="l" defTabSz="914400">
@@ -3211,7 +3268,7 @@
         </p:nvSpPr>
         <p:spPr bwMode="auto">
           <a:xfrm flipH="0" flipV="0">
-            <a:off x="1143000" y="2661527"/>
+            <a:off x="1143000" y="2419072"/>
             <a:ext cx="6858000" cy="1696870"/>
           </a:xfrm>
         </p:spPr>
@@ -3251,7 +3308,7 @@
         </p:nvSpPr>
         <p:spPr bwMode="auto">
           <a:xfrm flipH="0" flipV="0">
-            <a:off x="111105" y="605079"/>
+            <a:off x="111105" y="284692"/>
             <a:ext cx="8921789" cy="1177172"/>
           </a:xfrm>
         </p:spPr>
@@ -4086,6 +4143,270 @@
               <a:latin typeface="Times New Roman"/>
               <a:cs typeface="Times New Roman"/>
             </a:endParaRPr>
+          </a:p>
+        </p:txBody>
+      </p:sp>
+    </p:spTree>
+  </p:cSld>
+  <p:clrMapOvr>
+    <a:masterClrMapping/>
+  </p:clrMapOvr>
+  <mc:AlternateContent xmlns:mc="http://schemas.openxmlformats.org/markup-compatibility/2006">
+    <mc:Choice xmlns:p14="http://schemas.microsoft.com/office/powerpoint/2010/main" Requires="p14">
+      <p:transition p14:dur="2000" advClick="1"/>
+    </mc:Choice>
+    <mc:Fallback>
+      <p:transition advClick="1"/>
+    </mc:Fallback>
+  </mc:AlternateContent>
+</p:sld>
+</file>
+
+<file path=ppt/slides/slide10.xml><?xml version="1.0" encoding="utf-8"?>
+<p:sld xmlns:a="http://schemas.openxmlformats.org/drawingml/2006/main" xmlns:r="http://schemas.openxmlformats.org/officeDocument/2006/relationships" xmlns:p="http://schemas.openxmlformats.org/presentationml/2006/main" xmlns:m="http://schemas.openxmlformats.org/officeDocument/2006/math" xmlns:w="http://schemas.openxmlformats.org/wordprocessingml/2006/main" showMasterPhAnim="0" show="1">
+  <p:cSld name="">
+    <p:spTree>
+      <p:nvGrpSpPr>
+        <p:cNvPr id="1" name=""/>
+        <p:cNvGrpSpPr/>
+        <p:nvPr/>
+      </p:nvGrpSpPr>
+      <p:grpSpPr bwMode="auto">
+        <a:xfrm>
+          <a:off x="0" y="0"/>
+          <a:ext cx="0" cy="0"/>
+          <a:chOff x="0" y="0"/>
+          <a:chExt cx="0" cy="0"/>
+        </a:xfrm>
+      </p:grpSpPr>
+      <p:sp>
+        <p:nvSpPr>
+          <p:cNvPr id="1634827371" name="Title 1"/>
+          <p:cNvSpPr>
+            <a:spLocks noGrp="1"/>
+          </p:cNvSpPr>
+          <p:nvPr>
+            <p:ph type="title"/>
+          </p:nvPr>
+        </p:nvSpPr>
+        <p:spPr bwMode="auto">
+          <a:xfrm rot="0" flipH="0" flipV="0">
+            <a:off x="0" y="0"/>
+            <a:ext cx="9144000" cy="720000"/>
+          </a:xfrm>
+        </p:spPr>
+        <p:txBody>
+          <a:bodyPr/>
+          <a:lstStyle/>
+          <a:p>
+            <a:pPr algn="ctr">
+              <a:defRPr/>
+            </a:pPr>
+            <a:r>
+              <a:rPr sz="2800" b="1">
+                <a:latin typeface="Times New Roman"/>
+                <a:cs typeface="Times New Roman"/>
+              </a:rPr>
+              <a:t>ОСНОВНЫЕ РЕЗУЛЬТАТЫ</a:t>
+            </a:r>
+            <a:endParaRPr sz="2800" b="1">
+              <a:latin typeface="Times New Roman"/>
+              <a:cs typeface="Times New Roman"/>
+            </a:endParaRPr>
+          </a:p>
+        </p:txBody>
+      </p:sp>
+      <p:sp>
+        <p:nvSpPr>
+          <p:cNvPr id="24581935" name="Content Placeholder 2"/>
+          <p:cNvSpPr>
+            <a:spLocks noGrp="1"/>
+          </p:cNvSpPr>
+          <p:nvPr>
+            <p:ph idx="1"/>
+          </p:nvPr>
+        </p:nvSpPr>
+        <p:spPr bwMode="auto">
+          <a:xfrm flipH="0" flipV="0">
+            <a:off x="628650" y="720000"/>
+            <a:ext cx="7886700" cy="5456962"/>
+          </a:xfrm>
+        </p:spPr>
+        <p:txBody>
+          <a:bodyPr/>
+          <a:lstStyle/>
+          <a:p>
+            <a:pPr>
+              <a:defRPr/>
+            </a:pPr>
+            <a:endParaRPr>
+              <a:latin typeface="Times New Roman"/>
+              <a:cs typeface="Times New Roman"/>
+            </a:endParaRPr>
+          </a:p>
+        </p:txBody>
+      </p:sp>
+    </p:spTree>
+  </p:cSld>
+  <p:clrMapOvr>
+    <a:masterClrMapping/>
+  </p:clrMapOvr>
+  <mc:AlternateContent xmlns:mc="http://schemas.openxmlformats.org/markup-compatibility/2006">
+    <mc:Choice xmlns:p14="http://schemas.microsoft.com/office/powerpoint/2010/main" Requires="p14">
+      <p:transition p14:dur="2000" advClick="1"/>
+    </mc:Choice>
+    <mc:Fallback>
+      <p:transition advClick="1"/>
+    </mc:Fallback>
+  </mc:AlternateContent>
+</p:sld>
+</file>
+
+<file path=ppt/slides/slide11.xml><?xml version="1.0" encoding="utf-8"?>
+<p:sld xmlns:a="http://schemas.openxmlformats.org/drawingml/2006/main" xmlns:r="http://schemas.openxmlformats.org/officeDocument/2006/relationships" xmlns:p="http://schemas.openxmlformats.org/presentationml/2006/main" xmlns:m="http://schemas.openxmlformats.org/officeDocument/2006/math" xmlns:w="http://schemas.openxmlformats.org/wordprocessingml/2006/main" showMasterPhAnim="0" show="1">
+  <p:cSld name="">
+    <p:spTree>
+      <p:nvGrpSpPr>
+        <p:cNvPr id="1" name=""/>
+        <p:cNvGrpSpPr/>
+        <p:nvPr/>
+      </p:nvGrpSpPr>
+      <p:grpSpPr bwMode="auto">
+        <a:xfrm>
+          <a:off x="0" y="0"/>
+          <a:ext cx="0" cy="0"/>
+          <a:chOff x="0" y="0"/>
+          <a:chExt cx="0" cy="0"/>
+        </a:xfrm>
+      </p:grpSpPr>
+      <p:sp>
+        <p:nvSpPr>
+          <p:cNvPr id="1711695544" name="Title 1"/>
+          <p:cNvSpPr>
+            <a:spLocks noGrp="1"/>
+          </p:cNvSpPr>
+          <p:nvPr>
+            <p:ph type="title"/>
+          </p:nvPr>
+        </p:nvSpPr>
+        <p:spPr bwMode="auto">
+          <a:xfrm rot="0" flipH="0" flipV="0">
+            <a:off x="0" y="0"/>
+            <a:ext cx="9144000" cy="720000"/>
+          </a:xfrm>
+        </p:spPr>
+        <p:txBody>
+          <a:bodyPr/>
+          <a:lstStyle/>
+          <a:p>
+            <a:pPr>
+              <a:defRPr/>
+            </a:pPr>
+            <a:endParaRPr/>
+          </a:p>
+        </p:txBody>
+      </p:sp>
+      <p:sp>
+        <p:nvSpPr>
+          <p:cNvPr id="847695706" name="Content Placeholder 2"/>
+          <p:cNvSpPr>
+            <a:spLocks noGrp="1"/>
+          </p:cNvSpPr>
+          <p:nvPr>
+            <p:ph idx="1"/>
+          </p:nvPr>
+        </p:nvSpPr>
+        <p:spPr bwMode="auto"/>
+        <p:txBody>
+          <a:bodyPr/>
+          <a:lstStyle/>
+          <a:p>
+            <a:pPr>
+              <a:defRPr/>
+            </a:pPr>
+            <a:endParaRPr/>
+          </a:p>
+        </p:txBody>
+      </p:sp>
+    </p:spTree>
+  </p:cSld>
+  <p:clrMapOvr>
+    <a:masterClrMapping/>
+  </p:clrMapOvr>
+  <mc:AlternateContent xmlns:mc="http://schemas.openxmlformats.org/markup-compatibility/2006">
+    <mc:Choice xmlns:p14="http://schemas.microsoft.com/office/powerpoint/2010/main" Requires="p14">
+      <p:transition p14:dur="2000" advClick="1"/>
+    </mc:Choice>
+    <mc:Fallback>
+      <p:transition advClick="1"/>
+    </mc:Fallback>
+  </mc:AlternateContent>
+</p:sld>
+</file>
+
+<file path=ppt/slides/slide12.xml><?xml version="1.0" encoding="utf-8"?>
+<p:sld xmlns:a="http://schemas.openxmlformats.org/drawingml/2006/main" xmlns:r="http://schemas.openxmlformats.org/officeDocument/2006/relationships" xmlns:p="http://schemas.openxmlformats.org/presentationml/2006/main" xmlns:m="http://schemas.openxmlformats.org/officeDocument/2006/math" xmlns:w="http://schemas.openxmlformats.org/wordprocessingml/2006/main" showMasterPhAnim="0" show="1">
+  <p:cSld name="">
+    <p:spTree>
+      <p:nvGrpSpPr>
+        <p:cNvPr id="1" name=""/>
+        <p:cNvGrpSpPr/>
+        <p:nvPr/>
+      </p:nvGrpSpPr>
+      <p:grpSpPr bwMode="auto">
+        <a:xfrm>
+          <a:off x="0" y="0"/>
+          <a:ext cx="0" cy="0"/>
+          <a:chOff x="0" y="0"/>
+          <a:chExt cx="0" cy="0"/>
+        </a:xfrm>
+      </p:grpSpPr>
+      <p:sp>
+        <p:nvSpPr>
+          <p:cNvPr id="1841534202" name="Title 1"/>
+          <p:cNvSpPr>
+            <a:spLocks noGrp="1"/>
+          </p:cNvSpPr>
+          <p:nvPr>
+            <p:ph type="title"/>
+          </p:nvPr>
+        </p:nvSpPr>
+        <p:spPr bwMode="auto">
+          <a:xfrm rot="0" flipH="0" flipV="0">
+            <a:off x="0" y="0"/>
+            <a:ext cx="9144000" cy="720000"/>
+          </a:xfrm>
+        </p:spPr>
+        <p:txBody>
+          <a:bodyPr/>
+          <a:lstStyle/>
+          <a:p>
+            <a:pPr>
+              <a:defRPr/>
+            </a:pPr>
+            <a:endParaRPr/>
+          </a:p>
+        </p:txBody>
+      </p:sp>
+      <p:sp>
+        <p:nvSpPr>
+          <p:cNvPr id="1690022408" name="Content Placeholder 2"/>
+          <p:cNvSpPr>
+            <a:spLocks noGrp="1"/>
+          </p:cNvSpPr>
+          <p:nvPr>
+            <p:ph idx="1"/>
+          </p:nvPr>
+        </p:nvSpPr>
+        <p:spPr bwMode="auto"/>
+        <p:txBody>
+          <a:bodyPr/>
+          <a:lstStyle/>
+          <a:p>
+            <a:pPr>
+              <a:defRPr/>
+            </a:pPr>
+            <a:endParaRPr/>
           </a:p>
         </p:txBody>
       </p:sp>
@@ -4132,7 +4453,12 @@
             <p:ph type="title"/>
           </p:nvPr>
         </p:nvSpPr>
-        <p:spPr bwMode="auto"/>
+        <p:spPr bwMode="auto">
+          <a:xfrm rot="0" flipH="0" flipV="0">
+            <a:off x="0" y="0"/>
+            <a:ext cx="9144000" cy="720000"/>
+          </a:xfrm>
+        </p:spPr>
         <p:txBody>
           <a:bodyPr/>
           <a:lstStyle/>
@@ -4141,7 +4467,7 @@
               <a:defRPr/>
             </a:pPr>
             <a:r>
-              <a:rPr lang="ru-RU" sz="4400" b="1" i="0" u="none" strike="noStrike" cap="none" spc="0">
+              <a:rPr lang="ru-RU" sz="2800" b="1" i="0" u="none" strike="noStrike" cap="none" spc="0">
                 <a:solidFill>
                   <a:schemeClr val="tx1"/>
                 </a:solidFill>
@@ -4151,7 +4477,7 @@
               <a:t>ЦЕЛЬ И</a:t>
             </a:r>
             <a:r>
-              <a:rPr lang="ru-RU" sz="4400" b="1" i="0" u="none" strike="noStrike" cap="none" spc="0">
+              <a:rPr lang="ru-RU" sz="2800" b="1" i="0" u="none" strike="noStrike" cap="none" spc="0">
                 <a:solidFill>
                   <a:schemeClr val="tx1"/>
                 </a:solidFill>
@@ -4160,7 +4486,7 @@
               </a:rPr>
               <a:t> ЗАДАЧИ</a:t>
             </a:r>
-            <a:endParaRPr/>
+            <a:endParaRPr sz="2800"/>
           </a:p>
         </p:txBody>
       </p:sp>
@@ -4174,7 +4500,12 @@
             <p:ph idx="1"/>
           </p:nvPr>
         </p:nvSpPr>
-        <p:spPr bwMode="auto"/>
+        <p:spPr bwMode="auto">
+          <a:xfrm flipH="0" flipV="0">
+            <a:off x="628650" y="720000"/>
+            <a:ext cx="7886700" cy="5456962"/>
+          </a:xfrm>
+        </p:spPr>
         <p:txBody>
           <a:bodyPr/>
           <a:lstStyle/>
@@ -4185,20 +4516,20 @@
               <a:defRPr/>
             </a:pPr>
             <a:r>
-              <a:rPr b="1">
+              <a:rPr lang="ru-RU" b="1">
                 <a:latin typeface="Times New Roman"/>
                 <a:cs typeface="Times New Roman"/>
               </a:rPr>
               <a:t>Цель работы</a:t>
             </a:r>
             <a:r>
-              <a:rPr lang="en-US" b="1">
+              <a:rPr lang="ru-RU" b="1">
                 <a:latin typeface="Times New Roman"/>
                 <a:cs typeface="Times New Roman"/>
               </a:rPr>
               <a:t>:</a:t>
             </a:r>
-            <a:endParaRPr>
+            <a:endParaRPr lang="ru-RU">
               <a:latin typeface="Times New Roman"/>
               <a:cs typeface="Times New Roman"/>
             </a:endParaRPr>
@@ -4210,7 +4541,7 @@
               <a:defRPr/>
             </a:pPr>
             <a:r>
-              <a:rPr lang="en-US" sz="2800" b="0" i="0" u="none" strike="noStrike" cap="none" spc="0">
+              <a:rPr lang="ru-RU" sz="2800" b="0" i="0" u="none" strike="noStrike" cap="none" spc="0">
                 <a:solidFill>
                   <a:schemeClr val="tx1"/>
                 </a:solidFill>
@@ -4219,7 +4550,7 @@
               </a:rPr>
               <a:t>Разработка десктопного приложения для расчета маршрута сельскохозяйственного дрона по имеющимся характеристикам</a:t>
             </a:r>
-            <a:endParaRPr>
+            <a:endParaRPr lang="ru-RU">
               <a:latin typeface="Times New Roman"/>
               <a:cs typeface="Times New Roman"/>
             </a:endParaRPr>
@@ -4238,13 +4569,13 @@
               <a:t>Задачи</a:t>
             </a:r>
             <a:r>
-              <a:rPr lang="en-US" b="1">
+              <a:rPr lang="ru-RU" b="1">
                 <a:latin typeface="Times New Roman"/>
                 <a:cs typeface="Times New Roman"/>
               </a:rPr>
               <a:t>:</a:t>
             </a:r>
-            <a:endParaRPr>
+            <a:endParaRPr lang="ru-RU">
               <a:latin typeface="Times New Roman"/>
               <a:cs typeface="Times New Roman"/>
             </a:endParaRPr>
@@ -4260,7 +4591,14 @@
                 <a:latin typeface="Times New Roman"/>
                 <a:cs typeface="Times New Roman"/>
               </a:rPr>
-              <a:t>Выполнить анализ предметной области и произвести обзор существующих решений.</a:t>
+              <a:t>Выполнить анализ предметной области и произвести обзор существующих решений</a:t>
+            </a:r>
+            <a:r>
+              <a:rPr lang="en-US">
+                <a:latin typeface="Times New Roman"/>
+                <a:cs typeface="Times New Roman"/>
+              </a:rPr>
+              <a:t>;</a:t>
             </a:r>
             <a:endParaRPr lang="ru-RU">
               <a:latin typeface="Times New Roman"/>
@@ -4268,12 +4606,80 @@
             </a:endParaRPr>
           </a:p>
           <a:p>
+            <a:pPr marL="394022" indent="-394022">
+              <a:buFont typeface="Arial"/>
+              <a:buAutoNum type="arabicPeriod"/>
+              <a:defRPr/>
+            </a:pPr>
+            <a:r>
+              <a:rPr lang="ru-RU">
+                <a:latin typeface="Times New Roman"/>
+                <a:cs typeface="Times New Roman"/>
+              </a:rPr>
+              <a:t>Спроектировать приложение</a:t>
+            </a:r>
+            <a:r>
+              <a:rPr lang="en-US">
+                <a:latin typeface="Times New Roman"/>
+                <a:cs typeface="Times New Roman"/>
+              </a:rPr>
+              <a:t>;</a:t>
+            </a:r>
+            <a:endParaRPr lang="ru-RU">
+              <a:latin typeface="Times New Roman"/>
+              <a:cs typeface="Times New Roman"/>
+            </a:endParaRPr>
+          </a:p>
+          <a:p>
+            <a:pPr marL="394022" indent="-394022">
+              <a:buFont typeface="Arial"/>
+              <a:buAutoNum type="arabicPeriod"/>
+              <a:defRPr/>
+            </a:pPr>
+            <a:r>
+              <a:rPr lang="ru-RU">
+                <a:latin typeface="Times New Roman"/>
+                <a:cs typeface="Times New Roman"/>
+              </a:rPr>
+              <a:t>Реализовать</a:t>
+            </a:r>
+            <a:r>
+              <a:rPr lang="en-US">
+                <a:latin typeface="Times New Roman"/>
+                <a:cs typeface="Times New Roman"/>
+              </a:rPr>
+              <a:t>;</a:t>
+            </a:r>
+            <a:endParaRPr lang="ru-RU">
+              <a:latin typeface="Times New Roman"/>
+              <a:cs typeface="Times New Roman"/>
+            </a:endParaRPr>
+          </a:p>
+          <a:p>
+            <a:pPr marL="394022" indent="-394022">
+              <a:buFont typeface="Arial"/>
+              <a:buAutoNum type="arabicPeriod"/>
+              <a:defRPr/>
+            </a:pPr>
+            <a:r>
+              <a:rPr lang="ru-RU">
+                <a:latin typeface="Times New Roman"/>
+                <a:cs typeface="Times New Roman"/>
+              </a:rPr>
+              <a:t>Выполнить тестирование.</a:t>
+            </a:r>
+            <a:endParaRPr lang="ru-RU">
+              <a:latin typeface="Times New Roman"/>
+              <a:cs typeface="Times New Roman"/>
+            </a:endParaRPr>
+          </a:p>
+          <a:p>
             <a:pPr marL="394023" indent="-394023">
               <a:buFont typeface="Arial"/>
               <a:buAutoNum type="arabicPeriod"/>
               <a:defRPr/>
             </a:pPr>
-            <a:endParaRPr lang="en-US">
+            <a:endParaRPr lang="ru-RU">
               <a:latin typeface="Times New Roman"/>
               <a:cs typeface="Times New Roman"/>
             </a:endParaRPr>
@@ -4323,7 +4729,12 @@
             <p:ph type="title"/>
           </p:nvPr>
         </p:nvSpPr>
-        <p:spPr bwMode="auto"/>
+        <p:spPr bwMode="auto">
+          <a:xfrm rot="0" flipH="0" flipV="0">
+            <a:off x="0" y="0"/>
+            <a:ext cx="9144000" cy="720000"/>
+          </a:xfrm>
+        </p:spPr>
         <p:txBody>
           <a:bodyPr/>
           <a:lstStyle/>
@@ -4332,7 +4743,7 @@
               <a:defRPr/>
             </a:pPr>
             <a:r>
-              <a:rPr lang="ru-RU" sz="4400" b="1" i="0" u="none" strike="noStrike" cap="none" spc="0">
+              <a:rPr lang="ru-RU" sz="2800" b="1" i="0" u="none" strike="noStrike" cap="none" spc="0">
                 <a:solidFill>
                   <a:schemeClr val="tx1"/>
                 </a:solidFill>
@@ -4341,7 +4752,7 @@
               </a:rPr>
               <a:t>АКТУАЛЬНОСТЬ</a:t>
             </a:r>
-            <a:endParaRPr b="1">
+            <a:endParaRPr sz="2800" b="1">
               <a:latin typeface="Times New Roman"/>
               <a:cs typeface="Times New Roman"/>
             </a:endParaRPr>
@@ -4358,15 +4769,184 @@
             <p:ph idx="1"/>
           </p:nvPr>
         </p:nvSpPr>
-        <p:spPr bwMode="auto"/>
-        <p:txBody>
-          <a:bodyPr/>
-          <a:lstStyle/>
-          <a:p>
-            <a:pPr>
-              <a:defRPr/>
-            </a:pPr>
-            <a:endParaRPr/>
+        <p:spPr bwMode="auto">
+          <a:xfrm flipH="0" flipV="0">
+            <a:off x="628650" y="720000"/>
+            <a:ext cx="7886700" cy="5456962"/>
+          </a:xfrm>
+        </p:spPr>
+        <p:txBody>
+          <a:bodyPr vertOverflow="overflow" horzOverflow="overflow" vert="horz" wrap="square" lIns="91440" tIns="45720" rIns="91440" bIns="45720" numCol="1" spcCol="0" rtlCol="0" fromWordArt="0" anchor="t" anchorCtr="0" forceAA="0" upright="0" compatLnSpc="0">
+            <a:normAutofit/>
+          </a:bodyPr>
+          <a:lstStyle/>
+          <a:p>
+            <a:pPr marL="0" indent="0" algn="just">
+              <a:buFont typeface="Arial"/>
+              <a:buNone/>
+              <a:defRPr/>
+            </a:pPr>
+            <a:r>
+              <a:rPr lang="ru-RU" sz="2600" b="0" i="0" u="none" strike="noStrike" cap="none" spc="0">
+                <a:solidFill>
+                  <a:schemeClr val="tx1"/>
+                </a:solidFill>
+                <a:latin typeface="Times New Roman"/>
+                <a:cs typeface="Times New Roman"/>
+              </a:rPr>
+              <a:t>Актуальность данной работы обусловлена растущим интересом к применению беспилотных летательных аппаратов (БПЛА) в сельском хозяйстве и необходимостью развития точного земледелия. В частности, дроны используются для мониторинга урожая и создания точных карт полей, что является ключевым сегментом "умного сельского хозяйства".</a:t>
+            </a:r>
+            <a:r>
+              <a:rPr lang="en-US" sz="2600">
+                <a:latin typeface="Times New Roman"/>
+                <a:cs typeface="Times New Roman"/>
+              </a:rPr>
+              <a:t> </a:t>
+            </a:r>
+            <a:endParaRPr sz="2600" b="0" i="0" u="none" strike="noStrike" cap="none" spc="0">
+              <a:solidFill>
+                <a:schemeClr val="tx1"/>
+              </a:solidFill>
+              <a:latin typeface="Times New Roman"/>
+              <a:cs typeface="Times New Roman"/>
+            </a:endParaRPr>
+          </a:p>
+          <a:p>
+            <a:pPr marL="0" indent="0" algn="just">
+              <a:buFont typeface="Arial"/>
+              <a:buNone/>
+              <a:defRPr/>
+            </a:pPr>
+            <a:r>
+              <a:rPr lang="ru-RU" sz="2600" b="0" i="0" u="none" strike="noStrike" cap="none" spc="0">
+                <a:solidFill>
+                  <a:schemeClr val="tx1"/>
+                </a:solidFill>
+                <a:latin typeface="Times New Roman"/>
+                <a:cs typeface="Times New Roman"/>
+              </a:rPr>
+              <a:t>Преимущества:</a:t>
+            </a:r>
+            <a:endParaRPr sz="2600" b="0" i="0" u="none" strike="noStrike" cap="none" spc="0">
+              <a:solidFill>
+                <a:schemeClr val="tx1"/>
+              </a:solidFill>
+              <a:latin typeface="Times New Roman"/>
+              <a:cs typeface="Times New Roman"/>
+            </a:endParaRPr>
+          </a:p>
+          <a:p>
+            <a:pPr marL="371994" marR="0" indent="-371994" algn="just">
+              <a:buFont typeface="Arial"/>
+              <a:buAutoNum type="arabicParenR"/>
+              <a:defRPr/>
+            </a:pPr>
+            <a:r>
+              <a:rPr lang="ru-RU" sz="2600" b="0" i="0" u="none" strike="noStrike" cap="none" spc="0">
+                <a:solidFill>
+                  <a:schemeClr val="tx1"/>
+                </a:solidFill>
+                <a:latin typeface="Times New Roman"/>
+                <a:cs typeface="Times New Roman"/>
+              </a:rPr>
+              <a:t>Повышении эффективности использования БПЛА</a:t>
+            </a:r>
+            <a:r>
+              <a:rPr lang="en-US" sz="2600" b="0" i="0" u="none" strike="noStrike" cap="none" spc="0">
+                <a:solidFill>
+                  <a:schemeClr val="tx1"/>
+                </a:solidFill>
+                <a:latin typeface="Times New Roman"/>
+                <a:cs typeface="Times New Roman"/>
+              </a:rPr>
+              <a:t>;</a:t>
+            </a:r>
+            <a:endParaRPr sz="2600" b="0" i="0" u="none" strike="noStrike" cap="none" spc="0">
+              <a:solidFill>
+                <a:schemeClr val="tx1"/>
+              </a:solidFill>
+              <a:latin typeface="Times New Roman"/>
+              <a:cs typeface="Times New Roman"/>
+            </a:endParaRPr>
+          </a:p>
+          <a:p>
+            <a:pPr marL="371994" marR="0" indent="-371994" algn="just">
+              <a:buFont typeface="Arial"/>
+              <a:buAutoNum type="arabicParenR"/>
+              <a:defRPr/>
+            </a:pPr>
+            <a:r>
+              <a:rPr lang="ru-RU" sz="2600" b="0" i="0" u="none" strike="noStrike" cap="none" spc="0">
+                <a:solidFill>
+                  <a:schemeClr val="tx1"/>
+                </a:solidFill>
+                <a:latin typeface="Times New Roman"/>
+                <a:ea typeface="Times New Roman"/>
+                <a:cs typeface="Times New Roman"/>
+              </a:rPr>
+              <a:t>Сокращение затраты на выезд специалистов</a:t>
+            </a:r>
+            <a:r>
+              <a:rPr lang="en-US" sz="2600" b="0" i="0" u="none" strike="noStrike" cap="none" spc="0">
+                <a:solidFill>
+                  <a:schemeClr val="tx1"/>
+                </a:solidFill>
+                <a:latin typeface="Times New Roman"/>
+                <a:cs typeface="Times New Roman"/>
+              </a:rPr>
+              <a:t>;</a:t>
+            </a:r>
+            <a:endParaRPr sz="2600" b="0" i="0" u="none" strike="noStrike" cap="none" spc="0">
+              <a:solidFill>
+                <a:schemeClr val="tx1"/>
+              </a:solidFill>
+              <a:latin typeface="Times New Roman"/>
+              <a:cs typeface="Times New Roman"/>
+            </a:endParaRPr>
+          </a:p>
+          <a:p>
+            <a:pPr marL="371994" marR="0" indent="-371994" algn="just">
+              <a:buFont typeface="Arial"/>
+              <a:buAutoNum type="arabicParenR"/>
+              <a:defRPr/>
+            </a:pPr>
+            <a:r>
+              <a:rPr lang="ru-RU" sz="2600" b="0" i="0" u="none" strike="noStrike" cap="none" spc="0">
+                <a:solidFill>
+                  <a:schemeClr val="tx1"/>
+                </a:solidFill>
+                <a:latin typeface="Times New Roman"/>
+                <a:cs typeface="Times New Roman"/>
+              </a:rPr>
+              <a:t>Скорость и точность </a:t>
+            </a:r>
+            <a:r>
+              <a:rPr lang="ru-RU" sz="2600" b="0" i="0" u="none" strike="noStrike" cap="none" spc="0">
+                <a:solidFill>
+                  <a:schemeClr val="tx1"/>
+                </a:solidFill>
+                <a:latin typeface="Times New Roman"/>
+                <a:cs typeface="Times New Roman"/>
+              </a:rPr>
+              <a:t>предварительной оценки затрат на выезд специалистов</a:t>
+            </a:r>
+            <a:r>
+              <a:rPr lang="en-US" sz="2600" b="0" i="0" u="none" strike="noStrike" cap="none" spc="0">
+                <a:solidFill>
+                  <a:schemeClr val="tx1"/>
+                </a:solidFill>
+                <a:latin typeface="Times New Roman"/>
+                <a:cs typeface="Times New Roman"/>
+              </a:rPr>
+              <a:t>.</a:t>
+            </a:r>
+            <a:endParaRPr sz="2600" b="0" i="0" u="none" strike="noStrike" cap="none" spc="0">
+              <a:solidFill>
+                <a:schemeClr val="tx1"/>
+              </a:solidFill>
+              <a:latin typeface="Times New Roman"/>
+              <a:cs typeface="Times New Roman"/>
+            </a:endParaRPr>
           </a:p>
         </p:txBody>
       </p:sp>
@@ -4405,6 +4985,394 @@
       </p:grpSpPr>
       <p:sp>
         <p:nvSpPr>
+          <p:cNvPr id="1739450614" name="Title 1"/>
+          <p:cNvSpPr>
+            <a:spLocks noGrp="1"/>
+          </p:cNvSpPr>
+          <p:nvPr>
+            <p:ph type="title"/>
+          </p:nvPr>
+        </p:nvSpPr>
+        <p:spPr bwMode="auto">
+          <a:xfrm rot="0" flipH="0" flipV="0">
+            <a:off x="0" y="0"/>
+            <a:ext cx="9144000" cy="720000"/>
+          </a:xfrm>
+        </p:spPr>
+        <p:txBody>
+          <a:bodyPr/>
+          <a:lstStyle/>
+          <a:p>
+            <a:pPr marL="0" marR="0" indent="0" algn="ctr">
+              <a:defRPr/>
+            </a:pPr>
+            <a:r>
+              <a:rPr lang="ru-RU" sz="2800" b="1" i="0" u="none" strike="noStrike" cap="none" spc="0">
+                <a:solidFill>
+                  <a:schemeClr val="tx1"/>
+                </a:solidFill>
+                <a:latin typeface="Times New Roman"/>
+                <a:cs typeface="Times New Roman"/>
+              </a:rPr>
+              <a:t>ДИАГРАММА ВАРИАНТОВ ИСПОЛЬЗОВАНИЯ</a:t>
+            </a:r>
+            <a:endParaRPr sz="2800" b="1">
+              <a:latin typeface="Times New Roman"/>
+              <a:cs typeface="Times New Roman"/>
+            </a:endParaRPr>
+          </a:p>
+        </p:txBody>
+      </p:sp>
+      <p:pic>
+        <p:nvPicPr>
+          <p:cNvPr id="100547148" name=""/>
+          <p:cNvPicPr>
+            <a:picLocks noChangeAspect="1"/>
+          </p:cNvPicPr>
+          <p:nvPr>
+            <p:ph idx="1"/>
+          </p:nvPr>
+        </p:nvPicPr>
+        <p:blipFill>
+          <a:blip r:embed="rId2"/>
+          <a:stretch/>
+        </p:blipFill>
+        <p:spPr bwMode="auto">
+          <a:xfrm rot="0" flipH="0" flipV="0">
+            <a:off x="2001367" y="720000"/>
+            <a:ext cx="5141265" cy="5850950"/>
+          </a:xfrm>
+          <a:prstGeom prst="rect">
+            <a:avLst/>
+          </a:prstGeom>
+        </p:spPr>
+      </p:pic>
+    </p:spTree>
+  </p:cSld>
+  <p:clrMapOvr>
+    <a:masterClrMapping/>
+  </p:clrMapOvr>
+  <mc:AlternateContent xmlns:mc="http://schemas.openxmlformats.org/markup-compatibility/2006">
+    <mc:Choice xmlns:p14="http://schemas.microsoft.com/office/powerpoint/2010/main" Requires="p14">
+      <p:transition p14:dur="2000" advClick="1"/>
+    </mc:Choice>
+    <mc:Fallback>
+      <p:transition advClick="1"/>
+    </mc:Fallback>
+  </mc:AlternateContent>
+</p:sld>
+</file>
+
+<file path=ppt/slides/slide5.xml><?xml version="1.0" encoding="utf-8"?>
+<p:sld xmlns:a="http://schemas.openxmlformats.org/drawingml/2006/main" xmlns:r="http://schemas.openxmlformats.org/officeDocument/2006/relationships" xmlns:p="http://schemas.openxmlformats.org/presentationml/2006/main" xmlns:m="http://schemas.openxmlformats.org/officeDocument/2006/math" xmlns:w="http://schemas.openxmlformats.org/wordprocessingml/2006/main" showMasterPhAnim="0" show="1">
+  <p:cSld name="">
+    <p:spTree>
+      <p:nvGrpSpPr>
+        <p:cNvPr id="1" name=""/>
+        <p:cNvGrpSpPr/>
+        <p:nvPr/>
+      </p:nvGrpSpPr>
+      <p:grpSpPr bwMode="auto">
+        <a:xfrm>
+          <a:off x="0" y="0"/>
+          <a:ext cx="0" cy="0"/>
+          <a:chOff x="0" y="0"/>
+          <a:chExt cx="0" cy="0"/>
+        </a:xfrm>
+      </p:grpSpPr>
+      <p:sp>
+        <p:nvSpPr>
+          <p:cNvPr id="32098881" name="Title 1"/>
+          <p:cNvSpPr>
+            <a:spLocks noGrp="1"/>
+          </p:cNvSpPr>
+          <p:nvPr>
+            <p:ph type="title"/>
+          </p:nvPr>
+        </p:nvSpPr>
+        <p:spPr bwMode="auto">
+          <a:xfrm rot="0" flipH="0" flipV="0">
+            <a:off x="0" y="0"/>
+            <a:ext cx="9144000" cy="720000"/>
+          </a:xfrm>
+        </p:spPr>
+        <p:txBody>
+          <a:bodyPr vertOverflow="overflow" horzOverflow="overflow" vert="horz" wrap="square" lIns="91440" tIns="45720" rIns="91440" bIns="45720" numCol="1" spcCol="0" rtlCol="0" fromWordArt="0" anchor="ctr" anchorCtr="0" forceAA="0" upright="0" compatLnSpc="0">
+            <a:normAutofit/>
+          </a:bodyPr>
+          <a:lstStyle/>
+          <a:p>
+            <a:pPr algn="ctr">
+              <a:defRPr/>
+            </a:pPr>
+            <a:r>
+              <a:rPr lang="ru-RU" sz="2800" b="1" i="0" u="none" strike="noStrike" cap="none" spc="0">
+                <a:solidFill>
+                  <a:schemeClr val="tx1"/>
+                </a:solidFill>
+                <a:latin typeface="Times New Roman"/>
+                <a:ea typeface="Times New Roman"/>
+                <a:cs typeface="Times New Roman"/>
+              </a:rPr>
+              <a:t>ДИАГРАММА КОМПОНЕНТОВ СИСТЕМЫ</a:t>
+            </a:r>
+            <a:endParaRPr sz="2800" b="1">
+              <a:latin typeface="Times New Roman"/>
+              <a:cs typeface="Times New Roman"/>
+            </a:endParaRPr>
+          </a:p>
+        </p:txBody>
+      </p:sp>
+      <p:pic>
+        <p:nvPicPr>
+          <p:cNvPr id="1140433430" name=""/>
+          <p:cNvPicPr>
+            <a:picLocks noChangeAspect="1"/>
+          </p:cNvPicPr>
+          <p:nvPr>
+            <p:ph idx="1"/>
+          </p:nvPr>
+        </p:nvPicPr>
+        <p:blipFill>
+          <a:blip r:embed="rId2"/>
+          <a:stretch/>
+        </p:blipFill>
+        <p:spPr bwMode="auto">
+          <a:xfrm rot="0" flipH="0" flipV="0">
+            <a:off x="1448102" y="720000"/>
+            <a:ext cx="6247793" cy="6028370"/>
+          </a:xfrm>
+          <a:prstGeom prst="rect">
+            <a:avLst/>
+          </a:prstGeom>
+        </p:spPr>
+      </p:pic>
+    </p:spTree>
+  </p:cSld>
+  <p:clrMapOvr>
+    <a:masterClrMapping/>
+  </p:clrMapOvr>
+  <mc:AlternateContent xmlns:mc="http://schemas.openxmlformats.org/markup-compatibility/2006">
+    <mc:Choice xmlns:p14="http://schemas.microsoft.com/office/powerpoint/2010/main" Requires="p14">
+      <p:transition p14:dur="2000" advClick="1"/>
+    </mc:Choice>
+    <mc:Fallback>
+      <p:transition advClick="1"/>
+    </mc:Fallback>
+  </mc:AlternateContent>
+</p:sld>
+</file>
+
+<file path=ppt/slides/slide6.xml><?xml version="1.0" encoding="utf-8"?>
+<p:sld xmlns:a="http://schemas.openxmlformats.org/drawingml/2006/main" xmlns:r="http://schemas.openxmlformats.org/officeDocument/2006/relationships" xmlns:p="http://schemas.openxmlformats.org/presentationml/2006/main" xmlns:m="http://schemas.openxmlformats.org/officeDocument/2006/math" xmlns:w="http://schemas.openxmlformats.org/wordprocessingml/2006/main" showMasterPhAnim="0" show="1">
+  <p:cSld name="">
+    <p:spTree>
+      <p:nvGrpSpPr>
+        <p:cNvPr id="1" name=""/>
+        <p:cNvGrpSpPr/>
+        <p:nvPr/>
+      </p:nvGrpSpPr>
+      <p:grpSpPr bwMode="auto">
+        <a:xfrm>
+          <a:off x="0" y="0"/>
+          <a:ext cx="0" cy="0"/>
+          <a:chOff x="0" y="0"/>
+          <a:chExt cx="0" cy="0"/>
+        </a:xfrm>
+      </p:grpSpPr>
+      <p:sp>
+        <p:nvSpPr>
+          <p:cNvPr id="1327003959" name="Title 1"/>
+          <p:cNvSpPr>
+            <a:spLocks noGrp="1"/>
+          </p:cNvSpPr>
+          <p:nvPr>
+            <p:ph type="title"/>
+          </p:nvPr>
+        </p:nvSpPr>
+        <p:spPr bwMode="auto">
+          <a:xfrm rot="0" flipH="0" flipV="0">
+            <a:off x="0" y="0"/>
+            <a:ext cx="9144000" cy="720000"/>
+          </a:xfrm>
+        </p:spPr>
+        <p:txBody>
+          <a:bodyPr/>
+          <a:lstStyle/>
+          <a:p>
+            <a:pPr algn="ctr">
+              <a:defRPr/>
+            </a:pPr>
+            <a:r>
+              <a:rPr lang="ru-RU" sz="2800" b="1" i="0" u="none" strike="noStrike" cap="none" spc="0">
+                <a:solidFill>
+                  <a:schemeClr val="tx1"/>
+                </a:solidFill>
+                <a:latin typeface="Times New Roman"/>
+                <a:cs typeface="Times New Roman"/>
+              </a:rPr>
+              <a:t>МОДЕЛЬ БАЗЫ ДАННЫХ</a:t>
+            </a:r>
+            <a:endParaRPr sz="2800" b="1">
+              <a:latin typeface="Times New Roman"/>
+              <a:cs typeface="Times New Roman"/>
+            </a:endParaRPr>
+          </a:p>
+        </p:txBody>
+      </p:sp>
+      <p:pic>
+        <p:nvPicPr>
+          <p:cNvPr id="129113563" name=""/>
+          <p:cNvPicPr>
+            <a:picLocks noChangeAspect="1"/>
+          </p:cNvPicPr>
+          <p:nvPr>
+            <p:ph idx="1"/>
+          </p:nvPr>
+        </p:nvPicPr>
+        <p:blipFill>
+          <a:blip r:embed="rId2"/>
+          <a:stretch/>
+        </p:blipFill>
+        <p:spPr bwMode="auto">
+          <a:xfrm rot="0" flipH="0" flipV="0">
+            <a:off x="60894" y="1317926"/>
+            <a:ext cx="9022211" cy="4518143"/>
+          </a:xfrm>
+          <a:prstGeom prst="rect">
+            <a:avLst/>
+          </a:prstGeom>
+        </p:spPr>
+      </p:pic>
+    </p:spTree>
+  </p:cSld>
+  <p:clrMapOvr>
+    <a:masterClrMapping/>
+  </p:clrMapOvr>
+  <mc:AlternateContent xmlns:mc="http://schemas.openxmlformats.org/markup-compatibility/2006">
+    <mc:Choice xmlns:p14="http://schemas.microsoft.com/office/powerpoint/2010/main" Requires="p14">
+      <p:transition p14:dur="2000" advClick="1"/>
+    </mc:Choice>
+    <mc:Fallback>
+      <p:transition advClick="1"/>
+    </mc:Fallback>
+  </mc:AlternateContent>
+</p:sld>
+</file>
+
+<file path=ppt/slides/slide7.xml><?xml version="1.0" encoding="utf-8"?>
+<p:sld xmlns:a="http://schemas.openxmlformats.org/drawingml/2006/main" xmlns:r="http://schemas.openxmlformats.org/officeDocument/2006/relationships" xmlns:p="http://schemas.openxmlformats.org/presentationml/2006/main" xmlns:m="http://schemas.openxmlformats.org/officeDocument/2006/math" xmlns:w="http://schemas.openxmlformats.org/wordprocessingml/2006/main" showMasterPhAnim="0" show="1">
+  <p:cSld name="">
+    <p:spTree>
+      <p:nvGrpSpPr>
+        <p:cNvPr id="1" name=""/>
+        <p:cNvGrpSpPr/>
+        <p:nvPr/>
+      </p:nvGrpSpPr>
+      <p:grpSpPr bwMode="auto">
+        <a:xfrm>
+          <a:off x="0" y="0"/>
+          <a:ext cx="0" cy="0"/>
+          <a:chOff x="0" y="0"/>
+          <a:chExt cx="0" cy="0"/>
+        </a:xfrm>
+      </p:grpSpPr>
+      <p:sp>
+        <p:nvSpPr>
+          <p:cNvPr id="2001751733" name="Title 1"/>
+          <p:cNvSpPr>
+            <a:spLocks noGrp="1"/>
+          </p:cNvSpPr>
+          <p:nvPr>
+            <p:ph type="title"/>
+          </p:nvPr>
+        </p:nvSpPr>
+        <p:spPr bwMode="auto">
+          <a:xfrm rot="0" flipH="0" flipV="0">
+            <a:off x="0" y="0"/>
+            <a:ext cx="9144000" cy="720000"/>
+          </a:xfrm>
+        </p:spPr>
+        <p:txBody>
+          <a:bodyPr/>
+          <a:lstStyle/>
+          <a:p>
+            <a:pPr algn="ctr">
+              <a:defRPr/>
+            </a:pPr>
+            <a:r>
+              <a:rPr sz="2800" b="1">
+                <a:latin typeface="Times New Roman"/>
+                <a:cs typeface="Times New Roman"/>
+              </a:rPr>
+              <a:t>ДИАГРАММА ДЕЯТЕЛЬНОСТИ</a:t>
+            </a:r>
+            <a:endParaRPr sz="2800" b="1">
+              <a:latin typeface="Times New Roman"/>
+              <a:cs typeface="Times New Roman"/>
+            </a:endParaRPr>
+          </a:p>
+        </p:txBody>
+      </p:sp>
+      <p:pic>
+        <p:nvPicPr>
+          <p:cNvPr id="295919669" name=""/>
+          <p:cNvPicPr>
+            <a:picLocks noChangeAspect="1"/>
+          </p:cNvPicPr>
+          <p:nvPr>
+            <p:ph idx="1"/>
+          </p:nvPr>
+        </p:nvPicPr>
+        <p:blipFill>
+          <a:blip r:embed="rId2"/>
+          <a:stretch/>
+        </p:blipFill>
+        <p:spPr bwMode="auto">
+          <a:xfrm rot="0" flipH="0" flipV="0">
+            <a:off x="945721" y="720000"/>
+            <a:ext cx="7252555" cy="6064772"/>
+          </a:xfrm>
+          <a:prstGeom prst="rect">
+            <a:avLst/>
+          </a:prstGeom>
+        </p:spPr>
+      </p:pic>
+    </p:spTree>
+  </p:cSld>
+  <p:clrMapOvr>
+    <a:masterClrMapping/>
+  </p:clrMapOvr>
+  <mc:AlternateContent xmlns:mc="http://schemas.openxmlformats.org/markup-compatibility/2006">
+    <mc:Choice xmlns:p14="http://schemas.microsoft.com/office/powerpoint/2010/main" Requires="p14">
+      <p:transition p14:dur="2000" advClick="1"/>
+    </mc:Choice>
+    <mc:Fallback>
+      <p:transition advClick="1"/>
+    </mc:Fallback>
+  </mc:AlternateContent>
+</p:sld>
+</file>
+
+<file path=ppt/slides/slide8.xml><?xml version="1.0" encoding="utf-8"?>
+<p:sld xmlns:a="http://schemas.openxmlformats.org/drawingml/2006/main" xmlns:r="http://schemas.openxmlformats.org/officeDocument/2006/relationships" xmlns:p="http://schemas.openxmlformats.org/presentationml/2006/main" xmlns:m="http://schemas.openxmlformats.org/officeDocument/2006/math" xmlns:w="http://schemas.openxmlformats.org/wordprocessingml/2006/main" showMasterPhAnim="0" show="1">
+  <p:cSld name="">
+    <p:spTree>
+      <p:nvGrpSpPr>
+        <p:cNvPr id="1" name=""/>
+        <p:cNvGrpSpPr/>
+        <p:nvPr/>
+      </p:nvGrpSpPr>
+      <p:grpSpPr bwMode="auto">
+        <a:xfrm>
+          <a:off x="0" y="0"/>
+          <a:ext cx="0" cy="0"/>
+          <a:chOff x="0" y="0"/>
+          <a:chExt cx="0" cy="0"/>
+        </a:xfrm>
+      </p:grpSpPr>
+      <p:sp>
+        <p:nvSpPr>
           <p:cNvPr id="2090658852" name="Title 1"/>
           <p:cNvSpPr>
             <a:spLocks noGrp="1"/>
@@ -4413,7 +5381,12 @@
             <p:ph type="title"/>
           </p:nvPr>
         </p:nvSpPr>
-        <p:spPr bwMode="auto"/>
+        <p:spPr bwMode="auto">
+          <a:xfrm rot="0" flipH="0" flipV="0">
+            <a:off x="0" y="0"/>
+            <a:ext cx="9144000" cy="720000"/>
+          </a:xfrm>
+        </p:spPr>
         <p:txBody>
           <a:bodyPr/>
           <a:lstStyle/>
@@ -4422,7 +5395,7 @@
               <a:defRPr/>
             </a:pPr>
             <a:r>
-              <a:rPr lang="ru-RU" sz="4400" b="1" i="0" u="none" strike="noStrike" cap="none" spc="0">
+              <a:rPr lang="ru-RU" sz="2800" b="1" i="0" u="none" strike="noStrike" cap="none" spc="0">
                 <a:solidFill>
                   <a:schemeClr val="tx1"/>
                 </a:solidFill>
@@ -4431,7 +5404,7 @@
               </a:rPr>
               <a:t>ИСПОЛЬЗУЕМЫЕ ТЕХНОЛОГИИ</a:t>
             </a:r>
-            <a:endParaRPr b="1">
+            <a:endParaRPr sz="2800" b="1">
               <a:latin typeface="Times New Roman"/>
               <a:cs typeface="Times New Roman"/>
             </a:endParaRPr>
@@ -4448,15 +5421,252 @@
             <p:ph idx="1"/>
           </p:nvPr>
         </p:nvSpPr>
-        <p:spPr bwMode="auto"/>
-        <p:txBody>
-          <a:bodyPr/>
-          <a:lstStyle/>
-          <a:p>
-            <a:pPr>
-              <a:defRPr/>
-            </a:pPr>
-            <a:endParaRPr/>
+        <p:spPr bwMode="auto">
+          <a:xfrm flipH="0" flipV="0">
+            <a:off x="628650" y="720000"/>
+            <a:ext cx="7886700" cy="5456962"/>
+          </a:xfrm>
+        </p:spPr>
+        <p:txBody>
+          <a:bodyPr vertOverflow="overflow" horzOverflow="overflow" vert="horz" wrap="square" lIns="91440" tIns="45720" rIns="91440" bIns="45720" numCol="1" spcCol="0" rtlCol="0" fromWordArt="0" anchor="t" anchorCtr="0" forceAA="0" upright="0" compatLnSpc="0">
+            <a:normAutofit/>
+          </a:bodyPr>
+          <a:lstStyle/>
+          <a:p>
+            <a:pPr>
+              <a:defRPr/>
+            </a:pPr>
+            <a:r>
+              <a:rPr lang="ru-RU"/>
+              <a:t>Фреймворк</a:t>
+            </a:r>
+            <a:r>
+              <a:rPr lang="en-US"/>
+              <a:t>: Tauri.</a:t>
+            </a:r>
+            <a:endParaRPr lang="en-US"/>
+          </a:p>
+          <a:p>
+            <a:pPr>
+              <a:defRPr/>
+            </a:pPr>
+            <a:r>
+              <a:rPr lang="ru-RU"/>
+              <a:t>Язык программирования</a:t>
+            </a:r>
+            <a:r>
+              <a:rPr lang="en-US"/>
+              <a:t> </a:t>
+            </a:r>
+            <a:r>
+              <a:rPr lang="ru-RU"/>
+              <a:t>бэкенда</a:t>
+            </a:r>
+            <a:r>
+              <a:rPr lang="en-US"/>
+              <a:t>: </a:t>
+            </a:r>
+            <a:r>
+              <a:rPr lang="en-US"/>
+              <a:t>Rust.</a:t>
+            </a:r>
+            <a:endParaRPr lang="en-US"/>
+          </a:p>
+          <a:p>
+            <a:pPr>
+              <a:defRPr/>
+            </a:pPr>
+            <a:r>
+              <a:rPr lang="ru-RU"/>
+              <a:t>База данных</a:t>
+            </a:r>
+            <a:r>
+              <a:rPr lang="en-US"/>
+              <a:t>: </a:t>
+            </a:r>
+            <a:r>
+              <a:rPr lang="en-US"/>
+              <a:t>Sqlite.</a:t>
+            </a:r>
+            <a:endParaRPr lang="en-US"/>
+          </a:p>
+          <a:p>
+            <a:pPr>
+              <a:defRPr/>
+            </a:pPr>
+            <a:r>
+              <a:rPr lang="ru-RU"/>
+              <a:t>Фреймворк фронтенда</a:t>
+            </a:r>
+            <a:r>
+              <a:rPr lang="en-US"/>
+              <a:t>: </a:t>
+            </a:r>
+            <a:r>
+              <a:rPr lang="en-US"/>
+              <a:t>Svelte.</a:t>
+            </a:r>
+            <a:endParaRPr lang="en-US"/>
+          </a:p>
+          <a:p>
+            <a:pPr>
+              <a:defRPr/>
+            </a:pPr>
+            <a:r>
+              <a:rPr lang="ru-RU"/>
+              <a:t>Язык программирования фронтенда</a:t>
+            </a:r>
+            <a:r>
+              <a:rPr lang="en-US"/>
+              <a:t>: </a:t>
+            </a:r>
+            <a:r>
+              <a:rPr lang="en-US"/>
+              <a:t>TypeScript.</a:t>
+            </a:r>
+            <a:endParaRPr lang="en-US"/>
+          </a:p>
+          <a:p>
+            <a:pPr>
+              <a:defRPr/>
+            </a:pPr>
+            <a:r>
+              <a:rPr lang="ru-RU"/>
+              <a:t>Библиотека для отображения карты</a:t>
+            </a:r>
+            <a:r>
+              <a:rPr lang="en-US"/>
+              <a:t>: </a:t>
+            </a:r>
+            <a:r>
+              <a:rPr lang="en-US" sz="2800" b="0" i="0" u="none" strike="noStrike" cap="none" spc="0">
+                <a:solidFill>
+                  <a:schemeClr val="tx1"/>
+                </a:solidFill>
+                <a:latin typeface="Arial"/>
+                <a:cs typeface="Arial"/>
+              </a:rPr>
+              <a:t>OpenLayers.</a:t>
+            </a:r>
+            <a:endParaRPr lang="en-US" sz="2800" b="0" i="0" u="none" strike="noStrike" cap="none" spc="0">
+              <a:solidFill>
+                <a:schemeClr val="tx1"/>
+              </a:solidFill>
+              <a:latin typeface="Arial"/>
+              <a:cs typeface="Arial"/>
+            </a:endParaRPr>
+          </a:p>
+          <a:p>
+            <a:pPr>
+              <a:defRPr/>
+            </a:pPr>
+            <a:endParaRPr lang="en-US"/>
+          </a:p>
+          <a:p>
+            <a:pPr>
+              <a:defRPr/>
+            </a:pPr>
+            <a:endParaRPr lang="en-US"/>
+          </a:p>
+        </p:txBody>
+      </p:sp>
+    </p:spTree>
+  </p:cSld>
+  <p:clrMapOvr>
+    <a:masterClrMapping/>
+  </p:clrMapOvr>
+  <mc:AlternateContent xmlns:mc="http://schemas.openxmlformats.org/markup-compatibility/2006">
+    <mc:Choice xmlns:p14="http://schemas.microsoft.com/office/powerpoint/2010/main" Requires="p14">
+      <p:transition p14:dur="2000" advClick="1"/>
+    </mc:Choice>
+    <mc:Fallback>
+      <p:transition advClick="1"/>
+    </mc:Fallback>
+  </mc:AlternateContent>
+</p:sld>
+</file>
+
+<file path=ppt/slides/slide9.xml><?xml version="1.0" encoding="utf-8"?>
+<p:sld xmlns:a="http://schemas.openxmlformats.org/drawingml/2006/main" xmlns:r="http://schemas.openxmlformats.org/officeDocument/2006/relationships" xmlns:p="http://schemas.openxmlformats.org/presentationml/2006/main" xmlns:m="http://schemas.openxmlformats.org/officeDocument/2006/math" xmlns:w="http://schemas.openxmlformats.org/wordprocessingml/2006/main" showMasterPhAnim="0" show="1">
+  <p:cSld name="">
+    <p:spTree>
+      <p:nvGrpSpPr>
+        <p:cNvPr id="1" name=""/>
+        <p:cNvGrpSpPr/>
+        <p:nvPr/>
+      </p:nvGrpSpPr>
+      <p:grpSpPr bwMode="auto">
+        <a:xfrm>
+          <a:off x="0" y="0"/>
+          <a:ext cx="0" cy="0"/>
+          <a:chOff x="0" y="0"/>
+          <a:chExt cx="0" cy="0"/>
+        </a:xfrm>
+      </p:grpSpPr>
+      <p:sp>
+        <p:nvSpPr>
+          <p:cNvPr id="1683534641" name="Title 1"/>
+          <p:cNvSpPr>
+            <a:spLocks noGrp="1"/>
+          </p:cNvSpPr>
+          <p:nvPr>
+            <p:ph type="title"/>
+          </p:nvPr>
+        </p:nvSpPr>
+        <p:spPr bwMode="auto">
+          <a:xfrm rot="0" flipH="0" flipV="0">
+            <a:off x="0" y="0"/>
+            <a:ext cx="9144000" cy="720000"/>
+          </a:xfrm>
+        </p:spPr>
+        <p:txBody>
+          <a:bodyPr/>
+          <a:lstStyle/>
+          <a:p>
+            <a:pPr algn="ctr">
+              <a:defRPr/>
+            </a:pPr>
+            <a:r>
+              <a:rPr sz="2800" b="1">
+                <a:latin typeface="Times New Roman"/>
+                <a:cs typeface="Times New Roman"/>
+              </a:rPr>
+              <a:t>ОСНОВНЫЕ РЕЗУЛЬТАТЫ</a:t>
+            </a:r>
+            <a:endParaRPr sz="2800" b="1">
+              <a:latin typeface="Times New Roman"/>
+              <a:cs typeface="Times New Roman"/>
+            </a:endParaRPr>
+          </a:p>
+        </p:txBody>
+      </p:sp>
+      <p:sp>
+        <p:nvSpPr>
+          <p:cNvPr id="417868850" name="Content Placeholder 2"/>
+          <p:cNvSpPr>
+            <a:spLocks noGrp="1"/>
+          </p:cNvSpPr>
+          <p:nvPr>
+            <p:ph idx="1"/>
+          </p:nvPr>
+        </p:nvSpPr>
+        <p:spPr bwMode="auto">
+          <a:xfrm flipH="0" flipV="0">
+            <a:off x="628650" y="720000"/>
+            <a:ext cx="7886700" cy="5456962"/>
+          </a:xfrm>
+        </p:spPr>
+        <p:txBody>
+          <a:bodyPr/>
+          <a:lstStyle/>
+          <a:p>
+            <a:pPr>
+              <a:defRPr/>
+            </a:pPr>
+            <a:endParaRPr>
+              <a:latin typeface="Times New Roman"/>
+              <a:cs typeface="Times New Roman"/>
+            </a:endParaRPr>
           </a:p>
         </p:txBody>
       </p:sp>

--- a/doc/Raschupkin_EV_UAV_Route_Planning.pptx
+++ b/doc/Raschupkin_EV_UAV_Route_Planning.pptx
@@ -17,6 +17,11 @@
     <p:sldId id="265" r:id="rId12"/>
     <p:sldId id="266" r:id="rId13"/>
     <p:sldId id="267" r:id="rId14"/>
+    <p:sldId id="268" r:id="rId15"/>
+    <p:sldId id="269" r:id="rId16"/>
+    <p:sldId id="270" r:id="rId17"/>
+    <p:sldId id="271" r:id="rId18"/>
+    <p:sldId id="272" r:id="rId19"/>
   </p:sldIdLst>
   <p:sldSz cx="9144000" cy="6858000" type="screen4x3"/>
   <p:notesSz cx="9144000" cy="6858000"/>
@@ -4181,7 +4186,7 @@
       </p:grpSpPr>
       <p:sp>
         <p:nvSpPr>
-          <p:cNvPr id="1634827371" name="Title 1"/>
+          <p:cNvPr id="1683534641" name="Title 1"/>
           <p:cNvSpPr>
             <a:spLocks noGrp="1"/>
           </p:cNvSpPr>
@@ -4196,7 +4201,9 @@
           </a:xfrm>
         </p:spPr>
         <p:txBody>
-          <a:bodyPr/>
+          <a:bodyPr vertOverflow="overflow" horzOverflow="overflow" vert="horz" wrap="square" lIns="91440" tIns="45720" rIns="91440" bIns="45720" numCol="1" spcCol="0" rtlCol="0" fromWordArt="0" anchor="ctr" anchorCtr="0" forceAA="0" upright="0" compatLnSpc="0">
+            <a:normAutofit fontScale="90000" lnSpcReduction="2000"/>
+          </a:bodyPr>
           <a:lstStyle/>
           <a:p>
             <a:pPr algn="ctr">
@@ -4207,7 +4214,7 @@
                 <a:latin typeface="Times New Roman"/>
                 <a:cs typeface="Times New Roman"/>
               </a:rPr>
-              <a:t>ОСНОВНЫЕ РЕЗУЛЬТАТЫ</a:t>
+              <a:t>ВИЗУАЛИЗАЦИЯ РАБОТЫ АЛГОРИТМА ДИСКРЕТИЗАЦИИ</a:t>
             </a:r>
             <a:endParaRPr sz="2800" b="1">
               <a:latin typeface="Times New Roman"/>
@@ -4216,36 +4223,38 @@
           </a:p>
         </p:txBody>
       </p:sp>
-      <p:sp>
-        <p:nvSpPr>
-          <p:cNvPr id="24581935" name="Content Placeholder 2"/>
-          <p:cNvSpPr>
-            <a:spLocks noGrp="1"/>
-          </p:cNvSpPr>
+      <p:pic>
+        <p:nvPicPr>
+          <p:cNvPr id="934106895" name=""/>
+          <p:cNvPicPr>
+            <a:picLocks noChangeAspect="1"/>
+          </p:cNvPicPr>
           <p:nvPr>
             <p:ph idx="1"/>
           </p:nvPr>
-        </p:nvSpPr>
+        </p:nvPicPr>
+        <p:blipFill>
+          <a:blip r:embed="rId2"/>
+          <a:stretch/>
+        </p:blipFill>
         <p:spPr bwMode="auto">
-          <a:xfrm flipH="0" flipV="0">
-            <a:off x="628650" y="720000"/>
-            <a:ext cx="7886700" cy="5456962"/>
+          <a:xfrm rot="0">
+            <a:off x="934025" y="914027"/>
+            <a:ext cx="7275949" cy="5456961"/>
           </a:xfrm>
+          <a:prstGeom prst="rect">
+            <a:avLst/>
+          </a:prstGeom>
+          <a:ln w="12699">
+            <a:solidFill>
+              <a:schemeClr val="accent1">
+                <a:lumMod val="50196"/>
+              </a:schemeClr>
+            </a:solidFill>
+            <a:prstDash val="solid"/>
+          </a:ln>
         </p:spPr>
-        <p:txBody>
-          <a:bodyPr/>
-          <a:lstStyle/>
-          <a:p>
-            <a:pPr>
-              <a:defRPr/>
-            </a:pPr>
-            <a:endParaRPr>
-              <a:latin typeface="Times New Roman"/>
-              <a:cs typeface="Times New Roman"/>
-            </a:endParaRPr>
-          </a:p>
-        </p:txBody>
-      </p:sp>
+      </p:pic>
     </p:spTree>
   </p:cSld>
   <p:clrMapOvr>
@@ -4281,7 +4290,7 @@
       </p:grpSpPr>
       <p:sp>
         <p:nvSpPr>
-          <p:cNvPr id="1711695544" name="Title 1"/>
+          <p:cNvPr id="439803811" name="Title 1"/>
           <p:cNvSpPr>
             <a:spLocks noGrp="1"/>
           </p:cNvSpPr>
@@ -4299,16 +4308,33 @@
           <a:bodyPr/>
           <a:lstStyle/>
           <a:p>
-            <a:pPr>
-              <a:defRPr/>
-            </a:pPr>
-            <a:endParaRPr/>
-          </a:p>
-        </p:txBody>
-      </p:sp>
-      <p:sp>
-        <p:nvSpPr>
-          <p:cNvPr id="847695706" name="Content Placeholder 2"/>
+            <a:pPr algn="ctr">
+              <a:defRPr/>
+            </a:pPr>
+            <a:r>
+              <a:rPr sz="2800" b="1">
+                <a:latin typeface="Times New Roman"/>
+                <a:cs typeface="Times New Roman"/>
+              </a:rPr>
+              <a:t>АЛГОРИТМ </a:t>
+            </a:r>
+            <a:r>
+              <a:rPr lang="ru-RU" sz="2800" b="1">
+                <a:latin typeface="Times New Roman"/>
+                <a:cs typeface="Times New Roman"/>
+              </a:rPr>
+              <a:t>БЛИЖАЙШЕГО СОСЕДА</a:t>
+            </a:r>
+            <a:endParaRPr sz="2800" b="1">
+              <a:latin typeface="Times New Roman"/>
+              <a:cs typeface="Times New Roman"/>
+            </a:endParaRPr>
+          </a:p>
+        </p:txBody>
+      </p:sp>
+      <p:sp>
+        <p:nvSpPr>
+          <p:cNvPr id="1126800454" name="Content Placeholder 2"/>
           <p:cNvSpPr>
             <a:spLocks noGrp="1"/>
           </p:cNvSpPr>
@@ -4316,15 +4342,226 @@
             <p:ph idx="1"/>
           </p:nvPr>
         </p:nvSpPr>
-        <p:spPr bwMode="auto"/>
-        <p:txBody>
-          <a:bodyPr/>
+        <p:spPr bwMode="auto">
+          <a:xfrm flipH="0" flipV="0">
+            <a:off x="628649" y="720000"/>
+            <a:ext cx="7886700" cy="5456961"/>
+          </a:xfrm>
+        </p:spPr>
+        <p:txBody>
+          <a:bodyPr vertOverflow="overflow" horzOverflow="overflow" vert="horz" wrap="square" lIns="91440" tIns="45720" rIns="91440" bIns="45720" numCol="1" spcCol="0" rtlCol="0" fromWordArt="0" anchor="t" anchorCtr="0" forceAA="0" upright="0" compatLnSpc="0">
+            <a:normAutofit fontScale="90000" lnSpcReduction="2000"/>
+          </a:bodyPr>
           <a:lstStyle/>
           <a:p>
-            <a:pPr>
-              <a:defRPr/>
-            </a:pPr>
-            <a:endParaRPr/>
+            <a:pPr marL="305908" indent="-305908">
+              <a:buFont typeface="Arial"/>
+              <a:buAutoNum type="arabicParenR"/>
+              <a:defRPr/>
+            </a:pPr>
+            <a:r>
+              <a:rPr lang="ru-RU" sz="2800" b="0" i="0" u="none" strike="noStrike" cap="none" spc="0">
+                <a:solidFill>
+                  <a:schemeClr val="tx1"/>
+                </a:solidFill>
+                <a:latin typeface="Times New Roman"/>
+                <a:cs typeface="Times New Roman"/>
+              </a:rPr>
+              <a:t>Установить текущую точку равной начальной позиции</a:t>
+            </a:r>
+            <a:r>
+              <a:rPr lang="en-US" sz="2800" b="0" i="0" u="none" strike="noStrike" cap="none" spc="0">
+                <a:solidFill>
+                  <a:schemeClr val="tx1"/>
+                </a:solidFill>
+                <a:latin typeface="Times New Roman"/>
+                <a:cs typeface="Times New Roman"/>
+              </a:rPr>
+              <a:t>;</a:t>
+            </a:r>
+            <a:endParaRPr sz="2800" b="0" i="0" u="none" strike="noStrike" cap="none" spc="0">
+              <a:solidFill>
+                <a:schemeClr val="tx1"/>
+              </a:solidFill>
+              <a:latin typeface="Times New Roman"/>
+              <a:cs typeface="Times New Roman"/>
+            </a:endParaRPr>
+          </a:p>
+          <a:p>
+            <a:pPr marL="305908" indent="-305908">
+              <a:buFont typeface="Arial"/>
+              <a:buAutoNum type="arabicParenR"/>
+              <a:defRPr/>
+            </a:pPr>
+            <a:r>
+              <a:rPr lang="ru-RU" sz="2800" b="0" i="0" u="none" strike="noStrike" cap="none" spc="0">
+                <a:solidFill>
+                  <a:schemeClr val="tx1"/>
+                </a:solidFill>
+                <a:latin typeface="Times New Roman"/>
+                <a:cs typeface="Times New Roman"/>
+              </a:rPr>
+              <a:t>Найти ближайшую точку к текущей точке.</a:t>
+            </a:r>
+            <a:endParaRPr sz="2800" b="0" i="0" u="none" strike="noStrike" cap="none" spc="0">
+              <a:solidFill>
+                <a:schemeClr val="tx1"/>
+              </a:solidFill>
+              <a:latin typeface="Times New Roman"/>
+              <a:cs typeface="Times New Roman"/>
+            </a:endParaRPr>
+          </a:p>
+          <a:p>
+            <a:pPr marL="305908" indent="-305908">
+              <a:buFont typeface="Arial"/>
+              <a:buAutoNum type="arabicParenR"/>
+              <a:defRPr/>
+            </a:pPr>
+            <a:r>
+              <a:rPr lang="ru-RU" sz="2800" b="0" i="0" u="none" strike="noStrike" cap="none" spc="0">
+                <a:solidFill>
+                  <a:schemeClr val="tx1"/>
+                </a:solidFill>
+                <a:latin typeface="Times New Roman"/>
+                <a:cs typeface="Times New Roman"/>
+              </a:rPr>
+              <a:t>Удалить ближайшую точку из списка оставшихся точек.</a:t>
+            </a:r>
+            <a:endParaRPr sz="2800" b="0" i="0" u="none" strike="noStrike" cap="none" spc="0">
+              <a:solidFill>
+                <a:schemeClr val="tx1"/>
+              </a:solidFill>
+              <a:latin typeface="Times New Roman"/>
+              <a:cs typeface="Times New Roman"/>
+            </a:endParaRPr>
+          </a:p>
+          <a:p>
+            <a:pPr marL="305908" indent="-305908">
+              <a:buFont typeface="Arial"/>
+              <a:buAutoNum type="arabicParenR"/>
+              <a:defRPr/>
+            </a:pPr>
+            <a:r>
+              <a:rPr lang="ru-RU" sz="2800" b="0" i="0" u="none" strike="noStrike" cap="none" spc="0">
+                <a:solidFill>
+                  <a:schemeClr val="tx1"/>
+                </a:solidFill>
+                <a:latin typeface="Times New Roman"/>
+                <a:cs typeface="Times New Roman"/>
+              </a:rPr>
+              <a:t>Добавить ближайшую точку в список результатов.</a:t>
+            </a:r>
+            <a:endParaRPr sz="2800" b="0" i="0" u="none" strike="noStrike" cap="none" spc="0">
+              <a:solidFill>
+                <a:schemeClr val="tx1"/>
+              </a:solidFill>
+              <a:latin typeface="Times New Roman"/>
+              <a:cs typeface="Times New Roman"/>
+            </a:endParaRPr>
+          </a:p>
+          <a:p>
+            <a:pPr marL="305908" indent="-305908">
+              <a:buFont typeface="Arial"/>
+              <a:buAutoNum type="arabicParenR"/>
+              <a:defRPr/>
+            </a:pPr>
+            <a:r>
+              <a:rPr lang="ru-RU" sz="2800" b="0" i="0" u="none" strike="noStrike" cap="none" spc="0">
+                <a:solidFill>
+                  <a:schemeClr val="tx1"/>
+                </a:solidFill>
+                <a:latin typeface="Times New Roman"/>
+                <a:cs typeface="Times New Roman"/>
+              </a:rPr>
+              <a:t>Обновить текущую точку до ближайшей точки.</a:t>
+            </a:r>
+            <a:endParaRPr sz="2800" b="0" i="0" u="none" strike="noStrike" cap="none" spc="0">
+              <a:solidFill>
+                <a:schemeClr val="tx1"/>
+              </a:solidFill>
+              <a:latin typeface="Times New Roman"/>
+              <a:cs typeface="Times New Roman"/>
+            </a:endParaRPr>
+          </a:p>
+          <a:p>
+            <a:pPr marL="305908" indent="-305908">
+              <a:buFont typeface="Arial"/>
+              <a:buAutoNum type="arabicParenR"/>
+              <a:defRPr/>
+            </a:pPr>
+            <a:r>
+              <a:rPr lang="ru-RU" sz="2800" b="0" i="0" u="none" strike="noStrike" cap="none" spc="0">
+                <a:solidFill>
+                  <a:schemeClr val="tx1"/>
+                </a:solidFill>
+                <a:latin typeface="Times New Roman"/>
+                <a:ea typeface="Times New Roman"/>
+                <a:cs typeface="Times New Roman"/>
+              </a:rPr>
+              <a:t>Если список оставшихся не пуст, вернутся к шагу 2</a:t>
+            </a:r>
+            <a:r>
+              <a:rPr lang="en-US" sz="2800" b="0" i="0" u="none" strike="noStrike" cap="none" spc="0">
+                <a:solidFill>
+                  <a:schemeClr val="tx1"/>
+                </a:solidFill>
+                <a:latin typeface="Times New Roman"/>
+                <a:cs typeface="Times New Roman"/>
+              </a:rPr>
+              <a:t>.</a:t>
+            </a:r>
+            <a:endParaRPr sz="2800" b="0" i="0" u="none" strike="noStrike" cap="none" spc="0">
+              <a:solidFill>
+                <a:schemeClr val="tx1"/>
+              </a:solidFill>
+              <a:latin typeface="Times New Roman"/>
+              <a:cs typeface="Times New Roman"/>
+            </a:endParaRPr>
+          </a:p>
+          <a:p>
+            <a:pPr marL="305908" indent="-305908">
+              <a:buFont typeface="Arial"/>
+              <a:buAutoNum type="arabicParenR"/>
+              <a:defRPr/>
+            </a:pPr>
+            <a:r>
+              <a:rPr lang="ru-RU" sz="2800" b="0" i="0" u="none" strike="noStrike" cap="none" spc="0">
+                <a:solidFill>
+                  <a:schemeClr val="tx1"/>
+                </a:solidFill>
+                <a:latin typeface="Times New Roman"/>
+                <a:cs typeface="Times New Roman"/>
+              </a:rPr>
+              <a:t>Добавить начальную точку в конец списка результатов.</a:t>
+            </a:r>
+            <a:endParaRPr sz="2800">
+              <a:latin typeface="Times New Roman"/>
+              <a:cs typeface="Times New Roman"/>
+            </a:endParaRPr>
+          </a:p>
+          <a:p>
+            <a:pPr marL="305908" indent="-305908">
+              <a:buFont typeface="Arial"/>
+              <a:buAutoNum type="arabicParenR"/>
+              <a:defRPr/>
+            </a:pPr>
+            <a:r>
+              <a:rPr lang="ru-RU" sz="2800" b="0" i="0" u="none" strike="noStrike" cap="none" spc="0">
+                <a:solidFill>
+                  <a:schemeClr val="tx1"/>
+                </a:solidFill>
+                <a:latin typeface="Times New Roman"/>
+                <a:cs typeface="Times New Roman"/>
+              </a:rPr>
+              <a:t>Вернуть список результатов в качестве выходных данных.</a:t>
+            </a:r>
+            <a:endParaRPr sz="2800" b="0" i="0" u="none" strike="noStrike" cap="none" spc="0">
+              <a:solidFill>
+                <a:schemeClr val="tx1"/>
+              </a:solidFill>
+              <a:latin typeface="Times New Roman"/>
+              <a:cs typeface="Times New Roman"/>
+            </a:endParaRPr>
           </a:p>
         </p:txBody>
       </p:sp>
@@ -4363,7 +4600,7 @@
       </p:grpSpPr>
       <p:sp>
         <p:nvSpPr>
-          <p:cNvPr id="1841534202" name="Title 1"/>
+          <p:cNvPr id="575563442" name="Title 1"/>
           <p:cNvSpPr>
             <a:spLocks noGrp="1"/>
           </p:cNvSpPr>
@@ -4381,16 +4618,33 @@
           <a:bodyPr/>
           <a:lstStyle/>
           <a:p>
-            <a:pPr>
-              <a:defRPr/>
-            </a:pPr>
-            <a:endParaRPr/>
-          </a:p>
-        </p:txBody>
-      </p:sp>
-      <p:sp>
-        <p:nvSpPr>
-          <p:cNvPr id="1690022408" name="Content Placeholder 2"/>
+            <a:pPr algn="ctr">
+              <a:defRPr/>
+            </a:pPr>
+            <a:r>
+              <a:rPr sz="2800" b="1">
+                <a:latin typeface="Times New Roman"/>
+                <a:cs typeface="Times New Roman"/>
+              </a:rPr>
+              <a:t>АЛГОРИТМ </a:t>
+            </a:r>
+            <a:r>
+              <a:rPr sz="2800" b="1">
+                <a:latin typeface="Times New Roman"/>
+                <a:cs typeface="Times New Roman"/>
+              </a:rPr>
+              <a:t>ПОЛНЫЙ ПЕРЕБОР</a:t>
+            </a:r>
+            <a:endParaRPr sz="2800" b="1">
+              <a:latin typeface="Times New Roman"/>
+              <a:cs typeface="Times New Roman"/>
+            </a:endParaRPr>
+          </a:p>
+        </p:txBody>
+      </p:sp>
+      <p:sp>
+        <p:nvSpPr>
+          <p:cNvPr id="859506705" name="Content Placeholder 2"/>
           <p:cNvSpPr>
             <a:spLocks noGrp="1"/>
           </p:cNvSpPr>
@@ -4398,15 +4652,1185 @@
             <p:ph idx="1"/>
           </p:nvPr>
         </p:nvSpPr>
-        <p:spPr bwMode="auto"/>
+        <p:spPr bwMode="auto">
+          <a:xfrm flipH="0" flipV="0">
+            <a:off x="628649" y="720000"/>
+            <a:ext cx="7886700" cy="5456961"/>
+          </a:xfrm>
+        </p:spPr>
+        <p:txBody>
+          <a:bodyPr vertOverflow="overflow" horzOverflow="overflow" vert="horz" wrap="square" lIns="91440" tIns="45720" rIns="91440" bIns="45720" numCol="1" spcCol="0" rtlCol="0" fromWordArt="0" anchor="t" anchorCtr="0" forceAA="0" upright="0" compatLnSpc="0">
+            <a:normAutofit/>
+          </a:bodyPr>
+          <a:lstStyle/>
+          <a:p>
+            <a:pPr marL="305908" indent="-305908">
+              <a:buFont typeface="Arial"/>
+              <a:buAutoNum type="arabicParenR"/>
+              <a:defRPr/>
+            </a:pPr>
+            <a:r>
+              <a:rPr lang="ru-RU" sz="2500" b="0" i="0" u="none" strike="noStrike" cap="none" spc="0">
+                <a:solidFill>
+                  <a:schemeClr val="tx1"/>
+                </a:solidFill>
+                <a:latin typeface="Times New Roman"/>
+                <a:cs typeface="Times New Roman"/>
+              </a:rPr>
+              <a:t>Для каждой точки создается новый поток, каждый из которых вычисляет кратчайший путь от этой точки</a:t>
+            </a:r>
+            <a:r>
+              <a:rPr lang="en-US" sz="2500" b="0" i="0" u="none" strike="noStrike" cap="none" spc="0">
+                <a:solidFill>
+                  <a:schemeClr val="tx1"/>
+                </a:solidFill>
+                <a:latin typeface="Times New Roman"/>
+                <a:cs typeface="Times New Roman"/>
+              </a:rPr>
+              <a:t>;</a:t>
+            </a:r>
+            <a:endParaRPr lang="ru-RU" sz="2500" b="0" i="0" u="none" strike="noStrike" cap="none" spc="0">
+              <a:solidFill>
+                <a:schemeClr val="tx1"/>
+              </a:solidFill>
+              <a:latin typeface="Times New Roman"/>
+              <a:cs typeface="Times New Roman"/>
+            </a:endParaRPr>
+          </a:p>
+          <a:p>
+            <a:pPr marL="305908" indent="-305908">
+              <a:buFont typeface="Arial"/>
+              <a:buAutoNum type="arabicParenR"/>
+              <a:defRPr/>
+            </a:pPr>
+            <a:r>
+              <a:rPr lang="ru-RU" sz="2500" b="0" i="0" u="none" strike="noStrike" cap="none" spc="0">
+                <a:solidFill>
+                  <a:schemeClr val="tx1"/>
+                </a:solidFill>
+                <a:latin typeface="Times New Roman"/>
+                <a:cs typeface="Times New Roman"/>
+              </a:rPr>
+              <a:t>В каждом потоке вызывается вспомогательная функция рекурсивно проверяющая все возможные пути</a:t>
+            </a:r>
+            <a:r>
+              <a:rPr lang="en-US" sz="2500" b="0" i="0" u="none" strike="noStrike" cap="none" spc="0">
+                <a:solidFill>
+                  <a:schemeClr val="tx1"/>
+                </a:solidFill>
+                <a:latin typeface="Times New Roman"/>
+                <a:cs typeface="Times New Roman"/>
+              </a:rPr>
+              <a:t>;</a:t>
+            </a:r>
+            <a:endParaRPr lang="ru-RU" sz="2500" b="0" i="0" u="none" strike="noStrike" cap="none" spc="0">
+              <a:solidFill>
+                <a:schemeClr val="tx1"/>
+              </a:solidFill>
+              <a:latin typeface="Times New Roman"/>
+              <a:cs typeface="Times New Roman"/>
+            </a:endParaRPr>
+          </a:p>
+          <a:p>
+            <a:pPr marL="305908" indent="-305908">
+              <a:buFont typeface="Arial"/>
+              <a:buAutoNum type="arabicParenR"/>
+              <a:defRPr/>
+            </a:pPr>
+            <a:r>
+              <a:rPr lang="ru-RU" sz="2500" b="0" i="0" u="none" strike="noStrike" cap="none" spc="0">
+                <a:solidFill>
+                  <a:schemeClr val="tx1"/>
+                </a:solidFill>
+                <a:latin typeface="Times New Roman"/>
+                <a:cs typeface="Times New Roman"/>
+              </a:rPr>
+              <a:t>Пройдя по всем точкам, она вычисляет общее расстояние и, если оно самое короткое на данный момент, обновляет лучший путь</a:t>
+            </a:r>
+            <a:r>
+              <a:rPr lang="en-US" sz="2500" b="0" i="0" u="none" strike="noStrike" cap="none" spc="0">
+                <a:solidFill>
+                  <a:schemeClr val="tx1"/>
+                </a:solidFill>
+                <a:latin typeface="Times New Roman"/>
+                <a:cs typeface="Times New Roman"/>
+              </a:rPr>
+              <a:t>;</a:t>
+            </a:r>
+            <a:endParaRPr lang="ru-RU" sz="2500" b="0" i="0" u="none" strike="noStrike" cap="none" spc="0">
+              <a:solidFill>
+                <a:schemeClr val="tx1"/>
+              </a:solidFill>
+              <a:latin typeface="Times New Roman"/>
+              <a:cs typeface="Times New Roman"/>
+            </a:endParaRPr>
+          </a:p>
+          <a:p>
+            <a:pPr marL="305908" indent="-305908">
+              <a:buFont typeface="Arial"/>
+              <a:buAutoNum type="arabicParenR"/>
+              <a:defRPr/>
+            </a:pPr>
+            <a:r>
+              <a:rPr lang="ru-RU" sz="2500" b="0" i="0" u="none" strike="noStrike" cap="none" spc="0">
+                <a:solidFill>
+                  <a:schemeClr val="tx1"/>
+                </a:solidFill>
+                <a:latin typeface="Times New Roman"/>
+                <a:cs typeface="Times New Roman"/>
+              </a:rPr>
+              <a:t>К</a:t>
+            </a:r>
+            <a:r>
+              <a:rPr lang="ru-RU" sz="2500" b="0" i="0" u="none" strike="noStrike" cap="none" spc="0">
+                <a:solidFill>
+                  <a:schemeClr val="tx1"/>
+                </a:solidFill>
+                <a:latin typeface="Times New Roman"/>
+                <a:cs typeface="Times New Roman"/>
+              </a:rPr>
+              <a:t>огда все потоки завершены, извлекается кратчайший путь </a:t>
+            </a:r>
+            <a:r>
+              <a:rPr lang="ru-RU" sz="2500" b="0" i="0" u="none" strike="noStrike" cap="none" spc="0">
+                <a:solidFill>
+                  <a:schemeClr val="tx1"/>
+                </a:solidFill>
+                <a:latin typeface="Times New Roman"/>
+                <a:cs typeface="Times New Roman"/>
+              </a:rPr>
+              <a:t>–</a:t>
+            </a:r>
+            <a:r>
+              <a:rPr lang="ru-RU" sz="2500" b="0" i="0" u="none" strike="noStrike" cap="none" spc="0">
+                <a:solidFill>
+                  <a:schemeClr val="tx1"/>
+                </a:solidFill>
+                <a:latin typeface="Times New Roman"/>
+                <a:cs typeface="Times New Roman"/>
+              </a:rPr>
+              <a:t> самый эффективный маршрут между точками.</a:t>
+            </a:r>
+            <a:endParaRPr lang="ru-RU" sz="2500" b="0" i="0" u="none" strike="noStrike" cap="none" spc="0">
+              <a:solidFill>
+                <a:schemeClr val="tx1"/>
+              </a:solidFill>
+              <a:latin typeface="Times New Roman"/>
+              <a:cs typeface="Times New Roman"/>
+            </a:endParaRPr>
+          </a:p>
+        </p:txBody>
+      </p:sp>
+    </p:spTree>
+  </p:cSld>
+  <p:clrMapOvr>
+    <a:masterClrMapping/>
+  </p:clrMapOvr>
+  <mc:AlternateContent xmlns:mc="http://schemas.openxmlformats.org/markup-compatibility/2006">
+    <mc:Choice xmlns:p14="http://schemas.microsoft.com/office/powerpoint/2010/main" Requires="p14">
+      <p:transition p14:dur="2000" advClick="1"/>
+    </mc:Choice>
+    <mc:Fallback>
+      <p:transition advClick="1"/>
+    </mc:Fallback>
+  </mc:AlternateContent>
+</p:sld>
+</file>
+
+<file path=ppt/slides/slide13.xml><?xml version="1.0" encoding="utf-8"?>
+<p:sld xmlns:a="http://schemas.openxmlformats.org/drawingml/2006/main" xmlns:r="http://schemas.openxmlformats.org/officeDocument/2006/relationships" xmlns:p="http://schemas.openxmlformats.org/presentationml/2006/main" xmlns:m="http://schemas.openxmlformats.org/officeDocument/2006/math" xmlns:w="http://schemas.openxmlformats.org/wordprocessingml/2006/main" showMasterPhAnim="0" show="1">
+  <p:cSld name="">
+    <p:spTree>
+      <p:nvGrpSpPr>
+        <p:cNvPr id="1" name=""/>
+        <p:cNvGrpSpPr/>
+        <p:nvPr/>
+      </p:nvGrpSpPr>
+      <p:grpSpPr bwMode="auto">
+        <a:xfrm>
+          <a:off x="0" y="0"/>
+          <a:ext cx="0" cy="0"/>
+          <a:chOff x="0" y="0"/>
+          <a:chExt cx="0" cy="0"/>
+        </a:xfrm>
+      </p:grpSpPr>
+      <p:sp>
+        <p:nvSpPr>
+          <p:cNvPr id="1624467284" name="Title 1"/>
+          <p:cNvSpPr>
+            <a:spLocks noGrp="1"/>
+          </p:cNvSpPr>
+          <p:nvPr>
+            <p:ph type="title"/>
+          </p:nvPr>
+        </p:nvSpPr>
+        <p:spPr bwMode="auto">
+          <a:xfrm rot="0" flipH="0" flipV="0">
+            <a:off x="0" y="0"/>
+            <a:ext cx="9144000" cy="720000"/>
+          </a:xfrm>
+        </p:spPr>
         <p:txBody>
           <a:bodyPr/>
           <a:lstStyle/>
           <a:p>
-            <a:pPr>
+            <a:pPr algn="ctr">
+              <a:defRPr/>
+            </a:pPr>
+            <a:r>
+              <a:rPr sz="2800" b="1">
+                <a:latin typeface="Times New Roman"/>
+                <a:cs typeface="Times New Roman"/>
+              </a:rPr>
+              <a:t>ИНТЕРФЕЙС СИСТЕМЫ</a:t>
+            </a:r>
+            <a:endParaRPr sz="2800" b="1">
+              <a:latin typeface="Times New Roman"/>
+              <a:cs typeface="Times New Roman"/>
+            </a:endParaRPr>
+          </a:p>
+        </p:txBody>
+      </p:sp>
+      <p:sp>
+        <p:nvSpPr>
+          <p:cNvPr id="1988047782" name="Content Placeholder 2"/>
+          <p:cNvSpPr>
+            <a:spLocks noGrp="1"/>
+          </p:cNvSpPr>
+          <p:nvPr>
+            <p:ph idx="1"/>
+          </p:nvPr>
+        </p:nvSpPr>
+        <p:spPr bwMode="auto">
+          <a:xfrm flipH="0" flipV="0">
+            <a:off x="628649" y="720000"/>
+            <a:ext cx="7886700" cy="5456961"/>
+          </a:xfrm>
+        </p:spPr>
+        <p:txBody>
+          <a:bodyPr vertOverflow="overflow" horzOverflow="overflow" vert="horz" wrap="square" lIns="91440" tIns="45720" rIns="91440" bIns="45720" numCol="1" spcCol="0" rtlCol="0" fromWordArt="0" anchor="t" anchorCtr="0" forceAA="0" upright="0" compatLnSpc="0">
+            <a:normAutofit/>
+          </a:bodyPr>
+          <a:lstStyle/>
+          <a:p>
+            <a:pPr marL="0" indent="0">
+              <a:buFont typeface="Arial"/>
+              <a:buNone/>
               <a:defRPr/>
             </a:pPr>
             <a:endParaRPr/>
+          </a:p>
+        </p:txBody>
+      </p:sp>
+      <p:pic>
+        <p:nvPicPr>
+          <p:cNvPr id="334646962" name=""/>
+          <p:cNvPicPr>
+            <a:picLocks noChangeAspect="1"/>
+          </p:cNvPicPr>
+          <p:nvPr/>
+        </p:nvPicPr>
+        <p:blipFill>
+          <a:blip r:embed="rId2"/>
+          <a:srcRect l="0" t="0" r="0" b="3987"/>
+          <a:stretch/>
+        </p:blipFill>
+        <p:spPr bwMode="auto">
+          <a:xfrm flipH="0" flipV="0">
+            <a:off x="246833" y="1145020"/>
+            <a:ext cx="8650333" cy="4671784"/>
+          </a:xfrm>
+          <a:prstGeom prst="rect">
+            <a:avLst/>
+          </a:prstGeom>
+          <a:ln w="12699">
+            <a:solidFill>
+              <a:schemeClr val="accent1">
+                <a:lumMod val="50196"/>
+              </a:schemeClr>
+            </a:solidFill>
+            <a:prstDash val="solid"/>
+          </a:ln>
+        </p:spPr>
+      </p:pic>
+    </p:spTree>
+  </p:cSld>
+  <p:clrMapOvr>
+    <a:masterClrMapping/>
+  </p:clrMapOvr>
+  <mc:AlternateContent xmlns:mc="http://schemas.openxmlformats.org/markup-compatibility/2006">
+    <mc:Choice xmlns:p14="http://schemas.microsoft.com/office/powerpoint/2010/main" Requires="p14">
+      <p:transition p14:dur="2000" advClick="1"/>
+    </mc:Choice>
+    <mc:Fallback>
+      <p:transition advClick="1"/>
+    </mc:Fallback>
+  </mc:AlternateContent>
+</p:sld>
+</file>
+
+<file path=ppt/slides/slide14.xml><?xml version="1.0" encoding="utf-8"?>
+<p:sld xmlns:a="http://schemas.openxmlformats.org/drawingml/2006/main" xmlns:r="http://schemas.openxmlformats.org/officeDocument/2006/relationships" xmlns:p="http://schemas.openxmlformats.org/presentationml/2006/main" xmlns:m="http://schemas.openxmlformats.org/officeDocument/2006/math" xmlns:w="http://schemas.openxmlformats.org/wordprocessingml/2006/main" showMasterPhAnim="0" show="1">
+  <p:cSld name="">
+    <p:spTree>
+      <p:nvGrpSpPr>
+        <p:cNvPr id="1" name=""/>
+        <p:cNvGrpSpPr/>
+        <p:nvPr/>
+      </p:nvGrpSpPr>
+      <p:grpSpPr bwMode="auto">
+        <a:xfrm>
+          <a:off x="0" y="0"/>
+          <a:ext cx="0" cy="0"/>
+          <a:chOff x="0" y="0"/>
+          <a:chExt cx="0" cy="0"/>
+        </a:xfrm>
+      </p:grpSpPr>
+      <p:sp>
+        <p:nvSpPr>
+          <p:cNvPr id="2086092968" name="Title 1"/>
+          <p:cNvSpPr>
+            <a:spLocks noGrp="1"/>
+          </p:cNvSpPr>
+          <p:nvPr>
+            <p:ph type="title"/>
+          </p:nvPr>
+        </p:nvSpPr>
+        <p:spPr bwMode="auto">
+          <a:xfrm rot="0" flipH="0" flipV="0">
+            <a:off x="0" y="0"/>
+            <a:ext cx="9144000" cy="720000"/>
+          </a:xfrm>
+        </p:spPr>
+        <p:txBody>
+          <a:bodyPr/>
+          <a:lstStyle/>
+          <a:p>
+            <a:pPr algn="ctr">
+              <a:defRPr/>
+            </a:pPr>
+            <a:r>
+              <a:rPr sz="2800" b="1">
+                <a:latin typeface="Times New Roman"/>
+                <a:cs typeface="Times New Roman"/>
+              </a:rPr>
+              <a:t>РАБОТА </a:t>
+            </a:r>
+            <a:r>
+              <a:rPr lang="ru-RU" sz="2800" b="1">
+                <a:latin typeface="Times New Roman"/>
+                <a:cs typeface="Times New Roman"/>
+              </a:rPr>
+              <a:t>АЛГОРИТМА БЛИЖАЙШИЙ СОСЕД</a:t>
+            </a:r>
+            <a:endParaRPr sz="2800" b="1">
+              <a:latin typeface="Times New Roman"/>
+              <a:cs typeface="Times New Roman"/>
+            </a:endParaRPr>
+          </a:p>
+        </p:txBody>
+      </p:sp>
+      <p:sp>
+        <p:nvSpPr>
+          <p:cNvPr id="800633336" name="Content Placeholder 2"/>
+          <p:cNvSpPr>
+            <a:spLocks noGrp="1"/>
+          </p:cNvSpPr>
+          <p:nvPr>
+            <p:ph idx="1"/>
+          </p:nvPr>
+        </p:nvSpPr>
+        <p:spPr bwMode="auto">
+          <a:xfrm flipH="0" flipV="0">
+            <a:off x="628649" y="720000"/>
+            <a:ext cx="7886700" cy="5456961"/>
+          </a:xfrm>
+        </p:spPr>
+        <p:txBody>
+          <a:bodyPr vertOverflow="overflow" horzOverflow="overflow" vert="horz" wrap="square" lIns="91440" tIns="45720" rIns="91440" bIns="45720" numCol="1" spcCol="0" rtlCol="0" fromWordArt="0" anchor="t" anchorCtr="0" forceAA="0" upright="0" compatLnSpc="0">
+            <a:normAutofit/>
+          </a:bodyPr>
+          <a:lstStyle/>
+          <a:p>
+            <a:pPr marL="0" indent="0">
+              <a:buFont typeface="Arial"/>
+              <a:buNone/>
+              <a:defRPr/>
+            </a:pPr>
+            <a:endParaRPr/>
+          </a:p>
+        </p:txBody>
+      </p:sp>
+      <p:pic>
+        <p:nvPicPr>
+          <p:cNvPr id="1052026873" name=""/>
+          <p:cNvPicPr>
+            <a:picLocks noChangeAspect="1"/>
+          </p:cNvPicPr>
+          <p:nvPr/>
+        </p:nvPicPr>
+        <p:blipFill>
+          <a:blip r:embed="rId2"/>
+          <a:srcRect l="0" t="0" r="0" b="3987"/>
+          <a:stretch/>
+        </p:blipFill>
+        <p:spPr bwMode="auto">
+          <a:xfrm flipH="0" flipV="0">
+            <a:off x="246833" y="1112588"/>
+            <a:ext cx="8650332" cy="4671784"/>
+          </a:xfrm>
+          <a:prstGeom prst="rect">
+            <a:avLst/>
+          </a:prstGeom>
+          <a:ln w="12699">
+            <a:solidFill>
+              <a:schemeClr val="accent1">
+                <a:lumMod val="50196"/>
+              </a:schemeClr>
+            </a:solidFill>
+            <a:prstDash val="solid"/>
+          </a:ln>
+        </p:spPr>
+      </p:pic>
+    </p:spTree>
+  </p:cSld>
+  <p:clrMapOvr>
+    <a:masterClrMapping/>
+  </p:clrMapOvr>
+  <mc:AlternateContent xmlns:mc="http://schemas.openxmlformats.org/markup-compatibility/2006">
+    <mc:Choice xmlns:p14="http://schemas.microsoft.com/office/powerpoint/2010/main" Requires="p14">
+      <p:transition p14:dur="2000" advClick="1"/>
+    </mc:Choice>
+    <mc:Fallback>
+      <p:transition advClick="1"/>
+    </mc:Fallback>
+  </mc:AlternateContent>
+</p:sld>
+</file>
+
+<file path=ppt/slides/slide15.xml><?xml version="1.0" encoding="utf-8"?>
+<p:sld xmlns:a="http://schemas.openxmlformats.org/drawingml/2006/main" xmlns:r="http://schemas.openxmlformats.org/officeDocument/2006/relationships" xmlns:p="http://schemas.openxmlformats.org/presentationml/2006/main" xmlns:m="http://schemas.openxmlformats.org/officeDocument/2006/math" xmlns:w="http://schemas.openxmlformats.org/wordprocessingml/2006/main" showMasterPhAnim="0" show="1">
+  <p:cSld name="">
+    <p:spTree>
+      <p:nvGrpSpPr>
+        <p:cNvPr id="1" name=""/>
+        <p:cNvGrpSpPr/>
+        <p:nvPr/>
+      </p:nvGrpSpPr>
+      <p:grpSpPr bwMode="auto">
+        <a:xfrm>
+          <a:off x="0" y="0"/>
+          <a:ext cx="0" cy="0"/>
+          <a:chOff x="0" y="0"/>
+          <a:chExt cx="0" cy="0"/>
+        </a:xfrm>
+      </p:grpSpPr>
+      <p:sp>
+        <p:nvSpPr>
+          <p:cNvPr id="1165403630" name="Title 1"/>
+          <p:cNvSpPr>
+            <a:spLocks noGrp="1"/>
+          </p:cNvSpPr>
+          <p:nvPr>
+            <p:ph type="title"/>
+          </p:nvPr>
+        </p:nvSpPr>
+        <p:spPr bwMode="auto">
+          <a:xfrm rot="0" flipH="0" flipV="0">
+            <a:off x="0" y="0"/>
+            <a:ext cx="9144000" cy="720000"/>
+          </a:xfrm>
+        </p:spPr>
+        <p:txBody>
+          <a:bodyPr/>
+          <a:lstStyle/>
+          <a:p>
+            <a:pPr algn="ctr">
+              <a:defRPr/>
+            </a:pPr>
+            <a:r>
+              <a:rPr sz="2800" b="1">
+                <a:latin typeface="Times New Roman"/>
+                <a:cs typeface="Times New Roman"/>
+              </a:rPr>
+              <a:t>РАБОТА </a:t>
+            </a:r>
+            <a:r>
+              <a:rPr lang="ru-RU" sz="2800" b="1">
+                <a:latin typeface="Times New Roman"/>
+                <a:cs typeface="Times New Roman"/>
+              </a:rPr>
+              <a:t>АЛГОРИТМА </a:t>
+            </a:r>
+            <a:r>
+              <a:rPr lang="ru-RU" sz="2800" b="1">
+                <a:latin typeface="Times New Roman"/>
+                <a:cs typeface="Times New Roman"/>
+              </a:rPr>
+              <a:t>ПОЛНЫЙ ПЕРЕБОР</a:t>
+            </a:r>
+            <a:endParaRPr sz="2800" b="1">
+              <a:latin typeface="Times New Roman"/>
+              <a:cs typeface="Times New Roman"/>
+            </a:endParaRPr>
+          </a:p>
+        </p:txBody>
+      </p:sp>
+      <p:sp>
+        <p:nvSpPr>
+          <p:cNvPr id="838738379" name="Content Placeholder 2"/>
+          <p:cNvSpPr>
+            <a:spLocks noGrp="1"/>
+          </p:cNvSpPr>
+          <p:nvPr>
+            <p:ph idx="1"/>
+          </p:nvPr>
+        </p:nvSpPr>
+        <p:spPr bwMode="auto">
+          <a:xfrm flipH="0" flipV="0">
+            <a:off x="628649" y="720000"/>
+            <a:ext cx="7886700" cy="5456961"/>
+          </a:xfrm>
+        </p:spPr>
+        <p:txBody>
+          <a:bodyPr vertOverflow="overflow" horzOverflow="overflow" vert="horz" wrap="square" lIns="91440" tIns="45720" rIns="91440" bIns="45720" numCol="1" spcCol="0" rtlCol="0" fromWordArt="0" anchor="t" anchorCtr="0" forceAA="0" upright="0" compatLnSpc="0">
+            <a:normAutofit/>
+          </a:bodyPr>
+          <a:lstStyle/>
+          <a:p>
+            <a:pPr marL="0" indent="0">
+              <a:buFont typeface="Arial"/>
+              <a:buNone/>
+              <a:defRPr/>
+            </a:pPr>
+            <a:endParaRPr/>
+          </a:p>
+        </p:txBody>
+      </p:sp>
+      <p:pic>
+        <p:nvPicPr>
+          <p:cNvPr id="1809995986" name=""/>
+          <p:cNvPicPr>
+            <a:picLocks noChangeAspect="1"/>
+          </p:cNvPicPr>
+          <p:nvPr/>
+        </p:nvPicPr>
+        <p:blipFill>
+          <a:blip r:embed="rId2"/>
+          <a:srcRect l="0" t="0" r="0" b="3931"/>
+          <a:stretch/>
+        </p:blipFill>
+        <p:spPr bwMode="auto">
+          <a:xfrm flipH="0" flipV="0">
+            <a:off x="246833" y="1112588"/>
+            <a:ext cx="8645274" cy="4671784"/>
+          </a:xfrm>
+          <a:prstGeom prst="rect">
+            <a:avLst/>
+          </a:prstGeom>
+          <a:ln w="12699">
+            <a:solidFill>
+              <a:schemeClr val="accent1">
+                <a:lumMod val="50196"/>
+              </a:schemeClr>
+            </a:solidFill>
+            <a:prstDash val="solid"/>
+          </a:ln>
+        </p:spPr>
+      </p:pic>
+    </p:spTree>
+  </p:cSld>
+  <p:clrMapOvr>
+    <a:masterClrMapping/>
+  </p:clrMapOvr>
+  <mc:AlternateContent xmlns:mc="http://schemas.openxmlformats.org/markup-compatibility/2006">
+    <mc:Choice xmlns:p14="http://schemas.microsoft.com/office/powerpoint/2010/main" Requires="p14">
+      <p:transition p14:dur="2000" advClick="1"/>
+    </mc:Choice>
+    <mc:Fallback>
+      <p:transition advClick="1"/>
+    </mc:Fallback>
+  </mc:AlternateContent>
+</p:sld>
+</file>
+
+<file path=ppt/slides/slide16.xml><?xml version="1.0" encoding="utf-8"?>
+<p:sld xmlns:a="http://schemas.openxmlformats.org/drawingml/2006/main" xmlns:r="http://schemas.openxmlformats.org/officeDocument/2006/relationships" xmlns:p="http://schemas.openxmlformats.org/presentationml/2006/main" xmlns:m="http://schemas.openxmlformats.org/officeDocument/2006/math" xmlns:w="http://schemas.openxmlformats.org/wordprocessingml/2006/main" showMasterPhAnim="0" show="1">
+  <p:cSld name="">
+    <p:spTree>
+      <p:nvGrpSpPr>
+        <p:cNvPr id="1" name=""/>
+        <p:cNvGrpSpPr/>
+        <p:nvPr/>
+      </p:nvGrpSpPr>
+      <p:grpSpPr bwMode="auto">
+        <a:xfrm>
+          <a:off x="0" y="0"/>
+          <a:ext cx="0" cy="0"/>
+          <a:chOff x="0" y="0"/>
+          <a:chExt cx="0" cy="0"/>
+        </a:xfrm>
+      </p:grpSpPr>
+      <p:sp>
+        <p:nvSpPr>
+          <p:cNvPr id="1073663757" name="Title 1"/>
+          <p:cNvSpPr>
+            <a:spLocks noGrp="1"/>
+          </p:cNvSpPr>
+          <p:nvPr>
+            <p:ph type="title"/>
+          </p:nvPr>
+        </p:nvSpPr>
+        <p:spPr bwMode="auto">
+          <a:xfrm rot="0" flipH="0" flipV="0">
+            <a:off x="0" y="0"/>
+            <a:ext cx="9144000" cy="720000"/>
+          </a:xfrm>
+        </p:spPr>
+        <p:txBody>
+          <a:bodyPr/>
+          <a:lstStyle/>
+          <a:p>
+            <a:pPr algn="ctr">
+              <a:defRPr/>
+            </a:pPr>
+            <a:r>
+              <a:rPr sz="2800" b="1">
+                <a:latin typeface="Times New Roman"/>
+                <a:cs typeface="Times New Roman"/>
+              </a:rPr>
+              <a:t>ТЕСТИРОВАНИЕ СИСТЕМЫ</a:t>
+            </a:r>
+            <a:endParaRPr sz="2800" b="1">
+              <a:latin typeface="Times New Roman"/>
+              <a:cs typeface="Times New Roman"/>
+            </a:endParaRPr>
+          </a:p>
+        </p:txBody>
+      </p:sp>
+      <p:sp>
+        <p:nvSpPr>
+          <p:cNvPr id="801650196" name="Content Placeholder 2"/>
+          <p:cNvSpPr>
+            <a:spLocks noGrp="1"/>
+          </p:cNvSpPr>
+          <p:nvPr>
+            <p:ph idx="1"/>
+          </p:nvPr>
+        </p:nvSpPr>
+        <p:spPr bwMode="auto">
+          <a:xfrm flipH="0" flipV="0">
+            <a:off x="628649" y="720000"/>
+            <a:ext cx="7886700" cy="5456961"/>
+          </a:xfrm>
+        </p:spPr>
+        <p:txBody>
+          <a:bodyPr vertOverflow="overflow" horzOverflow="overflow" vert="horz" wrap="square" lIns="91440" tIns="45720" rIns="91440" bIns="45720" numCol="1" spcCol="0" rtlCol="0" fromWordArt="0" anchor="t" anchorCtr="0" forceAA="0" upright="0" compatLnSpc="0">
+            <a:normAutofit/>
+          </a:bodyPr>
+          <a:lstStyle/>
+          <a:p>
+            <a:pPr marL="0" indent="0">
+              <a:buFont typeface="Arial"/>
+              <a:buNone/>
+              <a:defRPr/>
+            </a:pPr>
+            <a:r>
+              <a:rPr lang="ru-RU">
+                <a:latin typeface="Times New Roman"/>
+                <a:cs typeface="Times New Roman"/>
+              </a:rPr>
+              <a:t>Проведено 14 </a:t>
+            </a:r>
+            <a:r>
+              <a:rPr lang="ru-RU" sz="2800" b="0" i="0" u="none" strike="noStrike" cap="none" spc="0">
+                <a:solidFill>
+                  <a:schemeClr val="tx1"/>
+                </a:solidFill>
+                <a:latin typeface="Times New Roman"/>
+                <a:ea typeface="+mn-ea"/>
+                <a:cs typeface="Times New Roman"/>
+              </a:rPr>
+              <a:t> </a:t>
+            </a:r>
+            <a:r>
+              <a:rPr lang="ru-RU" sz="2800" b="0" i="0" u="none" strike="noStrike" cap="none" spc="0">
+                <a:solidFill>
+                  <a:schemeClr val="tx1"/>
+                </a:solidFill>
+                <a:latin typeface="Times New Roman"/>
+                <a:ea typeface="+mn-ea"/>
+                <a:cs typeface="Times New Roman"/>
+              </a:rPr>
+              <a:t>функциональных </a:t>
+            </a:r>
+            <a:r>
+              <a:rPr lang="ru-RU">
+                <a:latin typeface="Times New Roman"/>
+                <a:cs typeface="Times New Roman"/>
+              </a:rPr>
+              <a:t> тестов системы.</a:t>
+            </a:r>
+            <a:endParaRPr lang="ru-RU">
+              <a:latin typeface="Times New Roman"/>
+              <a:cs typeface="Times New Roman"/>
+            </a:endParaRPr>
+          </a:p>
+          <a:p>
+            <a:pPr marL="0" indent="0">
+              <a:buFont typeface="Arial"/>
+              <a:buNone/>
+              <a:defRPr/>
+            </a:pPr>
+            <a:r>
+              <a:rPr lang="ru-RU">
+                <a:latin typeface="Times New Roman"/>
+                <a:cs typeface="Times New Roman"/>
+              </a:rPr>
+              <a:t>Все тесты пройдены.</a:t>
+            </a:r>
+            <a:endParaRPr lang="ru-RU">
+              <a:latin typeface="Times New Roman"/>
+              <a:cs typeface="Times New Roman"/>
+            </a:endParaRPr>
+          </a:p>
+          <a:p>
+            <a:pPr marL="0" indent="0">
+              <a:buFont typeface="Arial"/>
+              <a:buNone/>
+              <a:defRPr/>
+            </a:pPr>
+            <a:endParaRPr lang="ru-RU">
+              <a:latin typeface="Times New Roman"/>
+              <a:cs typeface="Times New Roman"/>
+            </a:endParaRPr>
+          </a:p>
+          <a:p>
+            <a:pPr marL="0" indent="0">
+              <a:buFont typeface="Arial"/>
+              <a:buNone/>
+              <a:defRPr/>
+            </a:pPr>
+            <a:r>
+              <a:rPr lang="ru-RU">
+                <a:latin typeface="Times New Roman"/>
+                <a:cs typeface="Times New Roman"/>
+              </a:rPr>
+              <a:t>Тест 9</a:t>
+            </a:r>
+            <a:r>
+              <a:rPr lang="en-US">
+                <a:latin typeface="Times New Roman"/>
+                <a:cs typeface="Times New Roman"/>
+              </a:rPr>
+              <a:t>:</a:t>
+            </a:r>
+            <a:r>
+              <a:rPr lang="ru-RU">
+                <a:latin typeface="Times New Roman"/>
+                <a:cs typeface="Times New Roman"/>
+              </a:rPr>
+              <a:t> </a:t>
+            </a:r>
+            <a:r>
+              <a:rPr lang="ru-RU" sz="2800" b="0" i="0" u="none" strike="noStrike" cap="none" spc="0">
+                <a:solidFill>
+                  <a:schemeClr val="tx1"/>
+                </a:solidFill>
+                <a:latin typeface="Times New Roman"/>
+                <a:cs typeface="Times New Roman"/>
+              </a:rPr>
+              <a:t>«Редактирование камеры»</a:t>
+            </a:r>
+            <a:r>
+              <a:rPr lang="en-US" sz="2800" b="0" i="0" u="none" strike="noStrike" cap="none" spc="0">
+                <a:solidFill>
+                  <a:schemeClr val="tx1"/>
+                </a:solidFill>
+                <a:latin typeface="Times New Roman"/>
+                <a:cs typeface="Times New Roman"/>
+              </a:rPr>
+              <a:t>:</a:t>
+            </a:r>
+            <a:endParaRPr lang="ru-RU">
+              <a:latin typeface="Times New Roman"/>
+              <a:cs typeface="Times New Roman"/>
+            </a:endParaRPr>
+          </a:p>
+          <a:p>
+            <a:pPr marL="394023" indent="-394023">
+              <a:buFont typeface="Arial"/>
+              <a:buAutoNum type="arabicParenR"/>
+              <a:defRPr/>
+            </a:pPr>
+            <a:r>
+              <a:rPr lang="ru-RU" sz="2800" b="0" i="0" u="none" strike="noStrike" cap="none" spc="0">
+                <a:solidFill>
+                  <a:schemeClr val="tx1"/>
+                </a:solidFill>
+                <a:latin typeface="Times New Roman"/>
+                <a:cs typeface="Times New Roman"/>
+              </a:rPr>
+              <a:t>Выбрать камеру</a:t>
+            </a:r>
+            <a:r>
+              <a:rPr lang="en-US" sz="2800" b="0" i="0" u="none" strike="noStrike" cap="none" spc="0">
+                <a:solidFill>
+                  <a:schemeClr val="tx1"/>
+                </a:solidFill>
+                <a:latin typeface="Times New Roman"/>
+                <a:cs typeface="Times New Roman"/>
+              </a:rPr>
+              <a:t>;</a:t>
+            </a:r>
+            <a:endParaRPr lang="ru-RU" sz="2800" b="0" i="0" u="none" strike="noStrike" cap="none" spc="0">
+              <a:solidFill>
+                <a:schemeClr val="tx1"/>
+              </a:solidFill>
+              <a:latin typeface="Times New Roman"/>
+              <a:cs typeface="Times New Roman"/>
+            </a:endParaRPr>
+          </a:p>
+          <a:p>
+            <a:pPr marL="394023" indent="-394023">
+              <a:buFont typeface="Arial"/>
+              <a:buAutoNum type="arabicParenR"/>
+              <a:defRPr/>
+            </a:pPr>
+            <a:r>
+              <a:rPr lang="ru-RU" sz="2800" b="0" i="0" u="none" strike="noStrike" cap="none" spc="0">
+                <a:solidFill>
+                  <a:schemeClr val="tx1"/>
+                </a:solidFill>
+                <a:latin typeface="Times New Roman"/>
+                <a:cs typeface="Times New Roman"/>
+              </a:rPr>
+              <a:t>Включить режим редактирования</a:t>
+            </a:r>
+            <a:r>
+              <a:rPr lang="en-US" sz="2800" b="0" i="0" u="none" strike="noStrike" cap="none" spc="0">
+                <a:solidFill>
+                  <a:schemeClr val="tx1"/>
+                </a:solidFill>
+                <a:latin typeface="Times New Roman"/>
+                <a:cs typeface="Times New Roman"/>
+              </a:rPr>
+              <a:t>;</a:t>
+            </a:r>
+            <a:endParaRPr lang="ru-RU" sz="2800" b="0" i="0" u="none" strike="noStrike" cap="none" spc="0">
+              <a:solidFill>
+                <a:schemeClr val="tx1"/>
+              </a:solidFill>
+              <a:latin typeface="Times New Roman"/>
+              <a:cs typeface="Times New Roman"/>
+            </a:endParaRPr>
+          </a:p>
+          <a:p>
+            <a:pPr marL="394023" indent="-394023">
+              <a:buFont typeface="Arial"/>
+              <a:buAutoNum type="arabicParenR"/>
+              <a:defRPr/>
+            </a:pPr>
+            <a:r>
+              <a:rPr lang="ru-RU" sz="2800" b="0" i="0" u="none" strike="noStrike" cap="none" spc="0">
+                <a:solidFill>
+                  <a:schemeClr val="tx1"/>
+                </a:solidFill>
+                <a:latin typeface="Times New Roman"/>
+                <a:cs typeface="Times New Roman"/>
+              </a:rPr>
+              <a:t>Изменить параметры камеры</a:t>
+            </a:r>
+            <a:r>
+              <a:rPr lang="en-US" sz="2800" b="0" i="0" u="none" strike="noStrike" cap="none" spc="0">
+                <a:solidFill>
+                  <a:schemeClr val="tx1"/>
+                </a:solidFill>
+                <a:latin typeface="Times New Roman"/>
+                <a:cs typeface="Times New Roman"/>
+              </a:rPr>
+              <a:t>;</a:t>
+            </a:r>
+            <a:endParaRPr lang="ru-RU" sz="2800" b="0" i="0" u="none" strike="noStrike" cap="none" spc="0">
+              <a:solidFill>
+                <a:schemeClr val="tx1"/>
+              </a:solidFill>
+              <a:latin typeface="Times New Roman"/>
+              <a:cs typeface="Times New Roman"/>
+            </a:endParaRPr>
+          </a:p>
+          <a:p>
+            <a:pPr marL="394023" indent="-394023">
+              <a:buFont typeface="Arial"/>
+              <a:buAutoNum type="arabicParenR"/>
+              <a:defRPr/>
+            </a:pPr>
+            <a:r>
+              <a:rPr lang="ru-RU" sz="2800" b="0" i="0" u="none" strike="noStrike" cap="none" spc="0">
+                <a:solidFill>
+                  <a:schemeClr val="tx1"/>
+                </a:solidFill>
+                <a:latin typeface="Times New Roman"/>
+                <a:cs typeface="Times New Roman"/>
+              </a:rPr>
+              <a:t>Нажать кнопку "Update"</a:t>
+            </a:r>
+            <a:r>
+              <a:rPr lang="en-US" sz="2800" b="0" i="0" u="none" strike="noStrike" cap="none" spc="0">
+                <a:solidFill>
+                  <a:schemeClr val="tx1"/>
+                </a:solidFill>
+                <a:latin typeface="Times New Roman"/>
+                <a:cs typeface="Times New Roman"/>
+              </a:rPr>
+              <a:t>.</a:t>
+            </a:r>
+            <a:endParaRPr/>
+          </a:p>
+          <a:p>
+            <a:pPr marL="0" indent="0">
+              <a:buFont typeface="Arial"/>
+              <a:buNone/>
+              <a:defRPr/>
+            </a:pPr>
+            <a:r>
+              <a:rPr lang="ru-RU">
+                <a:latin typeface="Times New Roman"/>
+                <a:cs typeface="Times New Roman"/>
+              </a:rPr>
+              <a:t>	Пройден</a:t>
+            </a:r>
+            <a:endParaRPr lang="ru-RU">
+              <a:latin typeface="Times New Roman"/>
+              <a:cs typeface="Times New Roman"/>
+            </a:endParaRPr>
+          </a:p>
+        </p:txBody>
+      </p:sp>
+      <p:pic>
+        <p:nvPicPr>
+          <p:cNvPr id="1093400878" name=""/>
+          <p:cNvPicPr>
+            <a:picLocks noChangeAspect="1"/>
+          </p:cNvPicPr>
+          <p:nvPr/>
+        </p:nvPicPr>
+        <p:blipFill>
+          <a:blip r:embed="rId2"/>
+          <a:srcRect l="0" t="56303" r="86607" b="5570"/>
+          <a:stretch/>
+        </p:blipFill>
+        <p:spPr bwMode="auto">
+          <a:xfrm flipH="0" flipV="0">
+            <a:off x="6412748" y="1718087"/>
+            <a:ext cx="2397013" cy="3838574"/>
+          </a:xfrm>
+          <a:prstGeom prst="rect">
+            <a:avLst/>
+          </a:prstGeom>
+        </p:spPr>
+      </p:pic>
+      <p:pic>
+        <p:nvPicPr>
+          <p:cNvPr id="2005118285" name=""/>
+          <p:cNvPicPr>
+            <a:picLocks noChangeAspect="1"/>
+          </p:cNvPicPr>
+          <p:nvPr/>
+        </p:nvPicPr>
+        <p:blipFill>
+          <a:blip r:embed="rId3"/>
+          <a:srcRect l="1729" t="37504" r="76991" b="57538"/>
+          <a:stretch/>
+        </p:blipFill>
+        <p:spPr bwMode="auto">
+          <a:xfrm flipH="0" flipV="0">
+            <a:off x="1128013" y="5556662"/>
+            <a:ext cx="7200048" cy="943616"/>
+          </a:xfrm>
+          <a:prstGeom prst="rect">
+            <a:avLst/>
+          </a:prstGeom>
+        </p:spPr>
+      </p:pic>
+    </p:spTree>
+  </p:cSld>
+  <p:clrMapOvr>
+    <a:masterClrMapping/>
+  </p:clrMapOvr>
+  <mc:AlternateContent xmlns:mc="http://schemas.openxmlformats.org/markup-compatibility/2006">
+    <mc:Choice xmlns:p14="http://schemas.microsoft.com/office/powerpoint/2010/main" Requires="p14">
+      <p:transition p14:dur="2000" advClick="1"/>
+    </mc:Choice>
+    <mc:Fallback>
+      <p:transition advClick="1"/>
+    </mc:Fallback>
+  </mc:AlternateContent>
+</p:sld>
+</file>
+
+<file path=ppt/slides/slide17.xml><?xml version="1.0" encoding="utf-8"?>
+<p:sld xmlns:a="http://schemas.openxmlformats.org/drawingml/2006/main" xmlns:r="http://schemas.openxmlformats.org/officeDocument/2006/relationships" xmlns:p="http://schemas.openxmlformats.org/presentationml/2006/main" xmlns:m="http://schemas.openxmlformats.org/officeDocument/2006/math" xmlns:w="http://schemas.openxmlformats.org/wordprocessingml/2006/main" showMasterPhAnim="0" show="1">
+  <p:cSld name="">
+    <p:spTree>
+      <p:nvGrpSpPr>
+        <p:cNvPr id="1" name=""/>
+        <p:cNvGrpSpPr/>
+        <p:nvPr/>
+      </p:nvGrpSpPr>
+      <p:grpSpPr bwMode="auto">
+        <a:xfrm>
+          <a:off x="0" y="0"/>
+          <a:ext cx="0" cy="0"/>
+          <a:chOff x="0" y="0"/>
+          <a:chExt cx="0" cy="0"/>
+        </a:xfrm>
+      </p:grpSpPr>
+      <p:sp>
+        <p:nvSpPr>
+          <p:cNvPr id="1634827371" name="Title 1"/>
+          <p:cNvSpPr>
+            <a:spLocks noGrp="1"/>
+          </p:cNvSpPr>
+          <p:nvPr>
+            <p:ph type="title"/>
+          </p:nvPr>
+        </p:nvSpPr>
+        <p:spPr bwMode="auto">
+          <a:xfrm rot="0" flipH="0" flipV="0">
+            <a:off x="0" y="0"/>
+            <a:ext cx="9144000" cy="720000"/>
+          </a:xfrm>
+        </p:spPr>
+        <p:txBody>
+          <a:bodyPr/>
+          <a:lstStyle/>
+          <a:p>
+            <a:pPr algn="ctr">
+              <a:defRPr/>
+            </a:pPr>
+            <a:r>
+              <a:rPr sz="2800" b="1">
+                <a:latin typeface="Times New Roman"/>
+                <a:cs typeface="Times New Roman"/>
+              </a:rPr>
+              <a:t>ОСНОВНЫЕ РЕЗУЛЬТАТЫ</a:t>
+            </a:r>
+            <a:endParaRPr sz="2800" b="1">
+              <a:latin typeface="Times New Roman"/>
+              <a:cs typeface="Times New Roman"/>
+            </a:endParaRPr>
+          </a:p>
+        </p:txBody>
+      </p:sp>
+      <p:sp>
+        <p:nvSpPr>
+          <p:cNvPr id="24581935" name="Content Placeholder 2"/>
+          <p:cNvSpPr>
+            <a:spLocks noGrp="1"/>
+          </p:cNvSpPr>
+          <p:nvPr>
+            <p:ph idx="1"/>
+          </p:nvPr>
+        </p:nvSpPr>
+        <p:spPr bwMode="auto">
+          <a:xfrm flipH="0" flipV="0">
+            <a:off x="628650" y="720000"/>
+            <a:ext cx="7886700" cy="5456962"/>
+          </a:xfrm>
+        </p:spPr>
+        <p:txBody>
+          <a:bodyPr vertOverflow="overflow" horzOverflow="overflow" vert="horz" wrap="square" lIns="91440" tIns="45720" rIns="91440" bIns="45720" numCol="1" spcCol="0" rtlCol="0" fromWordArt="0" anchor="ctr" anchorCtr="0" forceAA="0" upright="0" compatLnSpc="0">
+            <a:normAutofit/>
+          </a:bodyPr>
+          <a:lstStyle/>
+          <a:p>
+            <a:pPr marL="394022" indent="-394022">
+              <a:buFont typeface="Arial"/>
+              <a:buAutoNum type="arabicPeriod"/>
+              <a:defRPr/>
+            </a:pPr>
+            <a:r>
+              <a:rPr lang="ru-RU" sz="2800" b="0" i="0" u="none" strike="noStrike" cap="none" spc="0">
+                <a:solidFill>
+                  <a:schemeClr val="tx1"/>
+                </a:solidFill>
+                <a:latin typeface="Times New Roman"/>
+                <a:ea typeface="Times New Roman"/>
+                <a:cs typeface="Times New Roman"/>
+              </a:rPr>
+              <a:t>Выполнен анализ предметной области и произведен обзор существующих решений</a:t>
+            </a:r>
+            <a:endParaRPr sz="2800">
+              <a:latin typeface="Times New Roman"/>
+              <a:cs typeface="Times New Roman"/>
+            </a:endParaRPr>
+          </a:p>
+          <a:p>
+            <a:pPr marL="394021" indent="-394021">
+              <a:buFont typeface="Arial"/>
+              <a:buAutoNum type="arabicPeriod"/>
+              <a:defRPr/>
+            </a:pPr>
+            <a:r>
+              <a:rPr lang="ru-RU" sz="2800" b="0" i="0" u="none" strike="noStrike" cap="none" spc="0">
+                <a:solidFill>
+                  <a:schemeClr val="tx1"/>
+                </a:solidFill>
+                <a:latin typeface="Times New Roman"/>
+                <a:ea typeface="Times New Roman"/>
+                <a:cs typeface="Times New Roman"/>
+              </a:rPr>
+              <a:t>Разработана базовая архитектура приложения</a:t>
+            </a:r>
+            <a:endParaRPr sz="2800">
+              <a:latin typeface="Times New Roman"/>
+              <a:cs typeface="Times New Roman"/>
+            </a:endParaRPr>
+          </a:p>
+          <a:p>
+            <a:pPr marL="394021" indent="-394021">
+              <a:buFont typeface="Arial"/>
+              <a:buAutoNum type="arabicPeriod"/>
+              <a:defRPr/>
+            </a:pPr>
+            <a:r>
+              <a:rPr lang="ru-RU" sz="2800" b="0" i="0" u="none" strike="noStrike" cap="none" spc="0">
+                <a:solidFill>
+                  <a:schemeClr val="tx1"/>
+                </a:solidFill>
+                <a:latin typeface="Times New Roman"/>
+                <a:ea typeface="Times New Roman"/>
+                <a:cs typeface="Times New Roman"/>
+              </a:rPr>
+              <a:t>Выполнена реализация приложения</a:t>
+            </a:r>
+            <a:endParaRPr sz="2800">
+              <a:latin typeface="Times New Roman"/>
+              <a:cs typeface="Times New Roman"/>
+            </a:endParaRPr>
+          </a:p>
+          <a:p>
+            <a:pPr marL="394021" indent="-394021">
+              <a:buFont typeface="Arial"/>
+              <a:buAutoNum type="arabicPeriod"/>
+              <a:defRPr/>
+            </a:pPr>
+            <a:r>
+              <a:rPr lang="ru-RU" sz="2800" b="0" i="0" u="none" strike="noStrike" cap="none" spc="0">
+                <a:solidFill>
+                  <a:schemeClr val="tx1"/>
+                </a:solidFill>
+                <a:latin typeface="Times New Roman"/>
+                <a:ea typeface="Times New Roman"/>
+                <a:cs typeface="Times New Roman"/>
+              </a:rPr>
+              <a:t>Выполнено тестирование</a:t>
+            </a:r>
+            <a:endParaRPr sz="2800">
+              <a:latin typeface="Times New Roman"/>
+              <a:cs typeface="Times New Roman"/>
+            </a:endParaRPr>
           </a:p>
         </p:txBody>
       </p:sp>
@@ -4507,7 +5931,9 @@
           </a:xfrm>
         </p:spPr>
         <p:txBody>
-          <a:bodyPr/>
+          <a:bodyPr vertOverflow="overflow" horzOverflow="overflow" vert="horz" wrap="square" lIns="91440" tIns="45720" rIns="91440" bIns="45720" numCol="1" spcCol="0" rtlCol="0" fromWordArt="0" anchor="t" anchorCtr="0" forceAA="0" upright="0" compatLnSpc="0">
+            <a:normAutofit/>
+          </a:bodyPr>
           <a:lstStyle/>
           <a:p>
             <a:pPr marL="0" indent="0">
@@ -4591,7 +6017,7 @@
                 <a:latin typeface="Times New Roman"/>
                 <a:cs typeface="Times New Roman"/>
               </a:rPr>
-              <a:t>Выполнить анализ предметной области и произвести обзор существующих решений</a:t>
+              <a:t>выполнить анализ предметной области и произвести обзор существующих решений</a:t>
             </a:r>
             <a:r>
               <a:rPr lang="en-US">
@@ -4612,11 +6038,14 @@
               <a:defRPr/>
             </a:pPr>
             <a:r>
-              <a:rPr lang="ru-RU">
-                <a:latin typeface="Times New Roman"/>
-                <a:cs typeface="Times New Roman"/>
-              </a:rPr>
-              <a:t>Спроектировать приложение</a:t>
+              <a:rPr lang="ru-RU" sz="2800" b="0" i="0" u="none" strike="noStrike" cap="none" spc="0">
+                <a:solidFill>
+                  <a:schemeClr val="tx1"/>
+                </a:solidFill>
+                <a:latin typeface="Times New Roman"/>
+                <a:cs typeface="Times New Roman"/>
+              </a:rPr>
+              <a:t>разработать базовую архитектуру приложения</a:t>
             </a:r>
             <a:r>
               <a:rPr lang="en-US">
@@ -4637,11 +6066,14 @@
               <a:defRPr/>
             </a:pPr>
             <a:r>
-              <a:rPr lang="ru-RU">
-                <a:latin typeface="Times New Roman"/>
-                <a:cs typeface="Times New Roman"/>
-              </a:rPr>
-              <a:t>Реализовать</a:t>
+              <a:rPr lang="ru-RU" sz="2800" b="0" i="0" u="none" strike="noStrike" cap="none" spc="0">
+                <a:solidFill>
+                  <a:schemeClr val="tx1"/>
+                </a:solidFill>
+                <a:latin typeface="Times New Roman"/>
+                <a:cs typeface="Times New Roman"/>
+              </a:rPr>
+              <a:t>выполнить реализацию приложения</a:t>
             </a:r>
             <a:r>
               <a:rPr lang="en-US">
@@ -4662,11 +6094,21 @@
               <a:defRPr/>
             </a:pPr>
             <a:r>
+              <a:rPr lang="ru-RU" sz="2700" b="0" i="0" u="none" strike="noStrike" cap="none" spc="0">
+                <a:solidFill>
+                  <a:schemeClr val="tx1"/>
+                </a:solidFill>
+                <a:latin typeface="Times New Roman"/>
+                <a:cs typeface="Times New Roman"/>
+              </a:rPr>
+              <a:t>выполнить тестирование</a:t>
+            </a:r>
+            <a:r>
               <a:rPr lang="ru-RU">
                 <a:latin typeface="Times New Roman"/>
                 <a:cs typeface="Times New Roman"/>
               </a:rPr>
-              <a:t>Выполнить тестирование.</a:t>
+              <a:t>.</a:t>
             </a:r>
             <a:endParaRPr lang="ru-RU">
               <a:latin typeface="Times New Roman"/>
@@ -5437,105 +6879,174 @@
               <a:defRPr/>
             </a:pPr>
             <a:r>
-              <a:rPr lang="ru-RU"/>
+              <a:rPr lang="ru-RU">
+                <a:latin typeface="Times New Roman"/>
+                <a:cs typeface="Times New Roman"/>
+              </a:rPr>
               <a:t>Фреймворк</a:t>
             </a:r>
             <a:r>
-              <a:rPr lang="en-US"/>
+              <a:rPr lang="en-US">
+                <a:latin typeface="Times New Roman"/>
+                <a:cs typeface="Times New Roman"/>
+              </a:rPr>
               <a:t>: Tauri.</a:t>
             </a:r>
-            <a:endParaRPr lang="en-US"/>
+            <a:endParaRPr>
+              <a:latin typeface="Times New Roman"/>
+              <a:cs typeface="Times New Roman"/>
+            </a:endParaRPr>
           </a:p>
           <a:p>
             <a:pPr>
               <a:defRPr/>
             </a:pPr>
             <a:r>
-              <a:rPr lang="ru-RU"/>
+              <a:rPr lang="ru-RU">
+                <a:latin typeface="Times New Roman"/>
+                <a:cs typeface="Times New Roman"/>
+              </a:rPr>
               <a:t>Язык программирования</a:t>
             </a:r>
             <a:r>
-              <a:rPr lang="en-US"/>
+              <a:rPr lang="en-US">
+                <a:latin typeface="Times New Roman"/>
+                <a:cs typeface="Times New Roman"/>
+              </a:rPr>
               <a:t> </a:t>
             </a:r>
             <a:r>
-              <a:rPr lang="ru-RU"/>
+              <a:rPr lang="ru-RU">
+                <a:latin typeface="Times New Roman"/>
+                <a:cs typeface="Times New Roman"/>
+              </a:rPr>
               <a:t>бэкенда</a:t>
             </a:r>
             <a:r>
-              <a:rPr lang="en-US"/>
+              <a:rPr lang="en-US">
+                <a:latin typeface="Times New Roman"/>
+                <a:cs typeface="Times New Roman"/>
+              </a:rPr>
               <a:t>: </a:t>
             </a:r>
             <a:r>
-              <a:rPr lang="en-US"/>
+              <a:rPr lang="en-US">
+                <a:latin typeface="Times New Roman"/>
+                <a:cs typeface="Times New Roman"/>
+              </a:rPr>
               <a:t>Rust.</a:t>
             </a:r>
-            <a:endParaRPr lang="en-US"/>
+            <a:endParaRPr>
+              <a:latin typeface="Times New Roman"/>
+              <a:cs typeface="Times New Roman"/>
+            </a:endParaRPr>
           </a:p>
           <a:p>
             <a:pPr>
               <a:defRPr/>
             </a:pPr>
             <a:r>
-              <a:rPr lang="ru-RU"/>
+              <a:rPr lang="ru-RU">
+                <a:latin typeface="Times New Roman"/>
+                <a:cs typeface="Times New Roman"/>
+              </a:rPr>
               <a:t>База данных</a:t>
             </a:r>
             <a:r>
-              <a:rPr lang="en-US"/>
+              <a:rPr lang="en-US">
+                <a:latin typeface="Times New Roman"/>
+                <a:cs typeface="Times New Roman"/>
+              </a:rPr>
               <a:t>: </a:t>
             </a:r>
             <a:r>
-              <a:rPr lang="en-US"/>
+              <a:rPr lang="en-US">
+                <a:latin typeface="Times New Roman"/>
+                <a:cs typeface="Times New Roman"/>
+              </a:rPr>
               <a:t>Sqlite.</a:t>
             </a:r>
-            <a:endParaRPr lang="en-US"/>
+            <a:endParaRPr>
+              <a:latin typeface="Times New Roman"/>
+              <a:cs typeface="Times New Roman"/>
+            </a:endParaRPr>
           </a:p>
           <a:p>
             <a:pPr>
               <a:defRPr/>
             </a:pPr>
             <a:r>
-              <a:rPr lang="ru-RU"/>
+              <a:rPr lang="ru-RU">
+                <a:latin typeface="Times New Roman"/>
+                <a:cs typeface="Times New Roman"/>
+              </a:rPr>
               <a:t>Фреймворк фронтенда</a:t>
             </a:r>
             <a:r>
-              <a:rPr lang="en-US"/>
+              <a:rPr lang="en-US">
+                <a:latin typeface="Times New Roman"/>
+                <a:cs typeface="Times New Roman"/>
+              </a:rPr>
               <a:t>: </a:t>
             </a:r>
             <a:r>
-              <a:rPr lang="en-US"/>
+              <a:rPr lang="en-US">
+                <a:latin typeface="Times New Roman"/>
+                <a:cs typeface="Times New Roman"/>
+              </a:rPr>
               <a:t>Svelte.</a:t>
             </a:r>
-            <a:endParaRPr lang="en-US"/>
+            <a:endParaRPr>
+              <a:latin typeface="Times New Roman"/>
+              <a:cs typeface="Times New Roman"/>
+            </a:endParaRPr>
           </a:p>
           <a:p>
             <a:pPr>
               <a:defRPr/>
             </a:pPr>
             <a:r>
-              <a:rPr lang="ru-RU"/>
+              <a:rPr lang="ru-RU">
+                <a:latin typeface="Times New Roman"/>
+                <a:cs typeface="Times New Roman"/>
+              </a:rPr>
               <a:t>Язык программирования фронтенда</a:t>
             </a:r>
             <a:r>
-              <a:rPr lang="en-US"/>
+              <a:rPr lang="en-US">
+                <a:latin typeface="Times New Roman"/>
+                <a:cs typeface="Times New Roman"/>
+              </a:rPr>
               <a:t>: </a:t>
             </a:r>
             <a:r>
-              <a:rPr lang="en-US"/>
+              <a:rPr lang="en-US">
+                <a:latin typeface="Times New Roman"/>
+                <a:cs typeface="Times New Roman"/>
+              </a:rPr>
               <a:t>TypeScript.</a:t>
             </a:r>
-            <a:endParaRPr lang="en-US"/>
+            <a:endParaRPr>
+              <a:latin typeface="Times New Roman"/>
+              <a:cs typeface="Times New Roman"/>
+            </a:endParaRPr>
           </a:p>
           <a:p>
             <a:pPr>
               <a:defRPr/>
             </a:pPr>
             <a:r>
-              <a:rPr lang="ru-RU"/>
+              <a:rPr lang="ru-RU">
+                <a:latin typeface="Times New Roman"/>
+                <a:cs typeface="Times New Roman"/>
+              </a:rPr>
               <a:t>Библиотека для отображения карты</a:t>
             </a:r>
             <a:r>
-              <a:rPr lang="en-US"/>
+              <a:rPr lang="en-US">
+                <a:latin typeface="Times New Roman"/>
+                <a:cs typeface="Times New Roman"/>
+              </a:rPr>
               <a:t>: </a:t>
             </a:r>
             <a:r>
@@ -5543,30 +7054,18 @@
                 <a:solidFill>
                   <a:schemeClr val="tx1"/>
                 </a:solidFill>
-                <a:latin typeface="Arial"/>
-                <a:cs typeface="Arial"/>
+                <a:latin typeface="Times New Roman"/>
+                <a:cs typeface="Times New Roman"/>
               </a:rPr>
               <a:t>OpenLayers.</a:t>
             </a:r>
-            <a:endParaRPr lang="en-US" sz="2800" b="0" i="0" u="none" strike="noStrike" cap="none" spc="0">
+            <a:endParaRPr sz="2800" b="0" i="0" u="none" strike="noStrike" cap="none" spc="0">
               <a:solidFill>
                 <a:schemeClr val="tx1"/>
               </a:solidFill>
-              <a:latin typeface="Arial"/>
-              <a:cs typeface="Arial"/>
+              <a:latin typeface="Times New Roman"/>
+              <a:cs typeface="Times New Roman"/>
             </a:endParaRPr>
-          </a:p>
-          <a:p>
-            <a:pPr>
-              <a:defRPr/>
-            </a:pPr>
-            <a:endParaRPr lang="en-US"/>
-          </a:p>
-          <a:p>
-            <a:pPr>
-              <a:defRPr/>
-            </a:pPr>
-            <a:endParaRPr lang="en-US"/>
           </a:p>
         </p:txBody>
       </p:sp>
@@ -5605,7 +7104,7 @@
       </p:grpSpPr>
       <p:sp>
         <p:nvSpPr>
-          <p:cNvPr id="1683534641" name="Title 1"/>
+          <p:cNvPr id="1182877265" name="Title 1"/>
           <p:cNvSpPr>
             <a:spLocks noGrp="1"/>
           </p:cNvSpPr>
@@ -5631,7 +7130,7 @@
                 <a:latin typeface="Times New Roman"/>
                 <a:cs typeface="Times New Roman"/>
               </a:rPr>
-              <a:t>ОСНОВНЫЕ РЕЗУЛЬТАТЫ</a:t>
+              <a:t>АЛГОРИТМ ДИСКРИТЕЗАЦИИ ОБЛАСТИ</a:t>
             </a:r>
             <a:endParaRPr sz="2800" b="1">
               <a:latin typeface="Times New Roman"/>
@@ -5642,7 +7141,7 @@
       </p:sp>
       <p:sp>
         <p:nvSpPr>
-          <p:cNvPr id="417868850" name="Content Placeholder 2"/>
+          <p:cNvPr id="2137660459" name="Content Placeholder 2"/>
           <p:cNvSpPr>
             <a:spLocks noGrp="1"/>
           </p:cNvSpPr>
@@ -5652,18 +7151,301 @@
         </p:nvSpPr>
         <p:spPr bwMode="auto">
           <a:xfrm flipH="0" flipV="0">
-            <a:off x="628650" y="720000"/>
-            <a:ext cx="7886700" cy="5456962"/>
+            <a:off x="628649" y="720000"/>
+            <a:ext cx="7886700" cy="5456961"/>
           </a:xfrm>
         </p:spPr>
         <p:txBody>
-          <a:bodyPr/>
+          <a:bodyPr vertOverflow="overflow" horzOverflow="overflow" vert="horz" wrap="square" lIns="91440" tIns="45720" rIns="91440" bIns="45720" numCol="1" spcCol="0" rtlCol="0" fromWordArt="0" anchor="t" anchorCtr="0" forceAA="0" upright="0" compatLnSpc="0">
+            <a:normAutofit fontScale="70000" lnSpcReduction="6000"/>
+          </a:bodyPr>
           <a:lstStyle/>
           <a:p>
-            <a:pPr>
-              <a:defRPr/>
-            </a:pPr>
-            <a:endParaRPr>
+            <a:pPr marL="305908" indent="-305908">
+              <a:buFont typeface="Arial"/>
+              <a:buAutoNum type="arabicParenR"/>
+              <a:defRPr/>
+            </a:pPr>
+            <a:r>
+              <a:rPr lang="ru-RU" sz="2800" b="0" i="0" u="none" strike="noStrike" cap="none" spc="0">
+                <a:solidFill>
+                  <a:schemeClr val="tx1"/>
+                </a:solidFill>
+                <a:latin typeface="Times New Roman"/>
+                <a:cs typeface="Times New Roman"/>
+              </a:rPr>
+              <a:t>Найти минимальные и максимальные значения x и y из заданных координат многоугольника</a:t>
+            </a:r>
+            <a:r>
+              <a:rPr lang="en-US" sz="2800" b="0" i="0" u="none" strike="noStrike" cap="none" spc="0">
+                <a:solidFill>
+                  <a:schemeClr val="tx1"/>
+                </a:solidFill>
+                <a:latin typeface="Times New Roman"/>
+                <a:cs typeface="Times New Roman"/>
+              </a:rPr>
+              <a:t>;</a:t>
+            </a:r>
+            <a:endParaRPr lang="ru-RU" sz="2800" b="0" i="0" u="none" strike="noStrike" cap="none" spc="0">
+              <a:solidFill>
+                <a:schemeClr val="tx1"/>
+              </a:solidFill>
+              <a:latin typeface="Times New Roman"/>
+              <a:cs typeface="Times New Roman"/>
+            </a:endParaRPr>
+          </a:p>
+          <a:p>
+            <a:pPr marL="305908" indent="-305908">
+              <a:buFont typeface="Arial"/>
+              <a:buAutoNum type="arabicParenR"/>
+              <a:defRPr/>
+            </a:pPr>
+            <a:r>
+              <a:rPr lang="ru-RU" sz="2800" b="0" i="0" u="none" strike="noStrike" cap="none" spc="0">
+                <a:solidFill>
+                  <a:schemeClr val="tx1"/>
+                </a:solidFill>
+                <a:latin typeface="Times New Roman"/>
+                <a:cs typeface="Times New Roman"/>
+              </a:rPr>
+              <a:t>Перебирать значения x и y в пределах минимальных и максимальных значений</a:t>
+            </a:r>
+            <a:r>
+              <a:rPr lang="en-US" sz="2800" b="0" i="0" u="none" strike="noStrike" cap="none" spc="0">
+                <a:solidFill>
+                  <a:schemeClr val="tx1"/>
+                </a:solidFill>
+                <a:latin typeface="Times New Roman"/>
+                <a:cs typeface="Times New Roman"/>
+              </a:rPr>
+              <a:t> </a:t>
+            </a:r>
+            <a:r>
+              <a:rPr lang="ru-RU" sz="2800" b="0" i="0" u="none" strike="noStrike" cap="none" spc="0">
+                <a:solidFill>
+                  <a:schemeClr val="tx1"/>
+                </a:solidFill>
+                <a:latin typeface="Times New Roman"/>
+                <a:cs typeface="Times New Roman"/>
+              </a:rPr>
+              <a:t>с шагом, равным ширине и высоте области съемки</a:t>
+            </a:r>
+            <a:r>
+              <a:rPr lang="en-US" sz="2800" b="0" i="0" u="none" strike="noStrike" cap="none" spc="0">
+                <a:solidFill>
+                  <a:schemeClr val="tx1"/>
+                </a:solidFill>
+                <a:latin typeface="Times New Roman"/>
+                <a:cs typeface="Times New Roman"/>
+              </a:rPr>
+              <a:t>;</a:t>
+            </a:r>
+            <a:endParaRPr lang="ru-RU" sz="2800" b="0" i="0" u="none" strike="noStrike" cap="none" spc="0">
+              <a:solidFill>
+                <a:schemeClr val="tx1"/>
+              </a:solidFill>
+              <a:latin typeface="Times New Roman"/>
+              <a:cs typeface="Times New Roman"/>
+            </a:endParaRPr>
+          </a:p>
+          <a:p>
+            <a:pPr marL="305908" indent="-305908">
+              <a:buFont typeface="Arial"/>
+              <a:buAutoNum type="arabicParenR"/>
+              <a:defRPr/>
+            </a:pPr>
+            <a:r>
+              <a:rPr lang="ru-RU" sz="2800" b="0" i="0" u="none" strike="noStrike" cap="none" spc="0">
+                <a:solidFill>
+                  <a:schemeClr val="tx1"/>
+                </a:solidFill>
+                <a:latin typeface="Times New Roman"/>
+                <a:cs typeface="Times New Roman"/>
+              </a:rPr>
+              <a:t>Рассчитать координаты углов прямоугольника для каждой позиции</a:t>
+            </a:r>
+            <a:r>
+              <a:rPr lang="en-US" sz="2800" b="0" i="0" u="none" strike="noStrike" cap="none" spc="0">
+                <a:solidFill>
+                  <a:schemeClr val="tx1"/>
+                </a:solidFill>
+                <a:latin typeface="Times New Roman"/>
+                <a:cs typeface="Times New Roman"/>
+              </a:rPr>
+              <a:t>;</a:t>
+            </a:r>
+            <a:endParaRPr lang="ru-RU" sz="2800" b="0" i="0" u="none" strike="noStrike" cap="none" spc="0">
+              <a:solidFill>
+                <a:schemeClr val="tx1"/>
+              </a:solidFill>
+              <a:latin typeface="Times New Roman"/>
+              <a:cs typeface="Times New Roman"/>
+            </a:endParaRPr>
+          </a:p>
+          <a:p>
+            <a:pPr marL="305908" indent="-305908">
+              <a:buFont typeface="Arial"/>
+              <a:buAutoNum type="arabicParenR"/>
+              <a:defRPr/>
+            </a:pPr>
+            <a:r>
+              <a:rPr lang="ru-RU" sz="2800" b="0" i="0" u="none" strike="noStrike" cap="none" spc="0">
+                <a:solidFill>
+                  <a:schemeClr val="tx1"/>
+                </a:solidFill>
+                <a:latin typeface="Times New Roman"/>
+                <a:cs typeface="Times New Roman"/>
+              </a:rPr>
+              <a:t>Проверить, находится ли хотя бы один угол прямоугольника внутри многоугольника</a:t>
+            </a:r>
+            <a:r>
+              <a:rPr lang="en-US" sz="2800" b="0" i="0" u="none" strike="noStrike" cap="none" spc="0">
+                <a:solidFill>
+                  <a:schemeClr val="tx1"/>
+                </a:solidFill>
+                <a:latin typeface="Times New Roman"/>
+                <a:cs typeface="Times New Roman"/>
+              </a:rPr>
+              <a:t>;</a:t>
+            </a:r>
+            <a:endParaRPr lang="ru-RU" sz="2800" b="0" i="0" u="none" strike="noStrike" cap="none" spc="0">
+              <a:solidFill>
+                <a:schemeClr val="tx1"/>
+              </a:solidFill>
+              <a:latin typeface="Times New Roman"/>
+              <a:cs typeface="Times New Roman"/>
+            </a:endParaRPr>
+          </a:p>
+          <a:p>
+            <a:pPr marL="305908" indent="-305908">
+              <a:buFont typeface="Arial"/>
+              <a:buAutoNum type="arabicParenR"/>
+              <a:defRPr/>
+            </a:pPr>
+            <a:r>
+              <a:rPr lang="ru-RU" sz="2800" b="0" i="0" u="none" strike="noStrike" cap="none" spc="0">
+                <a:solidFill>
+                  <a:schemeClr val="tx1"/>
+                </a:solidFill>
+                <a:latin typeface="Times New Roman"/>
+                <a:cs typeface="Times New Roman"/>
+              </a:rPr>
+              <a:t>Если хотя бы один угол находится внутри, рассчитать координаты центра прямоугольника</a:t>
+            </a:r>
+            <a:r>
+              <a:rPr lang="en-US" sz="2800" b="0" i="0" u="none" strike="noStrike" cap="none" spc="0">
+                <a:solidFill>
+                  <a:schemeClr val="tx1"/>
+                </a:solidFill>
+                <a:latin typeface="Times New Roman"/>
+                <a:cs typeface="Times New Roman"/>
+              </a:rPr>
+              <a:t>;</a:t>
+            </a:r>
+            <a:endParaRPr lang="ru-RU" sz="2800" b="0" i="0" u="none" strike="noStrike" cap="none" spc="0">
+              <a:solidFill>
+                <a:schemeClr val="tx1"/>
+              </a:solidFill>
+              <a:latin typeface="Times New Roman"/>
+              <a:cs typeface="Times New Roman"/>
+            </a:endParaRPr>
+          </a:p>
+          <a:p>
+            <a:pPr marL="305908" indent="-305908">
+              <a:buFont typeface="Arial"/>
+              <a:buAutoNum type="arabicParenR"/>
+              <a:defRPr/>
+            </a:pPr>
+            <a:r>
+              <a:rPr lang="ru-RU" sz="2800" b="0" i="0" u="none" strike="noStrike" cap="none" spc="0">
+                <a:solidFill>
+                  <a:schemeClr val="tx1"/>
+                </a:solidFill>
+                <a:latin typeface="Times New Roman"/>
+                <a:cs typeface="Times New Roman"/>
+              </a:rPr>
+              <a:t>Добавить координаты центра в результирующий вектор</a:t>
+            </a:r>
+            <a:r>
+              <a:rPr lang="en-US" sz="2800" b="0" i="0" u="none" strike="noStrike" cap="none" spc="0">
+                <a:solidFill>
+                  <a:schemeClr val="tx1"/>
+                </a:solidFill>
+                <a:latin typeface="Times New Roman"/>
+                <a:cs typeface="Times New Roman"/>
+              </a:rPr>
+              <a:t>;</a:t>
+            </a:r>
+            <a:endParaRPr lang="ru-RU" sz="2800" b="0" i="0" u="none" strike="noStrike" cap="none" spc="0">
+              <a:solidFill>
+                <a:schemeClr val="tx1"/>
+              </a:solidFill>
+              <a:latin typeface="Times New Roman"/>
+              <a:cs typeface="Times New Roman"/>
+            </a:endParaRPr>
+          </a:p>
+          <a:p>
+            <a:pPr marL="305908" indent="-305908">
+              <a:buFont typeface="Arial"/>
+              <a:buAutoNum type="arabicParenR"/>
+              <a:defRPr/>
+            </a:pPr>
+            <a:r>
+              <a:rPr lang="ru-RU" sz="2800" b="0" i="0" u="none" strike="noStrike" cap="none" spc="0">
+                <a:solidFill>
+                  <a:schemeClr val="tx1"/>
+                </a:solidFill>
+                <a:latin typeface="Times New Roman"/>
+                <a:cs typeface="Times New Roman"/>
+              </a:rPr>
+              <a:t>Повторять шаги с 2 по 6 до тех пор, пока все позиции в пределах диапазона не будут обработаны</a:t>
+            </a:r>
+            <a:r>
+              <a:rPr lang="en-US" sz="2800" b="0" i="0" u="none" strike="noStrike" cap="none" spc="0">
+                <a:solidFill>
+                  <a:schemeClr val="tx1"/>
+                </a:solidFill>
+                <a:latin typeface="Times New Roman"/>
+                <a:cs typeface="Times New Roman"/>
+              </a:rPr>
+              <a:t>;</a:t>
+            </a:r>
+            <a:endParaRPr lang="ru-RU" sz="2800" b="0" i="0" u="none" strike="noStrike" cap="none" spc="0">
+              <a:solidFill>
+                <a:schemeClr val="tx1"/>
+              </a:solidFill>
+              <a:latin typeface="Times New Roman"/>
+              <a:cs typeface="Times New Roman"/>
+            </a:endParaRPr>
+          </a:p>
+          <a:p>
+            <a:pPr marL="305908" indent="-305908">
+              <a:buFont typeface="Arial"/>
+              <a:buAutoNum type="arabicParenR"/>
+              <a:defRPr/>
+            </a:pPr>
+            <a:r>
+              <a:rPr lang="ru-RU" sz="2800" b="0" i="0" u="none" strike="noStrike" cap="none" spc="0">
+                <a:solidFill>
+                  <a:schemeClr val="tx1"/>
+                </a:solidFill>
+                <a:latin typeface="Times New Roman"/>
+                <a:cs typeface="Times New Roman"/>
+              </a:rPr>
+              <a:t>Вернуть результирующий вектор, содержащий координаты центров прямоугольников, пересекающихся с многоугольником</a:t>
+            </a:r>
+            <a:r>
+              <a:rPr lang="en-US" sz="2800" b="0" i="0" u="none" strike="noStrike" cap="none" spc="0">
+                <a:solidFill>
+                  <a:schemeClr val="tx1"/>
+                </a:solidFill>
+                <a:latin typeface="Times New Roman"/>
+                <a:ea typeface="Times New Roman"/>
+                <a:cs typeface="Times New Roman"/>
+              </a:rPr>
+              <a:t>;</a:t>
+            </a:r>
+            <a:endParaRPr sz="2800">
               <a:latin typeface="Times New Roman"/>
               <a:cs typeface="Times New Roman"/>
             </a:endParaRPr>

--- a/doc/Raschupkin_EV_UAV_Route_Planning.pptx
+++ b/doc/Raschupkin_EV_UAV_Route_Planning.pptx
@@ -1,6 +1,6 @@
 
 <file path=ppt/presentation.xml><?xml version="1.0" encoding="utf-8"?>
-<p:presentation xmlns:a="http://schemas.openxmlformats.org/drawingml/2006/main" xmlns:r="http://schemas.openxmlformats.org/officeDocument/2006/relationships" xmlns:p="http://schemas.openxmlformats.org/presentationml/2006/main" xmlns:m="http://schemas.openxmlformats.org/officeDocument/2006/math" xmlns:w="http://schemas.openxmlformats.org/wordprocessingml/2006/main" saveSubsetFonts="1">
+<p:presentation xmlns:a="http://schemas.openxmlformats.org/drawingml/2006/main" xmlns:r="http://schemas.openxmlformats.org/officeDocument/2006/relationships" xmlns:p="http://schemas.openxmlformats.org/presentationml/2006/main" xmlns:m="http://schemas.openxmlformats.org/officeDocument/2006/math" xmlns:w="http://schemas.openxmlformats.org/wordprocessingml/2006/main" saveSubsetFonts="1" showSpecialPlsOnTitleSld="0">
   <p:sldMasterIdLst>
     <p:sldMasterId id="2147483648" r:id="rId1"/>
   </p:sldMasterIdLst>
@@ -22,6 +22,7 @@
     <p:sldId id="270" r:id="rId17"/>
     <p:sldId id="271" r:id="rId18"/>
     <p:sldId id="272" r:id="rId19"/>
+    <p:sldId id="273" r:id="rId20"/>
   </p:sldIdLst>
   <p:sldSz cx="9144000" cy="6858000" type="screen4x3"/>
   <p:notesSz cx="9144000" cy="6858000"/>
@@ -2960,7 +2961,7 @@
     <p:sldLayoutId id="2147483658" r:id="rId10"/>
     <p:sldLayoutId id="2147483659" r:id="rId11"/>
   </p:sldLayoutIdLst>
-  <p:hf dt="0" ftr="0" hdr="0" sldNum="0"/>
+  <p:hf dt="0" ftr="0" hdr="0" sldNum="1"/>
   <p:txStyles>
     <p:titleStyle>
       <a:lvl1pPr algn="l" defTabSz="914400">
@@ -3686,9 +3687,20 @@
                   <a:schemeClr val="tx1"/>
                 </a:solidFill>
                 <a:latin typeface="Times New Roman"/>
-                <a:cs typeface="Times New Roman"/>
-              </a:rPr>
-              <a:t>Макаровских Т.А.</a:t>
+                <a:ea typeface="Times New Roman"/>
+                <a:cs typeface="Times New Roman"/>
+              </a:rPr>
+              <a:t>Т.А.</a:t>
+            </a:r>
+            <a:r>
+              <a:rPr lang="ru-RU" sz="1400" b="0" i="0" u="none" strike="noStrike" cap="none" spc="0">
+                <a:solidFill>
+                  <a:schemeClr val="tx1"/>
+                </a:solidFill>
+                <a:latin typeface="Times New Roman"/>
+                <a:cs typeface="Times New Roman"/>
+              </a:rPr>
+              <a:t> Макаровских</a:t>
             </a:r>
             <a:endParaRPr lang="ru-RU" sz="1400" b="0" i="0" u="none" strike="noStrike" cap="none" spc="0">
               <a:solidFill>
@@ -4186,7 +4198,7 @@
       </p:grpSpPr>
       <p:sp>
         <p:nvSpPr>
-          <p:cNvPr id="1683534641" name="Title 1"/>
+          <p:cNvPr id="1182877265" name="Title 1"/>
           <p:cNvSpPr>
             <a:spLocks noGrp="1"/>
           </p:cNvSpPr>
@@ -4201,9 +4213,7 @@
           </a:xfrm>
         </p:spPr>
         <p:txBody>
-          <a:bodyPr vertOverflow="overflow" horzOverflow="overflow" vert="horz" wrap="square" lIns="91440" tIns="45720" rIns="91440" bIns="45720" numCol="1" spcCol="0" rtlCol="0" fromWordArt="0" anchor="ctr" anchorCtr="0" forceAA="0" upright="0" compatLnSpc="0">
-            <a:normAutofit fontScale="90000" lnSpcReduction="2000"/>
-          </a:bodyPr>
+          <a:bodyPr/>
           <a:lstStyle/>
           <a:p>
             <a:pPr algn="ctr">
@@ -4214,7 +4224,7 @@
                 <a:latin typeface="Times New Roman"/>
                 <a:cs typeface="Times New Roman"/>
               </a:rPr>
-              <a:t>ВИЗУАЛИЗАЦИЯ РАБОТЫ АЛГОРИТМА ДИСКРЕТИЗАЦИИ</a:t>
+              <a:t>АЛГОРИТМ ДИСКРИТЕЗАЦИИ ОБЛАСТИ</a:t>
             </a:r>
             <a:endParaRPr sz="2800" b="1">
               <a:latin typeface="Times New Roman"/>
@@ -4223,38 +4233,358 @@
           </a:p>
         </p:txBody>
       </p:sp>
-      <p:pic>
-        <p:nvPicPr>
-          <p:cNvPr id="934106895" name=""/>
-          <p:cNvPicPr>
-            <a:picLocks noChangeAspect="1"/>
-          </p:cNvPicPr>
+      <p:sp>
+        <p:nvSpPr>
+          <p:cNvPr id="2137660459" name="Content Placeholder 2"/>
+          <p:cNvSpPr>
+            <a:spLocks noGrp="1"/>
+          </p:cNvSpPr>
           <p:nvPr>
             <p:ph idx="1"/>
           </p:nvPr>
-        </p:nvPicPr>
-        <p:blipFill>
-          <a:blip r:embed="rId2"/>
-          <a:stretch/>
-        </p:blipFill>
+        </p:nvSpPr>
         <p:spPr bwMode="auto">
-          <a:xfrm rot="0">
-            <a:off x="934025" y="914027"/>
-            <a:ext cx="7275949" cy="5456961"/>
+          <a:xfrm flipH="0" flipV="0">
+            <a:off x="628649" y="720000"/>
+            <a:ext cx="7886700" cy="5456961"/>
           </a:xfrm>
-          <a:prstGeom prst="rect">
-            <a:avLst/>
-          </a:prstGeom>
-          <a:ln w="12699">
-            <a:solidFill>
-              <a:schemeClr val="accent1">
-                <a:lumMod val="50196"/>
-              </a:schemeClr>
-            </a:solidFill>
-            <a:prstDash val="solid"/>
-          </a:ln>
         </p:spPr>
-      </p:pic>
+        <p:txBody>
+          <a:bodyPr vertOverflow="overflow" horzOverflow="overflow" vert="horz" wrap="square" lIns="91440" tIns="45720" rIns="91440" bIns="45720" numCol="1" spcCol="0" rtlCol="0" fromWordArt="0" anchor="t" anchorCtr="0" forceAA="0" upright="0" compatLnSpc="0">
+            <a:normAutofit fontScale="70000" lnSpcReduction="6000"/>
+          </a:bodyPr>
+          <a:lstStyle/>
+          <a:p>
+            <a:pPr marL="316922" indent="-316922">
+              <a:buFont typeface="Arial"/>
+              <a:buAutoNum type="arabicPeriod"/>
+              <a:defRPr/>
+            </a:pPr>
+            <a:r>
+              <a:rPr lang="ru-RU" sz="2800" b="0" i="0" u="none" strike="noStrike" cap="none" spc="0">
+                <a:solidFill>
+                  <a:schemeClr val="tx1"/>
+                </a:solidFill>
+                <a:latin typeface="Times New Roman"/>
+                <a:cs typeface="Times New Roman"/>
+              </a:rPr>
+              <a:t>Найти минимальные и максимальные значения x и y из заданных координат многоугольника</a:t>
+            </a:r>
+            <a:r>
+              <a:rPr lang="ru-RU" sz="2800" b="0" i="0" u="none" strike="noStrike" cap="none" spc="0">
+                <a:solidFill>
+                  <a:schemeClr val="tx1"/>
+                </a:solidFill>
+                <a:latin typeface="Times New Roman"/>
+                <a:cs typeface="Times New Roman"/>
+              </a:rPr>
+              <a:t>.</a:t>
+            </a:r>
+            <a:endParaRPr lang="ru-RU" sz="2800" b="0" i="0" u="none" strike="noStrike" cap="none" spc="0">
+              <a:solidFill>
+                <a:schemeClr val="tx1"/>
+              </a:solidFill>
+              <a:latin typeface="Times New Roman"/>
+              <a:cs typeface="Times New Roman"/>
+            </a:endParaRPr>
+          </a:p>
+          <a:p>
+            <a:pPr marL="316922" indent="-316922">
+              <a:buFont typeface="Arial"/>
+              <a:buAutoNum type="arabicPeriod"/>
+              <a:defRPr/>
+            </a:pPr>
+            <a:r>
+              <a:rPr lang="ru-RU" sz="2800" b="0" i="0" u="none" strike="noStrike" cap="none" spc="0">
+                <a:solidFill>
+                  <a:schemeClr val="tx1"/>
+                </a:solidFill>
+                <a:latin typeface="Times New Roman"/>
+                <a:cs typeface="Times New Roman"/>
+              </a:rPr>
+              <a:t>Перебирать значения x и y в пределах минимальных и максимальных значений</a:t>
+            </a:r>
+            <a:r>
+              <a:rPr lang="en-US" sz="2800" b="0" i="0" u="none" strike="noStrike" cap="none" spc="0">
+                <a:solidFill>
+                  <a:schemeClr val="tx1"/>
+                </a:solidFill>
+                <a:latin typeface="Times New Roman"/>
+                <a:cs typeface="Times New Roman"/>
+              </a:rPr>
+              <a:t> </a:t>
+            </a:r>
+            <a:r>
+              <a:rPr lang="ru-RU" sz="2800" b="0" i="0" u="none" strike="noStrike" cap="none" spc="0">
+                <a:solidFill>
+                  <a:schemeClr val="tx1"/>
+                </a:solidFill>
+                <a:latin typeface="Times New Roman"/>
+                <a:cs typeface="Times New Roman"/>
+              </a:rPr>
+              <a:t>с шагом, равным ширине и высоте области съемки</a:t>
+            </a:r>
+            <a:r>
+              <a:rPr lang="ru-RU" sz="2800" b="0" i="0" u="none" strike="noStrike" cap="none" spc="0">
+                <a:solidFill>
+                  <a:schemeClr val="tx1"/>
+                </a:solidFill>
+                <a:latin typeface="Times New Roman"/>
+                <a:cs typeface="Times New Roman"/>
+              </a:rPr>
+              <a:t>.</a:t>
+            </a:r>
+            <a:endParaRPr lang="ru-RU" sz="2800" b="0" i="0" u="none" strike="noStrike" cap="none" spc="0">
+              <a:solidFill>
+                <a:schemeClr val="tx1"/>
+              </a:solidFill>
+              <a:latin typeface="Times New Roman"/>
+              <a:cs typeface="Times New Roman"/>
+            </a:endParaRPr>
+          </a:p>
+          <a:p>
+            <a:pPr marL="316922" indent="-316922">
+              <a:buFont typeface="Arial"/>
+              <a:buAutoNum type="arabicPeriod"/>
+              <a:defRPr/>
+            </a:pPr>
+            <a:r>
+              <a:rPr lang="ru-RU" sz="2800" b="0" i="0" u="none" strike="noStrike" cap="none" spc="0">
+                <a:solidFill>
+                  <a:schemeClr val="tx1"/>
+                </a:solidFill>
+                <a:latin typeface="Times New Roman"/>
+                <a:cs typeface="Times New Roman"/>
+              </a:rPr>
+              <a:t>Рассчитать координаты углов прямоугольника для каждой позиции</a:t>
+            </a:r>
+            <a:r>
+              <a:rPr lang="ru-RU" sz="2800" b="0" i="0" u="none" strike="noStrike" cap="none" spc="0">
+                <a:solidFill>
+                  <a:schemeClr val="tx1"/>
+                </a:solidFill>
+                <a:latin typeface="Times New Roman"/>
+                <a:cs typeface="Times New Roman"/>
+              </a:rPr>
+              <a:t>.</a:t>
+            </a:r>
+            <a:endParaRPr lang="ru-RU" sz="2800" b="0" i="0" u="none" strike="noStrike" cap="none" spc="0">
+              <a:solidFill>
+                <a:schemeClr val="tx1"/>
+              </a:solidFill>
+              <a:latin typeface="Times New Roman"/>
+              <a:cs typeface="Times New Roman"/>
+            </a:endParaRPr>
+          </a:p>
+          <a:p>
+            <a:pPr marL="316922" indent="-316922">
+              <a:buFont typeface="Arial"/>
+              <a:buAutoNum type="arabicPeriod"/>
+              <a:defRPr/>
+            </a:pPr>
+            <a:r>
+              <a:rPr lang="ru-RU" sz="2800" b="0" i="0" u="none" strike="noStrike" cap="none" spc="0">
+                <a:solidFill>
+                  <a:schemeClr val="tx1"/>
+                </a:solidFill>
+                <a:latin typeface="Times New Roman"/>
+                <a:cs typeface="Times New Roman"/>
+              </a:rPr>
+              <a:t>Проверить, находится ли хотя бы один угол прямоугольника внутри многоугольника</a:t>
+            </a:r>
+            <a:r>
+              <a:rPr lang="ru-RU" sz="2800" b="0" i="0" u="none" strike="noStrike" cap="none" spc="0">
+                <a:solidFill>
+                  <a:schemeClr val="tx1"/>
+                </a:solidFill>
+                <a:latin typeface="Times New Roman"/>
+                <a:cs typeface="Times New Roman"/>
+              </a:rPr>
+              <a:t>.</a:t>
+            </a:r>
+            <a:endParaRPr lang="ru-RU" sz="2800" b="0" i="0" u="none" strike="noStrike" cap="none" spc="0">
+              <a:solidFill>
+                <a:schemeClr val="tx1"/>
+              </a:solidFill>
+              <a:latin typeface="Times New Roman"/>
+              <a:cs typeface="Times New Roman"/>
+            </a:endParaRPr>
+          </a:p>
+          <a:p>
+            <a:pPr marL="316922" indent="-316922">
+              <a:buFont typeface="Arial"/>
+              <a:buAutoNum type="arabicPeriod"/>
+              <a:defRPr/>
+            </a:pPr>
+            <a:r>
+              <a:rPr lang="ru-RU" sz="2800" b="0" i="0" u="none" strike="noStrike" cap="none" spc="0">
+                <a:solidFill>
+                  <a:schemeClr val="tx1"/>
+                </a:solidFill>
+                <a:latin typeface="Times New Roman"/>
+                <a:cs typeface="Times New Roman"/>
+              </a:rPr>
+              <a:t>Если хотя бы один угол находится внутри, рассчитать координаты центра прямоугольника</a:t>
+            </a:r>
+            <a:r>
+              <a:rPr lang="ru-RU" sz="2800" b="0" i="0" u="none" strike="noStrike" cap="none" spc="0">
+                <a:solidFill>
+                  <a:schemeClr val="tx1"/>
+                </a:solidFill>
+                <a:latin typeface="Times New Roman"/>
+                <a:cs typeface="Times New Roman"/>
+              </a:rPr>
+              <a:t>.</a:t>
+            </a:r>
+            <a:endParaRPr lang="ru-RU" sz="2800" b="0" i="0" u="none" strike="noStrike" cap="none" spc="0">
+              <a:solidFill>
+                <a:schemeClr val="tx1"/>
+              </a:solidFill>
+              <a:latin typeface="Times New Roman"/>
+              <a:cs typeface="Times New Roman"/>
+            </a:endParaRPr>
+          </a:p>
+          <a:p>
+            <a:pPr marL="316922" indent="-316922">
+              <a:buFont typeface="Arial"/>
+              <a:buAutoNum type="arabicPeriod"/>
+              <a:defRPr/>
+            </a:pPr>
+            <a:r>
+              <a:rPr lang="ru-RU" sz="2800" b="0" i="0" u="none" strike="noStrike" cap="none" spc="0">
+                <a:solidFill>
+                  <a:schemeClr val="tx1"/>
+                </a:solidFill>
+                <a:latin typeface="Times New Roman"/>
+                <a:cs typeface="Times New Roman"/>
+              </a:rPr>
+              <a:t>Добавить координаты центра в результирующий вектор</a:t>
+            </a:r>
+            <a:r>
+              <a:rPr lang="ru-RU" sz="2800" b="0" i="0" u="none" strike="noStrike" cap="none" spc="0">
+                <a:solidFill>
+                  <a:schemeClr val="tx1"/>
+                </a:solidFill>
+                <a:latin typeface="Times New Roman"/>
+                <a:cs typeface="Times New Roman"/>
+              </a:rPr>
+              <a:t>.</a:t>
+            </a:r>
+            <a:endParaRPr lang="ru-RU" sz="2800" b="0" i="0" u="none" strike="noStrike" cap="none" spc="0">
+              <a:solidFill>
+                <a:schemeClr val="tx1"/>
+              </a:solidFill>
+              <a:latin typeface="Times New Roman"/>
+              <a:cs typeface="Times New Roman"/>
+            </a:endParaRPr>
+          </a:p>
+          <a:p>
+            <a:pPr marL="316922" indent="-316922">
+              <a:buFont typeface="Arial"/>
+              <a:buAutoNum type="arabicPeriod"/>
+              <a:defRPr/>
+            </a:pPr>
+            <a:r>
+              <a:rPr lang="ru-RU" sz="2800" b="0" i="0" u="none" strike="noStrike" cap="none" spc="0">
+                <a:solidFill>
+                  <a:schemeClr val="tx1"/>
+                </a:solidFill>
+                <a:latin typeface="Times New Roman"/>
+                <a:cs typeface="Times New Roman"/>
+              </a:rPr>
+              <a:t>Повторять шаги с 2 по 6 до тех пор, пока все позиции в пределах диапазона не будут обработаны</a:t>
+            </a:r>
+            <a:r>
+              <a:rPr lang="ru-RU" sz="2800" b="0" i="0" u="none" strike="noStrike" cap="none" spc="0">
+                <a:solidFill>
+                  <a:schemeClr val="tx1"/>
+                </a:solidFill>
+                <a:latin typeface="Times New Roman"/>
+                <a:cs typeface="Times New Roman"/>
+              </a:rPr>
+              <a:t>.</a:t>
+            </a:r>
+            <a:endParaRPr lang="ru-RU" sz="2800" b="0" i="0" u="none" strike="noStrike" cap="none" spc="0">
+              <a:solidFill>
+                <a:schemeClr val="tx1"/>
+              </a:solidFill>
+              <a:latin typeface="Times New Roman"/>
+              <a:cs typeface="Times New Roman"/>
+            </a:endParaRPr>
+          </a:p>
+          <a:p>
+            <a:pPr marL="316922" indent="-316922">
+              <a:buFont typeface="Arial"/>
+              <a:buAutoNum type="arabicPeriod"/>
+              <a:defRPr/>
+            </a:pPr>
+            <a:r>
+              <a:rPr lang="ru-RU" sz="2800" b="0" i="0" u="none" strike="noStrike" cap="none" spc="0">
+                <a:solidFill>
+                  <a:schemeClr val="tx1"/>
+                </a:solidFill>
+                <a:latin typeface="Times New Roman"/>
+                <a:cs typeface="Times New Roman"/>
+              </a:rPr>
+              <a:t>Вернуть результирующий вектор, содержащий координаты центров прямоугольников, пересекающихся с многоугольником</a:t>
+            </a:r>
+            <a:r>
+              <a:rPr lang="ru-RU" sz="2800" b="0" i="0" u="none" strike="noStrike" cap="none" spc="0">
+                <a:solidFill>
+                  <a:schemeClr val="tx1"/>
+                </a:solidFill>
+                <a:latin typeface="Times New Roman"/>
+                <a:ea typeface="Times New Roman"/>
+                <a:cs typeface="Times New Roman"/>
+              </a:rPr>
+              <a:t>.</a:t>
+            </a:r>
+            <a:endParaRPr sz="2800">
+              <a:latin typeface="Times New Roman"/>
+              <a:cs typeface="Times New Roman"/>
+            </a:endParaRPr>
+          </a:p>
+        </p:txBody>
+      </p:sp>
+      <p:sp>
+        <p:nvSpPr>
+          <p:cNvPr id="328182214" name="Slide Number Placeholder 5"/>
+          <p:cNvSpPr>
+            <a:spLocks noGrp="1"/>
+          </p:cNvSpPr>
+          <p:nvPr>
+            <p:ph type="sldNum" sz="quarter" idx="12"/>
+          </p:nvPr>
+        </p:nvSpPr>
+        <p:spPr bwMode="auto"/>
+        <p:txBody>
+          <a:bodyPr/>
+          <a:lstStyle/>
+          <a:p>
+            <a:pPr>
+              <a:defRPr/>
+            </a:pPr>
+            <a:fld id="{CE308FFC-03AD-B5EF-2D4A-AF0B95259C86}" type="slidenum">
+              <a:rPr lang="en-US" sz="1800"/>
+              <a:t/>
+            </a:fld>
+            <a:r>
+              <a:rPr lang="en-US" sz="1800" b="0" i="0" u="none" strike="noStrike" cap="none" spc="0">
+                <a:solidFill>
+                  <a:schemeClr val="tx1">
+                    <a:tint val="75000"/>
+                  </a:schemeClr>
+                </a:solidFill>
+                <a:latin typeface="+mn-lt"/>
+                <a:ea typeface="+mn-ea"/>
+                <a:cs typeface="+mn-cs"/>
+              </a:rPr>
+              <a:t>/18</a:t>
+            </a:r>
+            <a:endParaRPr lang="en-US"/>
+          </a:p>
+        </p:txBody>
+      </p:sp>
     </p:spTree>
   </p:cSld>
   <p:clrMapOvr>
@@ -4290,7 +4620,7 @@
       </p:grpSpPr>
       <p:sp>
         <p:nvSpPr>
-          <p:cNvPr id="439803811" name="Title 1"/>
+          <p:cNvPr id="1683534641" name="Title 1"/>
           <p:cNvSpPr>
             <a:spLocks noGrp="1"/>
           </p:cNvSpPr>
@@ -4305,7 +4635,9 @@
           </a:xfrm>
         </p:spPr>
         <p:txBody>
-          <a:bodyPr/>
+          <a:bodyPr vertOverflow="overflow" horzOverflow="overflow" vert="horz" wrap="square" lIns="91440" tIns="45720" rIns="91440" bIns="45720" numCol="1" spcCol="0" rtlCol="0" fromWordArt="0" anchor="ctr" anchorCtr="0" forceAA="0" upright="0" compatLnSpc="0">
+            <a:normAutofit fontScale="90000" lnSpcReduction="2000"/>
+          </a:bodyPr>
           <a:lstStyle/>
           <a:p>
             <a:pPr algn="ctr">
@@ -4316,14 +4648,7 @@
                 <a:latin typeface="Times New Roman"/>
                 <a:cs typeface="Times New Roman"/>
               </a:rPr>
-              <a:t>АЛГОРИТМ </a:t>
-            </a:r>
-            <a:r>
-              <a:rPr lang="ru-RU" sz="2800" b="1">
-                <a:latin typeface="Times New Roman"/>
-                <a:cs typeface="Times New Roman"/>
-              </a:rPr>
-              <a:t>БЛИЖАЙШЕГО СОСЕДА</a:t>
+              <a:t>ВИЗУАЛИЗАЦИЯ РАБОТЫ АЛГОРИТМА ДИСКРЕТИЗАЦИИ</a:t>
             </a:r>
             <a:endParaRPr sz="2800" b="1">
               <a:latin typeface="Times New Roman"/>
@@ -4332,236 +4657,74 @@
           </a:p>
         </p:txBody>
       </p:sp>
-      <p:sp>
-        <p:nvSpPr>
-          <p:cNvPr id="1126800454" name="Content Placeholder 2"/>
-          <p:cNvSpPr>
-            <a:spLocks noGrp="1"/>
-          </p:cNvSpPr>
+      <p:pic>
+        <p:nvPicPr>
+          <p:cNvPr id="934106895" name=""/>
+          <p:cNvPicPr>
+            <a:picLocks noChangeAspect="1"/>
+          </p:cNvPicPr>
           <p:nvPr>
             <p:ph idx="1"/>
           </p:nvPr>
-        </p:nvSpPr>
+        </p:nvPicPr>
+        <p:blipFill>
+          <a:blip r:embed="rId2"/>
+          <a:stretch/>
+        </p:blipFill>
         <p:spPr bwMode="auto">
-          <a:xfrm flipH="0" flipV="0">
-            <a:off x="628649" y="720000"/>
-            <a:ext cx="7886700" cy="5456961"/>
+          <a:xfrm rot="0">
+            <a:off x="934025" y="914027"/>
+            <a:ext cx="7275949" cy="5456961"/>
           </a:xfrm>
+          <a:prstGeom prst="rect">
+            <a:avLst/>
+          </a:prstGeom>
+          <a:ln w="12699">
+            <a:solidFill>
+              <a:schemeClr val="accent1">
+                <a:lumMod val="50196"/>
+              </a:schemeClr>
+            </a:solidFill>
+            <a:prstDash val="solid"/>
+          </a:ln>
         </p:spPr>
-        <p:txBody>
-          <a:bodyPr vertOverflow="overflow" horzOverflow="overflow" vert="horz" wrap="square" lIns="91440" tIns="45720" rIns="91440" bIns="45720" numCol="1" spcCol="0" rtlCol="0" fromWordArt="0" anchor="t" anchorCtr="0" forceAA="0" upright="0" compatLnSpc="0">
-            <a:normAutofit fontScale="90000" lnSpcReduction="2000"/>
-          </a:bodyPr>
+      </p:pic>
+      <p:sp>
+        <p:nvSpPr>
+          <p:cNvPr id="560298767" name="Slide Number Placeholder 5"/>
+          <p:cNvSpPr>
+            <a:spLocks noGrp="1"/>
+          </p:cNvSpPr>
+          <p:nvPr>
+            <p:ph type="sldNum" sz="quarter" idx="12"/>
+          </p:nvPr>
+        </p:nvSpPr>
+        <p:spPr bwMode="auto"/>
+        <p:txBody>
+          <a:bodyPr/>
           <a:lstStyle/>
           <a:p>
-            <a:pPr marL="305908" indent="-305908">
-              <a:buFont typeface="Arial"/>
-              <a:buAutoNum type="arabicParenR"/>
-              <a:defRPr/>
-            </a:pPr>
-            <a:r>
-              <a:rPr lang="ru-RU" sz="2800" b="0" i="0" u="none" strike="noStrike" cap="none" spc="0">
-                <a:solidFill>
-                  <a:schemeClr val="tx1"/>
-                </a:solidFill>
-                <a:latin typeface="Times New Roman"/>
-                <a:cs typeface="Times New Roman"/>
-              </a:rPr>
-              <a:t>Установить текущую точку равной начальной позиции</a:t>
-            </a:r>
-            <a:r>
-              <a:rPr lang="en-US" sz="2800" b="0" i="0" u="none" strike="noStrike" cap="none" spc="0">
-                <a:solidFill>
-                  <a:schemeClr val="tx1"/>
-                </a:solidFill>
-                <a:latin typeface="Times New Roman"/>
-                <a:cs typeface="Times New Roman"/>
-              </a:rPr>
-              <a:t>;</a:t>
-            </a:r>
-            <a:endParaRPr sz="2800" b="0" i="0" u="none" strike="noStrike" cap="none" spc="0">
-              <a:solidFill>
-                <a:schemeClr val="tx1"/>
-              </a:solidFill>
-              <a:latin typeface="Times New Roman"/>
-              <a:cs typeface="Times New Roman"/>
-            </a:endParaRPr>
-          </a:p>
-          <a:p>
-            <a:pPr marL="305908" indent="-305908">
-              <a:buFont typeface="Arial"/>
-              <a:buAutoNum type="arabicParenR"/>
-              <a:defRPr/>
-            </a:pPr>
-            <a:r>
-              <a:rPr lang="ru-RU" sz="2800" b="0" i="0" u="none" strike="noStrike" cap="none" spc="0">
-                <a:solidFill>
-                  <a:schemeClr val="tx1"/>
-                </a:solidFill>
-                <a:latin typeface="Times New Roman"/>
-                <a:cs typeface="Times New Roman"/>
-              </a:rPr>
-              <a:t>Найти ближайшую точку к текущей точке.</a:t>
-            </a:r>
-            <a:endParaRPr sz="2800" b="0" i="0" u="none" strike="noStrike" cap="none" spc="0">
-              <a:solidFill>
-                <a:schemeClr val="tx1"/>
-              </a:solidFill>
-              <a:latin typeface="Times New Roman"/>
-              <a:cs typeface="Times New Roman"/>
-            </a:endParaRPr>
-          </a:p>
-          <a:p>
-            <a:pPr marL="305908" indent="-305908">
-              <a:buFont typeface="Arial"/>
-              <a:buAutoNum type="arabicParenR"/>
-              <a:defRPr/>
-            </a:pPr>
-            <a:r>
-              <a:rPr lang="ru-RU" sz="2800" b="0" i="0" u="none" strike="noStrike" cap="none" spc="0">
-                <a:solidFill>
-                  <a:schemeClr val="tx1"/>
-                </a:solidFill>
-                <a:latin typeface="Times New Roman"/>
-                <a:cs typeface="Times New Roman"/>
-              </a:rPr>
-              <a:t>Удалить ближайшую точку из списка оставшихся точек.</a:t>
-            </a:r>
-            <a:endParaRPr sz="2800" b="0" i="0" u="none" strike="noStrike" cap="none" spc="0">
-              <a:solidFill>
-                <a:schemeClr val="tx1"/>
-              </a:solidFill>
-              <a:latin typeface="Times New Roman"/>
-              <a:cs typeface="Times New Roman"/>
-            </a:endParaRPr>
-          </a:p>
-          <a:p>
-            <a:pPr marL="305908" indent="-305908">
-              <a:buFont typeface="Arial"/>
-              <a:buAutoNum type="arabicParenR"/>
-              <a:defRPr/>
-            </a:pPr>
-            <a:r>
-              <a:rPr lang="ru-RU" sz="2800" b="0" i="0" u="none" strike="noStrike" cap="none" spc="0">
-                <a:solidFill>
-                  <a:schemeClr val="tx1"/>
-                </a:solidFill>
-                <a:latin typeface="Times New Roman"/>
-                <a:cs typeface="Times New Roman"/>
-              </a:rPr>
-              <a:t>Добавить ближайшую точку в список результатов.</a:t>
-            </a:r>
-            <a:endParaRPr sz="2800" b="0" i="0" u="none" strike="noStrike" cap="none" spc="0">
-              <a:solidFill>
-                <a:schemeClr val="tx1"/>
-              </a:solidFill>
-              <a:latin typeface="Times New Roman"/>
-              <a:cs typeface="Times New Roman"/>
-            </a:endParaRPr>
-          </a:p>
-          <a:p>
-            <a:pPr marL="305908" indent="-305908">
-              <a:buFont typeface="Arial"/>
-              <a:buAutoNum type="arabicParenR"/>
-              <a:defRPr/>
-            </a:pPr>
-            <a:r>
-              <a:rPr lang="ru-RU" sz="2800" b="0" i="0" u="none" strike="noStrike" cap="none" spc="0">
-                <a:solidFill>
-                  <a:schemeClr val="tx1"/>
-                </a:solidFill>
-                <a:latin typeface="Times New Roman"/>
-                <a:cs typeface="Times New Roman"/>
-              </a:rPr>
-              <a:t>Обновить текущую точку до ближайшей точки.</a:t>
-            </a:r>
-            <a:endParaRPr sz="2800" b="0" i="0" u="none" strike="noStrike" cap="none" spc="0">
-              <a:solidFill>
-                <a:schemeClr val="tx1"/>
-              </a:solidFill>
-              <a:latin typeface="Times New Roman"/>
-              <a:cs typeface="Times New Roman"/>
-            </a:endParaRPr>
-          </a:p>
-          <a:p>
-            <a:pPr marL="305908" indent="-305908">
-              <a:buFont typeface="Arial"/>
-              <a:buAutoNum type="arabicParenR"/>
-              <a:defRPr/>
-            </a:pPr>
-            <a:r>
-              <a:rPr lang="ru-RU" sz="2800" b="0" i="0" u="none" strike="noStrike" cap="none" spc="0">
-                <a:solidFill>
-                  <a:schemeClr val="tx1"/>
-                </a:solidFill>
-                <a:latin typeface="Times New Roman"/>
-                <a:ea typeface="Times New Roman"/>
-                <a:cs typeface="Times New Roman"/>
-              </a:rPr>
-              <a:t>Если список оставшихся не пуст, вернутся к шагу 2</a:t>
-            </a:r>
-            <a:r>
-              <a:rPr lang="en-US" sz="2800" b="0" i="0" u="none" strike="noStrike" cap="none" spc="0">
-                <a:solidFill>
-                  <a:schemeClr val="tx1"/>
-                </a:solidFill>
-                <a:latin typeface="Times New Roman"/>
-                <a:cs typeface="Times New Roman"/>
-              </a:rPr>
-              <a:t>.</a:t>
-            </a:r>
-            <a:endParaRPr sz="2800" b="0" i="0" u="none" strike="noStrike" cap="none" spc="0">
-              <a:solidFill>
-                <a:schemeClr val="tx1"/>
-              </a:solidFill>
-              <a:latin typeface="Times New Roman"/>
-              <a:cs typeface="Times New Roman"/>
-            </a:endParaRPr>
-          </a:p>
-          <a:p>
-            <a:pPr marL="305908" indent="-305908">
-              <a:buFont typeface="Arial"/>
-              <a:buAutoNum type="arabicParenR"/>
-              <a:defRPr/>
-            </a:pPr>
-            <a:r>
-              <a:rPr lang="ru-RU" sz="2800" b="0" i="0" u="none" strike="noStrike" cap="none" spc="0">
-                <a:solidFill>
-                  <a:schemeClr val="tx1"/>
-                </a:solidFill>
-                <a:latin typeface="Times New Roman"/>
-                <a:cs typeface="Times New Roman"/>
-              </a:rPr>
-              <a:t>Добавить начальную точку в конец списка результатов.</a:t>
-            </a:r>
-            <a:endParaRPr sz="2800">
-              <a:latin typeface="Times New Roman"/>
-              <a:cs typeface="Times New Roman"/>
-            </a:endParaRPr>
-          </a:p>
-          <a:p>
-            <a:pPr marL="305908" indent="-305908">
-              <a:buFont typeface="Arial"/>
-              <a:buAutoNum type="arabicParenR"/>
-              <a:defRPr/>
-            </a:pPr>
-            <a:r>
-              <a:rPr lang="ru-RU" sz="2800" b="0" i="0" u="none" strike="noStrike" cap="none" spc="0">
-                <a:solidFill>
-                  <a:schemeClr val="tx1"/>
-                </a:solidFill>
-                <a:latin typeface="Times New Roman"/>
-                <a:cs typeface="Times New Roman"/>
-              </a:rPr>
-              <a:t>Вернуть список результатов в качестве выходных данных.</a:t>
-            </a:r>
-            <a:endParaRPr sz="2800" b="0" i="0" u="none" strike="noStrike" cap="none" spc="0">
-              <a:solidFill>
-                <a:schemeClr val="tx1"/>
-              </a:solidFill>
-              <a:latin typeface="Times New Roman"/>
-              <a:cs typeface="Times New Roman"/>
-            </a:endParaRPr>
+            <a:pPr>
+              <a:defRPr/>
+            </a:pPr>
+            <a:fld id="{EB66A09E-0ECF-E3D6-9B4C-024895BE20D4}" type="slidenum">
+              <a:rPr lang="en-US" sz="1800"/>
+              <a:t/>
+            </a:fld>
+            <a:r>
+              <a:rPr lang="en-US" sz="1800" b="0" i="0" u="none" strike="noStrike" cap="none" spc="0">
+                <a:solidFill>
+                  <a:schemeClr val="tx1">
+                    <a:tint val="75000"/>
+                  </a:schemeClr>
+                </a:solidFill>
+                <a:latin typeface="+mn-lt"/>
+                <a:ea typeface="+mn-ea"/>
+                <a:cs typeface="+mn-cs"/>
+              </a:rPr>
+              <a:t>/18</a:t>
+            </a:r>
+            <a:endParaRPr lang="en-US"/>
           </a:p>
         </p:txBody>
       </p:sp>
@@ -4600,7 +4763,7 @@
       </p:grpSpPr>
       <p:sp>
         <p:nvSpPr>
-          <p:cNvPr id="575563442" name="Title 1"/>
+          <p:cNvPr id="439803811" name="Title 1"/>
           <p:cNvSpPr>
             <a:spLocks noGrp="1"/>
           </p:cNvSpPr>
@@ -4629,11 +4792,11 @@
               <a:t>АЛГОРИТМ </a:t>
             </a:r>
             <a:r>
-              <a:rPr sz="2800" b="1">
-                <a:latin typeface="Times New Roman"/>
-                <a:cs typeface="Times New Roman"/>
-              </a:rPr>
-              <a:t>ПОЛНЫЙ ПЕРЕБОР</a:t>
+              <a:rPr lang="ru-RU" sz="2800" b="1">
+                <a:latin typeface="Times New Roman"/>
+                <a:cs typeface="Times New Roman"/>
+              </a:rPr>
+              <a:t>БЛИЖАЙШЕГО СОСЕДА</a:t>
             </a:r>
             <a:endParaRPr sz="2800" b="1">
               <a:latin typeface="Times New Roman"/>
@@ -4644,7 +4807,7 @@
       </p:sp>
       <p:sp>
         <p:nvSpPr>
-          <p:cNvPr id="859506705" name="Content Placeholder 2"/>
+          <p:cNvPr id="1126800454" name="Content Placeholder 2"/>
           <p:cNvSpPr>
             <a:spLocks noGrp="1"/>
           </p:cNvSpPr>
@@ -4660,36 +4823,36 @@
         </p:spPr>
         <p:txBody>
           <a:bodyPr vertOverflow="overflow" horzOverflow="overflow" vert="horz" wrap="square" lIns="91440" tIns="45720" rIns="91440" bIns="45720" numCol="1" spcCol="0" rtlCol="0" fromWordArt="0" anchor="t" anchorCtr="0" forceAA="0" upright="0" compatLnSpc="0">
-            <a:normAutofit/>
+            <a:normAutofit fontScale="90000" lnSpcReduction="2000"/>
           </a:bodyPr>
           <a:lstStyle/>
           <a:p>
-            <a:pPr marL="305908" indent="-305908">
+            <a:pPr marL="360979" indent="-360979">
               <a:buFont typeface="Arial"/>
-              <a:buAutoNum type="arabicParenR"/>
-              <a:defRPr/>
-            </a:pPr>
-            <a:r>
-              <a:rPr lang="ru-RU" sz="2500" b="0" i="0" u="none" strike="noStrike" cap="none" spc="0">
-                <a:solidFill>
-                  <a:schemeClr val="tx1"/>
-                </a:solidFill>
-                <a:latin typeface="Times New Roman"/>
-                <a:cs typeface="Times New Roman"/>
-              </a:rPr>
-              <a:t>Для каждой точки создается новый поток, каждый из которых вычисляет кратчайший путь от этой точки</a:t>
-            </a:r>
-            <a:r>
-              <a:rPr lang="en-US" sz="2500" b="0" i="0" u="none" strike="noStrike" cap="none" spc="0">
-                <a:solidFill>
-                  <a:schemeClr val="tx1"/>
-                </a:solidFill>
-                <a:latin typeface="Times New Roman"/>
-                <a:cs typeface="Times New Roman"/>
-              </a:rPr>
-              <a:t>;</a:t>
-            </a:r>
-            <a:endParaRPr lang="ru-RU" sz="2500" b="0" i="0" u="none" strike="noStrike" cap="none" spc="0">
+              <a:buAutoNum type="arabicPeriod"/>
+              <a:defRPr/>
+            </a:pPr>
+            <a:r>
+              <a:rPr lang="ru-RU" sz="2800" b="0" i="0" u="none" strike="noStrike" cap="none" spc="0">
+                <a:solidFill>
+                  <a:schemeClr val="tx1"/>
+                </a:solidFill>
+                <a:latin typeface="Times New Roman"/>
+                <a:cs typeface="Times New Roman"/>
+              </a:rPr>
+              <a:t>Установить текущую точку равной начальной позиции</a:t>
+            </a:r>
+            <a:r>
+              <a:rPr lang="ru-RU" sz="2800" b="0" i="0" u="none" strike="noStrike" cap="none" spc="0">
+                <a:solidFill>
+                  <a:schemeClr val="tx1"/>
+                </a:solidFill>
+                <a:latin typeface="Times New Roman"/>
+                <a:cs typeface="Times New Roman"/>
+              </a:rPr>
+              <a:t>.</a:t>
+            </a:r>
+            <a:endParaRPr sz="2800" b="0" i="0" u="none" strike="noStrike" cap="none" spc="0">
               <a:solidFill>
                 <a:schemeClr val="tx1"/>
               </a:solidFill>
@@ -4698,32 +4861,32 @@
             </a:endParaRPr>
           </a:p>
           <a:p>
-            <a:pPr marL="305908" indent="-305908">
+            <a:pPr marL="360979" indent="-360979">
               <a:buFont typeface="Arial"/>
-              <a:buAutoNum type="arabicParenR"/>
-              <a:defRPr/>
-            </a:pPr>
-            <a:r>
-              <a:rPr lang="ru-RU" sz="2500" b="0" i="0" u="none" strike="noStrike" cap="none" spc="0">
-                <a:solidFill>
-                  <a:schemeClr val="tx1"/>
-                </a:solidFill>
-                <a:latin typeface="Times New Roman"/>
-                <a:cs typeface="Times New Roman"/>
-              </a:rPr>
-              <a:t>В каждом потоке вызывается вспомогательная функция рекурсивно проверяющая все возможные пути</a:t>
-            </a:r>
-            <a:r>
-              <a:rPr lang="en-US" sz="2500" b="0" i="0" u="none" strike="noStrike" cap="none" spc="0">
-                <a:solidFill>
-                  <a:schemeClr val="tx1"/>
-                </a:solidFill>
-                <a:latin typeface="Times New Roman"/>
-                <a:cs typeface="Times New Roman"/>
-              </a:rPr>
-              <a:t>;</a:t>
-            </a:r>
-            <a:endParaRPr lang="ru-RU" sz="2500" b="0" i="0" u="none" strike="noStrike" cap="none" spc="0">
+              <a:buAutoNum type="arabicPeriod"/>
+              <a:defRPr/>
+            </a:pPr>
+            <a:r>
+              <a:rPr lang="ru-RU" sz="2800" b="0" i="0" u="none" strike="noStrike" cap="none" spc="0">
+                <a:solidFill>
+                  <a:schemeClr val="tx1"/>
+                </a:solidFill>
+                <a:latin typeface="Times New Roman"/>
+                <a:cs typeface="Times New Roman"/>
+              </a:rPr>
+              <a:t>Найти ближайшую точку к текущей точке</a:t>
+            </a:r>
+            <a:r>
+              <a:rPr lang="ru-RU" sz="2800" b="0" i="0" u="none" strike="noStrike" cap="none" spc="0">
+                <a:solidFill>
+                  <a:schemeClr val="tx1"/>
+                </a:solidFill>
+                <a:latin typeface="Times New Roman"/>
+                <a:cs typeface="Times New Roman"/>
+              </a:rPr>
+              <a:t>.</a:t>
+            </a:r>
+            <a:endParaRPr sz="2800" b="0" i="0" u="none" strike="noStrike" cap="none" spc="0">
               <a:solidFill>
                 <a:schemeClr val="tx1"/>
               </a:solidFill>
@@ -4732,32 +4895,32 @@
             </a:endParaRPr>
           </a:p>
           <a:p>
-            <a:pPr marL="305908" indent="-305908">
+            <a:pPr marL="360979" indent="-360979">
               <a:buFont typeface="Arial"/>
-              <a:buAutoNum type="arabicParenR"/>
-              <a:defRPr/>
-            </a:pPr>
-            <a:r>
-              <a:rPr lang="ru-RU" sz="2500" b="0" i="0" u="none" strike="noStrike" cap="none" spc="0">
-                <a:solidFill>
-                  <a:schemeClr val="tx1"/>
-                </a:solidFill>
-                <a:latin typeface="Times New Roman"/>
-                <a:cs typeface="Times New Roman"/>
-              </a:rPr>
-              <a:t>Пройдя по всем точкам, она вычисляет общее расстояние и, если оно самое короткое на данный момент, обновляет лучший путь</a:t>
-            </a:r>
-            <a:r>
-              <a:rPr lang="en-US" sz="2500" b="0" i="0" u="none" strike="noStrike" cap="none" spc="0">
-                <a:solidFill>
-                  <a:schemeClr val="tx1"/>
-                </a:solidFill>
-                <a:latin typeface="Times New Roman"/>
-                <a:cs typeface="Times New Roman"/>
-              </a:rPr>
-              <a:t>;</a:t>
-            </a:r>
-            <a:endParaRPr lang="ru-RU" sz="2500" b="0" i="0" u="none" strike="noStrike" cap="none" spc="0">
+              <a:buAutoNum type="arabicPeriod"/>
+              <a:defRPr/>
+            </a:pPr>
+            <a:r>
+              <a:rPr lang="ru-RU" sz="2800" b="0" i="0" u="none" strike="noStrike" cap="none" spc="0">
+                <a:solidFill>
+                  <a:schemeClr val="tx1"/>
+                </a:solidFill>
+                <a:latin typeface="Times New Roman"/>
+                <a:cs typeface="Times New Roman"/>
+              </a:rPr>
+              <a:t>Удалить ближайшую точку из списка оставшихся точек</a:t>
+            </a:r>
+            <a:r>
+              <a:rPr lang="ru-RU" sz="2800" b="0" i="0" u="none" strike="noStrike" cap="none" spc="0">
+                <a:solidFill>
+                  <a:schemeClr val="tx1"/>
+                </a:solidFill>
+                <a:latin typeface="Times New Roman"/>
+                <a:cs typeface="Times New Roman"/>
+              </a:rPr>
+              <a:t>.</a:t>
+            </a:r>
+            <a:endParaRPr sz="2800" b="0" i="0" u="none" strike="noStrike" cap="none" spc="0">
               <a:solidFill>
                 <a:schemeClr val="tx1"/>
               </a:solidFill>
@@ -4766,58 +4929,171 @@
             </a:endParaRPr>
           </a:p>
           <a:p>
-            <a:pPr marL="305908" indent="-305908">
+            <a:pPr marL="360979" indent="-360979">
               <a:buFont typeface="Arial"/>
-              <a:buAutoNum type="arabicParenR"/>
-              <a:defRPr/>
-            </a:pPr>
-            <a:r>
-              <a:rPr lang="ru-RU" sz="2500" b="0" i="0" u="none" strike="noStrike" cap="none" spc="0">
-                <a:solidFill>
-                  <a:schemeClr val="tx1"/>
-                </a:solidFill>
-                <a:latin typeface="Times New Roman"/>
-                <a:cs typeface="Times New Roman"/>
-              </a:rPr>
-              <a:t>К</a:t>
-            </a:r>
-            <a:r>
-              <a:rPr lang="ru-RU" sz="2500" b="0" i="0" u="none" strike="noStrike" cap="none" spc="0">
-                <a:solidFill>
-                  <a:schemeClr val="tx1"/>
-                </a:solidFill>
-                <a:latin typeface="Times New Roman"/>
-                <a:cs typeface="Times New Roman"/>
-              </a:rPr>
-              <a:t>огда все потоки завершены, извлекается кратчайший путь </a:t>
-            </a:r>
-            <a:r>
-              <a:rPr lang="ru-RU" sz="2500" b="0" i="0" u="none" strike="noStrike" cap="none" spc="0">
-                <a:solidFill>
-                  <a:schemeClr val="tx1"/>
-                </a:solidFill>
-                <a:latin typeface="Times New Roman"/>
-                <a:cs typeface="Times New Roman"/>
-              </a:rPr>
-              <a:t>–</a:t>
-            </a:r>
-            <a:r>
-              <a:rPr lang="ru-RU" sz="2500" b="0" i="0" u="none" strike="noStrike" cap="none" spc="0">
-                <a:solidFill>
-                  <a:schemeClr val="tx1"/>
-                </a:solidFill>
-                <a:latin typeface="Times New Roman"/>
-                <a:cs typeface="Times New Roman"/>
-              </a:rPr>
-              <a:t> самый эффективный маршрут между точками.</a:t>
-            </a:r>
-            <a:endParaRPr lang="ru-RU" sz="2500" b="0" i="0" u="none" strike="noStrike" cap="none" spc="0">
+              <a:buAutoNum type="arabicPeriod"/>
+              <a:defRPr/>
+            </a:pPr>
+            <a:r>
+              <a:rPr lang="ru-RU" sz="2800" b="0" i="0" u="none" strike="noStrike" cap="none" spc="0">
+                <a:solidFill>
+                  <a:schemeClr val="tx1"/>
+                </a:solidFill>
+                <a:latin typeface="Times New Roman"/>
+                <a:cs typeface="Times New Roman"/>
+              </a:rPr>
+              <a:t>Добавить ближайшую точку в список результатов.</a:t>
+            </a:r>
+            <a:endParaRPr sz="2800" b="0" i="0" u="none" strike="noStrike" cap="none" spc="0">
               <a:solidFill>
                 <a:schemeClr val="tx1"/>
               </a:solidFill>
               <a:latin typeface="Times New Roman"/>
               <a:cs typeface="Times New Roman"/>
             </a:endParaRPr>
+          </a:p>
+          <a:p>
+            <a:pPr marL="360979" indent="-360979">
+              <a:buFont typeface="Arial"/>
+              <a:buAutoNum type="arabicPeriod"/>
+              <a:defRPr/>
+            </a:pPr>
+            <a:r>
+              <a:rPr lang="ru-RU" sz="2800" b="0" i="0" u="none" strike="noStrike" cap="none" spc="0">
+                <a:solidFill>
+                  <a:schemeClr val="tx1"/>
+                </a:solidFill>
+                <a:latin typeface="Times New Roman"/>
+                <a:cs typeface="Times New Roman"/>
+              </a:rPr>
+              <a:t>Обновить текущую точку до ближайшей точки.</a:t>
+            </a:r>
+            <a:endParaRPr sz="2800" b="0" i="0" u="none" strike="noStrike" cap="none" spc="0">
+              <a:solidFill>
+                <a:schemeClr val="tx1"/>
+              </a:solidFill>
+              <a:latin typeface="Times New Roman"/>
+              <a:cs typeface="Times New Roman"/>
+            </a:endParaRPr>
+          </a:p>
+          <a:p>
+            <a:pPr marL="360979" indent="-360979">
+              <a:buFont typeface="Arial"/>
+              <a:buAutoNum type="arabicPeriod"/>
+              <a:defRPr/>
+            </a:pPr>
+            <a:r>
+              <a:rPr lang="ru-RU" sz="2800" b="0" i="0" u="none" strike="noStrike" cap="none" spc="0">
+                <a:solidFill>
+                  <a:schemeClr val="tx1"/>
+                </a:solidFill>
+                <a:latin typeface="Times New Roman"/>
+                <a:ea typeface="Times New Roman"/>
+                <a:cs typeface="Times New Roman"/>
+              </a:rPr>
+              <a:t>Если список оставшихся не пуст, вернутся к шагу 2</a:t>
+            </a:r>
+            <a:r>
+              <a:rPr lang="en-US" sz="2800" b="0" i="0" u="none" strike="noStrike" cap="none" spc="0">
+                <a:solidFill>
+                  <a:schemeClr val="tx1"/>
+                </a:solidFill>
+                <a:latin typeface="Times New Roman"/>
+                <a:cs typeface="Times New Roman"/>
+              </a:rPr>
+              <a:t>.</a:t>
+            </a:r>
+            <a:endParaRPr sz="2800" b="0" i="0" u="none" strike="noStrike" cap="none" spc="0">
+              <a:solidFill>
+                <a:schemeClr val="tx1"/>
+              </a:solidFill>
+              <a:latin typeface="Times New Roman"/>
+              <a:cs typeface="Times New Roman"/>
+            </a:endParaRPr>
+          </a:p>
+          <a:p>
+            <a:pPr marL="360979" indent="-360979">
+              <a:buFont typeface="Arial"/>
+              <a:buAutoNum type="arabicPeriod"/>
+              <a:defRPr/>
+            </a:pPr>
+            <a:r>
+              <a:rPr lang="ru-RU" sz="2800" b="0" i="0" u="none" strike="noStrike" cap="none" spc="0">
+                <a:solidFill>
+                  <a:schemeClr val="tx1"/>
+                </a:solidFill>
+                <a:latin typeface="Times New Roman"/>
+                <a:cs typeface="Times New Roman"/>
+              </a:rPr>
+              <a:t>Добавить начальную точку в конец списка результатов.</a:t>
+            </a:r>
+            <a:endParaRPr sz="2800">
+              <a:latin typeface="Times New Roman"/>
+              <a:cs typeface="Times New Roman"/>
+            </a:endParaRPr>
+          </a:p>
+          <a:p>
+            <a:pPr marL="360979" indent="-360979">
+              <a:buFont typeface="Arial"/>
+              <a:buAutoNum type="arabicPeriod"/>
+              <a:defRPr/>
+            </a:pPr>
+            <a:r>
+              <a:rPr lang="ru-RU" sz="2800" b="0" i="0" u="none" strike="noStrike" cap="none" spc="0">
+                <a:solidFill>
+                  <a:schemeClr val="tx1"/>
+                </a:solidFill>
+                <a:latin typeface="Times New Roman"/>
+                <a:cs typeface="Times New Roman"/>
+              </a:rPr>
+              <a:t>Вернуть список результатов в качестве выходных данных.</a:t>
+            </a:r>
+            <a:endParaRPr sz="2800" b="0" i="0" u="none" strike="noStrike" cap="none" spc="0">
+              <a:solidFill>
+                <a:schemeClr val="tx1"/>
+              </a:solidFill>
+              <a:latin typeface="Times New Roman"/>
+              <a:cs typeface="Times New Roman"/>
+            </a:endParaRPr>
+          </a:p>
+        </p:txBody>
+      </p:sp>
+      <p:sp>
+        <p:nvSpPr>
+          <p:cNvPr id="447843370" name="Slide Number Placeholder 5"/>
+          <p:cNvSpPr>
+            <a:spLocks noGrp="1"/>
+          </p:cNvSpPr>
+          <p:nvPr>
+            <p:ph type="sldNum" sz="quarter" idx="12"/>
+          </p:nvPr>
+        </p:nvSpPr>
+        <p:spPr bwMode="auto"/>
+        <p:txBody>
+          <a:bodyPr/>
+          <a:lstStyle/>
+          <a:p>
+            <a:pPr>
+              <a:defRPr/>
+            </a:pPr>
+            <a:fld id="{A4E535D7-7A1A-173D-3768-3427A2E45C34}" type="slidenum">
+              <a:rPr lang="en-US" sz="1800"/>
+              <a:t/>
+            </a:fld>
+            <a:r>
+              <a:rPr lang="en-US" sz="1800" b="0" i="0" u="none" strike="noStrike" cap="none" spc="0">
+                <a:solidFill>
+                  <a:schemeClr val="tx1">
+                    <a:tint val="75000"/>
+                  </a:schemeClr>
+                </a:solidFill>
+                <a:latin typeface="+mn-lt"/>
+                <a:ea typeface="+mn-ea"/>
+                <a:cs typeface="+mn-cs"/>
+              </a:rPr>
+              <a:t>/18</a:t>
+            </a:r>
+            <a:endParaRPr lang="en-US"/>
           </a:p>
         </p:txBody>
       </p:sp>
@@ -4856,7 +5132,7 @@
       </p:grpSpPr>
       <p:sp>
         <p:nvSpPr>
-          <p:cNvPr id="1624467284" name="Title 1"/>
+          <p:cNvPr id="575563442" name="Title 1"/>
           <p:cNvSpPr>
             <a:spLocks noGrp="1"/>
           </p:cNvSpPr>
@@ -4882,7 +5158,14 @@
                 <a:latin typeface="Times New Roman"/>
                 <a:cs typeface="Times New Roman"/>
               </a:rPr>
-              <a:t>ИНТЕРФЕЙС СИСТЕМЫ</a:t>
+              <a:t>АЛГОРИТМ </a:t>
+            </a:r>
+            <a:r>
+              <a:rPr sz="2800" b="1">
+                <a:latin typeface="Times New Roman"/>
+                <a:cs typeface="Times New Roman"/>
+              </a:rPr>
+              <a:t>ПОЛНЫЙ ПЕРЕБОР</a:t>
             </a:r>
             <a:endParaRPr sz="2800" b="1">
               <a:latin typeface="Times New Roman"/>
@@ -4893,7 +5176,7 @@
       </p:sp>
       <p:sp>
         <p:nvSpPr>
-          <p:cNvPr id="1988047782" name="Content Placeholder 2"/>
+          <p:cNvPr id="859506705" name="Content Placeholder 2"/>
           <p:cNvSpPr>
             <a:spLocks noGrp="1"/>
           </p:cNvSpPr>
@@ -4913,46 +5196,192 @@
           </a:bodyPr>
           <a:lstStyle/>
           <a:p>
-            <a:pPr marL="0" indent="0">
+            <a:pPr marL="360979" indent="-360979">
               <a:buFont typeface="Arial"/>
-              <a:buNone/>
-              <a:defRPr/>
-            </a:pPr>
-            <a:endParaRPr/>
-          </a:p>
-        </p:txBody>
-      </p:sp>
-      <p:pic>
-        <p:nvPicPr>
-          <p:cNvPr id="334646962" name=""/>
-          <p:cNvPicPr>
-            <a:picLocks noChangeAspect="1"/>
-          </p:cNvPicPr>
-          <p:nvPr/>
-        </p:nvPicPr>
-        <p:blipFill>
-          <a:blip r:embed="rId2"/>
-          <a:srcRect l="0" t="0" r="0" b="3987"/>
-          <a:stretch/>
-        </p:blipFill>
-        <p:spPr bwMode="auto">
-          <a:xfrm flipH="0" flipV="0">
-            <a:off x="246833" y="1145020"/>
-            <a:ext cx="8650333" cy="4671784"/>
-          </a:xfrm>
-          <a:prstGeom prst="rect">
-            <a:avLst/>
-          </a:prstGeom>
-          <a:ln w="12699">
-            <a:solidFill>
-              <a:schemeClr val="accent1">
-                <a:lumMod val="50196"/>
-              </a:schemeClr>
-            </a:solidFill>
-            <a:prstDash val="solid"/>
-          </a:ln>
-        </p:spPr>
-      </p:pic>
+              <a:buAutoNum type="arabicPeriod"/>
+              <a:defRPr/>
+            </a:pPr>
+            <a:r>
+              <a:rPr lang="ru-RU" sz="2500" b="0" i="0" u="none" strike="noStrike" cap="none" spc="0">
+                <a:solidFill>
+                  <a:schemeClr val="tx1"/>
+                </a:solidFill>
+                <a:latin typeface="Times New Roman"/>
+                <a:cs typeface="Times New Roman"/>
+              </a:rPr>
+              <a:t>Для каждой точки создается новый поток, каждый из которых вычисляет кратчайший путь от этой точки</a:t>
+            </a:r>
+            <a:r>
+              <a:rPr lang="ru-RU" sz="2500" b="0" i="0" u="none" strike="noStrike" cap="none" spc="0">
+                <a:solidFill>
+                  <a:schemeClr val="tx1"/>
+                </a:solidFill>
+                <a:latin typeface="Times New Roman"/>
+                <a:cs typeface="Times New Roman"/>
+              </a:rPr>
+              <a:t>.</a:t>
+            </a:r>
+            <a:endParaRPr lang="ru-RU" sz="2500" b="0" i="0" u="none" strike="noStrike" cap="none" spc="0">
+              <a:solidFill>
+                <a:schemeClr val="tx1"/>
+              </a:solidFill>
+              <a:latin typeface="Times New Roman"/>
+              <a:cs typeface="Times New Roman"/>
+            </a:endParaRPr>
+          </a:p>
+          <a:p>
+            <a:pPr marL="360979" indent="-360979">
+              <a:buFont typeface="Arial"/>
+              <a:buAutoNum type="arabicPeriod"/>
+              <a:defRPr/>
+            </a:pPr>
+            <a:r>
+              <a:rPr lang="ru-RU" sz="2500" b="0" i="0" u="none" strike="noStrike" cap="none" spc="0">
+                <a:solidFill>
+                  <a:schemeClr val="tx1"/>
+                </a:solidFill>
+                <a:latin typeface="Times New Roman"/>
+                <a:cs typeface="Times New Roman"/>
+              </a:rPr>
+              <a:t>В каждом потоке вызывается вспомогательная функция рекурсивно проверяющая все возможные пути</a:t>
+            </a:r>
+            <a:r>
+              <a:rPr lang="ru-RU" sz="2500" b="0" i="0" u="none" strike="noStrike" cap="none" spc="0">
+                <a:solidFill>
+                  <a:schemeClr val="tx1"/>
+                </a:solidFill>
+                <a:latin typeface="Times New Roman"/>
+                <a:cs typeface="Times New Roman"/>
+              </a:rPr>
+              <a:t>.</a:t>
+            </a:r>
+            <a:endParaRPr lang="ru-RU" sz="2500" b="0" i="0" u="none" strike="noStrike" cap="none" spc="0">
+              <a:solidFill>
+                <a:schemeClr val="tx1"/>
+              </a:solidFill>
+              <a:latin typeface="Times New Roman"/>
+              <a:cs typeface="Times New Roman"/>
+            </a:endParaRPr>
+          </a:p>
+          <a:p>
+            <a:pPr marL="360979" indent="-360979">
+              <a:buFont typeface="Arial"/>
+              <a:buAutoNum type="arabicPeriod"/>
+              <a:defRPr/>
+            </a:pPr>
+            <a:r>
+              <a:rPr lang="ru-RU" sz="2500" b="0" i="0" u="none" strike="noStrike" cap="none" spc="0">
+                <a:solidFill>
+                  <a:schemeClr val="tx1"/>
+                </a:solidFill>
+                <a:latin typeface="Times New Roman"/>
+                <a:cs typeface="Times New Roman"/>
+              </a:rPr>
+              <a:t>Пройдя по всем точкам, она вычисляет общее расстояние и, если оно самое короткое на данный момент, обновляет лучший путь</a:t>
+            </a:r>
+            <a:r>
+              <a:rPr lang="ru-RU" sz="2500" b="0" i="0" u="none" strike="noStrike" cap="none" spc="0">
+                <a:solidFill>
+                  <a:schemeClr val="tx1"/>
+                </a:solidFill>
+                <a:latin typeface="Times New Roman"/>
+                <a:cs typeface="Times New Roman"/>
+              </a:rPr>
+              <a:t>.</a:t>
+            </a:r>
+            <a:endParaRPr lang="ru-RU" sz="2500" b="0" i="0" u="none" strike="noStrike" cap="none" spc="0">
+              <a:solidFill>
+                <a:schemeClr val="tx1"/>
+              </a:solidFill>
+              <a:latin typeface="Times New Roman"/>
+              <a:cs typeface="Times New Roman"/>
+            </a:endParaRPr>
+          </a:p>
+          <a:p>
+            <a:pPr marL="360979" indent="-360979">
+              <a:buFont typeface="Arial"/>
+              <a:buAutoNum type="arabicPeriod"/>
+              <a:defRPr/>
+            </a:pPr>
+            <a:r>
+              <a:rPr lang="ru-RU" sz="2500" b="0" i="0" u="none" strike="noStrike" cap="none" spc="0">
+                <a:solidFill>
+                  <a:schemeClr val="tx1"/>
+                </a:solidFill>
+                <a:latin typeface="Times New Roman"/>
+                <a:cs typeface="Times New Roman"/>
+              </a:rPr>
+              <a:t>Когда все потоки завершены, извлекается кратчайший путь </a:t>
+            </a:r>
+            <a:r>
+              <a:rPr lang="ru-RU" sz="2500" b="0" i="0" u="none" strike="noStrike" cap="none" spc="0">
+                <a:solidFill>
+                  <a:schemeClr val="tx1"/>
+                </a:solidFill>
+                <a:latin typeface="Times New Roman"/>
+                <a:cs typeface="Times New Roman"/>
+              </a:rPr>
+              <a:t>–</a:t>
+            </a:r>
+            <a:r>
+              <a:rPr lang="ru-RU" sz="2500" b="0" i="0" u="none" strike="noStrike" cap="none" spc="0">
+                <a:solidFill>
+                  <a:schemeClr val="tx1"/>
+                </a:solidFill>
+                <a:latin typeface="Times New Roman"/>
+                <a:cs typeface="Times New Roman"/>
+              </a:rPr>
+              <a:t> самый эффективный маршрут между точками.</a:t>
+            </a:r>
+            <a:endParaRPr lang="ru-RU" sz="2500" b="0" i="0" u="none" strike="noStrike" cap="none" spc="0">
+              <a:solidFill>
+                <a:schemeClr val="tx1"/>
+              </a:solidFill>
+              <a:latin typeface="Times New Roman"/>
+              <a:cs typeface="Times New Roman"/>
+            </a:endParaRPr>
+          </a:p>
+        </p:txBody>
+      </p:sp>
+      <p:sp>
+        <p:nvSpPr>
+          <p:cNvPr id="1551656778" name="Slide Number Placeholder 5"/>
+          <p:cNvSpPr>
+            <a:spLocks noGrp="1"/>
+          </p:cNvSpPr>
+          <p:nvPr>
+            <p:ph type="sldNum" sz="quarter" idx="12"/>
+          </p:nvPr>
+        </p:nvSpPr>
+        <p:spPr bwMode="auto"/>
+        <p:txBody>
+          <a:bodyPr/>
+          <a:lstStyle/>
+          <a:p>
+            <a:pPr>
+              <a:defRPr/>
+            </a:pPr>
+            <a:fld id="{BD3CE672-1586-B4B4-E551-259DC4B15C04}" type="slidenum">
+              <a:rPr lang="en-US" sz="1800"/>
+              <a:t/>
+            </a:fld>
+            <a:r>
+              <a:rPr lang="en-US" sz="1800" b="0" i="0" u="none" strike="noStrike" cap="none" spc="0">
+                <a:solidFill>
+                  <a:schemeClr val="tx1">
+                    <a:tint val="75000"/>
+                  </a:schemeClr>
+                </a:solidFill>
+                <a:latin typeface="+mn-lt"/>
+                <a:ea typeface="+mn-ea"/>
+                <a:cs typeface="+mn-cs"/>
+              </a:rPr>
+              <a:t>/18</a:t>
+            </a:r>
+            <a:endParaRPr lang="en-US"/>
+          </a:p>
+        </p:txBody>
+      </p:sp>
     </p:spTree>
   </p:cSld>
   <p:clrMapOvr>
@@ -4988,7 +5417,7 @@
       </p:grpSpPr>
       <p:sp>
         <p:nvSpPr>
-          <p:cNvPr id="2086092968" name="Title 1"/>
+          <p:cNvPr id="1624467284" name="Title 1"/>
           <p:cNvSpPr>
             <a:spLocks noGrp="1"/>
           </p:cNvSpPr>
@@ -5014,14 +5443,7 @@
                 <a:latin typeface="Times New Roman"/>
                 <a:cs typeface="Times New Roman"/>
               </a:rPr>
-              <a:t>РАБОТА </a:t>
-            </a:r>
-            <a:r>
-              <a:rPr lang="ru-RU" sz="2800" b="1">
-                <a:latin typeface="Times New Roman"/>
-                <a:cs typeface="Times New Roman"/>
-              </a:rPr>
-              <a:t>АЛГОРИТМА БЛИЖАЙШИЙ СОСЕД</a:t>
+              <a:t>ИНТЕРФЕЙС СИСТЕМЫ</a:t>
             </a:r>
             <a:endParaRPr sz="2800" b="1">
               <a:latin typeface="Times New Roman"/>
@@ -5032,7 +5454,7 @@
       </p:sp>
       <p:sp>
         <p:nvSpPr>
-          <p:cNvPr id="800633336" name="Content Placeholder 2"/>
+          <p:cNvPr id="1988047782" name="Content Placeholder 2"/>
           <p:cNvSpPr>
             <a:spLocks noGrp="1"/>
           </p:cNvSpPr>
@@ -5063,7 +5485,7 @@
       </p:sp>
       <p:pic>
         <p:nvPicPr>
-          <p:cNvPr id="1052026873" name=""/>
+          <p:cNvPr id="334646962" name=""/>
           <p:cNvPicPr>
             <a:picLocks noChangeAspect="1"/>
           </p:cNvPicPr>
@@ -5071,13 +5493,13 @@
         </p:nvPicPr>
         <p:blipFill>
           <a:blip r:embed="rId2"/>
-          <a:srcRect l="0" t="0" r="0" b="3987"/>
+          <a:srcRect l="0" t="0" r="0" b="3986"/>
           <a:stretch/>
         </p:blipFill>
         <p:spPr bwMode="auto">
           <a:xfrm flipH="0" flipV="0">
-            <a:off x="246833" y="1112588"/>
-            <a:ext cx="8650332" cy="4671784"/>
+            <a:off x="246833" y="1145020"/>
+            <a:ext cx="8650333" cy="4671784"/>
           </a:xfrm>
           <a:prstGeom prst="rect">
             <a:avLst/>
@@ -5092,6 +5514,45 @@
           </a:ln>
         </p:spPr>
       </p:pic>
+      <p:sp>
+        <p:nvSpPr>
+          <p:cNvPr id="1143579561" name="Slide Number Placeholder 5"/>
+          <p:cNvSpPr>
+            <a:spLocks noGrp="1"/>
+          </p:cNvSpPr>
+          <p:nvPr>
+            <p:ph type="sldNum" sz="quarter" idx="12"/>
+          </p:nvPr>
+        </p:nvSpPr>
+        <p:spPr bwMode="auto"/>
+        <p:txBody>
+          <a:bodyPr/>
+          <a:lstStyle/>
+          <a:p>
+            <a:pPr>
+              <a:defRPr/>
+            </a:pPr>
+            <a:fld id="{FA49A1D0-2772-5FCD-F989-23B91C0B2D29}" type="slidenum">
+              <a:rPr lang="en-US" sz="1800"/>
+              <a:t/>
+            </a:fld>
+            <a:r>
+              <a:rPr lang="en-US" sz="1800" b="0" i="0" u="none" strike="noStrike" cap="none" spc="0">
+                <a:solidFill>
+                  <a:schemeClr val="tx1">
+                    <a:tint val="75000"/>
+                  </a:schemeClr>
+                </a:solidFill>
+                <a:latin typeface="+mn-lt"/>
+                <a:ea typeface="+mn-ea"/>
+                <a:cs typeface="+mn-cs"/>
+              </a:rPr>
+              <a:t>/18</a:t>
+            </a:r>
+            <a:endParaRPr lang="en-US"/>
+          </a:p>
+        </p:txBody>
+      </p:sp>
     </p:spTree>
   </p:cSld>
   <p:clrMapOvr>
@@ -5127,7 +5588,7 @@
       </p:grpSpPr>
       <p:sp>
         <p:nvSpPr>
-          <p:cNvPr id="1165403630" name="Title 1"/>
+          <p:cNvPr id="2086092968" name="Title 1"/>
           <p:cNvSpPr>
             <a:spLocks noGrp="1"/>
           </p:cNvSpPr>
@@ -5160,14 +5621,7 @@
                 <a:latin typeface="Times New Roman"/>
                 <a:cs typeface="Times New Roman"/>
               </a:rPr>
-              <a:t>АЛГОРИТМА </a:t>
-            </a:r>
-            <a:r>
-              <a:rPr lang="ru-RU" sz="2800" b="1">
-                <a:latin typeface="Times New Roman"/>
-                <a:cs typeface="Times New Roman"/>
-              </a:rPr>
-              <a:t>ПОЛНЫЙ ПЕРЕБОР</a:t>
+              <a:t>АЛГОРИТМА БЛИЖАЙШИЙ СОСЕД</a:t>
             </a:r>
             <a:endParaRPr sz="2800" b="1">
               <a:latin typeface="Times New Roman"/>
@@ -5178,7 +5632,7 @@
       </p:sp>
       <p:sp>
         <p:nvSpPr>
-          <p:cNvPr id="838738379" name="Content Placeholder 2"/>
+          <p:cNvPr id="800633336" name="Content Placeholder 2"/>
           <p:cNvSpPr>
             <a:spLocks noGrp="1"/>
           </p:cNvSpPr>
@@ -5209,7 +5663,7 @@
       </p:sp>
       <p:pic>
         <p:nvPicPr>
-          <p:cNvPr id="1809995986" name=""/>
+          <p:cNvPr id="1052026873" name=""/>
           <p:cNvPicPr>
             <a:picLocks noChangeAspect="1"/>
           </p:cNvPicPr>
@@ -5217,13 +5671,13 @@
         </p:nvPicPr>
         <p:blipFill>
           <a:blip r:embed="rId2"/>
-          <a:srcRect l="0" t="0" r="0" b="3931"/>
+          <a:srcRect l="0" t="0" r="0" b="3986"/>
           <a:stretch/>
         </p:blipFill>
         <p:spPr bwMode="auto">
           <a:xfrm flipH="0" flipV="0">
             <a:off x="246833" y="1112588"/>
-            <a:ext cx="8645274" cy="4671784"/>
+            <a:ext cx="8650332" cy="4671784"/>
           </a:xfrm>
           <a:prstGeom prst="rect">
             <a:avLst/>
@@ -5238,6 +5692,45 @@
           </a:ln>
         </p:spPr>
       </p:pic>
+      <p:sp>
+        <p:nvSpPr>
+          <p:cNvPr id="507323202" name="Slide Number Placeholder 5"/>
+          <p:cNvSpPr>
+            <a:spLocks noGrp="1"/>
+          </p:cNvSpPr>
+          <p:nvPr>
+            <p:ph type="sldNum" sz="quarter" idx="12"/>
+          </p:nvPr>
+        </p:nvSpPr>
+        <p:spPr bwMode="auto"/>
+        <p:txBody>
+          <a:bodyPr/>
+          <a:lstStyle/>
+          <a:p>
+            <a:pPr>
+              <a:defRPr/>
+            </a:pPr>
+            <a:fld id="{10CD7AC2-F15F-51B3-11CC-4202F6E19447}" type="slidenum">
+              <a:rPr lang="en-US" sz="1800"/>
+              <a:t/>
+            </a:fld>
+            <a:r>
+              <a:rPr lang="en-US" sz="1800" b="0" i="0" u="none" strike="noStrike" cap="none" spc="0">
+                <a:solidFill>
+                  <a:schemeClr val="tx1">
+                    <a:tint val="75000"/>
+                  </a:schemeClr>
+                </a:solidFill>
+                <a:latin typeface="+mn-lt"/>
+                <a:ea typeface="+mn-ea"/>
+                <a:cs typeface="+mn-cs"/>
+              </a:rPr>
+              <a:t>/18</a:t>
+            </a:r>
+            <a:endParaRPr lang="en-US"/>
+          </a:p>
+        </p:txBody>
+      </p:sp>
     </p:spTree>
   </p:cSld>
   <p:clrMapOvr>
@@ -5273,7 +5766,7 @@
       </p:grpSpPr>
       <p:sp>
         <p:nvSpPr>
-          <p:cNvPr id="1073663757" name="Title 1"/>
+          <p:cNvPr id="1165403630" name="Title 1"/>
           <p:cNvSpPr>
             <a:spLocks noGrp="1"/>
           </p:cNvSpPr>
@@ -5299,7 +5792,21 @@
                 <a:latin typeface="Times New Roman"/>
                 <a:cs typeface="Times New Roman"/>
               </a:rPr>
-              <a:t>ТЕСТИРОВАНИЕ СИСТЕМЫ</a:t>
+              <a:t>РАБОТА </a:t>
+            </a:r>
+            <a:r>
+              <a:rPr lang="ru-RU" sz="2800" b="1">
+                <a:latin typeface="Times New Roman"/>
+                <a:cs typeface="Times New Roman"/>
+              </a:rPr>
+              <a:t>АЛГОРИТМА </a:t>
+            </a:r>
+            <a:r>
+              <a:rPr lang="ru-RU" sz="2800" b="1">
+                <a:latin typeface="Times New Roman"/>
+                <a:cs typeface="Times New Roman"/>
+              </a:rPr>
+              <a:t>ПОЛНЫЙ ПЕРЕБОР</a:t>
             </a:r>
             <a:endParaRPr sz="2800" b="1">
               <a:latin typeface="Times New Roman"/>
@@ -5310,7 +5817,7 @@
       </p:sp>
       <p:sp>
         <p:nvSpPr>
-          <p:cNvPr id="801650196" name="Content Placeholder 2"/>
+          <p:cNvPr id="838738379" name="Content Placeholder 2"/>
           <p:cNvSpPr>
             <a:spLocks noGrp="1"/>
           </p:cNvSpPr>
@@ -5335,281 +5842,13 @@
               <a:buNone/>
               <a:defRPr/>
             </a:pPr>
-            <a:r>
-              <a:rPr lang="ru-RU">
-                <a:latin typeface="Times New Roman"/>
-                <a:cs typeface="Times New Roman"/>
-              </a:rPr>
-              <a:t>Проведено 14 </a:t>
-            </a:r>
-            <a:r>
-              <a:rPr lang="ru-RU" sz="2800" b="0" i="0" u="none" strike="noStrike" cap="none" spc="0">
-                <a:solidFill>
-                  <a:schemeClr val="tx1"/>
-                </a:solidFill>
-                <a:latin typeface="Times New Roman"/>
-                <a:ea typeface="+mn-ea"/>
-                <a:cs typeface="Times New Roman"/>
-              </a:rPr>
-              <a:t> </a:t>
-            </a:r>
-            <a:r>
-              <a:rPr lang="ru-RU" sz="2800" b="0" i="0" u="none" strike="noStrike" cap="none" spc="0">
-                <a:solidFill>
-                  <a:schemeClr val="tx1"/>
-                </a:solidFill>
-                <a:latin typeface="Times New Roman"/>
-                <a:ea typeface="+mn-ea"/>
-                <a:cs typeface="Times New Roman"/>
-              </a:rPr>
-              <a:t>функциональных </a:t>
-            </a:r>
-            <a:r>
-              <a:rPr lang="ru-RU">
-                <a:latin typeface="Times New Roman"/>
-                <a:cs typeface="Times New Roman"/>
-              </a:rPr>
-              <a:t> тестов системы.</a:t>
-            </a:r>
-            <a:endParaRPr lang="ru-RU">
-              <a:latin typeface="Times New Roman"/>
-              <a:cs typeface="Times New Roman"/>
-            </a:endParaRPr>
-          </a:p>
-          <a:p>
-            <a:pPr marL="0" indent="0">
-              <a:buFont typeface="Arial"/>
-              <a:buNone/>
-              <a:defRPr/>
-            </a:pPr>
-            <a:r>
-              <a:rPr lang="ru-RU">
-                <a:latin typeface="Times New Roman"/>
-                <a:cs typeface="Times New Roman"/>
-              </a:rPr>
-              <a:t>Все тесты пройдены.</a:t>
-            </a:r>
-            <a:endParaRPr lang="ru-RU">
-              <a:latin typeface="Times New Roman"/>
-              <a:cs typeface="Times New Roman"/>
-            </a:endParaRPr>
-          </a:p>
-          <a:p>
-            <a:pPr marL="0" indent="0">
-              <a:buFont typeface="Arial"/>
-              <a:buNone/>
-              <a:defRPr/>
-            </a:pPr>
-            <a:endParaRPr lang="ru-RU">
-              <a:latin typeface="Times New Roman"/>
-              <a:cs typeface="Times New Roman"/>
-            </a:endParaRPr>
-          </a:p>
-          <a:p>
-            <a:pPr marL="0" indent="0">
-              <a:buFont typeface="Arial"/>
-              <a:buNone/>
-              <a:defRPr/>
-            </a:pPr>
-            <a:r>
-              <a:rPr lang="ru-RU">
-                <a:latin typeface="Times New Roman"/>
-                <a:cs typeface="Times New Roman"/>
-              </a:rPr>
-              <a:t>Тест 9</a:t>
-            </a:r>
-            <a:r>
-              <a:rPr lang="en-US">
-                <a:latin typeface="Times New Roman"/>
-                <a:cs typeface="Times New Roman"/>
-              </a:rPr>
-              <a:t>:</a:t>
-            </a:r>
-            <a:r>
-              <a:rPr lang="ru-RU">
-                <a:latin typeface="Times New Roman"/>
-                <a:cs typeface="Times New Roman"/>
-              </a:rPr>
-              <a:t> </a:t>
-            </a:r>
-            <a:r>
-              <a:rPr lang="ru-RU" sz="2800" b="0" i="0" u="none" strike="noStrike" cap="none" spc="0">
-                <a:solidFill>
-                  <a:schemeClr val="tx1"/>
-                </a:solidFill>
-                <a:latin typeface="Times New Roman"/>
-                <a:cs typeface="Times New Roman"/>
-              </a:rPr>
-              <a:t>«Редактирование камеры»</a:t>
-            </a:r>
-            <a:r>
-              <a:rPr lang="en-US" sz="2800" b="0" i="0" u="none" strike="noStrike" cap="none" spc="0">
-                <a:solidFill>
-                  <a:schemeClr val="tx1"/>
-                </a:solidFill>
-                <a:latin typeface="Times New Roman"/>
-                <a:cs typeface="Times New Roman"/>
-              </a:rPr>
-              <a:t>:</a:t>
-            </a:r>
-            <a:endParaRPr lang="ru-RU">
-              <a:latin typeface="Times New Roman"/>
-              <a:cs typeface="Times New Roman"/>
-            </a:endParaRPr>
-          </a:p>
-          <a:p>
-            <a:pPr marL="394023" indent="-394023">
-              <a:buFont typeface="Arial"/>
-              <a:buAutoNum type="arabicParenR"/>
-              <a:defRPr/>
-            </a:pPr>
-            <a:r>
-              <a:rPr lang="ru-RU" sz="2800" b="0" i="0" u="none" strike="noStrike" cap="none" spc="0">
-                <a:solidFill>
-                  <a:schemeClr val="tx1"/>
-                </a:solidFill>
-                <a:latin typeface="Times New Roman"/>
-                <a:cs typeface="Times New Roman"/>
-              </a:rPr>
-              <a:t>Выбрать камеру</a:t>
-            </a:r>
-            <a:r>
-              <a:rPr lang="en-US" sz="2800" b="0" i="0" u="none" strike="noStrike" cap="none" spc="0">
-                <a:solidFill>
-                  <a:schemeClr val="tx1"/>
-                </a:solidFill>
-                <a:latin typeface="Times New Roman"/>
-                <a:cs typeface="Times New Roman"/>
-              </a:rPr>
-              <a:t>;</a:t>
-            </a:r>
-            <a:endParaRPr lang="ru-RU" sz="2800" b="0" i="0" u="none" strike="noStrike" cap="none" spc="0">
-              <a:solidFill>
-                <a:schemeClr val="tx1"/>
-              </a:solidFill>
-              <a:latin typeface="Times New Roman"/>
-              <a:cs typeface="Times New Roman"/>
-            </a:endParaRPr>
-          </a:p>
-          <a:p>
-            <a:pPr marL="394023" indent="-394023">
-              <a:buFont typeface="Arial"/>
-              <a:buAutoNum type="arabicParenR"/>
-              <a:defRPr/>
-            </a:pPr>
-            <a:r>
-              <a:rPr lang="ru-RU" sz="2800" b="0" i="0" u="none" strike="noStrike" cap="none" spc="0">
-                <a:solidFill>
-                  <a:schemeClr val="tx1"/>
-                </a:solidFill>
-                <a:latin typeface="Times New Roman"/>
-                <a:cs typeface="Times New Roman"/>
-              </a:rPr>
-              <a:t>Включить режим редактирования</a:t>
-            </a:r>
-            <a:r>
-              <a:rPr lang="en-US" sz="2800" b="0" i="0" u="none" strike="noStrike" cap="none" spc="0">
-                <a:solidFill>
-                  <a:schemeClr val="tx1"/>
-                </a:solidFill>
-                <a:latin typeface="Times New Roman"/>
-                <a:cs typeface="Times New Roman"/>
-              </a:rPr>
-              <a:t>;</a:t>
-            </a:r>
-            <a:endParaRPr lang="ru-RU" sz="2800" b="0" i="0" u="none" strike="noStrike" cap="none" spc="0">
-              <a:solidFill>
-                <a:schemeClr val="tx1"/>
-              </a:solidFill>
-              <a:latin typeface="Times New Roman"/>
-              <a:cs typeface="Times New Roman"/>
-            </a:endParaRPr>
-          </a:p>
-          <a:p>
-            <a:pPr marL="394023" indent="-394023">
-              <a:buFont typeface="Arial"/>
-              <a:buAutoNum type="arabicParenR"/>
-              <a:defRPr/>
-            </a:pPr>
-            <a:r>
-              <a:rPr lang="ru-RU" sz="2800" b="0" i="0" u="none" strike="noStrike" cap="none" spc="0">
-                <a:solidFill>
-                  <a:schemeClr val="tx1"/>
-                </a:solidFill>
-                <a:latin typeface="Times New Roman"/>
-                <a:cs typeface="Times New Roman"/>
-              </a:rPr>
-              <a:t>Изменить параметры камеры</a:t>
-            </a:r>
-            <a:r>
-              <a:rPr lang="en-US" sz="2800" b="0" i="0" u="none" strike="noStrike" cap="none" spc="0">
-                <a:solidFill>
-                  <a:schemeClr val="tx1"/>
-                </a:solidFill>
-                <a:latin typeface="Times New Roman"/>
-                <a:cs typeface="Times New Roman"/>
-              </a:rPr>
-              <a:t>;</a:t>
-            </a:r>
-            <a:endParaRPr lang="ru-RU" sz="2800" b="0" i="0" u="none" strike="noStrike" cap="none" spc="0">
-              <a:solidFill>
-                <a:schemeClr val="tx1"/>
-              </a:solidFill>
-              <a:latin typeface="Times New Roman"/>
-              <a:cs typeface="Times New Roman"/>
-            </a:endParaRPr>
-          </a:p>
-          <a:p>
-            <a:pPr marL="394023" indent="-394023">
-              <a:buFont typeface="Arial"/>
-              <a:buAutoNum type="arabicParenR"/>
-              <a:defRPr/>
-            </a:pPr>
-            <a:r>
-              <a:rPr lang="ru-RU" sz="2800" b="0" i="0" u="none" strike="noStrike" cap="none" spc="0">
-                <a:solidFill>
-                  <a:schemeClr val="tx1"/>
-                </a:solidFill>
-                <a:latin typeface="Times New Roman"/>
-                <a:cs typeface="Times New Roman"/>
-              </a:rPr>
-              <a:t>Нажать кнопку "Update"</a:t>
-            </a:r>
-            <a:r>
-              <a:rPr lang="en-US" sz="2800" b="0" i="0" u="none" strike="noStrike" cap="none" spc="0">
-                <a:solidFill>
-                  <a:schemeClr val="tx1"/>
-                </a:solidFill>
-                <a:latin typeface="Times New Roman"/>
-                <a:cs typeface="Times New Roman"/>
-              </a:rPr>
-              <a:t>.</a:t>
-            </a:r>
             <a:endParaRPr/>
-          </a:p>
-          <a:p>
-            <a:pPr marL="0" indent="0">
-              <a:buFont typeface="Arial"/>
-              <a:buNone/>
-              <a:defRPr/>
-            </a:pPr>
-            <a:r>
-              <a:rPr lang="ru-RU">
-                <a:latin typeface="Times New Roman"/>
-                <a:cs typeface="Times New Roman"/>
-              </a:rPr>
-              <a:t>	Пройден</a:t>
-            </a:r>
-            <a:endParaRPr lang="ru-RU">
-              <a:latin typeface="Times New Roman"/>
-              <a:cs typeface="Times New Roman"/>
-            </a:endParaRPr>
           </a:p>
         </p:txBody>
       </p:sp>
       <p:pic>
         <p:nvPicPr>
-          <p:cNvPr id="1093400878" name=""/>
+          <p:cNvPr id="1809995986" name=""/>
           <p:cNvPicPr>
             <a:picLocks noChangeAspect="1"/>
           </p:cNvPicPr>
@@ -5617,42 +5856,66 @@
         </p:nvPicPr>
         <p:blipFill>
           <a:blip r:embed="rId2"/>
-          <a:srcRect l="0" t="56303" r="86607" b="5570"/>
+          <a:srcRect l="0" t="0" r="0" b="3930"/>
           <a:stretch/>
         </p:blipFill>
         <p:spPr bwMode="auto">
           <a:xfrm flipH="0" flipV="0">
-            <a:off x="6412748" y="1718087"/>
-            <a:ext cx="2397013" cy="3838574"/>
+            <a:off x="246833" y="1112588"/>
+            <a:ext cx="8645274" cy="4671784"/>
           </a:xfrm>
           <a:prstGeom prst="rect">
             <a:avLst/>
           </a:prstGeom>
+          <a:ln w="12699">
+            <a:solidFill>
+              <a:schemeClr val="accent1">
+                <a:lumMod val="50196"/>
+              </a:schemeClr>
+            </a:solidFill>
+            <a:prstDash val="solid"/>
+          </a:ln>
         </p:spPr>
       </p:pic>
-      <p:pic>
-        <p:nvPicPr>
-          <p:cNvPr id="2005118285" name=""/>
-          <p:cNvPicPr>
-            <a:picLocks noChangeAspect="1"/>
-          </p:cNvPicPr>
-          <p:nvPr/>
-        </p:nvPicPr>
-        <p:blipFill>
-          <a:blip r:embed="rId3"/>
-          <a:srcRect l="1729" t="37504" r="76991" b="57538"/>
-          <a:stretch/>
-        </p:blipFill>
-        <p:spPr bwMode="auto">
-          <a:xfrm flipH="0" flipV="0">
-            <a:off x="1128013" y="5556662"/>
-            <a:ext cx="7200048" cy="943616"/>
-          </a:xfrm>
-          <a:prstGeom prst="rect">
-            <a:avLst/>
-          </a:prstGeom>
-        </p:spPr>
-      </p:pic>
+      <p:sp>
+        <p:nvSpPr>
+          <p:cNvPr id="719915633" name="Slide Number Placeholder 5"/>
+          <p:cNvSpPr>
+            <a:spLocks noGrp="1"/>
+          </p:cNvSpPr>
+          <p:nvPr>
+            <p:ph type="sldNum" sz="quarter" idx="12"/>
+          </p:nvPr>
+        </p:nvSpPr>
+        <p:spPr bwMode="auto"/>
+        <p:txBody>
+          <a:bodyPr/>
+          <a:lstStyle/>
+          <a:p>
+            <a:pPr>
+              <a:defRPr/>
+            </a:pPr>
+            <a:fld id="{3190BECE-448D-1040-3829-9C83E22DD46B}" type="slidenum">
+              <a:rPr lang="en-US" sz="1800"/>
+              <a:t/>
+            </a:fld>
+            <a:r>
+              <a:rPr lang="en-US" sz="1800" b="0" i="0" u="none" strike="noStrike" cap="none" spc="0">
+                <a:solidFill>
+                  <a:schemeClr val="tx1">
+                    <a:tint val="75000"/>
+                  </a:schemeClr>
+                </a:solidFill>
+                <a:latin typeface="+mn-lt"/>
+                <a:ea typeface="+mn-ea"/>
+                <a:cs typeface="+mn-cs"/>
+              </a:rPr>
+              <a:t>/18</a:t>
+            </a:r>
+            <a:endParaRPr lang="en-US"/>
+          </a:p>
+        </p:txBody>
+      </p:sp>
     </p:spTree>
   </p:cSld>
   <p:clrMapOvr>
@@ -5688,7 +5951,7 @@
       </p:grpSpPr>
       <p:sp>
         <p:nvSpPr>
-          <p:cNvPr id="1634827371" name="Title 1"/>
+          <p:cNvPr id="1073663757" name="Title 1"/>
           <p:cNvSpPr>
             <a:spLocks noGrp="1"/>
           </p:cNvSpPr>
@@ -5714,6 +5977,468 @@
                 <a:latin typeface="Times New Roman"/>
                 <a:cs typeface="Times New Roman"/>
               </a:rPr>
+              <a:t>ТЕСТИРОВАНИЕ СИСТЕМЫ</a:t>
+            </a:r>
+            <a:endParaRPr sz="2800" b="1">
+              <a:latin typeface="Times New Roman"/>
+              <a:cs typeface="Times New Roman"/>
+            </a:endParaRPr>
+          </a:p>
+        </p:txBody>
+      </p:sp>
+      <p:sp>
+        <p:nvSpPr>
+          <p:cNvPr id="801650196" name="Content Placeholder 2"/>
+          <p:cNvSpPr>
+            <a:spLocks noGrp="1"/>
+          </p:cNvSpPr>
+          <p:nvPr>
+            <p:ph idx="1"/>
+          </p:nvPr>
+        </p:nvSpPr>
+        <p:spPr bwMode="auto">
+          <a:xfrm flipH="0" flipV="0">
+            <a:off x="628649" y="720000"/>
+            <a:ext cx="7886700" cy="5456961"/>
+          </a:xfrm>
+        </p:spPr>
+        <p:txBody>
+          <a:bodyPr vertOverflow="overflow" horzOverflow="overflow" vert="horz" wrap="square" lIns="91440" tIns="45720" rIns="91440" bIns="45720" numCol="1" spcCol="0" rtlCol="0" fromWordArt="0" anchor="t" anchorCtr="0" forceAA="0" upright="0" compatLnSpc="0">
+            <a:normAutofit/>
+          </a:bodyPr>
+          <a:lstStyle/>
+          <a:p>
+            <a:pPr marL="0" indent="0">
+              <a:buFont typeface="Arial"/>
+              <a:buNone/>
+              <a:defRPr/>
+            </a:pPr>
+            <a:r>
+              <a:rPr lang="ru-RU">
+                <a:latin typeface="Times New Roman"/>
+                <a:cs typeface="Times New Roman"/>
+              </a:rPr>
+              <a:t>Проведено 14 </a:t>
+            </a:r>
+            <a:r>
+              <a:rPr lang="ru-RU" sz="2800" b="0" i="0" u="none" strike="noStrike" cap="none" spc="0">
+                <a:solidFill>
+                  <a:schemeClr val="tx1"/>
+                </a:solidFill>
+                <a:latin typeface="Times New Roman"/>
+                <a:ea typeface="+mn-ea"/>
+                <a:cs typeface="Times New Roman"/>
+              </a:rPr>
+              <a:t> </a:t>
+            </a:r>
+            <a:r>
+              <a:rPr lang="ru-RU" sz="2800" b="0" i="0" u="none" strike="noStrike" cap="none" spc="0">
+                <a:solidFill>
+                  <a:schemeClr val="tx1"/>
+                </a:solidFill>
+                <a:latin typeface="Times New Roman"/>
+                <a:ea typeface="+mn-ea"/>
+                <a:cs typeface="Times New Roman"/>
+              </a:rPr>
+              <a:t>функциональных </a:t>
+            </a:r>
+            <a:r>
+              <a:rPr lang="ru-RU">
+                <a:latin typeface="Times New Roman"/>
+                <a:cs typeface="Times New Roman"/>
+              </a:rPr>
+              <a:t> тестов системы.</a:t>
+            </a:r>
+            <a:endParaRPr lang="ru-RU">
+              <a:latin typeface="Times New Roman"/>
+              <a:cs typeface="Times New Roman"/>
+            </a:endParaRPr>
+          </a:p>
+          <a:p>
+            <a:pPr marL="0" indent="0">
+              <a:buFont typeface="Arial"/>
+              <a:buNone/>
+              <a:defRPr/>
+            </a:pPr>
+            <a:r>
+              <a:rPr lang="ru-RU">
+                <a:latin typeface="Times New Roman"/>
+                <a:cs typeface="Times New Roman"/>
+              </a:rPr>
+              <a:t>Все тесты пройдены.</a:t>
+            </a:r>
+            <a:endParaRPr lang="ru-RU">
+              <a:latin typeface="Times New Roman"/>
+              <a:cs typeface="Times New Roman"/>
+            </a:endParaRPr>
+          </a:p>
+          <a:p>
+            <a:pPr marL="0" indent="0">
+              <a:buFont typeface="Arial"/>
+              <a:buNone/>
+              <a:defRPr/>
+            </a:pPr>
+            <a:endParaRPr lang="ru-RU">
+              <a:latin typeface="Times New Roman"/>
+              <a:cs typeface="Times New Roman"/>
+            </a:endParaRPr>
+          </a:p>
+          <a:p>
+            <a:pPr marL="0" indent="0">
+              <a:buFont typeface="Arial"/>
+              <a:buNone/>
+              <a:defRPr/>
+            </a:pPr>
+            <a:r>
+              <a:rPr lang="ru-RU">
+                <a:latin typeface="Times New Roman"/>
+                <a:cs typeface="Times New Roman"/>
+              </a:rPr>
+              <a:t>Тест 9</a:t>
+            </a:r>
+            <a:r>
+              <a:rPr lang="en-US">
+                <a:latin typeface="Times New Roman"/>
+                <a:cs typeface="Times New Roman"/>
+              </a:rPr>
+              <a:t>:</a:t>
+            </a:r>
+            <a:r>
+              <a:rPr lang="ru-RU">
+                <a:latin typeface="Times New Roman"/>
+                <a:cs typeface="Times New Roman"/>
+              </a:rPr>
+              <a:t> </a:t>
+            </a:r>
+            <a:r>
+              <a:rPr lang="ru-RU" sz="2800" b="0" i="0" u="none" strike="noStrike" cap="none" spc="0">
+                <a:solidFill>
+                  <a:schemeClr val="tx1"/>
+                </a:solidFill>
+                <a:latin typeface="Times New Roman"/>
+                <a:cs typeface="Times New Roman"/>
+              </a:rPr>
+              <a:t>«Редактирование камеры»</a:t>
+            </a:r>
+            <a:r>
+              <a:rPr lang="en-US" sz="2800" b="0" i="0" u="none" strike="noStrike" cap="none" spc="0">
+                <a:solidFill>
+                  <a:schemeClr val="tx1"/>
+                </a:solidFill>
+                <a:latin typeface="Times New Roman"/>
+                <a:cs typeface="Times New Roman"/>
+              </a:rPr>
+              <a:t>:</a:t>
+            </a:r>
+            <a:endParaRPr lang="ru-RU">
+              <a:latin typeface="Times New Roman"/>
+              <a:cs typeface="Times New Roman"/>
+            </a:endParaRPr>
+          </a:p>
+          <a:p>
+            <a:pPr marL="394023" indent="-394023">
+              <a:buFont typeface="Arial"/>
+              <a:buAutoNum type="arabicParenR"/>
+              <a:defRPr/>
+            </a:pPr>
+            <a:r>
+              <a:rPr lang="ru-RU" sz="2800" b="0" i="0" u="none" strike="noStrike" cap="none" spc="0">
+                <a:solidFill>
+                  <a:schemeClr val="tx1"/>
+                </a:solidFill>
+                <a:latin typeface="Times New Roman"/>
+                <a:cs typeface="Times New Roman"/>
+              </a:rPr>
+              <a:t>выбрать камеру</a:t>
+            </a:r>
+            <a:r>
+              <a:rPr lang="en-US" sz="2800" b="0" i="0" u="none" strike="noStrike" cap="none" spc="0">
+                <a:solidFill>
+                  <a:schemeClr val="tx1"/>
+                </a:solidFill>
+                <a:latin typeface="Times New Roman"/>
+                <a:cs typeface="Times New Roman"/>
+              </a:rPr>
+              <a:t>;</a:t>
+            </a:r>
+            <a:endParaRPr lang="ru-RU" sz="2800" b="0" i="0" u="none" strike="noStrike" cap="none" spc="0">
+              <a:solidFill>
+                <a:schemeClr val="tx1"/>
+              </a:solidFill>
+              <a:latin typeface="Times New Roman"/>
+              <a:cs typeface="Times New Roman"/>
+            </a:endParaRPr>
+          </a:p>
+          <a:p>
+            <a:pPr marL="394023" indent="-394023">
+              <a:buFont typeface="Arial"/>
+              <a:buAutoNum type="arabicParenR"/>
+              <a:defRPr/>
+            </a:pPr>
+            <a:r>
+              <a:rPr lang="ru-RU" sz="2800" b="0" i="0" u="none" strike="noStrike" cap="none" spc="0">
+                <a:solidFill>
+                  <a:schemeClr val="tx1"/>
+                </a:solidFill>
+                <a:latin typeface="Times New Roman"/>
+                <a:cs typeface="Times New Roman"/>
+              </a:rPr>
+              <a:t>включить режим редактирования</a:t>
+            </a:r>
+            <a:r>
+              <a:rPr lang="en-US" sz="2800" b="0" i="0" u="none" strike="noStrike" cap="none" spc="0">
+                <a:solidFill>
+                  <a:schemeClr val="tx1"/>
+                </a:solidFill>
+                <a:latin typeface="Times New Roman"/>
+                <a:cs typeface="Times New Roman"/>
+              </a:rPr>
+              <a:t>;</a:t>
+            </a:r>
+            <a:endParaRPr lang="ru-RU" sz="2800" b="0" i="0" u="none" strike="noStrike" cap="none" spc="0">
+              <a:solidFill>
+                <a:schemeClr val="tx1"/>
+              </a:solidFill>
+              <a:latin typeface="Times New Roman"/>
+              <a:cs typeface="Times New Roman"/>
+            </a:endParaRPr>
+          </a:p>
+          <a:p>
+            <a:pPr marL="394023" indent="-394023">
+              <a:buFont typeface="Arial"/>
+              <a:buAutoNum type="arabicParenR"/>
+              <a:defRPr/>
+            </a:pPr>
+            <a:r>
+              <a:rPr lang="ru-RU" sz="2800" b="0" i="0" u="none" strike="noStrike" cap="none" spc="0">
+                <a:solidFill>
+                  <a:schemeClr val="tx1"/>
+                </a:solidFill>
+                <a:latin typeface="Times New Roman"/>
+                <a:cs typeface="Times New Roman"/>
+              </a:rPr>
+              <a:t>изменить параметры камеры</a:t>
+            </a:r>
+            <a:r>
+              <a:rPr lang="en-US" sz="2800" b="0" i="0" u="none" strike="noStrike" cap="none" spc="0">
+                <a:solidFill>
+                  <a:schemeClr val="tx1"/>
+                </a:solidFill>
+                <a:latin typeface="Times New Roman"/>
+                <a:cs typeface="Times New Roman"/>
+              </a:rPr>
+              <a:t>;</a:t>
+            </a:r>
+            <a:endParaRPr lang="ru-RU" sz="2800" b="0" i="0" u="none" strike="noStrike" cap="none" spc="0">
+              <a:solidFill>
+                <a:schemeClr val="tx1"/>
+              </a:solidFill>
+              <a:latin typeface="Times New Roman"/>
+              <a:cs typeface="Times New Roman"/>
+            </a:endParaRPr>
+          </a:p>
+          <a:p>
+            <a:pPr marL="394023" indent="-394023">
+              <a:buFont typeface="Arial"/>
+              <a:buAutoNum type="arabicParenR"/>
+              <a:defRPr/>
+            </a:pPr>
+            <a:r>
+              <a:rPr lang="ru-RU" sz="2800" b="0" i="0" u="none" strike="noStrike" cap="none" spc="0">
+                <a:solidFill>
+                  <a:schemeClr val="tx1"/>
+                </a:solidFill>
+                <a:latin typeface="Times New Roman"/>
+                <a:cs typeface="Times New Roman"/>
+              </a:rPr>
+              <a:t>нажать кнопку "Update"</a:t>
+            </a:r>
+            <a:r>
+              <a:rPr lang="en-US" sz="2800" b="0" i="0" u="none" strike="noStrike" cap="none" spc="0">
+                <a:solidFill>
+                  <a:schemeClr val="tx1"/>
+                </a:solidFill>
+                <a:latin typeface="Times New Roman"/>
+                <a:cs typeface="Times New Roman"/>
+              </a:rPr>
+              <a:t>.</a:t>
+            </a:r>
+            <a:endParaRPr/>
+          </a:p>
+          <a:p>
+            <a:pPr marL="0" indent="0">
+              <a:buFont typeface="Arial"/>
+              <a:buNone/>
+              <a:defRPr/>
+            </a:pPr>
+            <a:r>
+              <a:rPr lang="ru-RU">
+                <a:latin typeface="Times New Roman"/>
+                <a:cs typeface="Times New Roman"/>
+              </a:rPr>
+              <a:t>Тест 9 Пройден.</a:t>
+            </a:r>
+            <a:endParaRPr lang="ru-RU">
+              <a:latin typeface="Times New Roman"/>
+              <a:cs typeface="Times New Roman"/>
+            </a:endParaRPr>
+          </a:p>
+        </p:txBody>
+      </p:sp>
+      <p:pic>
+        <p:nvPicPr>
+          <p:cNvPr id="1093400878" name=""/>
+          <p:cNvPicPr>
+            <a:picLocks noChangeAspect="1"/>
+          </p:cNvPicPr>
+          <p:nvPr/>
+        </p:nvPicPr>
+        <p:blipFill>
+          <a:blip r:embed="rId2"/>
+          <a:srcRect l="0" t="56303" r="86607" b="5569"/>
+          <a:stretch/>
+        </p:blipFill>
+        <p:spPr bwMode="auto">
+          <a:xfrm flipH="0" flipV="0">
+            <a:off x="6412747" y="1529193"/>
+            <a:ext cx="2397013" cy="3838574"/>
+          </a:xfrm>
+          <a:prstGeom prst="rect">
+            <a:avLst/>
+          </a:prstGeom>
+          <a:ln w="12699">
+            <a:solidFill>
+              <a:schemeClr val="accent1">
+                <a:lumMod val="50196"/>
+              </a:schemeClr>
+            </a:solidFill>
+            <a:prstDash val="solid"/>
+          </a:ln>
+        </p:spPr>
+      </p:pic>
+      <p:pic>
+        <p:nvPicPr>
+          <p:cNvPr id="2005118285" name=""/>
+          <p:cNvPicPr>
+            <a:picLocks noChangeAspect="1"/>
+          </p:cNvPicPr>
+          <p:nvPr/>
+        </p:nvPicPr>
+        <p:blipFill>
+          <a:blip r:embed="rId3"/>
+          <a:srcRect l="1729" t="37504" r="76991" b="57538"/>
+          <a:stretch/>
+        </p:blipFill>
+        <p:spPr bwMode="auto">
+          <a:xfrm flipH="0" flipV="0">
+            <a:off x="854610" y="5412733"/>
+            <a:ext cx="7200048" cy="943616"/>
+          </a:xfrm>
+          <a:prstGeom prst="rect">
+            <a:avLst/>
+          </a:prstGeom>
+        </p:spPr>
+      </p:pic>
+      <p:sp>
+        <p:nvSpPr>
+          <p:cNvPr id="1546073312" name="Slide Number Placeholder 5"/>
+          <p:cNvSpPr>
+            <a:spLocks noGrp="1"/>
+          </p:cNvSpPr>
+          <p:nvPr>
+            <p:ph type="sldNum" sz="quarter" idx="12"/>
+          </p:nvPr>
+        </p:nvSpPr>
+        <p:spPr bwMode="auto"/>
+        <p:txBody>
+          <a:bodyPr/>
+          <a:lstStyle/>
+          <a:p>
+            <a:pPr>
+              <a:defRPr/>
+            </a:pPr>
+            <a:fld id="{03CDDEA2-1D71-2E53-A941-EFB182208E41}" type="slidenum">
+              <a:rPr lang="en-US" sz="1800"/>
+              <a:t/>
+            </a:fld>
+            <a:r>
+              <a:rPr lang="en-US" sz="1800" b="0" i="0" u="none" strike="noStrike" cap="none" spc="0">
+                <a:solidFill>
+                  <a:schemeClr val="tx1">
+                    <a:tint val="75000"/>
+                  </a:schemeClr>
+                </a:solidFill>
+                <a:latin typeface="+mn-lt"/>
+                <a:ea typeface="+mn-ea"/>
+                <a:cs typeface="+mn-cs"/>
+              </a:rPr>
+              <a:t>/18</a:t>
+            </a:r>
+            <a:endParaRPr lang="en-US"/>
+          </a:p>
+        </p:txBody>
+      </p:sp>
+    </p:spTree>
+  </p:cSld>
+  <p:clrMapOvr>
+    <a:masterClrMapping/>
+  </p:clrMapOvr>
+  <mc:AlternateContent xmlns:mc="http://schemas.openxmlformats.org/markup-compatibility/2006">
+    <mc:Choice xmlns:p14="http://schemas.microsoft.com/office/powerpoint/2010/main" Requires="p14">
+      <p:transition p14:dur="2000" advClick="1"/>
+    </mc:Choice>
+    <mc:Fallback>
+      <p:transition advClick="1"/>
+    </mc:Fallback>
+  </mc:AlternateContent>
+</p:sld>
+</file>
+
+<file path=ppt/slides/slide18.xml><?xml version="1.0" encoding="utf-8"?>
+<p:sld xmlns:a="http://schemas.openxmlformats.org/drawingml/2006/main" xmlns:r="http://schemas.openxmlformats.org/officeDocument/2006/relationships" xmlns:p="http://schemas.openxmlformats.org/presentationml/2006/main" xmlns:m="http://schemas.openxmlformats.org/officeDocument/2006/math" xmlns:w="http://schemas.openxmlformats.org/wordprocessingml/2006/main" showMasterPhAnim="0" show="1">
+  <p:cSld name="">
+    <p:spTree>
+      <p:nvGrpSpPr>
+        <p:cNvPr id="1" name=""/>
+        <p:cNvGrpSpPr/>
+        <p:nvPr/>
+      </p:nvGrpSpPr>
+      <p:grpSpPr bwMode="auto">
+        <a:xfrm>
+          <a:off x="0" y="0"/>
+          <a:ext cx="0" cy="0"/>
+          <a:chOff x="0" y="0"/>
+          <a:chExt cx="0" cy="0"/>
+        </a:xfrm>
+      </p:grpSpPr>
+      <p:sp>
+        <p:nvSpPr>
+          <p:cNvPr id="1634827371" name="Title 1"/>
+          <p:cNvSpPr>
+            <a:spLocks noGrp="1"/>
+          </p:cNvSpPr>
+          <p:nvPr>
+            <p:ph type="title"/>
+          </p:nvPr>
+        </p:nvSpPr>
+        <p:spPr bwMode="auto">
+          <a:xfrm rot="0" flipH="0" flipV="0">
+            <a:off x="0" y="0"/>
+            <a:ext cx="9144000" cy="720000"/>
+          </a:xfrm>
+        </p:spPr>
+        <p:txBody>
+          <a:bodyPr/>
+          <a:lstStyle/>
+          <a:p>
+            <a:pPr algn="ctr">
+              <a:defRPr/>
+            </a:pPr>
+            <a:r>
+              <a:rPr sz="2800" b="1">
+                <a:latin typeface="Times New Roman"/>
+                <a:cs typeface="Times New Roman"/>
+              </a:rPr>
               <a:t>ОСНОВНЫЕ РЕЗУЛЬТАТЫ</a:t>
             </a:r>
             <a:endParaRPr sz="2800" b="1">
@@ -5759,7 +6484,7 @@
                 <a:ea typeface="Times New Roman"/>
                 <a:cs typeface="Times New Roman"/>
               </a:rPr>
-              <a:t>Выполнен анализ предметной области и произведен обзор существующих решений</a:t>
+              <a:t>Выполнен анализ предметной области и произведен обзор существующих решений.</a:t>
             </a:r>
             <a:endParaRPr sz="2800">
               <a:latin typeface="Times New Roman"/>
@@ -5781,7 +6506,7 @@
                 <a:ea typeface="Times New Roman"/>
                 <a:cs typeface="Times New Roman"/>
               </a:rPr>
-              <a:t>Разработана базовая архитектура приложения</a:t>
+              <a:t>Разработана базовая архитектура приложения.</a:t>
             </a:r>
             <a:endParaRPr sz="2800">
               <a:latin typeface="Times New Roman"/>
@@ -5803,7 +6528,7 @@
                 <a:ea typeface="Times New Roman"/>
                 <a:cs typeface="Times New Roman"/>
               </a:rPr>
-              <a:t>Выполнена реализация приложения</a:t>
+              <a:t>Выполнена реализация приложения.</a:t>
             </a:r>
             <a:endParaRPr sz="2800">
               <a:latin typeface="Times New Roman"/>
@@ -5825,12 +6550,51 @@
                 <a:ea typeface="Times New Roman"/>
                 <a:cs typeface="Times New Roman"/>
               </a:rPr>
-              <a:t>Выполнено тестирование</a:t>
+              <a:t>Выполнено тестирование.</a:t>
             </a:r>
             <a:endParaRPr sz="2800">
               <a:latin typeface="Times New Roman"/>
               <a:cs typeface="Times New Roman"/>
             </a:endParaRPr>
+          </a:p>
+        </p:txBody>
+      </p:sp>
+      <p:sp>
+        <p:nvSpPr>
+          <p:cNvPr id="1385076631" name="Slide Number Placeholder 5"/>
+          <p:cNvSpPr>
+            <a:spLocks noGrp="1"/>
+          </p:cNvSpPr>
+          <p:nvPr>
+            <p:ph type="sldNum" sz="quarter" idx="12"/>
+          </p:nvPr>
+        </p:nvSpPr>
+        <p:spPr bwMode="auto"/>
+        <p:txBody>
+          <a:bodyPr/>
+          <a:lstStyle/>
+          <a:p>
+            <a:pPr>
+              <a:defRPr/>
+            </a:pPr>
+            <a:fld id="{8365D347-7BD2-0CFA-DCFD-4D31553BC644}" type="slidenum">
+              <a:rPr lang="en-US" sz="1800"/>
+              <a:t/>
+            </a:fld>
+            <a:r>
+              <a:rPr lang="en-US" sz="1800" b="0" i="0" u="none" strike="noStrike" cap="none" spc="0">
+                <a:solidFill>
+                  <a:schemeClr val="tx1">
+                    <a:tint val="75000"/>
+                  </a:schemeClr>
+                </a:solidFill>
+                <a:latin typeface="+mn-lt"/>
+                <a:ea typeface="+mn-ea"/>
+                <a:cs typeface="+mn-cs"/>
+              </a:rPr>
+              <a:t>/18</a:t>
+            </a:r>
+            <a:endParaRPr lang="en-US"/>
           </a:p>
         </p:txBody>
       </p:sp>
@@ -6017,14 +6781,14 @@
                 <a:latin typeface="Times New Roman"/>
                 <a:cs typeface="Times New Roman"/>
               </a:rPr>
-              <a:t>выполнить анализ предметной области и произвести обзор существующих решений</a:t>
-            </a:r>
-            <a:r>
-              <a:rPr lang="en-US">
-                <a:latin typeface="Times New Roman"/>
-                <a:cs typeface="Times New Roman"/>
-              </a:rPr>
-              <a:t>;</a:t>
+              <a:t>Выполнить анализ предметной области и произвести обзор существующих решений</a:t>
+            </a:r>
+            <a:r>
+              <a:rPr lang="ru-RU">
+                <a:latin typeface="Times New Roman"/>
+                <a:cs typeface="Times New Roman"/>
+              </a:rPr>
+              <a:t>.</a:t>
             </a:r>
             <a:endParaRPr lang="ru-RU">
               <a:latin typeface="Times New Roman"/>
@@ -6045,14 +6809,14 @@
                 <a:latin typeface="Times New Roman"/>
                 <a:cs typeface="Times New Roman"/>
               </a:rPr>
-              <a:t>разработать базовую архитектуру приложения</a:t>
-            </a:r>
-            <a:r>
-              <a:rPr lang="en-US">
-                <a:latin typeface="Times New Roman"/>
-                <a:cs typeface="Times New Roman"/>
-              </a:rPr>
-              <a:t>;</a:t>
+              <a:t>Разработать базовую архитектуру приложения</a:t>
+            </a:r>
+            <a:r>
+              <a:rPr lang="ru-RU">
+                <a:latin typeface="Times New Roman"/>
+                <a:cs typeface="Times New Roman"/>
+              </a:rPr>
+              <a:t>.</a:t>
             </a:r>
             <a:endParaRPr lang="ru-RU">
               <a:latin typeface="Times New Roman"/>
@@ -6073,14 +6837,14 @@
                 <a:latin typeface="Times New Roman"/>
                 <a:cs typeface="Times New Roman"/>
               </a:rPr>
-              <a:t>выполнить реализацию приложения</a:t>
-            </a:r>
-            <a:r>
-              <a:rPr lang="en-US">
-                <a:latin typeface="Times New Roman"/>
-                <a:cs typeface="Times New Roman"/>
-              </a:rPr>
-              <a:t>;</a:t>
+              <a:t>Выполнить реализацию приложения</a:t>
+            </a:r>
+            <a:r>
+              <a:rPr lang="ru-RU">
+                <a:latin typeface="Times New Roman"/>
+                <a:cs typeface="Times New Roman"/>
+              </a:rPr>
+              <a:t>.</a:t>
             </a:r>
             <a:endParaRPr lang="ru-RU">
               <a:latin typeface="Times New Roman"/>
@@ -6101,7 +6865,7 @@
                 <a:latin typeface="Times New Roman"/>
                 <a:cs typeface="Times New Roman"/>
               </a:rPr>
-              <a:t>выполнить тестирование</a:t>
+              <a:t>Выполнить тестирование</a:t>
             </a:r>
             <a:r>
               <a:rPr lang="ru-RU">
@@ -6125,6 +6889,36 @@
               <a:latin typeface="Times New Roman"/>
               <a:cs typeface="Times New Roman"/>
             </a:endParaRPr>
+          </a:p>
+        </p:txBody>
+      </p:sp>
+      <p:sp>
+        <p:nvSpPr>
+          <p:cNvPr id="1531006883" name="Slide Number Placeholder 5"/>
+          <p:cNvSpPr>
+            <a:spLocks noGrp="1"/>
+          </p:cNvSpPr>
+          <p:nvPr>
+            <p:ph type="sldNum" sz="quarter" idx="12"/>
+          </p:nvPr>
+        </p:nvSpPr>
+        <p:spPr bwMode="auto"/>
+        <p:txBody>
+          <a:bodyPr/>
+          <a:lstStyle/>
+          <a:p>
+            <a:pPr>
+              <a:defRPr/>
+            </a:pPr>
+            <a:fld id="{53D89D74-5DA3-1BA4-C7D7-A7772828CF40}" type="slidenum">
+              <a:rPr lang="en-US" sz="1800"/>
+              <a:t/>
+            </a:fld>
+            <a:r>
+              <a:rPr lang="en-US" sz="1800"/>
+              <a:t>/18</a:t>
+            </a:r>
+            <a:endParaRPr lang="en-US" sz="1800"/>
           </a:p>
         </p:txBody>
       </p:sp>
@@ -6291,7 +7085,7 @@
                 <a:latin typeface="Times New Roman"/>
                 <a:cs typeface="Times New Roman"/>
               </a:rPr>
-              <a:t>Повышении эффективности использования БПЛА</a:t>
+              <a:t>повышении эффективности использования БПЛА</a:t>
             </a:r>
             <a:r>
               <a:rPr lang="en-US" sz="2600" b="0" i="0" u="none" strike="noStrike" cap="none" spc="0">
@@ -6326,7 +7120,7 @@
                 <a:ea typeface="Times New Roman"/>
                 <a:cs typeface="Times New Roman"/>
               </a:rPr>
-              <a:t>Сокращение затраты на выезд специалистов</a:t>
+              <a:t>сокращение затраты на выезд специалистов</a:t>
             </a:r>
             <a:r>
               <a:rPr lang="en-US" sz="2600" b="0" i="0" u="none" strike="noStrike" cap="none" spc="0">
@@ -6360,7 +7154,7 @@
                 <a:latin typeface="Times New Roman"/>
                 <a:cs typeface="Times New Roman"/>
               </a:rPr>
-              <a:t>Скорость и точность </a:t>
+              <a:t>скорость и точность </a:t>
             </a:r>
             <a:r>
               <a:rPr lang="ru-RU" sz="2600" b="0" i="0" u="none" strike="noStrike" cap="none" spc="0">
@@ -6389,6 +7183,45 @@
               <a:latin typeface="Times New Roman"/>
               <a:cs typeface="Times New Roman"/>
             </a:endParaRPr>
+          </a:p>
+        </p:txBody>
+      </p:sp>
+      <p:sp>
+        <p:nvSpPr>
+          <p:cNvPr id="1069361798" name="Slide Number Placeholder 5"/>
+          <p:cNvSpPr>
+            <a:spLocks noGrp="1"/>
+          </p:cNvSpPr>
+          <p:nvPr>
+            <p:ph type="sldNum" sz="quarter" idx="12"/>
+          </p:nvPr>
+        </p:nvSpPr>
+        <p:spPr bwMode="auto"/>
+        <p:txBody>
+          <a:bodyPr/>
+          <a:lstStyle/>
+          <a:p>
+            <a:pPr>
+              <a:defRPr/>
+            </a:pPr>
+            <a:fld id="{1AFF1B61-3AB2-B5BD-5BAD-3F50C69BB005}" type="slidenum">
+              <a:rPr lang="en-US" sz="1800"/>
+              <a:t/>
+            </a:fld>
+            <a:r>
+              <a:rPr lang="en-US" sz="1800" b="0" i="0" u="none" strike="noStrike" cap="none" spc="0">
+                <a:solidFill>
+                  <a:schemeClr val="tx1">
+                    <a:tint val="75000"/>
+                  </a:schemeClr>
+                </a:solidFill>
+                <a:latin typeface="+mn-lt"/>
+                <a:ea typeface="+mn-ea"/>
+                <a:cs typeface="+mn-cs"/>
+              </a:rPr>
+              <a:t>/18</a:t>
+            </a:r>
+            <a:endParaRPr lang="en-US"/>
           </a:p>
         </p:txBody>
       </p:sp>
@@ -6427,7 +7260,7 @@
       </p:grpSpPr>
       <p:sp>
         <p:nvSpPr>
-          <p:cNvPr id="1739450614" name="Title 1"/>
+          <p:cNvPr id="1194183671" name="Title 1"/>
           <p:cNvSpPr>
             <a:spLocks noGrp="1"/>
           </p:cNvSpPr>
@@ -6445,7 +7278,7 @@
           <a:bodyPr/>
           <a:lstStyle/>
           <a:p>
-            <a:pPr marL="0" marR="0" indent="0" algn="ctr">
+            <a:pPr algn="ctr">
               <a:defRPr/>
             </a:pPr>
             <a:r>
@@ -6456,7 +7289,7 @@
                 <a:latin typeface="Times New Roman"/>
                 <a:cs typeface="Times New Roman"/>
               </a:rPr>
-              <a:t>ДИАГРАММА ВАРИАНТОВ ИСПОЛЬЗОВАНИЯ</a:t>
+              <a:t>ОБЗОР АНАЛОГОВ</a:t>
             </a:r>
             <a:endParaRPr sz="2800" b="1">
               <a:latin typeface="Times New Roman"/>
@@ -6465,30 +7298,1822 @@
           </a:p>
         </p:txBody>
       </p:sp>
-      <p:pic>
-        <p:nvPicPr>
-          <p:cNvPr id="100547148" name=""/>
-          <p:cNvPicPr>
-            <a:picLocks noChangeAspect="1"/>
-          </p:cNvPicPr>
+      <p:sp>
+        <p:nvSpPr>
+          <p:cNvPr id="1889316078" name="Content Placeholder 2"/>
+          <p:cNvSpPr>
+            <a:spLocks noGrp="1"/>
+          </p:cNvSpPr>
           <p:nvPr>
             <p:ph idx="1"/>
           </p:nvPr>
-        </p:nvPicPr>
-        <p:blipFill>
-          <a:blip r:embed="rId2"/>
-          <a:stretch/>
-        </p:blipFill>
+        </p:nvSpPr>
         <p:spPr bwMode="auto">
-          <a:xfrm rot="0" flipH="0" flipV="0">
-            <a:off x="2001367" y="720000"/>
-            <a:ext cx="5141265" cy="5850950"/>
+          <a:xfrm flipH="0" flipV="0">
+            <a:off x="628649" y="720000"/>
+            <a:ext cx="7886700" cy="5456961"/>
           </a:xfrm>
-          <a:prstGeom prst="rect">
-            <a:avLst/>
-          </a:prstGeom>
         </p:spPr>
-      </p:pic>
+        <p:txBody>
+          <a:bodyPr vertOverflow="overflow" horzOverflow="overflow" vert="horz" wrap="square" lIns="91440" tIns="45720" rIns="91440" bIns="45720" numCol="1" spcCol="0" rtlCol="0" fromWordArt="0" anchor="t" anchorCtr="0" forceAA="0" upright="0" compatLnSpc="0">
+            <a:normAutofit/>
+          </a:bodyPr>
+          <a:lstStyle/>
+          <a:p>
+            <a:pPr marL="0" indent="0" algn="just">
+              <a:buFont typeface="Arial"/>
+              <a:buNone/>
+              <a:defRPr/>
+            </a:pPr>
+            <a:endParaRPr sz="2600" b="0" i="0" u="none" strike="noStrike" cap="none" spc="0">
+              <a:solidFill>
+                <a:schemeClr val="tx1"/>
+              </a:solidFill>
+              <a:latin typeface="Times New Roman"/>
+              <a:cs typeface="Times New Roman"/>
+            </a:endParaRPr>
+          </a:p>
+        </p:txBody>
+      </p:sp>
+      <p:graphicFrame>
+        <p:nvGraphicFramePr>
+          <p:cNvPr id="1178250186" name=""/>
+          <p:cNvGraphicFramePr>
+            <a:graphicFrameLocks xmlns:a="http://schemas.openxmlformats.org/drawingml/2006/main"/>
+          </p:cNvGraphicFramePr>
+          <p:nvPr/>
+        </p:nvGraphicFramePr>
+        <p:xfrm>
+          <a:off x="628649" y="571318"/>
+          <a:ext cx="6306206" cy="2692176"/>
+        </p:xfrm>
+        <a:graphic>
+          <a:graphicData uri="http://schemas.openxmlformats.org/drawingml/2006/table">
+            <a:tbl>
+              <a:tblPr firstRow="1" firstCol="1" lastRow="0" lastCol="0" bandRow="1" bandCol="0">
+                <a:tableStyleId>{5940675A-B579-460E-94D1-54222C63F5DA}</a:tableStyleId>
+              </a:tblPr>
+              <a:tblGrid>
+                <a:gridCol w="1908613"/>
+                <a:gridCol w="1551017"/>
+                <a:gridCol w="1551017"/>
+                <a:gridCol w="1431244"/>
+                <a:gridCol w="1432106"/>
+              </a:tblGrid>
+              <a:tr h="417150">
+                <a:tc>
+                  <a:txBody>
+                    <a:bodyPr/>
+                    <a:p>
+                      <a:pPr indent="0" algn="ctr">
+                        <a:lnSpc>
+                          <a:spcPct val="100000"/>
+                        </a:lnSpc>
+                        <a:defRPr/>
+                      </a:pPr>
+                      <a:r>
+                        <a:rPr sz="1400">
+                          <a:latin typeface="Times New Roman"/>
+                          <a:cs typeface="Times New Roman"/>
+                        </a:rPr>
+                        <a:t>Возможность</a:t>
+                      </a:r>
+                      <a:endParaRPr sz="2000">
+                        <a:latin typeface="Times New Roman"/>
+                        <a:cs typeface="Times New Roman"/>
+                      </a:endParaRPr>
+                    </a:p>
+                  </a:txBody>
+                  <a:tcPr vert="horz" anchor="ctr">
+                    <a:lnL w="19049" algn="ctr">
+                      <a:solidFill>
+                        <a:srgbClr val="000000"/>
+                      </a:solidFill>
+                    </a:lnL>
+                    <a:lnR w="19049" algn="ctr">
+                      <a:solidFill>
+                        <a:srgbClr val="000000"/>
+                      </a:solidFill>
+                    </a:lnR>
+                    <a:lnT w="19049" algn="ctr">
+                      <a:solidFill>
+                        <a:srgbClr val="000000"/>
+                      </a:solidFill>
+                    </a:lnT>
+                    <a:lnB w="19049" algn="ctr">
+                      <a:solidFill>
+                        <a:srgbClr val="000000"/>
+                      </a:solidFill>
+                    </a:lnB>
+                  </a:tcPr>
+                </a:tc>
+                <a:tc>
+                  <a:txBody>
+                    <a:bodyPr/>
+                    <a:p>
+                      <a:pPr indent="0" algn="ctr">
+                        <a:lnSpc>
+                          <a:spcPct val="100000"/>
+                        </a:lnSpc>
+                        <a:defRPr/>
+                      </a:pPr>
+                      <a:r>
+                        <a:rPr sz="1400">
+                          <a:latin typeface="Times New Roman"/>
+                          <a:cs typeface="Times New Roman"/>
+                        </a:rPr>
+                        <a:t>DroneDeploy</a:t>
+                      </a:r>
+                      <a:endParaRPr sz="2000">
+                        <a:latin typeface="Times New Roman"/>
+                        <a:cs typeface="Times New Roman"/>
+                      </a:endParaRPr>
+                    </a:p>
+                  </a:txBody>
+                  <a:tcPr vert="horz" anchor="ctr">
+                    <a:lnL w="19049" algn="ctr">
+                      <a:solidFill>
+                        <a:srgbClr val="000000"/>
+                      </a:solidFill>
+                    </a:lnL>
+                    <a:lnR w="19049" algn="ctr">
+                      <a:solidFill>
+                        <a:srgbClr val="000000"/>
+                      </a:solidFill>
+                    </a:lnR>
+                    <a:lnT w="19049" algn="ctr">
+                      <a:solidFill>
+                        <a:srgbClr val="000000"/>
+                      </a:solidFill>
+                    </a:lnT>
+                    <a:lnB w="19049" algn="ctr">
+                      <a:solidFill>
+                        <a:srgbClr val="000000"/>
+                      </a:solidFill>
+                    </a:lnB>
+                  </a:tcPr>
+                </a:tc>
+                <a:tc>
+                  <a:txBody>
+                    <a:bodyPr/>
+                    <a:p>
+                      <a:pPr indent="0" algn="ctr">
+                        <a:lnSpc>
+                          <a:spcPct val="100000"/>
+                        </a:lnSpc>
+                        <a:defRPr/>
+                      </a:pPr>
+                      <a:r>
+                        <a:rPr sz="1400">
+                          <a:latin typeface="Times New Roman"/>
+                          <a:cs typeface="Times New Roman"/>
+                        </a:rPr>
+                        <a:t>Litchi</a:t>
+                      </a:r>
+                      <a:endParaRPr sz="2000">
+                        <a:latin typeface="Times New Roman"/>
+                        <a:cs typeface="Times New Roman"/>
+                      </a:endParaRPr>
+                    </a:p>
+                  </a:txBody>
+                  <a:tcPr vert="horz" anchor="ctr">
+                    <a:lnL w="19049" algn="ctr">
+                      <a:solidFill>
+                        <a:srgbClr val="000000"/>
+                      </a:solidFill>
+                    </a:lnL>
+                    <a:lnR w="19049" algn="ctr">
+                      <a:solidFill>
+                        <a:srgbClr val="000000"/>
+                      </a:solidFill>
+                    </a:lnR>
+                    <a:lnT w="19049" algn="ctr">
+                      <a:solidFill>
+                        <a:srgbClr val="000000"/>
+                      </a:solidFill>
+                    </a:lnT>
+                    <a:lnB w="19049" algn="ctr">
+                      <a:solidFill>
+                        <a:srgbClr val="000000"/>
+                      </a:solidFill>
+                    </a:lnB>
+                  </a:tcPr>
+                </a:tc>
+                <a:tc>
+                  <a:txBody>
+                    <a:bodyPr/>
+                    <a:p>
+                      <a:pPr indent="0" algn="ctr">
+                        <a:lnSpc>
+                          <a:spcPct val="100000"/>
+                        </a:lnSpc>
+                        <a:defRPr/>
+                      </a:pPr>
+                      <a:r>
+                        <a:rPr sz="1400">
+                          <a:latin typeface="Times New Roman"/>
+                          <a:cs typeface="Times New Roman"/>
+                        </a:rPr>
+                        <a:t>Pix4D </a:t>
+                      </a:r>
+                      <a:r>
+                        <a:rPr sz="1400">
+                          <a:latin typeface="Times New Roman"/>
+                          <a:cs typeface="Times New Roman"/>
+                        </a:rPr>
+                        <a:t>Capture</a:t>
+                      </a:r>
+                      <a:endParaRPr sz="2000">
+                        <a:latin typeface="Times New Roman"/>
+                        <a:cs typeface="Times New Roman"/>
+                      </a:endParaRPr>
+                    </a:p>
+                  </a:txBody>
+                  <a:tcPr vert="horz" anchor="ctr">
+                    <a:lnL w="19049" algn="ctr">
+                      <a:solidFill>
+                        <a:srgbClr val="000000"/>
+                      </a:solidFill>
+                    </a:lnL>
+                    <a:lnR w="19049" algn="ctr">
+                      <a:solidFill>
+                        <a:srgbClr val="000000"/>
+                      </a:solidFill>
+                    </a:lnR>
+                    <a:lnT w="19049" algn="ctr">
+                      <a:solidFill>
+                        <a:srgbClr val="000000"/>
+                      </a:solidFill>
+                    </a:lnT>
+                    <a:lnB w="19049" algn="ctr">
+                      <a:solidFill>
+                        <a:srgbClr val="000000"/>
+                      </a:solidFill>
+                    </a:lnB>
+                  </a:tcPr>
+                </a:tc>
+                <a:tc>
+                  <a:txBody>
+                    <a:bodyPr/>
+                    <a:p>
+                      <a:pPr indent="0" algn="ctr">
+                        <a:lnSpc>
+                          <a:spcPct val="100000"/>
+                        </a:lnSpc>
+                        <a:defRPr/>
+                      </a:pPr>
+                      <a:r>
+                        <a:rPr sz="1400">
+                          <a:latin typeface="Times New Roman"/>
+                          <a:cs typeface="Times New Roman"/>
+                        </a:rPr>
+                        <a:t>UgCS</a:t>
+                      </a:r>
+                      <a:endParaRPr sz="2000">
+                        <a:latin typeface="Times New Roman"/>
+                        <a:cs typeface="Times New Roman"/>
+                      </a:endParaRPr>
+                    </a:p>
+                  </a:txBody>
+                  <a:tcPr vert="horz" anchor="ctr">
+                    <a:lnL w="19049" algn="ctr">
+                      <a:solidFill>
+                        <a:srgbClr val="000000"/>
+                      </a:solidFill>
+                    </a:lnL>
+                    <a:lnR w="19049" algn="ctr">
+                      <a:solidFill>
+                        <a:srgbClr val="000000"/>
+                      </a:solidFill>
+                    </a:lnR>
+                    <a:lnT w="19049" algn="ctr">
+                      <a:solidFill>
+                        <a:srgbClr val="000000"/>
+                      </a:solidFill>
+                    </a:lnT>
+                    <a:lnB w="19049" algn="ctr">
+                      <a:solidFill>
+                        <a:srgbClr val="000000"/>
+                      </a:solidFill>
+                    </a:lnB>
+                  </a:tcPr>
+                </a:tc>
+              </a:tr>
+              <a:tr h="620455">
+                <a:tc>
+                  <a:txBody>
+                    <a:bodyPr/>
+                    <a:p>
+                      <a:pPr indent="0" algn="ctr">
+                        <a:lnSpc>
+                          <a:spcPct val="100000"/>
+                        </a:lnSpc>
+                        <a:defRPr/>
+                      </a:pPr>
+                      <a:r>
+                        <a:rPr sz="1400">
+                          <a:latin typeface="Times New Roman"/>
+                          <a:cs typeface="Times New Roman"/>
+                        </a:rPr>
+                        <a:t>Планирование маршрута полета</a:t>
+                      </a:r>
+                      <a:endParaRPr sz="2000">
+                        <a:latin typeface="Times New Roman"/>
+                        <a:cs typeface="Times New Roman"/>
+                      </a:endParaRPr>
+                    </a:p>
+                  </a:txBody>
+                  <a:tcPr vert="horz" anchor="ctr">
+                    <a:lnL w="19049" algn="ctr">
+                      <a:solidFill>
+                        <a:srgbClr val="000000"/>
+                      </a:solidFill>
+                    </a:lnL>
+                    <a:lnR w="19049" algn="ctr">
+                      <a:solidFill>
+                        <a:srgbClr val="000000"/>
+                      </a:solidFill>
+                    </a:lnR>
+                    <a:lnT w="19049" algn="ctr">
+                      <a:solidFill>
+                        <a:srgbClr val="000000"/>
+                      </a:solidFill>
+                    </a:lnT>
+                    <a:lnB w="19049" algn="ctr">
+                      <a:solidFill>
+                        <a:srgbClr val="000000"/>
+                      </a:solidFill>
+                    </a:lnB>
+                  </a:tcPr>
+                </a:tc>
+                <a:tc>
+                  <a:txBody>
+                    <a:bodyPr/>
+                    <a:p>
+                      <a:pPr indent="0" algn="ctr">
+                        <a:lnSpc>
+                          <a:spcPct val="100000"/>
+                        </a:lnSpc>
+                        <a:defRPr/>
+                      </a:pPr>
+                      <a:r>
+                        <a:rPr sz="1400">
+                          <a:latin typeface="Times New Roman"/>
+                          <a:cs typeface="Times New Roman"/>
+                        </a:rPr>
+                        <a:t>Да</a:t>
+                      </a:r>
+                      <a:endParaRPr sz="2000">
+                        <a:latin typeface="Times New Roman"/>
+                        <a:cs typeface="Times New Roman"/>
+                      </a:endParaRPr>
+                    </a:p>
+                  </a:txBody>
+                  <a:tcPr vert="horz" anchor="ctr">
+                    <a:lnL w="19049" algn="ctr">
+                      <a:solidFill>
+                        <a:srgbClr val="000000"/>
+                      </a:solidFill>
+                    </a:lnL>
+                    <a:lnT w="19049" algn="ctr">
+                      <a:solidFill>
+                        <a:srgbClr val="000000"/>
+                      </a:solidFill>
+                    </a:lnT>
+                  </a:tcPr>
+                </a:tc>
+                <a:tc>
+                  <a:txBody>
+                    <a:bodyPr/>
+                    <a:p>
+                      <a:pPr indent="0" algn="ctr">
+                        <a:lnSpc>
+                          <a:spcPct val="100000"/>
+                        </a:lnSpc>
+                        <a:defRPr/>
+                      </a:pPr>
+                      <a:r>
+                        <a:rPr sz="1400">
+                          <a:latin typeface="Times New Roman"/>
+                          <a:cs typeface="Times New Roman"/>
+                        </a:rPr>
+                        <a:t>Да</a:t>
+                      </a:r>
+                      <a:endParaRPr sz="2000">
+                        <a:latin typeface="Times New Roman"/>
+                        <a:cs typeface="Times New Roman"/>
+                      </a:endParaRPr>
+                    </a:p>
+                  </a:txBody>
+                  <a:tcPr vert="horz" anchor="ctr">
+                    <a:lnT w="19049" algn="ctr">
+                      <a:solidFill>
+                        <a:srgbClr val="000000"/>
+                      </a:solidFill>
+                    </a:lnT>
+                  </a:tcPr>
+                </a:tc>
+                <a:tc>
+                  <a:txBody>
+                    <a:bodyPr/>
+                    <a:p>
+                      <a:pPr indent="0" algn="ctr">
+                        <a:lnSpc>
+                          <a:spcPct val="100000"/>
+                        </a:lnSpc>
+                        <a:defRPr/>
+                      </a:pPr>
+                      <a:r>
+                        <a:rPr sz="1400">
+                          <a:latin typeface="Times New Roman"/>
+                          <a:cs typeface="Times New Roman"/>
+                        </a:rPr>
+                        <a:t>Да</a:t>
+                      </a:r>
+                      <a:endParaRPr sz="2000">
+                        <a:latin typeface="Times New Roman"/>
+                        <a:cs typeface="Times New Roman"/>
+                      </a:endParaRPr>
+                    </a:p>
+                  </a:txBody>
+                  <a:tcPr vert="horz" anchor="ctr">
+                    <a:lnT w="19049" algn="ctr">
+                      <a:solidFill>
+                        <a:srgbClr val="000000"/>
+                      </a:solidFill>
+                    </a:lnT>
+                  </a:tcPr>
+                </a:tc>
+                <a:tc>
+                  <a:txBody>
+                    <a:bodyPr/>
+                    <a:p>
+                      <a:pPr indent="0" algn="ctr">
+                        <a:lnSpc>
+                          <a:spcPct val="100000"/>
+                        </a:lnSpc>
+                        <a:defRPr/>
+                      </a:pPr>
+                      <a:r>
+                        <a:rPr sz="1400">
+                          <a:latin typeface="Times New Roman"/>
+                          <a:cs typeface="Times New Roman"/>
+                        </a:rPr>
+                        <a:t>Да</a:t>
+                      </a:r>
+                      <a:endParaRPr sz="2000">
+                        <a:latin typeface="Times New Roman"/>
+                        <a:cs typeface="Times New Roman"/>
+                      </a:endParaRPr>
+                    </a:p>
+                  </a:txBody>
+                  <a:tcPr vert="horz" anchor="ctr">
+                    <a:lnT w="19049" algn="ctr">
+                      <a:solidFill>
+                        <a:srgbClr val="000000"/>
+                      </a:solidFill>
+                    </a:lnT>
+                  </a:tcPr>
+                </a:tc>
+              </a:tr>
+              <a:tr h="437466">
+                <a:tc>
+                  <a:txBody>
+                    <a:bodyPr/>
+                    <a:p>
+                      <a:pPr indent="0" algn="ctr">
+                        <a:lnSpc>
+                          <a:spcPct val="100000"/>
+                        </a:lnSpc>
+                        <a:defRPr/>
+                      </a:pPr>
+                      <a:r>
+                        <a:rPr sz="1400">
+                          <a:latin typeface="Times New Roman"/>
+                          <a:cs typeface="Times New Roman"/>
+                        </a:rPr>
+                        <a:t>Управление полетом дрона</a:t>
+                      </a:r>
+                      <a:endParaRPr sz="2000">
+                        <a:latin typeface="Times New Roman"/>
+                        <a:cs typeface="Times New Roman"/>
+                      </a:endParaRPr>
+                    </a:p>
+                  </a:txBody>
+                  <a:tcPr vert="horz" anchor="ctr">
+                    <a:lnL w="19049" algn="ctr">
+                      <a:solidFill>
+                        <a:srgbClr val="000000"/>
+                      </a:solidFill>
+                    </a:lnL>
+                    <a:lnR w="19049" algn="ctr">
+                      <a:solidFill>
+                        <a:srgbClr val="000000"/>
+                      </a:solidFill>
+                    </a:lnR>
+                    <a:lnT w="19049" algn="ctr">
+                      <a:solidFill>
+                        <a:srgbClr val="000000"/>
+                      </a:solidFill>
+                    </a:lnT>
+                    <a:lnB w="19049" algn="ctr">
+                      <a:solidFill>
+                        <a:srgbClr val="000000"/>
+                      </a:solidFill>
+                    </a:lnB>
+                  </a:tcPr>
+                </a:tc>
+                <a:tc>
+                  <a:txBody>
+                    <a:bodyPr/>
+                    <a:p>
+                      <a:pPr indent="0" algn="ctr">
+                        <a:lnSpc>
+                          <a:spcPct val="100000"/>
+                        </a:lnSpc>
+                        <a:defRPr/>
+                      </a:pPr>
+                      <a:r>
+                        <a:rPr sz="1400">
+                          <a:latin typeface="Times New Roman"/>
+                          <a:cs typeface="Times New Roman"/>
+                        </a:rPr>
+                        <a:t>Да</a:t>
+                      </a:r>
+                      <a:endParaRPr sz="2000">
+                        <a:latin typeface="Times New Roman"/>
+                        <a:cs typeface="Times New Roman"/>
+                      </a:endParaRPr>
+                    </a:p>
+                  </a:txBody>
+                  <a:tcPr vert="horz" anchor="ctr">
+                    <a:lnL w="19049" algn="ctr">
+                      <a:solidFill>
+                        <a:srgbClr val="000000"/>
+                      </a:solidFill>
+                    </a:lnL>
+                  </a:tcPr>
+                </a:tc>
+                <a:tc>
+                  <a:txBody>
+                    <a:bodyPr/>
+                    <a:p>
+                      <a:pPr indent="0" algn="ctr">
+                        <a:lnSpc>
+                          <a:spcPct val="100000"/>
+                        </a:lnSpc>
+                        <a:defRPr/>
+                      </a:pPr>
+                      <a:r>
+                        <a:rPr sz="1400">
+                          <a:latin typeface="Times New Roman"/>
+                          <a:cs typeface="Times New Roman"/>
+                        </a:rPr>
+                        <a:t>Да</a:t>
+                      </a:r>
+                      <a:endParaRPr sz="2000">
+                        <a:latin typeface="Times New Roman"/>
+                        <a:cs typeface="Times New Roman"/>
+                      </a:endParaRPr>
+                    </a:p>
+                  </a:txBody>
+                  <a:tcPr vert="horz" anchor="ctr"/>
+                </a:tc>
+                <a:tc>
+                  <a:txBody>
+                    <a:bodyPr/>
+                    <a:p>
+                      <a:pPr indent="0" algn="ctr">
+                        <a:lnSpc>
+                          <a:spcPct val="100000"/>
+                        </a:lnSpc>
+                        <a:defRPr/>
+                      </a:pPr>
+                      <a:r>
+                        <a:rPr sz="1400">
+                          <a:latin typeface="Times New Roman"/>
+                          <a:cs typeface="Times New Roman"/>
+                        </a:rPr>
+                        <a:t>Да</a:t>
+                      </a:r>
+                      <a:endParaRPr sz="2000">
+                        <a:latin typeface="Times New Roman"/>
+                        <a:cs typeface="Times New Roman"/>
+                      </a:endParaRPr>
+                    </a:p>
+                  </a:txBody>
+                  <a:tcPr vert="horz" anchor="ctr"/>
+                </a:tc>
+                <a:tc>
+                  <a:txBody>
+                    <a:bodyPr/>
+                    <a:p>
+                      <a:pPr indent="0" algn="ctr">
+                        <a:lnSpc>
+                          <a:spcPct val="100000"/>
+                        </a:lnSpc>
+                        <a:defRPr/>
+                      </a:pPr>
+                      <a:r>
+                        <a:rPr sz="1400">
+                          <a:latin typeface="Times New Roman"/>
+                          <a:cs typeface="Times New Roman"/>
+                        </a:rPr>
+                        <a:t>Да</a:t>
+                      </a:r>
+                      <a:endParaRPr sz="2000">
+                        <a:latin typeface="Times New Roman"/>
+                        <a:cs typeface="Times New Roman"/>
+                      </a:endParaRPr>
+                    </a:p>
+                  </a:txBody>
+                  <a:tcPr vert="horz" anchor="ctr"/>
+                </a:tc>
+              </a:tr>
+              <a:tr h="607722">
+                <a:tc>
+                  <a:txBody>
+                    <a:bodyPr/>
+                    <a:p>
+                      <a:pPr indent="0" algn="ctr">
+                        <a:lnSpc>
+                          <a:spcPct val="100000"/>
+                        </a:lnSpc>
+                        <a:defRPr/>
+                      </a:pPr>
+                      <a:r>
+                        <a:rPr sz="1400">
+                          <a:latin typeface="Times New Roman"/>
+                          <a:cs typeface="Times New Roman"/>
+                        </a:rPr>
+                        <a:t>Обработка полученных данных</a:t>
+                      </a:r>
+                      <a:endParaRPr sz="2000">
+                        <a:latin typeface="Times New Roman"/>
+                        <a:cs typeface="Times New Roman"/>
+                      </a:endParaRPr>
+                    </a:p>
+                  </a:txBody>
+                  <a:tcPr vert="horz" anchor="ctr">
+                    <a:lnL w="19049" algn="ctr">
+                      <a:solidFill>
+                        <a:srgbClr val="000000"/>
+                      </a:solidFill>
+                    </a:lnL>
+                    <a:lnR w="19049" algn="ctr">
+                      <a:solidFill>
+                        <a:srgbClr val="000000"/>
+                      </a:solidFill>
+                    </a:lnR>
+                    <a:lnT w="19049" algn="ctr">
+                      <a:solidFill>
+                        <a:srgbClr val="000000"/>
+                      </a:solidFill>
+                    </a:lnT>
+                    <a:lnB w="19049" algn="ctr">
+                      <a:solidFill>
+                        <a:srgbClr val="000000"/>
+                      </a:solidFill>
+                    </a:lnB>
+                  </a:tcPr>
+                </a:tc>
+                <a:tc>
+                  <a:txBody>
+                    <a:bodyPr/>
+                    <a:p>
+                      <a:pPr indent="0" algn="ctr">
+                        <a:lnSpc>
+                          <a:spcPct val="100000"/>
+                        </a:lnSpc>
+                        <a:defRPr/>
+                      </a:pPr>
+                      <a:r>
+                        <a:rPr sz="1400">
+                          <a:latin typeface="Times New Roman"/>
+                          <a:cs typeface="Times New Roman"/>
+                        </a:rPr>
+                        <a:t>Да</a:t>
+                      </a:r>
+                      <a:endParaRPr sz="2000">
+                        <a:latin typeface="Times New Roman"/>
+                        <a:cs typeface="Times New Roman"/>
+                      </a:endParaRPr>
+                    </a:p>
+                  </a:txBody>
+                  <a:tcPr vert="horz" anchor="ctr">
+                    <a:lnL w="19049" algn="ctr">
+                      <a:solidFill>
+                        <a:srgbClr val="000000"/>
+                      </a:solidFill>
+                    </a:lnL>
+                  </a:tcPr>
+                </a:tc>
+                <a:tc>
+                  <a:txBody>
+                    <a:bodyPr/>
+                    <a:p>
+                      <a:pPr indent="0" algn="ctr">
+                        <a:lnSpc>
+                          <a:spcPct val="100000"/>
+                        </a:lnSpc>
+                        <a:defRPr/>
+                      </a:pPr>
+                      <a:r>
+                        <a:rPr sz="1400">
+                          <a:latin typeface="Times New Roman"/>
+                          <a:cs typeface="Times New Roman"/>
+                        </a:rPr>
+                        <a:t>Да</a:t>
+                      </a:r>
+                      <a:endParaRPr sz="2000">
+                        <a:latin typeface="Times New Roman"/>
+                        <a:cs typeface="Times New Roman"/>
+                      </a:endParaRPr>
+                    </a:p>
+                  </a:txBody>
+                  <a:tcPr vert="horz" anchor="ctr"/>
+                </a:tc>
+                <a:tc>
+                  <a:txBody>
+                    <a:bodyPr/>
+                    <a:p>
+                      <a:pPr indent="0" algn="ctr">
+                        <a:lnSpc>
+                          <a:spcPct val="100000"/>
+                        </a:lnSpc>
+                        <a:defRPr/>
+                      </a:pPr>
+                      <a:r>
+                        <a:rPr sz="1400">
+                          <a:latin typeface="Times New Roman"/>
+                          <a:cs typeface="Times New Roman"/>
+                        </a:rPr>
+                        <a:t>Да</a:t>
+                      </a:r>
+                      <a:endParaRPr sz="2000">
+                        <a:latin typeface="Times New Roman"/>
+                        <a:cs typeface="Times New Roman"/>
+                      </a:endParaRPr>
+                    </a:p>
+                  </a:txBody>
+                  <a:tcPr vert="horz" anchor="ctr"/>
+                </a:tc>
+                <a:tc>
+                  <a:txBody>
+                    <a:bodyPr/>
+                    <a:p>
+                      <a:pPr indent="0" algn="ctr">
+                        <a:lnSpc>
+                          <a:spcPct val="100000"/>
+                        </a:lnSpc>
+                        <a:defRPr/>
+                      </a:pPr>
+                      <a:r>
+                        <a:rPr sz="1400">
+                          <a:latin typeface="Times New Roman"/>
+                          <a:cs typeface="Times New Roman"/>
+                        </a:rPr>
+                        <a:t>Да</a:t>
+                      </a:r>
+                      <a:endParaRPr sz="2000">
+                        <a:latin typeface="Times New Roman"/>
+                        <a:cs typeface="Times New Roman"/>
+                      </a:endParaRPr>
+                    </a:p>
+                  </a:txBody>
+                  <a:tcPr vert="horz" anchor="ctr"/>
+                </a:tc>
+              </a:tr>
+              <a:tr h="437466">
+                <a:tc>
+                  <a:txBody>
+                    <a:bodyPr/>
+                    <a:p>
+                      <a:pPr indent="0" algn="ctr">
+                        <a:lnSpc>
+                          <a:spcPct val="100000"/>
+                        </a:lnSpc>
+                        <a:defRPr/>
+                      </a:pPr>
+                      <a:r>
+                        <a:rPr sz="1400">
+                          <a:latin typeface="Times New Roman"/>
+                          <a:cs typeface="Times New Roman"/>
+                        </a:rPr>
+                        <a:t>Визуализация карты</a:t>
+                      </a:r>
+                      <a:endParaRPr sz="2000">
+                        <a:latin typeface="Times New Roman"/>
+                        <a:cs typeface="Times New Roman"/>
+                      </a:endParaRPr>
+                    </a:p>
+                  </a:txBody>
+                  <a:tcPr vert="horz" anchor="ctr">
+                    <a:lnL w="19049" algn="ctr">
+                      <a:solidFill>
+                        <a:srgbClr val="000000"/>
+                      </a:solidFill>
+                    </a:lnL>
+                    <a:lnR w="19049" algn="ctr">
+                      <a:solidFill>
+                        <a:srgbClr val="000000"/>
+                      </a:solidFill>
+                    </a:lnR>
+                    <a:lnT w="19049" algn="ctr">
+                      <a:solidFill>
+                        <a:srgbClr val="000000"/>
+                      </a:solidFill>
+                    </a:lnT>
+                    <a:lnB w="19049" algn="ctr">
+                      <a:solidFill>
+                        <a:srgbClr val="000000"/>
+                      </a:solidFill>
+                    </a:lnB>
+                  </a:tcPr>
+                </a:tc>
+                <a:tc>
+                  <a:txBody>
+                    <a:bodyPr/>
+                    <a:p>
+                      <a:pPr indent="0" algn="ctr">
+                        <a:lnSpc>
+                          <a:spcPct val="100000"/>
+                        </a:lnSpc>
+                        <a:defRPr/>
+                      </a:pPr>
+                      <a:r>
+                        <a:rPr sz="1400">
+                          <a:latin typeface="Times New Roman"/>
+                          <a:cs typeface="Times New Roman"/>
+                        </a:rPr>
+                        <a:t>Да</a:t>
+                      </a:r>
+                      <a:endParaRPr sz="2000">
+                        <a:latin typeface="Times New Roman"/>
+                        <a:cs typeface="Times New Roman"/>
+                      </a:endParaRPr>
+                    </a:p>
+                  </a:txBody>
+                  <a:tcPr vert="horz" anchor="ctr">
+                    <a:lnL w="19049" algn="ctr">
+                      <a:solidFill>
+                        <a:srgbClr val="000000"/>
+                      </a:solidFill>
+                    </a:lnL>
+                  </a:tcPr>
+                </a:tc>
+                <a:tc>
+                  <a:txBody>
+                    <a:bodyPr/>
+                    <a:p>
+                      <a:pPr indent="0" algn="ctr">
+                        <a:lnSpc>
+                          <a:spcPct val="100000"/>
+                        </a:lnSpc>
+                        <a:defRPr/>
+                      </a:pPr>
+                      <a:r>
+                        <a:rPr sz="1400">
+                          <a:latin typeface="Times New Roman"/>
+                          <a:cs typeface="Times New Roman"/>
+                        </a:rPr>
+                        <a:t>Да</a:t>
+                      </a:r>
+                      <a:endParaRPr sz="2000">
+                        <a:latin typeface="Times New Roman"/>
+                        <a:cs typeface="Times New Roman"/>
+                      </a:endParaRPr>
+                    </a:p>
+                  </a:txBody>
+                  <a:tcPr vert="horz" anchor="ctr"/>
+                </a:tc>
+                <a:tc>
+                  <a:txBody>
+                    <a:bodyPr/>
+                    <a:p>
+                      <a:pPr indent="0" algn="ctr">
+                        <a:lnSpc>
+                          <a:spcPct val="100000"/>
+                        </a:lnSpc>
+                        <a:defRPr/>
+                      </a:pPr>
+                      <a:r>
+                        <a:rPr sz="1400">
+                          <a:latin typeface="Times New Roman"/>
+                          <a:cs typeface="Times New Roman"/>
+                        </a:rPr>
+                        <a:t>Да</a:t>
+                      </a:r>
+                      <a:endParaRPr sz="2000">
+                        <a:latin typeface="Times New Roman"/>
+                        <a:cs typeface="Times New Roman"/>
+                      </a:endParaRPr>
+                    </a:p>
+                  </a:txBody>
+                  <a:tcPr vert="horz" anchor="ctr"/>
+                </a:tc>
+                <a:tc>
+                  <a:txBody>
+                    <a:bodyPr/>
+                    <a:p>
+                      <a:pPr indent="0" algn="ctr">
+                        <a:lnSpc>
+                          <a:spcPct val="100000"/>
+                        </a:lnSpc>
+                        <a:defRPr/>
+                      </a:pPr>
+                      <a:r>
+                        <a:rPr sz="1400">
+                          <a:latin typeface="Times New Roman"/>
+                          <a:cs typeface="Times New Roman"/>
+                        </a:rPr>
+                        <a:t>Да</a:t>
+                      </a:r>
+                      <a:endParaRPr sz="2000">
+                        <a:latin typeface="Times New Roman"/>
+                        <a:cs typeface="Times New Roman"/>
+                      </a:endParaRPr>
+                    </a:p>
+                  </a:txBody>
+                  <a:tcPr vert="horz" anchor="ctr"/>
+                </a:tc>
+              </a:tr>
+              <a:tr h="732648">
+                <a:tc>
+                  <a:txBody>
+                    <a:bodyPr/>
+                    <a:p>
+                      <a:pPr indent="0" algn="ctr">
+                        <a:lnSpc>
+                          <a:spcPct val="100000"/>
+                        </a:lnSpc>
+                        <a:defRPr/>
+                      </a:pPr>
+                      <a:r>
+                        <a:rPr sz="1400">
+                          <a:latin typeface="Times New Roman"/>
+                          <a:cs typeface="Times New Roman"/>
+                        </a:rPr>
+                        <a:t>Ограниченный ряд поддерживаемых дронов</a:t>
+                      </a:r>
+                      <a:endParaRPr sz="2000">
+                        <a:latin typeface="Times New Roman"/>
+                        <a:cs typeface="Times New Roman"/>
+                      </a:endParaRPr>
+                    </a:p>
+                  </a:txBody>
+                  <a:tcPr vert="horz" anchor="ctr">
+                    <a:lnL w="19049" algn="ctr">
+                      <a:solidFill>
+                        <a:srgbClr val="000000"/>
+                      </a:solidFill>
+                    </a:lnL>
+                    <a:lnR w="19049" algn="ctr">
+                      <a:solidFill>
+                        <a:srgbClr val="000000"/>
+                      </a:solidFill>
+                    </a:lnR>
+                    <a:lnT w="19049" algn="ctr">
+                      <a:solidFill>
+                        <a:srgbClr val="000000"/>
+                      </a:solidFill>
+                    </a:lnT>
+                    <a:lnB w="19049" algn="ctr">
+                      <a:solidFill>
+                        <a:srgbClr val="000000"/>
+                      </a:solidFill>
+                    </a:lnB>
+                  </a:tcPr>
+                </a:tc>
+                <a:tc>
+                  <a:txBody>
+                    <a:bodyPr/>
+                    <a:p>
+                      <a:pPr indent="0" algn="ctr">
+                        <a:lnSpc>
+                          <a:spcPct val="100000"/>
+                        </a:lnSpc>
+                        <a:defRPr/>
+                      </a:pPr>
+                      <a:r>
+                        <a:rPr sz="1400">
+                          <a:latin typeface="Times New Roman"/>
+                          <a:cs typeface="Times New Roman"/>
+                        </a:rPr>
+                        <a:t>Да</a:t>
+                      </a:r>
+                      <a:endParaRPr sz="2000">
+                        <a:latin typeface="Times New Roman"/>
+                        <a:cs typeface="Times New Roman"/>
+                      </a:endParaRPr>
+                    </a:p>
+                  </a:txBody>
+                  <a:tcPr vert="horz" anchor="ctr">
+                    <a:lnL w="19049" algn="ctr">
+                      <a:solidFill>
+                        <a:srgbClr val="000000"/>
+                      </a:solidFill>
+                    </a:lnL>
+                  </a:tcPr>
+                </a:tc>
+                <a:tc>
+                  <a:txBody>
+                    <a:bodyPr/>
+                    <a:p>
+                      <a:pPr indent="0" algn="ctr">
+                        <a:lnSpc>
+                          <a:spcPct val="100000"/>
+                        </a:lnSpc>
+                        <a:defRPr/>
+                      </a:pPr>
+                      <a:r>
+                        <a:rPr sz="1400">
+                          <a:latin typeface="Times New Roman"/>
+                          <a:cs typeface="Times New Roman"/>
+                        </a:rPr>
+                        <a:t>Да</a:t>
+                      </a:r>
+                      <a:endParaRPr sz="2000">
+                        <a:latin typeface="Times New Roman"/>
+                        <a:cs typeface="Times New Roman"/>
+                      </a:endParaRPr>
+                    </a:p>
+                  </a:txBody>
+                  <a:tcPr vert="horz" anchor="ctr"/>
+                </a:tc>
+                <a:tc>
+                  <a:txBody>
+                    <a:bodyPr/>
+                    <a:p>
+                      <a:pPr indent="0" algn="ctr">
+                        <a:lnSpc>
+                          <a:spcPct val="100000"/>
+                        </a:lnSpc>
+                        <a:defRPr/>
+                      </a:pPr>
+                      <a:r>
+                        <a:rPr sz="1400">
+                          <a:latin typeface="Times New Roman"/>
+                          <a:cs typeface="Times New Roman"/>
+                        </a:rPr>
+                        <a:t>Да</a:t>
+                      </a:r>
+                      <a:endParaRPr sz="2000">
+                        <a:latin typeface="Times New Roman"/>
+                        <a:cs typeface="Times New Roman"/>
+                      </a:endParaRPr>
+                    </a:p>
+                  </a:txBody>
+                  <a:tcPr vert="horz" anchor="ctr"/>
+                </a:tc>
+                <a:tc>
+                  <a:txBody>
+                    <a:bodyPr/>
+                    <a:p>
+                      <a:pPr indent="0" algn="ctr">
+                        <a:lnSpc>
+                          <a:spcPct val="100000"/>
+                        </a:lnSpc>
+                        <a:defRPr/>
+                      </a:pPr>
+                      <a:r>
+                        <a:rPr sz="1400">
+                          <a:latin typeface="Times New Roman"/>
+                          <a:cs typeface="Times New Roman"/>
+                        </a:rPr>
+                        <a:t>Да</a:t>
+                      </a:r>
+                      <a:endParaRPr sz="2000">
+                        <a:latin typeface="Times New Roman"/>
+                        <a:cs typeface="Times New Roman"/>
+                      </a:endParaRPr>
+                    </a:p>
+                  </a:txBody>
+                  <a:tcPr vert="horz" anchor="ctr"/>
+                </a:tc>
+              </a:tr>
+              <a:tr h="607722">
+                <a:tc>
+                  <a:txBody>
+                    <a:bodyPr/>
+                    <a:p>
+                      <a:pPr indent="0" algn="ctr">
+                        <a:lnSpc>
+                          <a:spcPct val="100000"/>
+                        </a:lnSpc>
+                        <a:defRPr/>
+                      </a:pPr>
+                      <a:r>
+                        <a:rPr sz="1400">
+                          <a:latin typeface="Times New Roman"/>
+                          <a:cs typeface="Times New Roman"/>
+                        </a:rPr>
+                        <a:t>Добавление собственных дронов</a:t>
+                      </a:r>
+                      <a:endParaRPr sz="2000">
+                        <a:latin typeface="Times New Roman"/>
+                        <a:cs typeface="Times New Roman"/>
+                      </a:endParaRPr>
+                    </a:p>
+                  </a:txBody>
+                  <a:tcPr vert="horz" anchor="ctr">
+                    <a:lnL w="19049" algn="ctr">
+                      <a:solidFill>
+                        <a:srgbClr val="000000"/>
+                      </a:solidFill>
+                    </a:lnL>
+                    <a:lnR w="19049" algn="ctr">
+                      <a:solidFill>
+                        <a:srgbClr val="000000"/>
+                      </a:solidFill>
+                    </a:lnR>
+                    <a:lnT w="19049" algn="ctr">
+                      <a:solidFill>
+                        <a:srgbClr val="000000"/>
+                      </a:solidFill>
+                    </a:lnT>
+                    <a:lnB w="19049" algn="ctr">
+                      <a:solidFill>
+                        <a:srgbClr val="000000"/>
+                      </a:solidFill>
+                    </a:lnB>
+                  </a:tcPr>
+                </a:tc>
+                <a:tc>
+                  <a:txBody>
+                    <a:bodyPr/>
+                    <a:p>
+                      <a:pPr indent="0" algn="ctr">
+                        <a:lnSpc>
+                          <a:spcPct val="100000"/>
+                        </a:lnSpc>
+                        <a:defRPr/>
+                      </a:pPr>
+                      <a:r>
+                        <a:rPr sz="1400">
+                          <a:latin typeface="Times New Roman"/>
+                          <a:cs typeface="Times New Roman"/>
+                        </a:rPr>
+                        <a:t>Ограничение функционала</a:t>
+                      </a:r>
+                      <a:endParaRPr sz="2000">
+                        <a:latin typeface="Times New Roman"/>
+                        <a:cs typeface="Times New Roman"/>
+                      </a:endParaRPr>
+                    </a:p>
+                  </a:txBody>
+                  <a:tcPr vert="horz" anchor="ctr">
+                    <a:lnL w="19049" algn="ctr">
+                      <a:solidFill>
+                        <a:srgbClr val="000000"/>
+                      </a:solidFill>
+                    </a:lnL>
+                  </a:tcPr>
+                </a:tc>
+                <a:tc>
+                  <a:txBody>
+                    <a:bodyPr/>
+                    <a:p>
+                      <a:pPr indent="0" algn="ctr">
+                        <a:lnSpc>
+                          <a:spcPct val="100000"/>
+                        </a:lnSpc>
+                        <a:defRPr/>
+                      </a:pPr>
+                      <a:r>
+                        <a:rPr sz="1400">
+                          <a:latin typeface="Times New Roman"/>
+                          <a:cs typeface="Times New Roman"/>
+                        </a:rPr>
+                        <a:t>Ограничение функционала</a:t>
+                      </a:r>
+                      <a:endParaRPr sz="2000">
+                        <a:latin typeface="Times New Roman"/>
+                        <a:cs typeface="Times New Roman"/>
+                      </a:endParaRPr>
+                    </a:p>
+                  </a:txBody>
+                  <a:tcPr vert="horz" anchor="ctr"/>
+                </a:tc>
+                <a:tc>
+                  <a:txBody>
+                    <a:bodyPr/>
+                    <a:p>
+                      <a:pPr indent="0" algn="ctr">
+                        <a:lnSpc>
+                          <a:spcPct val="100000"/>
+                        </a:lnSpc>
+                        <a:defRPr/>
+                      </a:pPr>
+                      <a:r>
+                        <a:rPr sz="1400">
+                          <a:latin typeface="Times New Roman"/>
+                          <a:cs typeface="Times New Roman"/>
+                        </a:rPr>
+                        <a:t>Нет</a:t>
+                      </a:r>
+                      <a:endParaRPr sz="2000">
+                        <a:latin typeface="Times New Roman"/>
+                        <a:cs typeface="Times New Roman"/>
+                      </a:endParaRPr>
+                    </a:p>
+                  </a:txBody>
+                  <a:tcPr vert="horz" anchor="ctr"/>
+                </a:tc>
+                <a:tc>
+                  <a:txBody>
+                    <a:bodyPr/>
+                    <a:p>
+                      <a:pPr indent="0" algn="ctr">
+                        <a:lnSpc>
+                          <a:spcPct val="100000"/>
+                        </a:lnSpc>
+                        <a:defRPr/>
+                      </a:pPr>
+                      <a:r>
+                        <a:rPr lang="ru-RU" sz="1400">
+                          <a:latin typeface="Times New Roman"/>
+                          <a:cs typeface="Times New Roman"/>
+                        </a:rPr>
+                        <a:t>Ограничение функционала</a:t>
+                      </a:r>
+                      <a:endParaRPr sz="2000">
+                        <a:latin typeface="Times New Roman"/>
+                        <a:cs typeface="Times New Roman"/>
+                      </a:endParaRPr>
+                    </a:p>
+                  </a:txBody>
+                  <a:tcPr vert="horz" anchor="ctr"/>
+                </a:tc>
+              </a:tr>
+              <a:tr h="732648">
+                <a:tc>
+                  <a:txBody>
+                    <a:bodyPr/>
+                    <a:p>
+                      <a:pPr indent="0" algn="ctr">
+                        <a:lnSpc>
+                          <a:spcPct val="100000"/>
+                        </a:lnSpc>
+                        <a:defRPr/>
+                      </a:pPr>
+                      <a:r>
+                        <a:rPr sz="1400">
+                          <a:latin typeface="Times New Roman"/>
+                          <a:cs typeface="Times New Roman"/>
+                        </a:rPr>
+                        <a:t>Поддержка OC</a:t>
+                      </a:r>
+                      <a:endParaRPr sz="2000">
+                        <a:latin typeface="Times New Roman"/>
+                        <a:cs typeface="Times New Roman"/>
+                      </a:endParaRPr>
+                    </a:p>
+                  </a:txBody>
+                  <a:tcPr vert="horz" anchor="ctr">
+                    <a:lnL w="19049" algn="ctr">
+                      <a:solidFill>
+                        <a:srgbClr val="000000"/>
+                      </a:solidFill>
+                    </a:lnL>
+                    <a:lnR w="19049" algn="ctr">
+                      <a:solidFill>
+                        <a:srgbClr val="000000"/>
+                      </a:solidFill>
+                    </a:lnR>
+                    <a:lnT w="19049" algn="ctr">
+                      <a:solidFill>
+                        <a:srgbClr val="000000"/>
+                      </a:solidFill>
+                    </a:lnT>
+                    <a:lnB w="19049" algn="ctr">
+                      <a:solidFill>
+                        <a:srgbClr val="000000"/>
+                      </a:solidFill>
+                    </a:lnB>
+                  </a:tcPr>
+                </a:tc>
+                <a:tc>
+                  <a:txBody>
+                    <a:bodyPr/>
+                    <a:p>
+                      <a:pPr indent="0" algn="ctr">
+                        <a:lnSpc>
+                          <a:spcPct val="100000"/>
+                        </a:lnSpc>
+                        <a:defRPr/>
+                      </a:pPr>
+                      <a:r>
+                        <a:rPr lang="en-US" sz="1400">
+                          <a:latin typeface="Times New Roman"/>
+                          <a:cs typeface="Times New Roman"/>
+                        </a:rPr>
+                        <a:t>iOS, Android + Windows, macOS, Linux</a:t>
+                      </a:r>
+                      <a:endParaRPr sz="2000">
+                        <a:latin typeface="Times New Roman"/>
+                        <a:cs typeface="Times New Roman"/>
+                      </a:endParaRPr>
+                    </a:p>
+                  </a:txBody>
+                  <a:tcPr vert="horz" anchor="ctr">
+                    <a:lnL w="19049" algn="ctr">
+                      <a:solidFill>
+                        <a:srgbClr val="000000"/>
+                      </a:solidFill>
+                    </a:lnL>
+                  </a:tcPr>
+                </a:tc>
+                <a:tc>
+                  <a:txBody>
+                    <a:bodyPr/>
+                    <a:p>
+                      <a:pPr indent="0" algn="ctr">
+                        <a:lnSpc>
+                          <a:spcPct val="100000"/>
+                        </a:lnSpc>
+                        <a:defRPr/>
+                      </a:pPr>
+                      <a:r>
+                        <a:rPr lang="en-US" sz="1400">
+                          <a:latin typeface="Times New Roman"/>
+                          <a:cs typeface="Times New Roman"/>
+                        </a:rPr>
+                        <a:t>iOS, Android + Windows, macOS, Linux</a:t>
+                      </a:r>
+                      <a:endParaRPr sz="2000">
+                        <a:latin typeface="Times New Roman"/>
+                        <a:cs typeface="Times New Roman"/>
+                      </a:endParaRPr>
+                    </a:p>
+                  </a:txBody>
+                  <a:tcPr vert="horz" anchor="ctr"/>
+                </a:tc>
+                <a:tc>
+                  <a:txBody>
+                    <a:bodyPr/>
+                    <a:p>
+                      <a:pPr indent="0" algn="ctr">
+                        <a:lnSpc>
+                          <a:spcPct val="100000"/>
+                        </a:lnSpc>
+                        <a:defRPr/>
+                      </a:pPr>
+                      <a:r>
+                        <a:rPr sz="1400">
+                          <a:latin typeface="Times New Roman"/>
+                          <a:cs typeface="Times New Roman"/>
+                        </a:rPr>
+                        <a:t>iOS</a:t>
+                      </a:r>
+                      <a:r>
+                        <a:rPr sz="1400">
+                          <a:latin typeface="Times New Roman"/>
+                          <a:cs typeface="Times New Roman"/>
+                        </a:rPr>
+                        <a:t>, </a:t>
+                      </a:r>
+                      <a:r>
+                        <a:rPr sz="1400">
+                          <a:latin typeface="Times New Roman"/>
+                          <a:cs typeface="Times New Roman"/>
+                        </a:rPr>
+                        <a:t>Android</a:t>
+                      </a:r>
+                      <a:endParaRPr sz="2000">
+                        <a:latin typeface="Times New Roman"/>
+                        <a:cs typeface="Times New Roman"/>
+                      </a:endParaRPr>
+                    </a:p>
+                  </a:txBody>
+                  <a:tcPr vert="horz" anchor="ctr"/>
+                </a:tc>
+                <a:tc>
+                  <a:txBody>
+                    <a:bodyPr/>
+                    <a:p>
+                      <a:pPr indent="0" algn="ctr">
+                        <a:lnSpc>
+                          <a:spcPct val="100000"/>
+                        </a:lnSpc>
+                        <a:defRPr/>
+                      </a:pPr>
+                      <a:r>
+                        <a:rPr sz="1400">
+                          <a:latin typeface="Times New Roman"/>
+                          <a:cs typeface="Times New Roman"/>
+                        </a:rPr>
+                        <a:t>Windows, </a:t>
+                      </a:r>
+                      <a:r>
+                        <a:rPr sz="1400">
+                          <a:latin typeface="Times New Roman"/>
+                          <a:cs typeface="Times New Roman"/>
+                        </a:rPr>
+                        <a:t>macOS</a:t>
+                      </a:r>
+                      <a:r>
+                        <a:rPr sz="1400">
+                          <a:latin typeface="Times New Roman"/>
+                          <a:cs typeface="Times New Roman"/>
+                        </a:rPr>
+                        <a:t>, Linux, </a:t>
+                      </a:r>
+                      <a:r>
+                        <a:rPr sz="1400">
+                          <a:latin typeface="Times New Roman"/>
+                          <a:cs typeface="Times New Roman"/>
+                        </a:rPr>
+                        <a:t>Android</a:t>
+                      </a:r>
+                      <a:endParaRPr sz="2000">
+                        <a:latin typeface="Times New Roman"/>
+                        <a:cs typeface="Times New Roman"/>
+                      </a:endParaRPr>
+                    </a:p>
+                  </a:txBody>
+                  <a:tcPr vert="horz" anchor="ctr"/>
+                </a:tc>
+              </a:tr>
+              <a:tr h="437466">
+                <a:tc>
+                  <a:txBody>
+                    <a:bodyPr/>
+                    <a:p>
+                      <a:pPr indent="0" algn="ctr">
+                        <a:lnSpc>
+                          <a:spcPct val="100000"/>
+                        </a:lnSpc>
+                        <a:defRPr/>
+                      </a:pPr>
+                      <a:r>
+                        <a:rPr sz="1400">
+                          <a:latin typeface="Times New Roman"/>
+                          <a:cs typeface="Times New Roman"/>
+                        </a:rPr>
+                        <a:t>Лицензия</a:t>
+                      </a:r>
+                      <a:endParaRPr sz="2000">
+                        <a:latin typeface="Times New Roman"/>
+                        <a:cs typeface="Times New Roman"/>
+                      </a:endParaRPr>
+                    </a:p>
+                  </a:txBody>
+                  <a:tcPr vert="horz" anchor="ctr">
+                    <a:lnL w="19049" algn="ctr">
+                      <a:solidFill>
+                        <a:srgbClr val="000000"/>
+                      </a:solidFill>
+                    </a:lnL>
+                    <a:lnR w="19049" algn="ctr">
+                      <a:solidFill>
+                        <a:srgbClr val="000000"/>
+                      </a:solidFill>
+                    </a:lnR>
+                    <a:lnT w="19049" algn="ctr">
+                      <a:solidFill>
+                        <a:srgbClr val="000000"/>
+                      </a:solidFill>
+                    </a:lnT>
+                    <a:lnB w="19049" algn="ctr">
+                      <a:solidFill>
+                        <a:srgbClr val="000000"/>
+                      </a:solidFill>
+                    </a:lnB>
+                  </a:tcPr>
+                </a:tc>
+                <a:tc>
+                  <a:txBody>
+                    <a:bodyPr/>
+                    <a:p>
+                      <a:pPr indent="0" algn="ctr">
+                        <a:lnSpc>
+                          <a:spcPct val="100000"/>
+                        </a:lnSpc>
+                        <a:defRPr/>
+                      </a:pPr>
+                      <a:r>
+                        <a:rPr sz="1400">
+                          <a:latin typeface="Times New Roman"/>
+                          <a:cs typeface="Times New Roman"/>
+                        </a:rPr>
+                        <a:t>Проприетарная</a:t>
+                      </a:r>
+                      <a:endParaRPr sz="2000">
+                        <a:latin typeface="Times New Roman"/>
+                        <a:cs typeface="Times New Roman"/>
+                      </a:endParaRPr>
+                    </a:p>
+                  </a:txBody>
+                  <a:tcPr vert="horz" anchor="ctr">
+                    <a:lnL w="19049" algn="ctr">
+                      <a:solidFill>
+                        <a:srgbClr val="000000"/>
+                      </a:solidFill>
+                    </a:lnL>
+                  </a:tcPr>
+                </a:tc>
+                <a:tc>
+                  <a:txBody>
+                    <a:bodyPr/>
+                    <a:p>
+                      <a:pPr indent="0" algn="ctr">
+                        <a:lnSpc>
+                          <a:spcPct val="100000"/>
+                        </a:lnSpc>
+                        <a:defRPr/>
+                      </a:pPr>
+                      <a:r>
+                        <a:rPr sz="1400">
+                          <a:latin typeface="Times New Roman"/>
+                          <a:cs typeface="Times New Roman"/>
+                        </a:rPr>
+                        <a:t>Проприетарная</a:t>
+                      </a:r>
+                      <a:endParaRPr sz="2000">
+                        <a:latin typeface="Times New Roman"/>
+                        <a:cs typeface="Times New Roman"/>
+                      </a:endParaRPr>
+                    </a:p>
+                  </a:txBody>
+                  <a:tcPr vert="horz" anchor="ctr"/>
+                </a:tc>
+                <a:tc>
+                  <a:txBody>
+                    <a:bodyPr/>
+                    <a:p>
+                      <a:pPr indent="0" algn="ctr">
+                        <a:lnSpc>
+                          <a:spcPct val="100000"/>
+                        </a:lnSpc>
+                        <a:defRPr/>
+                      </a:pPr>
+                      <a:r>
+                        <a:rPr sz="1400">
+                          <a:latin typeface="Times New Roman"/>
+                          <a:cs typeface="Times New Roman"/>
+                        </a:rPr>
+                        <a:t>Проприетарная</a:t>
+                      </a:r>
+                      <a:endParaRPr sz="2000">
+                        <a:latin typeface="Times New Roman"/>
+                        <a:cs typeface="Times New Roman"/>
+                      </a:endParaRPr>
+                    </a:p>
+                  </a:txBody>
+                  <a:tcPr vert="horz" anchor="ctr"/>
+                </a:tc>
+                <a:tc>
+                  <a:txBody>
+                    <a:bodyPr/>
+                    <a:p>
+                      <a:pPr indent="0" algn="ctr">
+                        <a:lnSpc>
+                          <a:spcPct val="100000"/>
+                        </a:lnSpc>
+                        <a:defRPr/>
+                      </a:pPr>
+                      <a:r>
+                        <a:rPr sz="1400">
+                          <a:latin typeface="Times New Roman"/>
+                          <a:cs typeface="Times New Roman"/>
+                        </a:rPr>
+                        <a:t>Проприетарная</a:t>
+                      </a:r>
+                      <a:endParaRPr sz="2000">
+                        <a:latin typeface="Times New Roman"/>
+                        <a:cs typeface="Times New Roman"/>
+                      </a:endParaRPr>
+                    </a:p>
+                  </a:txBody>
+                  <a:tcPr vert="horz" anchor="ctr"/>
+                </a:tc>
+              </a:tr>
+              <a:tr h="574899">
+                <a:tc>
+                  <a:txBody>
+                    <a:bodyPr/>
+                    <a:p>
+                      <a:pPr indent="0" algn="ctr">
+                        <a:lnSpc>
+                          <a:spcPct val="100000"/>
+                        </a:lnSpc>
+                        <a:defRPr/>
+                      </a:pPr>
+                      <a:r>
+                        <a:rPr sz="1400">
+                          <a:latin typeface="Times New Roman"/>
+                          <a:cs typeface="Times New Roman"/>
+                        </a:rPr>
+                        <a:t>Стоимость</a:t>
+                      </a:r>
+                      <a:endParaRPr sz="2000">
+                        <a:latin typeface="Times New Roman"/>
+                        <a:cs typeface="Times New Roman"/>
+                      </a:endParaRPr>
+                    </a:p>
+                  </a:txBody>
+                  <a:tcPr vert="horz" anchor="ctr">
+                    <a:lnL w="19049" algn="ctr">
+                      <a:solidFill>
+                        <a:srgbClr val="000000"/>
+                      </a:solidFill>
+                    </a:lnL>
+                    <a:lnR w="19049" algn="ctr">
+                      <a:solidFill>
+                        <a:srgbClr val="000000"/>
+                      </a:solidFill>
+                    </a:lnR>
+                    <a:lnT w="19049" algn="ctr">
+                      <a:solidFill>
+                        <a:srgbClr val="000000"/>
+                      </a:solidFill>
+                    </a:lnT>
+                    <a:lnB w="19049" algn="ctr">
+                      <a:solidFill>
+                        <a:srgbClr val="000000"/>
+                      </a:solidFill>
+                    </a:lnB>
+                  </a:tcPr>
+                </a:tc>
+                <a:tc>
+                  <a:txBody>
+                    <a:bodyPr/>
+                    <a:p>
+                      <a:pPr indent="0" algn="ctr">
+                        <a:lnSpc>
+                          <a:spcPct val="100000"/>
+                        </a:lnSpc>
+                        <a:defRPr/>
+                      </a:pPr>
+                      <a:r>
+                        <a:rPr sz="1400">
+                          <a:latin typeface="Times New Roman"/>
+                          <a:cs typeface="Times New Roman"/>
+                        </a:rPr>
+                        <a:t>$149+/месяц</a:t>
+                      </a:r>
+                      <a:endParaRPr sz="2000">
+                        <a:latin typeface="Times New Roman"/>
+                        <a:cs typeface="Times New Roman"/>
+                      </a:endParaRPr>
+                    </a:p>
+                  </a:txBody>
+                  <a:tcPr vert="horz" anchor="ctr">
+                    <a:lnL w="19049" algn="ctr">
+                      <a:solidFill>
+                        <a:srgbClr val="000000"/>
+                      </a:solidFill>
+                    </a:lnL>
+                  </a:tcPr>
+                </a:tc>
+                <a:tc>
+                  <a:txBody>
+                    <a:bodyPr/>
+                    <a:p>
+                      <a:pPr indent="0" algn="ctr">
+                        <a:lnSpc>
+                          <a:spcPct val="100000"/>
+                        </a:lnSpc>
+                        <a:defRPr/>
+                      </a:pPr>
+                      <a:r>
+                        <a:rPr sz="1400">
+                          <a:latin typeface="Times New Roman"/>
+                          <a:cs typeface="Times New Roman"/>
+                        </a:rPr>
+                        <a:t>$25</a:t>
+                      </a:r>
+                      <a:endParaRPr sz="2000">
+                        <a:latin typeface="Times New Roman"/>
+                        <a:cs typeface="Times New Roman"/>
+                      </a:endParaRPr>
+                    </a:p>
+                  </a:txBody>
+                  <a:tcPr vert="horz" anchor="ctr"/>
+                </a:tc>
+                <a:tc>
+                  <a:txBody>
+                    <a:bodyPr/>
+                    <a:p>
+                      <a:pPr indent="0" algn="ctr">
+                        <a:lnSpc>
+                          <a:spcPct val="100000"/>
+                        </a:lnSpc>
+                        <a:defRPr/>
+                      </a:pPr>
+                      <a:r>
+                        <a:rPr sz="1400">
+                          <a:latin typeface="Times New Roman"/>
+                          <a:cs typeface="Times New Roman"/>
+                        </a:rPr>
+                        <a:t>Бесплатно</a:t>
+                      </a:r>
+                      <a:endParaRPr sz="2000">
+                        <a:latin typeface="Times New Roman"/>
+                        <a:cs typeface="Times New Roman"/>
+                      </a:endParaRPr>
+                    </a:p>
+                  </a:txBody>
+                  <a:tcPr vert="horz" anchor="ctr"/>
+                </a:tc>
+                <a:tc>
+                  <a:txBody>
+                    <a:bodyPr/>
+                    <a:p>
+                      <a:pPr indent="0" algn="ctr">
+                        <a:lnSpc>
+                          <a:spcPct val="100000"/>
+                        </a:lnSpc>
+                        <a:defRPr/>
+                      </a:pPr>
+                      <a:r>
+                        <a:rPr sz="1400">
+                          <a:solidFill>
+                            <a:srgbClr val="000000"/>
+                          </a:solidFill>
+                          <a:latin typeface="Times New Roman"/>
+                          <a:ea typeface="Times New Roman"/>
+                          <a:cs typeface="Times New Roman"/>
+                        </a:rPr>
+                        <a:t>€790</a:t>
+                      </a:r>
+                      <a:r>
+                        <a:rPr sz="1400">
+                          <a:latin typeface="Times New Roman"/>
+                          <a:cs typeface="Times New Roman"/>
+                        </a:rPr>
+                        <a:t>+ или</a:t>
+                      </a:r>
+                      <a:br>
+                        <a:rPr sz="1400">
+                          <a:latin typeface="Times New Roman"/>
+                          <a:cs typeface="Times New Roman"/>
+                        </a:rPr>
+                      </a:br>
+                      <a:r>
+                        <a:rPr sz="1400">
+                          <a:solidFill>
+                            <a:srgbClr val="000000"/>
+                          </a:solidFill>
+                          <a:latin typeface="Times New Roman"/>
+                          <a:ea typeface="Times New Roman"/>
+                          <a:cs typeface="Times New Roman"/>
+                        </a:rPr>
+                        <a:t>€149+/месяц</a:t>
+                      </a:r>
+                      <a:endParaRPr sz="2000">
+                        <a:latin typeface="Times New Roman"/>
+                        <a:cs typeface="Times New Roman"/>
+                      </a:endParaRPr>
+                    </a:p>
+                  </a:txBody>
+                  <a:tcPr vert="horz" anchor="ctr"/>
+                </a:tc>
+              </a:tr>
+            </a:tbl>
+          </a:graphicData>
+        </a:graphic>
+      </p:graphicFrame>
+      <p:sp>
+        <p:nvSpPr>
+          <p:cNvPr id="933628891" name="Slide Number Placeholder 5"/>
+          <p:cNvSpPr>
+            <a:spLocks noGrp="1"/>
+          </p:cNvSpPr>
+          <p:nvPr>
+            <p:ph type="sldNum" sz="quarter" idx="12"/>
+          </p:nvPr>
+        </p:nvSpPr>
+        <p:spPr bwMode="auto"/>
+        <p:txBody>
+          <a:bodyPr/>
+          <a:lstStyle/>
+          <a:p>
+            <a:pPr>
+              <a:defRPr/>
+            </a:pPr>
+            <a:fld id="{EC347720-4710-229A-90E1-F114780D6DE6}" type="slidenum">
+              <a:rPr lang="en-US" sz="1800"/>
+              <a:t/>
+            </a:fld>
+            <a:r>
+              <a:rPr lang="en-US" sz="1800" b="0" i="0" u="none" strike="noStrike" cap="none" spc="0">
+                <a:solidFill>
+                  <a:schemeClr val="tx1">
+                    <a:tint val="75000"/>
+                  </a:schemeClr>
+                </a:solidFill>
+                <a:latin typeface="+mn-lt"/>
+                <a:ea typeface="+mn-ea"/>
+                <a:cs typeface="+mn-cs"/>
+              </a:rPr>
+              <a:t>/18</a:t>
+            </a:r>
+            <a:endParaRPr lang="en-US"/>
+          </a:p>
+        </p:txBody>
+      </p:sp>
     </p:spTree>
   </p:cSld>
   <p:clrMapOvr>
@@ -6524,7 +9149,7 @@
       </p:grpSpPr>
       <p:sp>
         <p:nvSpPr>
-          <p:cNvPr id="32098881" name="Title 1"/>
+          <p:cNvPr id="1739450614" name="Title 1"/>
           <p:cNvSpPr>
             <a:spLocks noGrp="1"/>
           </p:cNvSpPr>
@@ -6539,12 +9164,10 @@
           </a:xfrm>
         </p:spPr>
         <p:txBody>
-          <a:bodyPr vertOverflow="overflow" horzOverflow="overflow" vert="horz" wrap="square" lIns="91440" tIns="45720" rIns="91440" bIns="45720" numCol="1" spcCol="0" rtlCol="0" fromWordArt="0" anchor="ctr" anchorCtr="0" forceAA="0" upright="0" compatLnSpc="0">
-            <a:normAutofit/>
-          </a:bodyPr>
+          <a:bodyPr/>
           <a:lstStyle/>
           <a:p>
-            <a:pPr algn="ctr">
+            <a:pPr marL="0" marR="0" indent="0" algn="ctr">
               <a:defRPr/>
             </a:pPr>
             <a:r>
@@ -6553,10 +9176,9 @@
                   <a:schemeClr val="tx1"/>
                 </a:solidFill>
                 <a:latin typeface="Times New Roman"/>
-                <a:ea typeface="Times New Roman"/>
-                <a:cs typeface="Times New Roman"/>
-              </a:rPr>
-              <a:t>ДИАГРАММА КОМПОНЕНТОВ СИСТЕМЫ</a:t>
+                <a:cs typeface="Times New Roman"/>
+              </a:rPr>
+              <a:t>ДИАГРАММА ВАРИАНТОВ ИСПОЛЬЗОВАНИЯ</a:t>
             </a:r>
             <a:endParaRPr sz="2800" b="1">
               <a:latin typeface="Times New Roman"/>
@@ -6567,7 +9189,7 @@
       </p:sp>
       <p:pic>
         <p:nvPicPr>
-          <p:cNvPr id="1140433430" name=""/>
+          <p:cNvPr id="100547148" name=""/>
           <p:cNvPicPr>
             <a:picLocks noChangeAspect="1"/>
           </p:cNvPicPr>
@@ -6581,14 +9203,53 @@
         </p:blipFill>
         <p:spPr bwMode="auto">
           <a:xfrm rot="0" flipH="0" flipV="0">
-            <a:off x="1448102" y="720000"/>
-            <a:ext cx="6247793" cy="6028370"/>
+            <a:off x="2001367" y="720000"/>
+            <a:ext cx="5141265" cy="5850950"/>
           </a:xfrm>
           <a:prstGeom prst="rect">
             <a:avLst/>
           </a:prstGeom>
         </p:spPr>
       </p:pic>
+      <p:sp>
+        <p:nvSpPr>
+          <p:cNvPr id="2030524338" name="Slide Number Placeholder 5"/>
+          <p:cNvSpPr>
+            <a:spLocks noGrp="1"/>
+          </p:cNvSpPr>
+          <p:nvPr>
+            <p:ph type="sldNum" sz="quarter" idx="12"/>
+          </p:nvPr>
+        </p:nvSpPr>
+        <p:spPr bwMode="auto"/>
+        <p:txBody>
+          <a:bodyPr/>
+          <a:lstStyle/>
+          <a:p>
+            <a:pPr>
+              <a:defRPr/>
+            </a:pPr>
+            <a:fld id="{517E4A08-3B0B-E35D-E7CD-2787AA887376}" type="slidenum">
+              <a:rPr lang="en-US" sz="1800"/>
+              <a:t/>
+            </a:fld>
+            <a:r>
+              <a:rPr lang="en-US" sz="1800" b="0" i="0" u="none" strike="noStrike" cap="none" spc="0">
+                <a:solidFill>
+                  <a:schemeClr val="tx1">
+                    <a:tint val="75000"/>
+                  </a:schemeClr>
+                </a:solidFill>
+                <a:latin typeface="+mn-lt"/>
+                <a:ea typeface="+mn-ea"/>
+                <a:cs typeface="+mn-cs"/>
+              </a:rPr>
+              <a:t>/18</a:t>
+            </a:r>
+            <a:endParaRPr lang="en-US"/>
+          </a:p>
+        </p:txBody>
+      </p:sp>
     </p:spTree>
   </p:cSld>
   <p:clrMapOvr>
@@ -6624,7 +9285,7 @@
       </p:grpSpPr>
       <p:sp>
         <p:nvSpPr>
-          <p:cNvPr id="1327003959" name="Title 1"/>
+          <p:cNvPr id="32098881" name="Title 1"/>
           <p:cNvSpPr>
             <a:spLocks noGrp="1"/>
           </p:cNvSpPr>
@@ -6639,7 +9300,9 @@
           </a:xfrm>
         </p:spPr>
         <p:txBody>
-          <a:bodyPr/>
+          <a:bodyPr vertOverflow="overflow" horzOverflow="overflow" vert="horz" wrap="square" lIns="91440" tIns="45720" rIns="91440" bIns="45720" numCol="1" spcCol="0" rtlCol="0" fromWordArt="0" anchor="ctr" anchorCtr="0" forceAA="0" upright="0" compatLnSpc="0">
+            <a:normAutofit/>
+          </a:bodyPr>
           <a:lstStyle/>
           <a:p>
             <a:pPr algn="ctr">
@@ -6651,9 +9314,10 @@
                   <a:schemeClr val="tx1"/>
                 </a:solidFill>
                 <a:latin typeface="Times New Roman"/>
-                <a:cs typeface="Times New Roman"/>
-              </a:rPr>
-              <a:t>МОДЕЛЬ БАЗЫ ДАННЫХ</a:t>
+                <a:ea typeface="Times New Roman"/>
+                <a:cs typeface="Times New Roman"/>
+              </a:rPr>
+              <a:t>ДИАГРАММА КОМПОНЕНТОВ СИСТЕМЫ</a:t>
             </a:r>
             <a:endParaRPr sz="2800" b="1">
               <a:latin typeface="Times New Roman"/>
@@ -6664,7 +9328,7 @@
       </p:sp>
       <p:pic>
         <p:nvPicPr>
-          <p:cNvPr id="129113563" name=""/>
+          <p:cNvPr id="1140433430" name=""/>
           <p:cNvPicPr>
             <a:picLocks noChangeAspect="1"/>
           </p:cNvPicPr>
@@ -6678,14 +9342,53 @@
         </p:blipFill>
         <p:spPr bwMode="auto">
           <a:xfrm rot="0" flipH="0" flipV="0">
-            <a:off x="60894" y="1317926"/>
-            <a:ext cx="9022211" cy="4518143"/>
+            <a:off x="1448102" y="720000"/>
+            <a:ext cx="6247793" cy="6028370"/>
           </a:xfrm>
           <a:prstGeom prst="rect">
             <a:avLst/>
           </a:prstGeom>
         </p:spPr>
       </p:pic>
+      <p:sp>
+        <p:nvSpPr>
+          <p:cNvPr id="1369521703" name="Slide Number Placeholder 5"/>
+          <p:cNvSpPr>
+            <a:spLocks noGrp="1"/>
+          </p:cNvSpPr>
+          <p:nvPr>
+            <p:ph type="sldNum" sz="quarter" idx="12"/>
+          </p:nvPr>
+        </p:nvSpPr>
+        <p:spPr bwMode="auto"/>
+        <p:txBody>
+          <a:bodyPr/>
+          <a:lstStyle/>
+          <a:p>
+            <a:pPr>
+              <a:defRPr/>
+            </a:pPr>
+            <a:fld id="{38721FC3-51EA-9124-813C-35F55D15147D}" type="slidenum">
+              <a:rPr lang="en-US" sz="1800"/>
+              <a:t/>
+            </a:fld>
+            <a:r>
+              <a:rPr lang="en-US" sz="1800" b="0" i="0" u="none" strike="noStrike" cap="none" spc="0">
+                <a:solidFill>
+                  <a:schemeClr val="tx1">
+                    <a:tint val="75000"/>
+                  </a:schemeClr>
+                </a:solidFill>
+                <a:latin typeface="+mn-lt"/>
+                <a:ea typeface="+mn-ea"/>
+                <a:cs typeface="+mn-cs"/>
+              </a:rPr>
+              <a:t>/18</a:t>
+            </a:r>
+            <a:endParaRPr lang="en-US"/>
+          </a:p>
+        </p:txBody>
+      </p:sp>
     </p:spTree>
   </p:cSld>
   <p:clrMapOvr>
@@ -6780,6 +9483,45 @@
           </a:prstGeom>
         </p:spPr>
       </p:pic>
+      <p:sp>
+        <p:nvSpPr>
+          <p:cNvPr id="753385643" name="Slide Number Placeholder 5"/>
+          <p:cNvSpPr>
+            <a:spLocks noGrp="1"/>
+          </p:cNvSpPr>
+          <p:nvPr>
+            <p:ph type="sldNum" sz="quarter" idx="12"/>
+          </p:nvPr>
+        </p:nvSpPr>
+        <p:spPr bwMode="auto"/>
+        <p:txBody>
+          <a:bodyPr/>
+          <a:lstStyle/>
+          <a:p>
+            <a:pPr>
+              <a:defRPr/>
+            </a:pPr>
+            <a:fld id="{60256197-02AD-EFD3-7400-EBC3244E43BD}" type="slidenum">
+              <a:rPr lang="en-US" sz="1800"/>
+              <a:t/>
+            </a:fld>
+            <a:r>
+              <a:rPr lang="en-US" sz="1800" b="0" i="0" u="none" strike="noStrike" cap="none" spc="0">
+                <a:solidFill>
+                  <a:schemeClr val="tx1">
+                    <a:tint val="75000"/>
+                  </a:schemeClr>
+                </a:solidFill>
+                <a:latin typeface="+mn-lt"/>
+                <a:ea typeface="+mn-ea"/>
+                <a:cs typeface="+mn-cs"/>
+              </a:rPr>
+              <a:t>/18</a:t>
+            </a:r>
+            <a:endParaRPr lang="en-US"/>
+          </a:p>
+        </p:txBody>
+      </p:sp>
     </p:spTree>
   </p:cSld>
   <p:clrMapOvr>
@@ -6815,7 +9557,7 @@
       </p:grpSpPr>
       <p:sp>
         <p:nvSpPr>
-          <p:cNvPr id="2090658852" name="Title 1"/>
+          <p:cNvPr id="1327003959" name="Title 1"/>
           <p:cNvSpPr>
             <a:spLocks noGrp="1"/>
           </p:cNvSpPr>
@@ -6844,7 +9586,7 @@
                 <a:latin typeface="Times New Roman"/>
                 <a:cs typeface="Times New Roman"/>
               </a:rPr>
-              <a:t>ИСПОЛЬЗУЕМЫЕ ТЕХНОЛОГИИ</a:t>
+              <a:t>МОДЕЛЬ БАЗЫ ДАННЫХ</a:t>
             </a:r>
             <a:endParaRPr sz="2800" b="1">
               <a:latin typeface="Times New Roman"/>
@@ -6853,219 +9595,66 @@
           </a:p>
         </p:txBody>
       </p:sp>
-      <p:sp>
-        <p:nvSpPr>
-          <p:cNvPr id="829541434" name="Content Placeholder 2"/>
-          <p:cNvSpPr>
-            <a:spLocks noGrp="1"/>
-          </p:cNvSpPr>
+      <p:pic>
+        <p:nvPicPr>
+          <p:cNvPr id="129113563" name=""/>
+          <p:cNvPicPr>
+            <a:picLocks noChangeAspect="1"/>
+          </p:cNvPicPr>
           <p:nvPr>
             <p:ph idx="1"/>
           </p:nvPr>
-        </p:nvSpPr>
+        </p:nvPicPr>
+        <p:blipFill>
+          <a:blip r:embed="rId2"/>
+          <a:stretch/>
+        </p:blipFill>
         <p:spPr bwMode="auto">
-          <a:xfrm flipH="0" flipV="0">
-            <a:off x="628650" y="720000"/>
-            <a:ext cx="7886700" cy="5456962"/>
+          <a:xfrm rot="0" flipH="0" flipV="0">
+            <a:off x="60894" y="1317926"/>
+            <a:ext cx="9022211" cy="4518143"/>
           </a:xfrm>
+          <a:prstGeom prst="rect">
+            <a:avLst/>
+          </a:prstGeom>
         </p:spPr>
-        <p:txBody>
-          <a:bodyPr vertOverflow="overflow" horzOverflow="overflow" vert="horz" wrap="square" lIns="91440" tIns="45720" rIns="91440" bIns="45720" numCol="1" spcCol="0" rtlCol="0" fromWordArt="0" anchor="t" anchorCtr="0" forceAA="0" upright="0" compatLnSpc="0">
-            <a:normAutofit/>
-          </a:bodyPr>
+      </p:pic>
+      <p:sp>
+        <p:nvSpPr>
+          <p:cNvPr id="251170322" name="Slide Number Placeholder 5"/>
+          <p:cNvSpPr>
+            <a:spLocks noGrp="1"/>
+          </p:cNvSpPr>
+          <p:nvPr>
+            <p:ph type="sldNum" sz="quarter" idx="12"/>
+          </p:nvPr>
+        </p:nvSpPr>
+        <p:spPr bwMode="auto"/>
+        <p:txBody>
+          <a:bodyPr/>
           <a:lstStyle/>
           <a:p>
             <a:pPr>
               <a:defRPr/>
             </a:pPr>
-            <a:r>
-              <a:rPr lang="ru-RU">
-                <a:latin typeface="Times New Roman"/>
-                <a:cs typeface="Times New Roman"/>
-              </a:rPr>
-              <a:t>Фреймворк</a:t>
-            </a:r>
-            <a:r>
-              <a:rPr lang="en-US">
-                <a:latin typeface="Times New Roman"/>
-                <a:cs typeface="Times New Roman"/>
-              </a:rPr>
-              <a:t>: Tauri.</a:t>
-            </a:r>
-            <a:endParaRPr>
-              <a:latin typeface="Times New Roman"/>
-              <a:cs typeface="Times New Roman"/>
-            </a:endParaRPr>
-          </a:p>
-          <a:p>
-            <a:pPr>
-              <a:defRPr/>
-            </a:pPr>
-            <a:r>
-              <a:rPr lang="ru-RU">
-                <a:latin typeface="Times New Roman"/>
-                <a:cs typeface="Times New Roman"/>
-              </a:rPr>
-              <a:t>Язык программирования</a:t>
-            </a:r>
-            <a:r>
-              <a:rPr lang="en-US">
-                <a:latin typeface="Times New Roman"/>
-                <a:cs typeface="Times New Roman"/>
-              </a:rPr>
-              <a:t> </a:t>
-            </a:r>
-            <a:r>
-              <a:rPr lang="ru-RU">
-                <a:latin typeface="Times New Roman"/>
-                <a:cs typeface="Times New Roman"/>
-              </a:rPr>
-              <a:t>бэкенда</a:t>
-            </a:r>
-            <a:r>
-              <a:rPr lang="en-US">
-                <a:latin typeface="Times New Roman"/>
-                <a:cs typeface="Times New Roman"/>
-              </a:rPr>
-              <a:t>: </a:t>
-            </a:r>
-            <a:r>
-              <a:rPr lang="en-US">
-                <a:latin typeface="Times New Roman"/>
-                <a:cs typeface="Times New Roman"/>
-              </a:rPr>
-              <a:t>Rust.</a:t>
-            </a:r>
-            <a:endParaRPr>
-              <a:latin typeface="Times New Roman"/>
-              <a:cs typeface="Times New Roman"/>
-            </a:endParaRPr>
-          </a:p>
-          <a:p>
-            <a:pPr>
-              <a:defRPr/>
-            </a:pPr>
-            <a:r>
-              <a:rPr lang="ru-RU">
-                <a:latin typeface="Times New Roman"/>
-                <a:cs typeface="Times New Roman"/>
-              </a:rPr>
-              <a:t>База данных</a:t>
-            </a:r>
-            <a:r>
-              <a:rPr lang="en-US">
-                <a:latin typeface="Times New Roman"/>
-                <a:cs typeface="Times New Roman"/>
-              </a:rPr>
-              <a:t>: </a:t>
-            </a:r>
-            <a:r>
-              <a:rPr lang="en-US">
-                <a:latin typeface="Times New Roman"/>
-                <a:cs typeface="Times New Roman"/>
-              </a:rPr>
-              <a:t>Sqlite.</a:t>
-            </a:r>
-            <a:endParaRPr>
-              <a:latin typeface="Times New Roman"/>
-              <a:cs typeface="Times New Roman"/>
-            </a:endParaRPr>
-          </a:p>
-          <a:p>
-            <a:pPr>
-              <a:defRPr/>
-            </a:pPr>
-            <a:r>
-              <a:rPr lang="ru-RU">
-                <a:latin typeface="Times New Roman"/>
-                <a:cs typeface="Times New Roman"/>
-              </a:rPr>
-              <a:t>Фреймворк фронтенда</a:t>
-            </a:r>
-            <a:r>
-              <a:rPr lang="en-US">
-                <a:latin typeface="Times New Roman"/>
-                <a:cs typeface="Times New Roman"/>
-              </a:rPr>
-              <a:t>: </a:t>
-            </a:r>
-            <a:r>
-              <a:rPr lang="en-US">
-                <a:latin typeface="Times New Roman"/>
-                <a:cs typeface="Times New Roman"/>
-              </a:rPr>
-              <a:t>Svelte.</a:t>
-            </a:r>
-            <a:endParaRPr>
-              <a:latin typeface="Times New Roman"/>
-              <a:cs typeface="Times New Roman"/>
-            </a:endParaRPr>
-          </a:p>
-          <a:p>
-            <a:pPr>
-              <a:defRPr/>
-            </a:pPr>
-            <a:r>
-              <a:rPr lang="ru-RU">
-                <a:latin typeface="Times New Roman"/>
-                <a:cs typeface="Times New Roman"/>
-              </a:rPr>
-              <a:t>Язык программирования фронтенда</a:t>
-            </a:r>
-            <a:r>
-              <a:rPr lang="en-US">
-                <a:latin typeface="Times New Roman"/>
-                <a:cs typeface="Times New Roman"/>
-              </a:rPr>
-              <a:t>: </a:t>
-            </a:r>
-            <a:r>
-              <a:rPr lang="en-US">
-                <a:latin typeface="Times New Roman"/>
-                <a:cs typeface="Times New Roman"/>
-              </a:rPr>
-              <a:t>TypeScript.</a:t>
-            </a:r>
-            <a:endParaRPr>
-              <a:latin typeface="Times New Roman"/>
-              <a:cs typeface="Times New Roman"/>
-            </a:endParaRPr>
-          </a:p>
-          <a:p>
-            <a:pPr>
-              <a:defRPr/>
-            </a:pPr>
-            <a:r>
-              <a:rPr lang="ru-RU">
-                <a:latin typeface="Times New Roman"/>
-                <a:cs typeface="Times New Roman"/>
-              </a:rPr>
-              <a:t>Библиотека для отображения карты</a:t>
-            </a:r>
-            <a:r>
-              <a:rPr lang="en-US">
-                <a:latin typeface="Times New Roman"/>
-                <a:cs typeface="Times New Roman"/>
-              </a:rPr>
-              <a:t>: </a:t>
-            </a:r>
-            <a:r>
-              <a:rPr lang="en-US" sz="2800" b="0" i="0" u="none" strike="noStrike" cap="none" spc="0">
-                <a:solidFill>
-                  <a:schemeClr val="tx1"/>
-                </a:solidFill>
-                <a:latin typeface="Times New Roman"/>
-                <a:cs typeface="Times New Roman"/>
-              </a:rPr>
-              <a:t>OpenLayers.</a:t>
-            </a:r>
-            <a:endParaRPr sz="2800" b="0" i="0" u="none" strike="noStrike" cap="none" spc="0">
-              <a:solidFill>
-                <a:schemeClr val="tx1"/>
-              </a:solidFill>
-              <a:latin typeface="Times New Roman"/>
-              <a:cs typeface="Times New Roman"/>
-            </a:endParaRPr>
+            <a:fld id="{2D1A82AD-015B-C151-4D95-00498DE30D4E}" type="slidenum">
+              <a:rPr lang="en-US" sz="1800"/>
+              <a:t/>
+            </a:fld>
+            <a:r>
+              <a:rPr lang="en-US" sz="1800" b="0" i="0" u="none" strike="noStrike" cap="none" spc="0">
+                <a:solidFill>
+                  <a:schemeClr val="tx1">
+                    <a:tint val="75000"/>
+                  </a:schemeClr>
+                </a:solidFill>
+                <a:latin typeface="+mn-lt"/>
+                <a:ea typeface="+mn-ea"/>
+                <a:cs typeface="+mn-cs"/>
+              </a:rPr>
+              <a:t>/18</a:t>
+            </a:r>
+            <a:endParaRPr lang="en-US"/>
           </a:p>
         </p:txBody>
       </p:sp>
@@ -7104,7 +9693,7 @@
       </p:grpSpPr>
       <p:sp>
         <p:nvSpPr>
-          <p:cNvPr id="1182877265" name="Title 1"/>
+          <p:cNvPr id="2090658852" name="Title 1"/>
           <p:cNvSpPr>
             <a:spLocks noGrp="1"/>
           </p:cNvSpPr>
@@ -7126,11 +9715,14 @@
               <a:defRPr/>
             </a:pPr>
             <a:r>
-              <a:rPr sz="2800" b="1">
-                <a:latin typeface="Times New Roman"/>
-                <a:cs typeface="Times New Roman"/>
-              </a:rPr>
-              <a:t>АЛГОРИТМ ДИСКРИТЕЗАЦИИ ОБЛАСТИ</a:t>
+              <a:rPr lang="ru-RU" sz="2800" b="1" i="0" u="none" strike="noStrike" cap="none" spc="0">
+                <a:solidFill>
+                  <a:schemeClr val="tx1"/>
+                </a:solidFill>
+                <a:latin typeface="Times New Roman"/>
+                <a:cs typeface="Times New Roman"/>
+              </a:rPr>
+              <a:t>ИСПОЛЬЗУЕМЫЕ ТЕХНОЛОГИИ</a:t>
             </a:r>
             <a:endParaRPr sz="2800" b="1">
               <a:latin typeface="Times New Roman"/>
@@ -7141,7 +9733,7 @@
       </p:sp>
       <p:sp>
         <p:nvSpPr>
-          <p:cNvPr id="2137660459" name="Content Placeholder 2"/>
+          <p:cNvPr id="829541434" name="Content Placeholder 2"/>
           <p:cNvSpPr>
             <a:spLocks noGrp="1"/>
           </p:cNvSpPr>
@@ -7151,30 +9743,201 @@
         </p:nvSpPr>
         <p:spPr bwMode="auto">
           <a:xfrm flipH="0" flipV="0">
-            <a:off x="628649" y="720000"/>
-            <a:ext cx="7886700" cy="5456961"/>
+            <a:off x="628650" y="720000"/>
+            <a:ext cx="7886700" cy="5456962"/>
           </a:xfrm>
         </p:spPr>
         <p:txBody>
-          <a:bodyPr vertOverflow="overflow" horzOverflow="overflow" vert="horz" wrap="square" lIns="91440" tIns="45720" rIns="91440" bIns="45720" numCol="1" spcCol="0" rtlCol="0" fromWordArt="0" anchor="t" anchorCtr="0" forceAA="0" upright="0" compatLnSpc="0">
-            <a:normAutofit fontScale="70000" lnSpcReduction="6000"/>
+          <a:bodyPr vertOverflow="overflow" horzOverflow="overflow" vert="horz" wrap="square" lIns="91440" tIns="45720" rIns="91440" bIns="45720" numCol="1" spcCol="0" rtlCol="0" fromWordArt="0" anchor="ctr" anchorCtr="0" forceAA="0" upright="0" compatLnSpc="0">
+            <a:normAutofit/>
           </a:bodyPr>
           <a:lstStyle/>
           <a:p>
-            <a:pPr marL="305908" indent="-305908">
+            <a:pPr>
               <a:buFont typeface="Arial"/>
-              <a:buAutoNum type="arabicParenR"/>
-              <a:defRPr/>
-            </a:pPr>
-            <a:r>
-              <a:rPr lang="ru-RU" sz="2800" b="0" i="0" u="none" strike="noStrike" cap="none" spc="0">
-                <a:solidFill>
-                  <a:schemeClr val="tx1"/>
-                </a:solidFill>
-                <a:latin typeface="Times New Roman"/>
-                <a:cs typeface="Times New Roman"/>
-              </a:rPr>
-              <a:t>Найти минимальные и максимальные значения x и y из заданных координат многоугольника</a:t>
+              <a:buChar char="–"/>
+              <a:defRPr/>
+            </a:pPr>
+            <a:r>
+              <a:rPr lang="ru-RU">
+                <a:latin typeface="Times New Roman"/>
+                <a:cs typeface="Times New Roman"/>
+              </a:rPr>
+              <a:t>Фреймворк</a:t>
+            </a:r>
+            <a:r>
+              <a:rPr lang="en-US">
+                <a:latin typeface="Times New Roman"/>
+                <a:cs typeface="Times New Roman"/>
+              </a:rPr>
+              <a:t>: Tauri.</a:t>
+            </a:r>
+            <a:endParaRPr>
+              <a:latin typeface="Times New Roman"/>
+              <a:cs typeface="Times New Roman"/>
+            </a:endParaRPr>
+          </a:p>
+          <a:p>
+            <a:pPr>
+              <a:buFont typeface="Arial"/>
+              <a:buChar char="–"/>
+              <a:defRPr/>
+            </a:pPr>
+            <a:r>
+              <a:rPr lang="ru-RU">
+                <a:latin typeface="Times New Roman"/>
+                <a:cs typeface="Times New Roman"/>
+              </a:rPr>
+              <a:t>Язык программирования</a:t>
+            </a:r>
+            <a:r>
+              <a:rPr lang="en-US">
+                <a:latin typeface="Times New Roman"/>
+                <a:cs typeface="Times New Roman"/>
+              </a:rPr>
+              <a:t> </a:t>
+            </a:r>
+            <a:r>
+              <a:rPr lang="ru-RU">
+                <a:latin typeface="Times New Roman"/>
+                <a:cs typeface="Times New Roman"/>
+              </a:rPr>
+              <a:t>бэкенда</a:t>
+            </a:r>
+            <a:r>
+              <a:rPr lang="en-US">
+                <a:latin typeface="Times New Roman"/>
+                <a:cs typeface="Times New Roman"/>
+              </a:rPr>
+              <a:t>: </a:t>
+            </a:r>
+            <a:r>
+              <a:rPr lang="en-US">
+                <a:latin typeface="Times New Roman"/>
+                <a:cs typeface="Times New Roman"/>
+              </a:rPr>
+              <a:t>Rust.</a:t>
+            </a:r>
+            <a:endParaRPr>
+              <a:latin typeface="Times New Roman"/>
+              <a:cs typeface="Times New Roman"/>
+            </a:endParaRPr>
+          </a:p>
+          <a:p>
+            <a:pPr>
+              <a:buFont typeface="Arial"/>
+              <a:buChar char="–"/>
+              <a:defRPr/>
+            </a:pPr>
+            <a:r>
+              <a:rPr lang="ru-RU">
+                <a:latin typeface="Times New Roman"/>
+                <a:cs typeface="Times New Roman"/>
+              </a:rPr>
+              <a:t>База данных</a:t>
+            </a:r>
+            <a:r>
+              <a:rPr lang="en-US">
+                <a:latin typeface="Times New Roman"/>
+                <a:cs typeface="Times New Roman"/>
+              </a:rPr>
+              <a:t>: </a:t>
+            </a:r>
+            <a:r>
+              <a:rPr lang="en-US">
+                <a:latin typeface="Times New Roman"/>
+                <a:cs typeface="Times New Roman"/>
+              </a:rPr>
+              <a:t>Sqlite.</a:t>
+            </a:r>
+            <a:endParaRPr>
+              <a:latin typeface="Times New Roman"/>
+              <a:cs typeface="Times New Roman"/>
+            </a:endParaRPr>
+          </a:p>
+          <a:p>
+            <a:pPr>
+              <a:buFont typeface="Arial"/>
+              <a:buChar char="–"/>
+              <a:defRPr/>
+            </a:pPr>
+            <a:r>
+              <a:rPr lang="ru-RU">
+                <a:latin typeface="Times New Roman"/>
+                <a:cs typeface="Times New Roman"/>
+              </a:rPr>
+              <a:t>Фреймворк фронтенда</a:t>
+            </a:r>
+            <a:r>
+              <a:rPr lang="en-US">
+                <a:latin typeface="Times New Roman"/>
+                <a:cs typeface="Times New Roman"/>
+              </a:rPr>
+              <a:t>: </a:t>
+            </a:r>
+            <a:r>
+              <a:rPr lang="en-US">
+                <a:latin typeface="Times New Roman"/>
+                <a:cs typeface="Times New Roman"/>
+              </a:rPr>
+              <a:t>Svelte.</a:t>
+            </a:r>
+            <a:endParaRPr>
+              <a:latin typeface="Times New Roman"/>
+              <a:cs typeface="Times New Roman"/>
+            </a:endParaRPr>
+          </a:p>
+          <a:p>
+            <a:pPr>
+              <a:buFont typeface="Arial"/>
+              <a:buChar char="–"/>
+              <a:defRPr/>
+            </a:pPr>
+            <a:r>
+              <a:rPr lang="ru-RU">
+                <a:latin typeface="Times New Roman"/>
+                <a:cs typeface="Times New Roman"/>
+              </a:rPr>
+              <a:t>Язык программирования фронтенда</a:t>
+            </a:r>
+            <a:r>
+              <a:rPr lang="en-US">
+                <a:latin typeface="Times New Roman"/>
+                <a:cs typeface="Times New Roman"/>
+              </a:rPr>
+              <a:t>: </a:t>
+            </a:r>
+            <a:r>
+              <a:rPr lang="en-US">
+                <a:latin typeface="Times New Roman"/>
+                <a:cs typeface="Times New Roman"/>
+              </a:rPr>
+              <a:t>TypeScript.</a:t>
+            </a:r>
+            <a:endParaRPr>
+              <a:latin typeface="Times New Roman"/>
+              <a:cs typeface="Times New Roman"/>
+            </a:endParaRPr>
+          </a:p>
+          <a:p>
+            <a:pPr>
+              <a:buFont typeface="Arial"/>
+              <a:buChar char="–"/>
+              <a:defRPr/>
+            </a:pPr>
+            <a:r>
+              <a:rPr lang="ru-RU">
+                <a:latin typeface="Times New Roman"/>
+                <a:cs typeface="Times New Roman"/>
+              </a:rPr>
+              <a:t>Библиотека для отображения карты</a:t>
+            </a:r>
+            <a:r>
+              <a:rPr lang="en-US">
+                <a:latin typeface="Times New Roman"/>
+                <a:cs typeface="Times New Roman"/>
+              </a:rPr>
+              <a:t>: </a:t>
             </a:r>
             <a:r>
               <a:rPr lang="en-US" sz="2800" b="0" i="0" u="none" strike="noStrike" cap="none" spc="0">
@@ -7184,9 +9947,9 @@
                 <a:latin typeface="Times New Roman"/>
                 <a:cs typeface="Times New Roman"/>
               </a:rPr>
-              <a:t>;</a:t>
-            </a:r>
-            <a:endParaRPr lang="ru-RU" sz="2800" b="0" i="0" u="none" strike="noStrike" cap="none" spc="0">
+              <a:t>OpenLayers.</a:t>
+            </a:r>
+            <a:endParaRPr sz="2800" b="0" i="0" u="none" strike="noStrike" cap="none" spc="0">
               <a:solidFill>
                 <a:schemeClr val="tx1"/>
               </a:solidFill>
@@ -7194,261 +9957,44 @@
               <a:cs typeface="Times New Roman"/>
             </a:endParaRPr>
           </a:p>
-          <a:p>
-            <a:pPr marL="305908" indent="-305908">
-              <a:buFont typeface="Arial"/>
-              <a:buAutoNum type="arabicParenR"/>
-              <a:defRPr/>
-            </a:pPr>
-            <a:r>
-              <a:rPr lang="ru-RU" sz="2800" b="0" i="0" u="none" strike="noStrike" cap="none" spc="0">
-                <a:solidFill>
-                  <a:schemeClr val="tx1"/>
-                </a:solidFill>
-                <a:latin typeface="Times New Roman"/>
-                <a:cs typeface="Times New Roman"/>
-              </a:rPr>
-              <a:t>Перебирать значения x и y в пределах минимальных и максимальных значений</a:t>
-            </a:r>
-            <a:r>
-              <a:rPr lang="en-US" sz="2800" b="0" i="0" u="none" strike="noStrike" cap="none" spc="0">
-                <a:solidFill>
-                  <a:schemeClr val="tx1"/>
-                </a:solidFill>
-                <a:latin typeface="Times New Roman"/>
-                <a:cs typeface="Times New Roman"/>
-              </a:rPr>
-              <a:t> </a:t>
-            </a:r>
-            <a:r>
-              <a:rPr lang="ru-RU" sz="2800" b="0" i="0" u="none" strike="noStrike" cap="none" spc="0">
-                <a:solidFill>
-                  <a:schemeClr val="tx1"/>
-                </a:solidFill>
-                <a:latin typeface="Times New Roman"/>
-                <a:cs typeface="Times New Roman"/>
-              </a:rPr>
-              <a:t>с шагом, равным ширине и высоте области съемки</a:t>
-            </a:r>
-            <a:r>
-              <a:rPr lang="en-US" sz="2800" b="0" i="0" u="none" strike="noStrike" cap="none" spc="0">
-                <a:solidFill>
-                  <a:schemeClr val="tx1"/>
-                </a:solidFill>
-                <a:latin typeface="Times New Roman"/>
-                <a:cs typeface="Times New Roman"/>
-              </a:rPr>
-              <a:t>;</a:t>
-            </a:r>
-            <a:endParaRPr lang="ru-RU" sz="2800" b="0" i="0" u="none" strike="noStrike" cap="none" spc="0">
-              <a:solidFill>
-                <a:schemeClr val="tx1"/>
-              </a:solidFill>
-              <a:latin typeface="Times New Roman"/>
-              <a:cs typeface="Times New Roman"/>
-            </a:endParaRPr>
-          </a:p>
-          <a:p>
-            <a:pPr marL="305908" indent="-305908">
-              <a:buFont typeface="Arial"/>
-              <a:buAutoNum type="arabicParenR"/>
-              <a:defRPr/>
-            </a:pPr>
-            <a:r>
-              <a:rPr lang="ru-RU" sz="2800" b="0" i="0" u="none" strike="noStrike" cap="none" spc="0">
-                <a:solidFill>
-                  <a:schemeClr val="tx1"/>
-                </a:solidFill>
-                <a:latin typeface="Times New Roman"/>
-                <a:cs typeface="Times New Roman"/>
-              </a:rPr>
-              <a:t>Рассчитать координаты углов прямоугольника для каждой позиции</a:t>
-            </a:r>
-            <a:r>
-              <a:rPr lang="en-US" sz="2800" b="0" i="0" u="none" strike="noStrike" cap="none" spc="0">
-                <a:solidFill>
-                  <a:schemeClr val="tx1"/>
-                </a:solidFill>
-                <a:latin typeface="Times New Roman"/>
-                <a:cs typeface="Times New Roman"/>
-              </a:rPr>
-              <a:t>;</a:t>
-            </a:r>
-            <a:endParaRPr lang="ru-RU" sz="2800" b="0" i="0" u="none" strike="noStrike" cap="none" spc="0">
-              <a:solidFill>
-                <a:schemeClr val="tx1"/>
-              </a:solidFill>
-              <a:latin typeface="Times New Roman"/>
-              <a:cs typeface="Times New Roman"/>
-            </a:endParaRPr>
-          </a:p>
-          <a:p>
-            <a:pPr marL="305908" indent="-305908">
-              <a:buFont typeface="Arial"/>
-              <a:buAutoNum type="arabicParenR"/>
-              <a:defRPr/>
-            </a:pPr>
-            <a:r>
-              <a:rPr lang="ru-RU" sz="2800" b="0" i="0" u="none" strike="noStrike" cap="none" spc="0">
-                <a:solidFill>
-                  <a:schemeClr val="tx1"/>
-                </a:solidFill>
-                <a:latin typeface="Times New Roman"/>
-                <a:cs typeface="Times New Roman"/>
-              </a:rPr>
-              <a:t>Проверить, находится ли хотя бы один угол прямоугольника внутри многоугольника</a:t>
-            </a:r>
-            <a:r>
-              <a:rPr lang="en-US" sz="2800" b="0" i="0" u="none" strike="noStrike" cap="none" spc="0">
-                <a:solidFill>
-                  <a:schemeClr val="tx1"/>
-                </a:solidFill>
-                <a:latin typeface="Times New Roman"/>
-                <a:cs typeface="Times New Roman"/>
-              </a:rPr>
-              <a:t>;</a:t>
-            </a:r>
-            <a:endParaRPr lang="ru-RU" sz="2800" b="0" i="0" u="none" strike="noStrike" cap="none" spc="0">
-              <a:solidFill>
-                <a:schemeClr val="tx1"/>
-              </a:solidFill>
-              <a:latin typeface="Times New Roman"/>
-              <a:cs typeface="Times New Roman"/>
-            </a:endParaRPr>
-          </a:p>
-          <a:p>
-            <a:pPr marL="305908" indent="-305908">
-              <a:buFont typeface="Arial"/>
-              <a:buAutoNum type="arabicParenR"/>
-              <a:defRPr/>
-            </a:pPr>
-            <a:r>
-              <a:rPr lang="ru-RU" sz="2800" b="0" i="0" u="none" strike="noStrike" cap="none" spc="0">
-                <a:solidFill>
-                  <a:schemeClr val="tx1"/>
-                </a:solidFill>
-                <a:latin typeface="Times New Roman"/>
-                <a:cs typeface="Times New Roman"/>
-              </a:rPr>
-              <a:t>Если хотя бы один угол находится внутри, рассчитать координаты центра прямоугольника</a:t>
-            </a:r>
-            <a:r>
-              <a:rPr lang="en-US" sz="2800" b="0" i="0" u="none" strike="noStrike" cap="none" spc="0">
-                <a:solidFill>
-                  <a:schemeClr val="tx1"/>
-                </a:solidFill>
-                <a:latin typeface="Times New Roman"/>
-                <a:cs typeface="Times New Roman"/>
-              </a:rPr>
-              <a:t>;</a:t>
-            </a:r>
-            <a:endParaRPr lang="ru-RU" sz="2800" b="0" i="0" u="none" strike="noStrike" cap="none" spc="0">
-              <a:solidFill>
-                <a:schemeClr val="tx1"/>
-              </a:solidFill>
-              <a:latin typeface="Times New Roman"/>
-              <a:cs typeface="Times New Roman"/>
-            </a:endParaRPr>
-          </a:p>
-          <a:p>
-            <a:pPr marL="305908" indent="-305908">
-              <a:buFont typeface="Arial"/>
-              <a:buAutoNum type="arabicParenR"/>
-              <a:defRPr/>
-            </a:pPr>
-            <a:r>
-              <a:rPr lang="ru-RU" sz="2800" b="0" i="0" u="none" strike="noStrike" cap="none" spc="0">
-                <a:solidFill>
-                  <a:schemeClr val="tx1"/>
-                </a:solidFill>
-                <a:latin typeface="Times New Roman"/>
-                <a:cs typeface="Times New Roman"/>
-              </a:rPr>
-              <a:t>Добавить координаты центра в результирующий вектор</a:t>
-            </a:r>
-            <a:r>
-              <a:rPr lang="en-US" sz="2800" b="0" i="0" u="none" strike="noStrike" cap="none" spc="0">
-                <a:solidFill>
-                  <a:schemeClr val="tx1"/>
-                </a:solidFill>
-                <a:latin typeface="Times New Roman"/>
-                <a:cs typeface="Times New Roman"/>
-              </a:rPr>
-              <a:t>;</a:t>
-            </a:r>
-            <a:endParaRPr lang="ru-RU" sz="2800" b="0" i="0" u="none" strike="noStrike" cap="none" spc="0">
-              <a:solidFill>
-                <a:schemeClr val="tx1"/>
-              </a:solidFill>
-              <a:latin typeface="Times New Roman"/>
-              <a:cs typeface="Times New Roman"/>
-            </a:endParaRPr>
-          </a:p>
-          <a:p>
-            <a:pPr marL="305908" indent="-305908">
-              <a:buFont typeface="Arial"/>
-              <a:buAutoNum type="arabicParenR"/>
-              <a:defRPr/>
-            </a:pPr>
-            <a:r>
-              <a:rPr lang="ru-RU" sz="2800" b="0" i="0" u="none" strike="noStrike" cap="none" spc="0">
-                <a:solidFill>
-                  <a:schemeClr val="tx1"/>
-                </a:solidFill>
-                <a:latin typeface="Times New Roman"/>
-                <a:cs typeface="Times New Roman"/>
-              </a:rPr>
-              <a:t>Повторять шаги с 2 по 6 до тех пор, пока все позиции в пределах диапазона не будут обработаны</a:t>
-            </a:r>
-            <a:r>
-              <a:rPr lang="en-US" sz="2800" b="0" i="0" u="none" strike="noStrike" cap="none" spc="0">
-                <a:solidFill>
-                  <a:schemeClr val="tx1"/>
-                </a:solidFill>
-                <a:latin typeface="Times New Roman"/>
-                <a:cs typeface="Times New Roman"/>
-              </a:rPr>
-              <a:t>;</a:t>
-            </a:r>
-            <a:endParaRPr lang="ru-RU" sz="2800" b="0" i="0" u="none" strike="noStrike" cap="none" spc="0">
-              <a:solidFill>
-                <a:schemeClr val="tx1"/>
-              </a:solidFill>
-              <a:latin typeface="Times New Roman"/>
-              <a:cs typeface="Times New Roman"/>
-            </a:endParaRPr>
-          </a:p>
-          <a:p>
-            <a:pPr marL="305908" indent="-305908">
-              <a:buFont typeface="Arial"/>
-              <a:buAutoNum type="arabicParenR"/>
-              <a:defRPr/>
-            </a:pPr>
-            <a:r>
-              <a:rPr lang="ru-RU" sz="2800" b="0" i="0" u="none" strike="noStrike" cap="none" spc="0">
-                <a:solidFill>
-                  <a:schemeClr val="tx1"/>
-                </a:solidFill>
-                <a:latin typeface="Times New Roman"/>
-                <a:cs typeface="Times New Roman"/>
-              </a:rPr>
-              <a:t>Вернуть результирующий вектор, содержащий координаты центров прямоугольников, пересекающихся с многоугольником</a:t>
-            </a:r>
-            <a:r>
-              <a:rPr lang="en-US" sz="2800" b="0" i="0" u="none" strike="noStrike" cap="none" spc="0">
-                <a:solidFill>
-                  <a:schemeClr val="tx1"/>
-                </a:solidFill>
-                <a:latin typeface="Times New Roman"/>
-                <a:ea typeface="Times New Roman"/>
-                <a:cs typeface="Times New Roman"/>
-              </a:rPr>
-              <a:t>;</a:t>
-            </a:r>
-            <a:endParaRPr sz="2800">
-              <a:latin typeface="Times New Roman"/>
-              <a:cs typeface="Times New Roman"/>
-            </a:endParaRPr>
+        </p:txBody>
+      </p:sp>
+      <p:sp>
+        <p:nvSpPr>
+          <p:cNvPr id="1213439109" name="Slide Number Placeholder 5"/>
+          <p:cNvSpPr>
+            <a:spLocks noGrp="1"/>
+          </p:cNvSpPr>
+          <p:nvPr>
+            <p:ph type="sldNum" sz="quarter" idx="12"/>
+          </p:nvPr>
+        </p:nvSpPr>
+        <p:spPr bwMode="auto"/>
+        <p:txBody>
+          <a:bodyPr/>
+          <a:lstStyle/>
+          <a:p>
+            <a:pPr>
+              <a:defRPr/>
+            </a:pPr>
+            <a:fld id="{20E37F56-B8BF-A4B8-E878-7F6871925BDE}" type="slidenum">
+              <a:rPr lang="en-US" sz="1800"/>
+              <a:t/>
+            </a:fld>
+            <a:r>
+              <a:rPr lang="en-US" sz="1800" b="0" i="0" u="none" strike="noStrike" cap="none" spc="0">
+                <a:solidFill>
+                  <a:schemeClr val="tx1">
+                    <a:tint val="75000"/>
+                  </a:schemeClr>
+                </a:solidFill>
+                <a:latin typeface="+mn-lt"/>
+                <a:ea typeface="+mn-ea"/>
+                <a:cs typeface="+mn-cs"/>
+              </a:rPr>
+              <a:t>/18</a:t>
+            </a:r>
+            <a:endParaRPr lang="en-US"/>
           </a:p>
         </p:txBody>
       </p:sp>

--- a/doc/Raschupkin_EV_UAV_Route_Planning.pptx
+++ b/doc/Raschupkin_EV_UAV_Route_Planning.pptx
@@ -23,6 +23,7 @@
     <p:sldId id="271" r:id="rId18"/>
     <p:sldId id="272" r:id="rId19"/>
     <p:sldId id="273" r:id="rId20"/>
+    <p:sldId id="274" r:id="rId21"/>
   </p:sldIdLst>
   <p:sldSz cx="9144000" cy="6858000" type="screen4x3"/>
   <p:notesSz cx="9144000" cy="6858000"/>
@@ -4827,7 +4828,7 @@
           </a:bodyPr>
           <a:lstStyle/>
           <a:p>
-            <a:pPr marL="360979" indent="-360979">
+            <a:pPr marL="360978" indent="-360978">
               <a:buFont typeface="Arial"/>
               <a:buAutoNum type="arabicPeriod"/>
               <a:defRPr/>
@@ -4861,7 +4862,7 @@
             </a:endParaRPr>
           </a:p>
           <a:p>
-            <a:pPr marL="360979" indent="-360979">
+            <a:pPr marL="360978" indent="-360978">
               <a:buFont typeface="Arial"/>
               <a:buAutoNum type="arabicPeriod"/>
               <a:defRPr/>
@@ -4895,7 +4896,7 @@
             </a:endParaRPr>
           </a:p>
           <a:p>
-            <a:pPr marL="360979" indent="-360979">
+            <a:pPr marL="360978" indent="-360978">
               <a:buFont typeface="Arial"/>
               <a:buAutoNum type="arabicPeriod"/>
               <a:defRPr/>
@@ -4929,7 +4930,7 @@
             </a:endParaRPr>
           </a:p>
           <a:p>
-            <a:pPr marL="360979" indent="-360979">
+            <a:pPr marL="360978" indent="-360978">
               <a:buFont typeface="Arial"/>
               <a:buAutoNum type="arabicPeriod"/>
               <a:defRPr/>
@@ -4953,7 +4954,7 @@
             </a:endParaRPr>
           </a:p>
           <a:p>
-            <a:pPr marL="360979" indent="-360979">
+            <a:pPr marL="360978" indent="-360978">
               <a:buFont typeface="Arial"/>
               <a:buAutoNum type="arabicPeriod"/>
               <a:defRPr/>
@@ -4977,7 +4978,7 @@
             </a:endParaRPr>
           </a:p>
           <a:p>
-            <a:pPr marL="360979" indent="-360979">
+            <a:pPr marL="360978" indent="-360978">
               <a:buFont typeface="Arial"/>
               <a:buAutoNum type="arabicPeriod"/>
               <a:defRPr/>
@@ -5012,7 +5013,7 @@
             </a:endParaRPr>
           </a:p>
           <a:p>
-            <a:pPr marL="360979" indent="-360979">
+            <a:pPr marL="360978" indent="-360978">
               <a:buFont typeface="Arial"/>
               <a:buAutoNum type="arabicPeriod"/>
               <a:defRPr/>
@@ -5033,7 +5034,7 @@
             </a:endParaRPr>
           </a:p>
           <a:p>
-            <a:pPr marL="360979" indent="-360979">
+            <a:pPr marL="360978" indent="-360978">
               <a:buFont typeface="Arial"/>
               <a:buAutoNum type="arabicPeriod"/>
               <a:defRPr/>
@@ -5196,7 +5197,7 @@
           </a:bodyPr>
           <a:lstStyle/>
           <a:p>
-            <a:pPr marL="360979" indent="-360979">
+            <a:pPr marL="360978" indent="-360978">
               <a:buFont typeface="Arial"/>
               <a:buAutoNum type="arabicPeriod"/>
               <a:defRPr/>
@@ -5230,7 +5231,7 @@
             </a:endParaRPr>
           </a:p>
           <a:p>
-            <a:pPr marL="360979" indent="-360979">
+            <a:pPr marL="360978" indent="-360978">
               <a:buFont typeface="Arial"/>
               <a:buAutoNum type="arabicPeriod"/>
               <a:defRPr/>
@@ -5264,7 +5265,7 @@
             </a:endParaRPr>
           </a:p>
           <a:p>
-            <a:pPr marL="360979" indent="-360979">
+            <a:pPr marL="360978" indent="-360978">
               <a:buFont typeface="Arial"/>
               <a:buAutoNum type="arabicPeriod"/>
               <a:defRPr/>
@@ -5298,7 +5299,7 @@
             </a:endParaRPr>
           </a:p>
           <a:p>
-            <a:pPr marL="360979" indent="-360979">
+            <a:pPr marL="360978" indent="-360978">
               <a:buFont typeface="Arial"/>
               <a:buAutoNum type="arabicPeriod"/>
               <a:defRPr/>
@@ -6598,6 +6599,715 @@
           </a:p>
         </p:txBody>
       </p:sp>
+    </p:spTree>
+  </p:cSld>
+  <p:clrMapOvr>
+    <a:masterClrMapping/>
+  </p:clrMapOvr>
+  <mc:AlternateContent xmlns:mc="http://schemas.openxmlformats.org/markup-compatibility/2006">
+    <mc:Choice xmlns:p14="http://schemas.microsoft.com/office/powerpoint/2010/main" Requires="p14">
+      <p:transition p14:dur="2000" advClick="1"/>
+    </mc:Choice>
+    <mc:Fallback>
+      <p:transition advClick="1"/>
+    </mc:Fallback>
+  </mc:AlternateContent>
+</p:sld>
+</file>
+
+<file path=ppt/slides/slide19.xml><?xml version="1.0" encoding="utf-8"?>
+<p:sld xmlns:a="http://schemas.openxmlformats.org/drawingml/2006/main" xmlns:r="http://schemas.openxmlformats.org/officeDocument/2006/relationships" xmlns:p="http://schemas.openxmlformats.org/presentationml/2006/main" xmlns:m="http://schemas.openxmlformats.org/officeDocument/2006/math" xmlns:w="http://schemas.openxmlformats.org/wordprocessingml/2006/main" showMasterPhAnim="0" show="1">
+  <p:cSld name="">
+    <p:spTree>
+      <p:nvGrpSpPr>
+        <p:cNvPr id="1" name=""/>
+        <p:cNvGrpSpPr/>
+        <p:nvPr/>
+      </p:nvGrpSpPr>
+      <p:grpSpPr bwMode="auto">
+        <a:xfrm>
+          <a:off x="0" y="0"/>
+          <a:ext cx="0" cy="0"/>
+          <a:chOff x="0" y="0"/>
+          <a:chExt cx="0" cy="0"/>
+        </a:xfrm>
+      </p:grpSpPr>
+      <p:sp>
+        <p:nvSpPr>
+          <p:cNvPr id="292316676" name="Title 1"/>
+          <p:cNvSpPr>
+            <a:spLocks noGrp="1"/>
+          </p:cNvSpPr>
+          <p:nvPr>
+            <p:ph type="title"/>
+          </p:nvPr>
+        </p:nvSpPr>
+        <p:spPr bwMode="auto">
+          <a:xfrm rot="0" flipH="0" flipV="0">
+            <a:off x="0" y="0"/>
+            <a:ext cx="9144000" cy="720000"/>
+          </a:xfrm>
+        </p:spPr>
+        <p:txBody>
+          <a:bodyPr vertOverflow="overflow" horzOverflow="overflow" vert="horz" wrap="square" lIns="91440" tIns="45720" rIns="91440" bIns="45720" numCol="1" spcCol="0" rtlCol="0" fromWordArt="0" anchor="ctr" anchorCtr="0" forceAA="0" upright="0" compatLnSpc="0">
+            <a:normAutofit/>
+          </a:bodyPr>
+          <a:lstStyle/>
+          <a:p>
+            <a:pPr algn="ctr">
+              <a:defRPr/>
+            </a:pPr>
+            <a:r>
+              <a:rPr sz="2800" b="1">
+                <a:latin typeface="Times New Roman"/>
+                <a:cs typeface="Times New Roman"/>
+              </a:rPr>
+              <a:t>ПОДСЧЕТ СТРОК КОДА</a:t>
+            </a:r>
+            <a:endParaRPr sz="2800" b="1">
+              <a:latin typeface="Times New Roman"/>
+              <a:cs typeface="Times New Roman"/>
+            </a:endParaRPr>
+          </a:p>
+        </p:txBody>
+      </p:sp>
+      <p:sp>
+        <p:nvSpPr>
+          <p:cNvPr id="1465633714" name="Content Placeholder 2"/>
+          <p:cNvSpPr>
+            <a:spLocks noGrp="1"/>
+          </p:cNvSpPr>
+          <p:nvPr>
+            <p:ph idx="1"/>
+          </p:nvPr>
+        </p:nvSpPr>
+        <p:spPr bwMode="auto">
+          <a:xfrm flipH="0" flipV="0">
+            <a:off x="628649" y="720000"/>
+            <a:ext cx="7886700" cy="5456961"/>
+          </a:xfrm>
+        </p:spPr>
+        <p:txBody>
+          <a:bodyPr vertOverflow="overflow" horzOverflow="overflow" vert="horz" wrap="square" lIns="91440" tIns="45720" rIns="91440" bIns="45720" numCol="1" spcCol="0" rtlCol="0" fromWordArt="0" anchor="ctr" anchorCtr="0" forceAA="0" upright="0" compatLnSpc="0">
+            <a:normAutofit/>
+          </a:bodyPr>
+          <a:lstStyle/>
+          <a:p>
+            <a:pPr marL="0" indent="0">
+              <a:buFont typeface="Arial"/>
+              <a:buNone/>
+              <a:defRPr/>
+            </a:pPr>
+            <a:endParaRPr/>
+          </a:p>
+        </p:txBody>
+      </p:sp>
+      <p:sp>
+        <p:nvSpPr>
+          <p:cNvPr id="1855688996" name="Slide Number Placeholder 5"/>
+          <p:cNvSpPr>
+            <a:spLocks noGrp="1"/>
+          </p:cNvSpPr>
+          <p:nvPr>
+            <p:ph type="sldNum" sz="quarter" idx="12"/>
+          </p:nvPr>
+        </p:nvSpPr>
+        <p:spPr bwMode="auto"/>
+        <p:txBody>
+          <a:bodyPr/>
+          <a:lstStyle/>
+          <a:p>
+            <a:pPr>
+              <a:defRPr/>
+            </a:pPr>
+            <a:endParaRPr lang="en-US"/>
+          </a:p>
+        </p:txBody>
+      </p:sp>
+      <p:graphicFrame>
+        <p:nvGraphicFramePr>
+          <p:cNvPr id="451255591" name=""/>
+          <p:cNvGraphicFramePr>
+            <a:graphicFrameLocks xmlns:a="http://schemas.openxmlformats.org/drawingml/2006/main"/>
+          </p:cNvGraphicFramePr>
+          <p:nvPr/>
+        </p:nvGraphicFramePr>
+        <p:xfrm>
+          <a:off x="218235" y="2344635"/>
+          <a:ext cx="8707527" cy="2411247"/>
+        </p:xfrm>
+        <a:graphic>
+          <a:graphicData uri="http://schemas.openxmlformats.org/drawingml/2006/table">
+            <a:tbl>
+              <a:tblPr firstRow="1" firstCol="0" lastRow="0" lastCol="0" bandRow="1" bandCol="0">
+                <a:tableStyleId>{5940675A-B579-460E-94D1-54222C63F5DA}</a:tableStyleId>
+              </a:tblPr>
+              <a:tblGrid>
+                <a:gridCol w="1738965"/>
+                <a:gridCol w="1738965"/>
+                <a:gridCol w="1738965"/>
+                <a:gridCol w="1738965"/>
+                <a:gridCol w="1738965"/>
+              </a:tblGrid>
+              <a:tr h="479709">
+                <a:tc>
+                  <a:txBody>
+                    <a:bodyPr/>
+                    <a:p>
+                      <a:pPr>
+                        <a:defRPr/>
+                      </a:pPr>
+                      <a:r>
+                        <a:rPr lang="ru-RU" sz="1800" b="1" i="0" u="none" strike="noStrike" cap="none" spc="0">
+                          <a:solidFill>
+                            <a:schemeClr val="dk1"/>
+                          </a:solidFill>
+                          <a:latin typeface="Arial"/>
+                          <a:cs typeface="Arial"/>
+                        </a:rPr>
+                        <a:t>language</a:t>
+                      </a:r>
+                      <a:endParaRPr/>
+                    </a:p>
+                  </a:txBody>
+                  <a:tcPr/>
+                </a:tc>
+                <a:tc>
+                  <a:txBody>
+                    <a:bodyPr/>
+                    <a:p>
+                      <a:pPr>
+                        <a:defRPr/>
+                      </a:pPr>
+                      <a:r>
+                        <a:rPr lang="ru-RU" sz="1800" b="1" i="0" u="none" strike="noStrike" cap="none" spc="0">
+                          <a:solidFill>
+                            <a:schemeClr val="dk1"/>
+                          </a:solidFill>
+                          <a:latin typeface="Arial"/>
+                          <a:cs typeface="Arial"/>
+                        </a:rPr>
+                        <a:t>code</a:t>
+                      </a:r>
+                      <a:endParaRPr/>
+                    </a:p>
+                  </a:txBody>
+                  <a:tcPr/>
+                </a:tc>
+                <a:tc>
+                  <a:txBody>
+                    <a:bodyPr/>
+                    <a:p>
+                      <a:pPr>
+                        <a:defRPr/>
+                      </a:pPr>
+                      <a:r>
+                        <a:rPr lang="ru-RU" sz="1800" b="1" i="0" u="none" strike="noStrike" cap="none" spc="0">
+                          <a:solidFill>
+                            <a:schemeClr val="dk1"/>
+                          </a:solidFill>
+                          <a:latin typeface="Arial"/>
+                          <a:cs typeface="Arial"/>
+                        </a:rPr>
+                        <a:t>comment</a:t>
+                      </a:r>
+                      <a:endParaRPr/>
+                    </a:p>
+                  </a:txBody>
+                  <a:tcPr/>
+                </a:tc>
+                <a:tc>
+                  <a:txBody>
+                    <a:bodyPr/>
+                    <a:p>
+                      <a:pPr>
+                        <a:defRPr/>
+                      </a:pPr>
+                      <a:r>
+                        <a:rPr lang="ru-RU" sz="1800" b="1" i="0" u="none" strike="noStrike" cap="none" spc="0">
+                          <a:solidFill>
+                            <a:schemeClr val="dk1"/>
+                          </a:solidFill>
+                          <a:latin typeface="Arial"/>
+                          <a:cs typeface="Arial"/>
+                        </a:rPr>
+                        <a:t>blank</a:t>
+                      </a:r>
+                      <a:endParaRPr/>
+                    </a:p>
+                  </a:txBody>
+                  <a:tcPr/>
+                </a:tc>
+                <a:tc>
+                  <a:txBody>
+                    <a:bodyPr/>
+                    <a:p>
+                      <a:pPr>
+                        <a:defRPr/>
+                      </a:pPr>
+                      <a:r>
+                        <a:rPr lang="ru-RU" sz="1800" b="1" i="0" u="none" strike="noStrike" cap="none" spc="0">
+                          <a:solidFill>
+                            <a:schemeClr val="dk1"/>
+                          </a:solidFill>
+                          <a:latin typeface="Arial"/>
+                          <a:cs typeface="Arial"/>
+                        </a:rPr>
+                        <a:t>total</a:t>
+                      </a:r>
+                      <a:endParaRPr/>
+                    </a:p>
+                  </a:txBody>
+                  <a:tcPr/>
+                </a:tc>
+              </a:tr>
+              <a:tr h="479709">
+                <a:tc>
+                  <a:txBody>
+                    <a:bodyPr/>
+                    <a:p>
+                      <a:pPr>
+                        <a:defRPr/>
+                      </a:pPr>
+                      <a:r>
+                        <a:rPr lang="ru-RU" sz="1800" b="0" i="0" u="none" strike="noStrike" cap="none" spc="0">
+                          <a:solidFill>
+                            <a:schemeClr val="dk1"/>
+                          </a:solidFill>
+                          <a:latin typeface="Arial"/>
+                          <a:cs typeface="Arial"/>
+                        </a:rPr>
+                        <a:t>Svelte</a:t>
+                      </a:r>
+                      <a:endParaRPr/>
+                    </a:p>
+                  </a:txBody>
+                  <a:tcPr/>
+                </a:tc>
+                <a:tc>
+                  <a:txBody>
+                    <a:bodyPr/>
+                    <a:p>
+                      <a:pPr>
+                        <a:defRPr/>
+                      </a:pPr>
+                      <a:r>
+                        <a:rPr lang="ru-RU" sz="1800" b="0" i="0" u="none" strike="noStrike" cap="none" spc="0">
+                          <a:solidFill>
+                            <a:schemeClr val="dk1"/>
+                          </a:solidFill>
+                          <a:latin typeface="Arial"/>
+                          <a:cs typeface="Arial"/>
+                        </a:rPr>
+                        <a:t>1,215</a:t>
+                      </a:r>
+                      <a:endParaRPr/>
+                    </a:p>
+                  </a:txBody>
+                  <a:tcPr/>
+                </a:tc>
+                <a:tc>
+                  <a:txBody>
+                    <a:bodyPr/>
+                    <a:p>
+                      <a:pPr>
+                        <a:defRPr/>
+                      </a:pPr>
+                      <a:r>
+                        <a:rPr/>
+                        <a:t>52</a:t>
+                      </a:r>
+                      <a:endParaRPr/>
+                    </a:p>
+                  </a:txBody>
+                  <a:tcPr/>
+                </a:tc>
+                <a:tc>
+                  <a:txBody>
+                    <a:bodyPr/>
+                    <a:p>
+                      <a:pPr>
+                        <a:defRPr/>
+                      </a:pPr>
+                      <a:r>
+                        <a:rPr lang="ru-RU" sz="1800" b="0" i="0" u="none" strike="noStrike" cap="none" spc="0">
+                          <a:solidFill>
+                            <a:schemeClr val="dk1"/>
+                          </a:solidFill>
+                          <a:latin typeface="Arial"/>
+                          <a:cs typeface="Arial"/>
+                        </a:rPr>
+                        <a:t>187</a:t>
+                      </a:r>
+                      <a:endParaRPr/>
+                    </a:p>
+                  </a:txBody>
+                  <a:tcPr/>
+                </a:tc>
+                <a:tc>
+                  <a:txBody>
+                    <a:bodyPr/>
+                    <a:p>
+                      <a:pPr>
+                        <a:defRPr/>
+                      </a:pPr>
+                      <a:r>
+                        <a:rPr lang="ru-RU" sz="1800" b="0" i="0" u="none" strike="noStrike" cap="none" spc="0">
+                          <a:solidFill>
+                            <a:schemeClr val="dk1"/>
+                          </a:solidFill>
+                          <a:latin typeface="Arial"/>
+                          <a:cs typeface="Arial"/>
+                        </a:rPr>
+                        <a:t>1,454</a:t>
+                      </a:r>
+                      <a:endParaRPr/>
+                    </a:p>
+                  </a:txBody>
+                  <a:tcPr/>
+                </a:tc>
+              </a:tr>
+              <a:tr h="479709">
+                <a:tc>
+                  <a:txBody>
+                    <a:bodyPr/>
+                    <a:p>
+                      <a:pPr>
+                        <a:defRPr/>
+                      </a:pPr>
+                      <a:r>
+                        <a:rPr lang="ru-RU" sz="1800" b="0" i="0" u="none" strike="noStrike" cap="none" spc="0">
+                          <a:solidFill>
+                            <a:schemeClr val="dk1"/>
+                          </a:solidFill>
+                          <a:latin typeface="Arial"/>
+                          <a:cs typeface="Arial"/>
+                        </a:rPr>
+                        <a:t>Rust</a:t>
+                      </a:r>
+                      <a:endParaRPr/>
+                    </a:p>
+                  </a:txBody>
+                  <a:tcPr/>
+                </a:tc>
+                <a:tc>
+                  <a:txBody>
+                    <a:bodyPr/>
+                    <a:p>
+                      <a:pPr>
+                        <a:defRPr/>
+                      </a:pPr>
+                      <a:r>
+                        <a:rPr lang="ru-RU" sz="1800" b="0" i="0" u="none" strike="noStrike" cap="none" spc="0">
+                          <a:solidFill>
+                            <a:schemeClr val="dk1"/>
+                          </a:solidFill>
+                          <a:latin typeface="Arial"/>
+                          <a:cs typeface="Arial"/>
+                        </a:rPr>
+                        <a:t>604</a:t>
+                      </a:r>
+                      <a:endParaRPr/>
+                    </a:p>
+                  </a:txBody>
+                  <a:tcPr/>
+                </a:tc>
+                <a:tc>
+                  <a:txBody>
+                    <a:bodyPr/>
+                    <a:p>
+                      <a:pPr>
+                        <a:defRPr/>
+                      </a:pPr>
+                      <a:r>
+                        <a:rPr lang="ru-RU" sz="1800" b="0" i="0" u="none" strike="noStrike" cap="none" spc="0">
+                          <a:solidFill>
+                            <a:schemeClr val="dk1"/>
+                          </a:solidFill>
+                          <a:latin typeface="Arial"/>
+                          <a:cs typeface="Arial"/>
+                        </a:rPr>
+                        <a:t>34</a:t>
+                      </a:r>
+                      <a:endParaRPr/>
+                    </a:p>
+                  </a:txBody>
+                  <a:tcPr/>
+                </a:tc>
+                <a:tc>
+                  <a:txBody>
+                    <a:bodyPr/>
+                    <a:p>
+                      <a:pPr>
+                        <a:defRPr/>
+                      </a:pPr>
+                      <a:r>
+                        <a:rPr lang="ru-RU" sz="1800" b="0" i="0" u="none" strike="noStrike" cap="none" spc="0">
+                          <a:solidFill>
+                            <a:schemeClr val="dk1"/>
+                          </a:solidFill>
+                          <a:latin typeface="Arial"/>
+                          <a:cs typeface="Arial"/>
+                        </a:rPr>
+                        <a:t>87</a:t>
+                      </a:r>
+                      <a:endParaRPr/>
+                    </a:p>
+                  </a:txBody>
+                  <a:tcPr/>
+                </a:tc>
+                <a:tc>
+                  <a:txBody>
+                    <a:bodyPr/>
+                    <a:p>
+                      <a:pPr>
+                        <a:defRPr/>
+                      </a:pPr>
+                      <a:r>
+                        <a:rPr lang="ru-RU" sz="1800" b="0" i="0" u="none" strike="noStrike" cap="none" spc="0">
+                          <a:solidFill>
+                            <a:schemeClr val="dk1"/>
+                          </a:solidFill>
+                          <a:latin typeface="Arial"/>
+                          <a:cs typeface="Arial"/>
+                        </a:rPr>
+                        <a:t>725</a:t>
+                      </a:r>
+                      <a:endParaRPr/>
+                    </a:p>
+                  </a:txBody>
+                  <a:tcPr/>
+                </a:tc>
+              </a:tr>
+              <a:tr h="479709">
+                <a:tc>
+                  <a:txBody>
+                    <a:bodyPr/>
+                    <a:p>
+                      <a:pPr>
+                        <a:defRPr/>
+                      </a:pPr>
+                      <a:r>
+                        <a:rPr lang="ru-RU" sz="1800" b="0" i="0" u="none" strike="noStrike" cap="none" spc="0">
+                          <a:solidFill>
+                            <a:schemeClr val="dk1"/>
+                          </a:solidFill>
+                          <a:latin typeface="Arial"/>
+                          <a:cs typeface="Arial"/>
+                        </a:rPr>
+                        <a:t>CSS</a:t>
+                      </a:r>
+                      <a:endParaRPr/>
+                    </a:p>
+                  </a:txBody>
+                  <a:tcPr/>
+                </a:tc>
+                <a:tc>
+                  <a:txBody>
+                    <a:bodyPr/>
+                    <a:p>
+                      <a:pPr>
+                        <a:defRPr/>
+                      </a:pPr>
+                      <a:r>
+                        <a:rPr lang="ru-RU" sz="1800" b="0" i="0" u="none" strike="noStrike" cap="none" spc="0">
+                          <a:solidFill>
+                            <a:schemeClr val="dk1"/>
+                          </a:solidFill>
+                          <a:latin typeface="Arial"/>
+                          <a:cs typeface="Arial"/>
+                        </a:rPr>
+                        <a:t>344</a:t>
+                      </a:r>
+                      <a:endParaRPr/>
+                    </a:p>
+                  </a:txBody>
+                  <a:tcPr/>
+                </a:tc>
+                <a:tc>
+                  <a:txBody>
+                    <a:bodyPr/>
+                    <a:p>
+                      <a:pPr>
+                        <a:defRPr/>
+                      </a:pPr>
+                      <a:r>
+                        <a:rPr lang="en-US" sz="1800" b="0" i="0" u="none" strike="noStrike" cap="none" spc="0">
+                          <a:solidFill>
+                            <a:schemeClr val="dk1"/>
+                          </a:solidFill>
+                          <a:latin typeface="Arial"/>
+                          <a:cs typeface="Arial"/>
+                        </a:rPr>
+                        <a:t>3</a:t>
+                      </a:r>
+                      <a:endParaRPr/>
+                    </a:p>
+                  </a:txBody>
+                  <a:tcPr/>
+                </a:tc>
+                <a:tc>
+                  <a:txBody>
+                    <a:bodyPr/>
+                    <a:p>
+                      <a:pPr>
+                        <a:defRPr/>
+                      </a:pPr>
+                      <a:r>
+                        <a:rPr lang="ru-RU" sz="1800" b="0" i="0" u="none" strike="noStrike" cap="none" spc="0">
+                          <a:solidFill>
+                            <a:schemeClr val="dk1"/>
+                          </a:solidFill>
+                          <a:latin typeface="Arial"/>
+                          <a:cs typeface="Arial"/>
+                        </a:rPr>
+                        <a:t>61</a:t>
+                      </a:r>
+                      <a:endParaRPr/>
+                    </a:p>
+                  </a:txBody>
+                  <a:tcPr/>
+                </a:tc>
+                <a:tc>
+                  <a:txBody>
+                    <a:bodyPr/>
+                    <a:p>
+                      <a:pPr>
+                        <a:defRPr/>
+                      </a:pPr>
+                      <a:r>
+                        <a:rPr lang="ru-RU" sz="1800" b="0" i="0" u="none" strike="noStrike" cap="none" spc="0">
+                          <a:solidFill>
+                            <a:schemeClr val="dk1"/>
+                          </a:solidFill>
+                          <a:latin typeface="Arial"/>
+                          <a:ea typeface="Arial"/>
+                          <a:cs typeface="Arial"/>
+                        </a:rPr>
+                        <a:t>408</a:t>
+                      </a:r>
+                      <a:endParaRPr sz="1800"/>
+                    </a:p>
+                  </a:txBody>
+                  <a:tcPr/>
+                </a:tc>
+              </a:tr>
+              <a:tr h="479709">
+                <a:tc>
+                  <a:txBody>
+                    <a:bodyPr/>
+                    <a:p>
+                      <a:pPr>
+                        <a:defRPr/>
+                      </a:pPr>
+                      <a:r>
+                        <a:rPr lang="ru-RU" sz="1800" b="0" i="0" u="none" strike="noStrike" cap="none" spc="0">
+                          <a:solidFill>
+                            <a:schemeClr val="dk1"/>
+                          </a:solidFill>
+                          <a:latin typeface="Arial"/>
+                          <a:cs typeface="Arial"/>
+                        </a:rPr>
+                        <a:t>TypeScript</a:t>
+                      </a:r>
+                      <a:endParaRPr/>
+                    </a:p>
+                  </a:txBody>
+                  <a:tcPr/>
+                </a:tc>
+                <a:tc>
+                  <a:txBody>
+                    <a:bodyPr/>
+                    <a:p>
+                      <a:pPr>
+                        <a:defRPr/>
+                      </a:pPr>
+                      <a:r>
+                        <a:rPr lang="ru-RU" sz="1800" b="0" i="0" u="none" strike="noStrike" cap="none" spc="0">
+                          <a:solidFill>
+                            <a:schemeClr val="dk1"/>
+                          </a:solidFill>
+                          <a:latin typeface="Arial"/>
+                          <a:cs typeface="Arial"/>
+                        </a:rPr>
+                        <a:t>54</a:t>
+                      </a:r>
+                      <a:endParaRPr/>
+                    </a:p>
+                  </a:txBody>
+                  <a:tcPr/>
+                </a:tc>
+                <a:tc>
+                  <a:txBody>
+                    <a:bodyPr/>
+                    <a:p>
+                      <a:pPr>
+                        <a:defRPr/>
+                      </a:pPr>
+                      <a:r>
+                        <a:rPr lang="ru-RU" sz="1800" b="0" i="0" u="none" strike="noStrike" cap="none" spc="0">
+                          <a:solidFill>
+                            <a:schemeClr val="dk1"/>
+                          </a:solidFill>
+                          <a:latin typeface="Arial"/>
+                          <a:cs typeface="Arial"/>
+                        </a:rPr>
+                        <a:t>6</a:t>
+                      </a:r>
+                      <a:endParaRPr/>
+                    </a:p>
+                  </a:txBody>
+                  <a:tcPr/>
+                </a:tc>
+                <a:tc>
+                  <a:txBody>
+                    <a:bodyPr/>
+                    <a:p>
+                      <a:pPr>
+                        <a:defRPr/>
+                      </a:pPr>
+                      <a:r>
+                        <a:rPr lang="ru-RU" sz="1800" b="0" i="0" u="none" strike="noStrike" cap="none" spc="0">
+                          <a:solidFill>
+                            <a:schemeClr val="dk1"/>
+                          </a:solidFill>
+                          <a:latin typeface="Arial"/>
+                          <a:cs typeface="Arial"/>
+                        </a:rPr>
+                        <a:t>13</a:t>
+                      </a:r>
+                      <a:endParaRPr/>
+                    </a:p>
+                  </a:txBody>
+                  <a:tcPr/>
+                </a:tc>
+                <a:tc>
+                  <a:txBody>
+                    <a:bodyPr/>
+                    <a:p>
+                      <a:pPr>
+                        <a:defRPr/>
+                      </a:pPr>
+                      <a:r>
+                        <a:rPr lang="ru-RU" sz="1800" b="0" i="0" u="none" strike="noStrike" cap="none" spc="0">
+                          <a:solidFill>
+                            <a:schemeClr val="dk1"/>
+                          </a:solidFill>
+                          <a:latin typeface="Arial"/>
+                          <a:cs typeface="Arial"/>
+                        </a:rPr>
+                        <a:t>73</a:t>
+                      </a:r>
+                      <a:endParaRPr/>
+                    </a:p>
+                  </a:txBody>
+                  <a:tcPr/>
+                </a:tc>
+              </a:tr>
+            </a:tbl>
+          </a:graphicData>
+        </a:graphic>
+      </p:graphicFrame>
     </p:spTree>
   </p:cSld>
   <p:clrMapOvr>
@@ -9285,7 +9995,7 @@
       </p:grpSpPr>
       <p:sp>
         <p:nvSpPr>
-          <p:cNvPr id="32098881" name="Title 1"/>
+          <p:cNvPr id="2001751733" name="Title 1"/>
           <p:cNvSpPr>
             <a:spLocks noGrp="1"/>
           </p:cNvSpPr>
@@ -9300,24 +10010,18 @@
           </a:xfrm>
         </p:spPr>
         <p:txBody>
-          <a:bodyPr vertOverflow="overflow" horzOverflow="overflow" vert="horz" wrap="square" lIns="91440" tIns="45720" rIns="91440" bIns="45720" numCol="1" spcCol="0" rtlCol="0" fromWordArt="0" anchor="ctr" anchorCtr="0" forceAA="0" upright="0" compatLnSpc="0">
-            <a:normAutofit/>
-          </a:bodyPr>
+          <a:bodyPr/>
           <a:lstStyle/>
           <a:p>
             <a:pPr algn="ctr">
               <a:defRPr/>
             </a:pPr>
             <a:r>
-              <a:rPr lang="ru-RU" sz="2800" b="1" i="0" u="none" strike="noStrike" cap="none" spc="0">
-                <a:solidFill>
-                  <a:schemeClr val="tx1"/>
-                </a:solidFill>
-                <a:latin typeface="Times New Roman"/>
-                <a:ea typeface="Times New Roman"/>
-                <a:cs typeface="Times New Roman"/>
-              </a:rPr>
-              <a:t>ДИАГРАММА КОМПОНЕНТОВ СИСТЕМЫ</a:t>
+              <a:rPr sz="2800" b="1">
+                <a:latin typeface="Times New Roman"/>
+                <a:cs typeface="Times New Roman"/>
+              </a:rPr>
+              <a:t>ДИАГРАММА ДЕЯТЕЛЬНОСТИ</a:t>
             </a:r>
             <a:endParaRPr sz="2800" b="1">
               <a:latin typeface="Times New Roman"/>
@@ -9328,7 +10032,7 @@
       </p:sp>
       <p:pic>
         <p:nvPicPr>
-          <p:cNvPr id="1140433430" name=""/>
+          <p:cNvPr id="295919669" name=""/>
           <p:cNvPicPr>
             <a:picLocks noChangeAspect="1"/>
           </p:cNvPicPr>
@@ -9342,8 +10046,8 @@
         </p:blipFill>
         <p:spPr bwMode="auto">
           <a:xfrm rot="0" flipH="0" flipV="0">
-            <a:off x="1448102" y="720000"/>
-            <a:ext cx="6247793" cy="6028370"/>
+            <a:off x="945721" y="720000"/>
+            <a:ext cx="7252555" cy="6064772"/>
           </a:xfrm>
           <a:prstGeom prst="rect">
             <a:avLst/>
@@ -9352,7 +10056,7 @@
       </p:pic>
       <p:sp>
         <p:nvSpPr>
-          <p:cNvPr id="1369521703" name="Slide Number Placeholder 5"/>
+          <p:cNvPr id="753385643" name="Slide Number Placeholder 5"/>
           <p:cNvSpPr>
             <a:spLocks noGrp="1"/>
           </p:cNvSpPr>
@@ -9368,7 +10072,7 @@
             <a:pPr>
               <a:defRPr/>
             </a:pPr>
-            <a:fld id="{38721FC3-51EA-9124-813C-35F55D15147D}" type="slidenum">
+            <a:fld id="{60256197-02AD-EFD3-7400-EBC3244E43BD}" type="slidenum">
               <a:rPr lang="en-US" sz="1800"/>
               <a:t/>
             </a:fld>
@@ -9424,7 +10128,7 @@
       </p:grpSpPr>
       <p:sp>
         <p:nvSpPr>
-          <p:cNvPr id="2001751733" name="Title 1"/>
+          <p:cNvPr id="32098881" name="Title 1"/>
           <p:cNvSpPr>
             <a:spLocks noGrp="1"/>
           </p:cNvSpPr>
@@ -9439,18 +10143,24 @@
           </a:xfrm>
         </p:spPr>
         <p:txBody>
-          <a:bodyPr/>
+          <a:bodyPr vertOverflow="overflow" horzOverflow="overflow" vert="horz" wrap="square" lIns="91440" tIns="45720" rIns="91440" bIns="45720" numCol="1" spcCol="0" rtlCol="0" fromWordArt="0" anchor="ctr" anchorCtr="0" forceAA="0" upright="0" compatLnSpc="0">
+            <a:normAutofit/>
+          </a:bodyPr>
           <a:lstStyle/>
           <a:p>
             <a:pPr algn="ctr">
               <a:defRPr/>
             </a:pPr>
             <a:r>
-              <a:rPr sz="2800" b="1">
-                <a:latin typeface="Times New Roman"/>
-                <a:cs typeface="Times New Roman"/>
-              </a:rPr>
-              <a:t>ДИАГРАММА ДЕЯТЕЛЬНОСТИ</a:t>
+              <a:rPr lang="ru-RU" sz="2800" b="1" i="0" u="none" strike="noStrike" cap="none" spc="0">
+                <a:solidFill>
+                  <a:schemeClr val="tx1"/>
+                </a:solidFill>
+                <a:latin typeface="Times New Roman"/>
+                <a:ea typeface="Times New Roman"/>
+                <a:cs typeface="Times New Roman"/>
+              </a:rPr>
+              <a:t>ДИАГРАММА КОМПОНЕНТОВ СИСТЕМЫ</a:t>
             </a:r>
             <a:endParaRPr sz="2800" b="1">
               <a:latin typeface="Times New Roman"/>
@@ -9461,7 +10171,7 @@
       </p:sp>
       <p:pic>
         <p:nvPicPr>
-          <p:cNvPr id="295919669" name=""/>
+          <p:cNvPr id="1140433430" name=""/>
           <p:cNvPicPr>
             <a:picLocks noChangeAspect="1"/>
           </p:cNvPicPr>
@@ -9475,8 +10185,8 @@
         </p:blipFill>
         <p:spPr bwMode="auto">
           <a:xfrm rot="0" flipH="0" flipV="0">
-            <a:off x="945721" y="720000"/>
-            <a:ext cx="7252555" cy="6064772"/>
+            <a:off x="1448102" y="720000"/>
+            <a:ext cx="6247793" cy="6028370"/>
           </a:xfrm>
           <a:prstGeom prst="rect">
             <a:avLst/>
@@ -9485,7 +10195,7 @@
       </p:pic>
       <p:sp>
         <p:nvSpPr>
-          <p:cNvPr id="753385643" name="Slide Number Placeholder 5"/>
+          <p:cNvPr id="1369521703" name="Slide Number Placeholder 5"/>
           <p:cNvSpPr>
             <a:spLocks noGrp="1"/>
           </p:cNvSpPr>
@@ -9501,7 +10211,7 @@
             <a:pPr>
               <a:defRPr/>
             </a:pPr>
-            <a:fld id="{60256197-02AD-EFD3-7400-EBC3244E43BD}" type="slidenum">
+            <a:fld id="{38721FC3-51EA-9124-813C-35F55D15147D}" type="slidenum">
               <a:rPr lang="en-US" sz="1800"/>
               <a:t/>
             </a:fld>

--- a/doc/Raschupkin_EV_UAV_Route_Planning.pptx
+++ b/doc/Raschupkin_EV_UAV_Route_Planning.pptx
@@ -6471,7 +6471,10 @@
           </a:bodyPr>
           <a:lstStyle/>
           <a:p>
-            <a:pPr marL="394022" indent="-394022">
+            <a:pPr marL="394022" indent="-394022" algn="just">
+              <a:lnSpc>
+                <a:spcPct val="150000"/>
+              </a:lnSpc>
               <a:buFont typeface="Arial"/>
               <a:buAutoNum type="arabicPeriod"/>
               <a:defRPr/>
@@ -6493,7 +6496,10 @@
             </a:endParaRPr>
           </a:p>
           <a:p>
-            <a:pPr marL="394021" indent="-394021">
+            <a:pPr marL="394021" indent="-394021" algn="just">
+              <a:lnSpc>
+                <a:spcPct val="150000"/>
+              </a:lnSpc>
               <a:buFont typeface="Arial"/>
               <a:buAutoNum type="arabicPeriod"/>
               <a:defRPr/>
@@ -6515,7 +6521,10 @@
             </a:endParaRPr>
           </a:p>
           <a:p>
-            <a:pPr marL="394021" indent="-394021">
+            <a:pPr marL="394021" indent="-394021" algn="just">
+              <a:lnSpc>
+                <a:spcPct val="150000"/>
+              </a:lnSpc>
               <a:buFont typeface="Arial"/>
               <a:buAutoNum type="arabicPeriod"/>
               <a:defRPr/>
@@ -6537,7 +6546,10 @@
             </a:endParaRPr>
           </a:p>
           <a:p>
-            <a:pPr marL="394021" indent="-394021">
+            <a:pPr marL="394021" indent="-394021" algn="just">
+              <a:lnSpc>
+                <a:spcPct val="150000"/>
+              </a:lnSpc>
               <a:buFont typeface="Arial"/>
               <a:buAutoNum type="arabicPeriod"/>
               <a:defRPr/>
@@ -6740,14 +6752,14 @@
           <a:graphicData uri="http://schemas.openxmlformats.org/drawingml/2006/table">
             <a:tbl>
               <a:tblPr firstRow="1" firstCol="0" lastRow="0" lastCol="0" bandRow="1" bandCol="0">
-                <a:tableStyleId>{5940675A-B579-460E-94D1-54222C63F5DA}</a:tableStyleId>
+                <a:tableStyleId>{3C21AF34-DCD5-8230-C345-7A89F10F8233}</a:tableStyleId>
               </a:tblPr>
               <a:tblGrid>
-                <a:gridCol w="1738965"/>
-                <a:gridCol w="1738965"/>
-                <a:gridCol w="1738965"/>
-                <a:gridCol w="1738965"/>
-                <a:gridCol w="1738965"/>
+                <a:gridCol w="1738964"/>
+                <a:gridCol w="1321034"/>
+                <a:gridCol w="2156894"/>
+                <a:gridCol w="1738964"/>
+                <a:gridCol w="1738964"/>
               </a:tblGrid>
               <a:tr h="479709">
                 <a:tc>
@@ -6758,16 +6770,19 @@
                         <a:defRPr/>
                       </a:pPr>
                       <a:r>
-                        <a:rPr lang="ru-RU" sz="1800" b="1" i="0" u="none" strike="noStrike" cap="none" spc="0">
+                        <a:rPr lang="ru-RU" sz="2400" b="1" i="0" u="none" strike="noStrike" cap="none" spc="0">
                           <a:solidFill>
                             <a:schemeClr val="dk1"/>
                           </a:solidFill>
-                          <a:latin typeface="Arial"/>
-                          <a:cs typeface="Arial"/>
+                          <a:latin typeface="Times New Roman"/>
+                          <a:cs typeface="Times New Roman"/>
                         </a:rPr>
-                        <a:t>language</a:t>
+                        <a:t>Язык</a:t>
                       </a:r>
-                      <a:endParaRPr/>
+                      <a:endParaRPr sz="2400">
+                        <a:latin typeface="Times New Roman"/>
+                        <a:cs typeface="Times New Roman"/>
+                      </a:endParaRPr>
                     </a:p>
                   </a:txBody>
                   <a:tcPr/>
@@ -6780,16 +6795,19 @@
                         <a:defRPr/>
                       </a:pPr>
                       <a:r>
-                        <a:rPr lang="ru-RU" sz="1800" b="1" i="0" u="none" strike="noStrike" cap="none" spc="0">
+                        <a:rPr lang="ru-RU" sz="2400" b="1" i="0" u="none" strike="noStrike" cap="none" spc="0">
                           <a:solidFill>
                             <a:schemeClr val="dk1"/>
                           </a:solidFill>
-                          <a:latin typeface="Arial"/>
-                          <a:cs typeface="Arial"/>
+                          <a:latin typeface="Times New Roman"/>
+                          <a:cs typeface="Times New Roman"/>
                         </a:rPr>
-                        <a:t>code</a:t>
+                        <a:t>Код</a:t>
                       </a:r>
-                      <a:endParaRPr/>
+                      <a:endParaRPr sz="2400">
+                        <a:latin typeface="Times New Roman"/>
+                        <a:cs typeface="Times New Roman"/>
+                      </a:endParaRPr>
                     </a:p>
                   </a:txBody>
                   <a:tcPr/>
@@ -6802,16 +6820,19 @@
                         <a:defRPr/>
                       </a:pPr>
                       <a:r>
-                        <a:rPr lang="ru-RU" sz="1800" b="1" i="0" u="none" strike="noStrike" cap="none" spc="0">
+                        <a:rPr lang="ru-RU" sz="2400" b="1" i="0" u="none" strike="noStrike" cap="none" spc="0">
                           <a:solidFill>
                             <a:schemeClr val="dk1"/>
                           </a:solidFill>
-                          <a:latin typeface="Arial"/>
-                          <a:cs typeface="Arial"/>
+                          <a:latin typeface="Times New Roman"/>
+                          <a:cs typeface="Times New Roman"/>
                         </a:rPr>
-                        <a:t>comment</a:t>
+                        <a:t>Комментарии</a:t>
                       </a:r>
-                      <a:endParaRPr/>
+                      <a:endParaRPr sz="2400">
+                        <a:latin typeface="Times New Roman"/>
+                        <a:cs typeface="Times New Roman"/>
+                      </a:endParaRPr>
                     </a:p>
                   </a:txBody>
                   <a:tcPr/>
@@ -6824,16 +6845,19 @@
                         <a:defRPr/>
                       </a:pPr>
                       <a:r>
-                        <a:rPr lang="ru-RU" sz="1800" b="1" i="0" u="none" strike="noStrike" cap="none" spc="0">
+                        <a:rPr lang="ru-RU" sz="2400" b="1" i="0" u="none" strike="noStrike" cap="none" spc="0">
                           <a:solidFill>
                             <a:schemeClr val="dk1"/>
                           </a:solidFill>
-                          <a:latin typeface="Arial"/>
-                          <a:cs typeface="Arial"/>
+                          <a:latin typeface="Times New Roman"/>
+                          <a:cs typeface="Times New Roman"/>
                         </a:rPr>
-                        <a:t>blank</a:t>
+                        <a:t>Пустые</a:t>
                       </a:r>
-                      <a:endParaRPr/>
+                      <a:endParaRPr sz="2400">
+                        <a:latin typeface="Times New Roman"/>
+                        <a:cs typeface="Times New Roman"/>
+                      </a:endParaRPr>
                     </a:p>
                   </a:txBody>
                   <a:tcPr/>
@@ -6846,16 +6870,19 @@
                         <a:defRPr/>
                       </a:pPr>
                       <a:r>
-                        <a:rPr lang="ru-RU" sz="1800" b="1" i="0" u="none" strike="noStrike" cap="none" spc="0">
+                        <a:rPr lang="ru-RU" sz="2400" b="1" i="0" u="none" strike="noStrike" cap="none" spc="0">
                           <a:solidFill>
                             <a:schemeClr val="dk1"/>
                           </a:solidFill>
-                          <a:latin typeface="Arial"/>
-                          <a:cs typeface="Arial"/>
+                          <a:latin typeface="Times New Roman"/>
+                          <a:cs typeface="Times New Roman"/>
                         </a:rPr>
-                        <a:t>total</a:t>
+                        <a:t>Всего</a:t>
                       </a:r>
-                      <a:endParaRPr/>
+                      <a:endParaRPr sz="2400">
+                        <a:latin typeface="Times New Roman"/>
+                        <a:cs typeface="Times New Roman"/>
+                      </a:endParaRPr>
                     </a:p>
                   </a:txBody>
                   <a:tcPr/>
@@ -6870,16 +6897,19 @@
                         <a:defRPr/>
                       </a:pPr>
                       <a:r>
-                        <a:rPr lang="ru-RU" sz="1800" b="0" i="0" u="none" strike="noStrike" cap="none" spc="0">
+                        <a:rPr lang="ru-RU" sz="2400" b="0" i="0" u="none" strike="noStrike" cap="none" spc="0">
                           <a:solidFill>
                             <a:schemeClr val="dk1"/>
                           </a:solidFill>
-                          <a:latin typeface="Arial"/>
-                          <a:cs typeface="Arial"/>
+                          <a:latin typeface="Times New Roman"/>
+                          <a:cs typeface="Times New Roman"/>
                         </a:rPr>
                         <a:t>Svelte</a:t>
                       </a:r>
-                      <a:endParaRPr/>
+                      <a:endParaRPr sz="2400">
+                        <a:latin typeface="Times New Roman"/>
+                        <a:cs typeface="Times New Roman"/>
+                      </a:endParaRPr>
                     </a:p>
                   </a:txBody>
                   <a:tcPr/>
@@ -6892,16 +6922,19 @@
                         <a:defRPr/>
                       </a:pPr>
                       <a:r>
-                        <a:rPr lang="ru-RU" sz="1800" b="0" i="0" u="none" strike="noStrike" cap="none" spc="0">
+                        <a:rPr lang="ru-RU" sz="2400" b="0" i="0" u="none" strike="noStrike" cap="none" spc="0">
                           <a:solidFill>
                             <a:schemeClr val="dk1"/>
                           </a:solidFill>
-                          <a:latin typeface="Arial"/>
-                          <a:cs typeface="Arial"/>
+                          <a:latin typeface="Times New Roman"/>
+                          <a:cs typeface="Times New Roman"/>
                         </a:rPr>
                         <a:t>1,215</a:t>
                       </a:r>
-                      <a:endParaRPr/>
+                      <a:endParaRPr sz="2400">
+                        <a:latin typeface="Times New Roman"/>
+                        <a:cs typeface="Times New Roman"/>
+                      </a:endParaRPr>
                     </a:p>
                   </a:txBody>
                   <a:tcPr/>
@@ -6914,10 +6947,16 @@
                         <a:defRPr/>
                       </a:pPr>
                       <a:r>
-                        <a:rPr/>
+                        <a:rPr sz="2400">
+                          <a:latin typeface="Times New Roman"/>
+                          <a:cs typeface="Times New Roman"/>
+                        </a:rPr>
                         <a:t>52</a:t>
                       </a:r>
-                      <a:endParaRPr/>
+                      <a:endParaRPr sz="2400">
+                        <a:latin typeface="Times New Roman"/>
+                        <a:cs typeface="Times New Roman"/>
+                      </a:endParaRPr>
                     </a:p>
                   </a:txBody>
                   <a:tcPr/>
@@ -6930,16 +6969,19 @@
                         <a:defRPr/>
                       </a:pPr>
                       <a:r>
-                        <a:rPr lang="ru-RU" sz="1800" b="0" i="0" u="none" strike="noStrike" cap="none" spc="0">
+                        <a:rPr lang="ru-RU" sz="2400" b="0" i="0" u="none" strike="noStrike" cap="none" spc="0">
                           <a:solidFill>
                             <a:schemeClr val="dk1"/>
                           </a:solidFill>
-                          <a:latin typeface="Arial"/>
-                          <a:cs typeface="Arial"/>
+                          <a:latin typeface="Times New Roman"/>
+                          <a:cs typeface="Times New Roman"/>
                         </a:rPr>
                         <a:t>187</a:t>
                       </a:r>
-                      <a:endParaRPr/>
+                      <a:endParaRPr sz="2400">
+                        <a:latin typeface="Times New Roman"/>
+                        <a:cs typeface="Times New Roman"/>
+                      </a:endParaRPr>
                     </a:p>
                   </a:txBody>
                   <a:tcPr/>
@@ -6952,16 +6994,19 @@
                         <a:defRPr/>
                       </a:pPr>
                       <a:r>
-                        <a:rPr lang="ru-RU" sz="1800" b="0" i="0" u="none" strike="noStrike" cap="none" spc="0">
+                        <a:rPr lang="ru-RU" sz="2400" b="0" i="0" u="none" strike="noStrike" cap="none" spc="0">
                           <a:solidFill>
                             <a:schemeClr val="dk1"/>
                           </a:solidFill>
-                          <a:latin typeface="Arial"/>
-                          <a:cs typeface="Arial"/>
+                          <a:latin typeface="Times New Roman"/>
+                          <a:cs typeface="Times New Roman"/>
                         </a:rPr>
                         <a:t>1,454</a:t>
                       </a:r>
-                      <a:endParaRPr/>
+                      <a:endParaRPr sz="2400">
+                        <a:latin typeface="Times New Roman"/>
+                        <a:cs typeface="Times New Roman"/>
+                      </a:endParaRPr>
                     </a:p>
                   </a:txBody>
                   <a:tcPr/>
@@ -6976,16 +7021,19 @@
                         <a:defRPr/>
                       </a:pPr>
                       <a:r>
-                        <a:rPr lang="ru-RU" sz="1800" b="0" i="0" u="none" strike="noStrike" cap="none" spc="0">
+                        <a:rPr lang="ru-RU" sz="2400" b="0" i="0" u="none" strike="noStrike" cap="none" spc="0">
                           <a:solidFill>
                             <a:schemeClr val="dk1"/>
                           </a:solidFill>
-                          <a:latin typeface="Arial"/>
-                          <a:cs typeface="Arial"/>
+                          <a:latin typeface="Times New Roman"/>
+                          <a:cs typeface="Times New Roman"/>
                         </a:rPr>
                         <a:t>Rust</a:t>
                       </a:r>
-                      <a:endParaRPr/>
+                      <a:endParaRPr sz="2400">
+                        <a:latin typeface="Times New Roman"/>
+                        <a:cs typeface="Times New Roman"/>
+                      </a:endParaRPr>
                     </a:p>
                   </a:txBody>
                   <a:tcPr/>
@@ -6998,16 +7046,19 @@
                         <a:defRPr/>
                       </a:pPr>
                       <a:r>
-                        <a:rPr lang="ru-RU" sz="1800" b="0" i="0" u="none" strike="noStrike" cap="none" spc="0">
+                        <a:rPr lang="ru-RU" sz="2400" b="0" i="0" u="none" strike="noStrike" cap="none" spc="0">
                           <a:solidFill>
                             <a:schemeClr val="dk1"/>
                           </a:solidFill>
-                          <a:latin typeface="Arial"/>
-                          <a:cs typeface="Arial"/>
+                          <a:latin typeface="Times New Roman"/>
+                          <a:cs typeface="Times New Roman"/>
                         </a:rPr>
                         <a:t>604</a:t>
                       </a:r>
-                      <a:endParaRPr/>
+                      <a:endParaRPr sz="2400">
+                        <a:latin typeface="Times New Roman"/>
+                        <a:cs typeface="Times New Roman"/>
+                      </a:endParaRPr>
                     </a:p>
                   </a:txBody>
                   <a:tcPr/>
@@ -7020,16 +7071,19 @@
                         <a:defRPr/>
                       </a:pPr>
                       <a:r>
-                        <a:rPr lang="ru-RU" sz="1800" b="0" i="0" u="none" strike="noStrike" cap="none" spc="0">
+                        <a:rPr lang="ru-RU" sz="2400" b="0" i="0" u="none" strike="noStrike" cap="none" spc="0">
                           <a:solidFill>
                             <a:schemeClr val="dk1"/>
                           </a:solidFill>
-                          <a:latin typeface="Arial"/>
-                          <a:cs typeface="Arial"/>
+                          <a:latin typeface="Times New Roman"/>
+                          <a:cs typeface="Times New Roman"/>
                         </a:rPr>
                         <a:t>34</a:t>
                       </a:r>
-                      <a:endParaRPr/>
+                      <a:endParaRPr sz="2400">
+                        <a:latin typeface="Times New Roman"/>
+                        <a:cs typeface="Times New Roman"/>
+                      </a:endParaRPr>
                     </a:p>
                   </a:txBody>
                   <a:tcPr/>
@@ -7042,16 +7096,19 @@
                         <a:defRPr/>
                       </a:pPr>
                       <a:r>
-                        <a:rPr lang="ru-RU" sz="1800" b="0" i="0" u="none" strike="noStrike" cap="none" spc="0">
+                        <a:rPr lang="ru-RU" sz="2400" b="0" i="0" u="none" strike="noStrike" cap="none" spc="0">
                           <a:solidFill>
                             <a:schemeClr val="dk1"/>
                           </a:solidFill>
-                          <a:latin typeface="Arial"/>
-                          <a:cs typeface="Arial"/>
+                          <a:latin typeface="Times New Roman"/>
+                          <a:cs typeface="Times New Roman"/>
                         </a:rPr>
                         <a:t>87</a:t>
                       </a:r>
-                      <a:endParaRPr/>
+                      <a:endParaRPr sz="2400">
+                        <a:latin typeface="Times New Roman"/>
+                        <a:cs typeface="Times New Roman"/>
+                      </a:endParaRPr>
                     </a:p>
                   </a:txBody>
                   <a:tcPr/>
@@ -7064,16 +7121,19 @@
                         <a:defRPr/>
                       </a:pPr>
                       <a:r>
-                        <a:rPr lang="ru-RU" sz="1800" b="0" i="0" u="none" strike="noStrike" cap="none" spc="0">
+                        <a:rPr lang="ru-RU" sz="2400" b="0" i="0" u="none" strike="noStrike" cap="none" spc="0">
                           <a:solidFill>
                             <a:schemeClr val="dk1"/>
                           </a:solidFill>
-                          <a:latin typeface="Arial"/>
-                          <a:cs typeface="Arial"/>
+                          <a:latin typeface="Times New Roman"/>
+                          <a:cs typeface="Times New Roman"/>
                         </a:rPr>
                         <a:t>725</a:t>
                       </a:r>
-                      <a:endParaRPr/>
+                      <a:endParaRPr sz="2400">
+                        <a:latin typeface="Times New Roman"/>
+                        <a:cs typeface="Times New Roman"/>
+                      </a:endParaRPr>
                     </a:p>
                   </a:txBody>
                   <a:tcPr/>
@@ -7088,16 +7148,19 @@
                         <a:defRPr/>
                       </a:pPr>
                       <a:r>
-                        <a:rPr lang="ru-RU" sz="1800" b="0" i="0" u="none" strike="noStrike" cap="none" spc="0">
+                        <a:rPr lang="ru-RU" sz="2400" b="0" i="0" u="none" strike="noStrike" cap="none" spc="0">
                           <a:solidFill>
                             <a:schemeClr val="dk1"/>
                           </a:solidFill>
-                          <a:latin typeface="Arial"/>
-                          <a:cs typeface="Arial"/>
+                          <a:latin typeface="Times New Roman"/>
+                          <a:cs typeface="Times New Roman"/>
                         </a:rPr>
                         <a:t>CSS</a:t>
                       </a:r>
-                      <a:endParaRPr/>
+                      <a:endParaRPr sz="2400">
+                        <a:latin typeface="Times New Roman"/>
+                        <a:cs typeface="Times New Roman"/>
+                      </a:endParaRPr>
                     </a:p>
                   </a:txBody>
                   <a:tcPr/>
@@ -7110,16 +7173,19 @@
                         <a:defRPr/>
                       </a:pPr>
                       <a:r>
-                        <a:rPr lang="ru-RU" sz="1800" b="0" i="0" u="none" strike="noStrike" cap="none" spc="0">
+                        <a:rPr lang="ru-RU" sz="2400" b="0" i="0" u="none" strike="noStrike" cap="none" spc="0">
                           <a:solidFill>
                             <a:schemeClr val="dk1"/>
                           </a:solidFill>
-                          <a:latin typeface="Arial"/>
-                          <a:cs typeface="Arial"/>
+                          <a:latin typeface="Times New Roman"/>
+                          <a:cs typeface="Times New Roman"/>
                         </a:rPr>
                         <a:t>344</a:t>
                       </a:r>
-                      <a:endParaRPr/>
+                      <a:endParaRPr sz="2400">
+                        <a:latin typeface="Times New Roman"/>
+                        <a:cs typeface="Times New Roman"/>
+                      </a:endParaRPr>
                     </a:p>
                   </a:txBody>
                   <a:tcPr/>
@@ -7132,16 +7198,19 @@
                         <a:defRPr/>
                       </a:pPr>
                       <a:r>
-                        <a:rPr lang="en-US" sz="1800" b="0" i="0" u="none" strike="noStrike" cap="none" spc="0">
+                        <a:rPr lang="en-US" sz="2400" b="0" i="0" u="none" strike="noStrike" cap="none" spc="0">
                           <a:solidFill>
                             <a:schemeClr val="dk1"/>
                           </a:solidFill>
-                          <a:latin typeface="Arial"/>
-                          <a:cs typeface="Arial"/>
+                          <a:latin typeface="Times New Roman"/>
+                          <a:cs typeface="Times New Roman"/>
                         </a:rPr>
                         <a:t>3</a:t>
                       </a:r>
-                      <a:endParaRPr/>
+                      <a:endParaRPr sz="2400">
+                        <a:latin typeface="Times New Roman"/>
+                        <a:cs typeface="Times New Roman"/>
+                      </a:endParaRPr>
                     </a:p>
                   </a:txBody>
                   <a:tcPr/>
@@ -7154,16 +7223,19 @@
                         <a:defRPr/>
                       </a:pPr>
                       <a:r>
-                        <a:rPr lang="ru-RU" sz="1800" b="0" i="0" u="none" strike="noStrike" cap="none" spc="0">
+                        <a:rPr lang="ru-RU" sz="2400" b="0" i="0" u="none" strike="noStrike" cap="none" spc="0">
                           <a:solidFill>
                             <a:schemeClr val="dk1"/>
                           </a:solidFill>
-                          <a:latin typeface="Arial"/>
-                          <a:cs typeface="Arial"/>
+                          <a:latin typeface="Times New Roman"/>
+                          <a:cs typeface="Times New Roman"/>
                         </a:rPr>
                         <a:t>61</a:t>
                       </a:r>
-                      <a:endParaRPr/>
+                      <a:endParaRPr sz="2400">
+                        <a:latin typeface="Times New Roman"/>
+                        <a:cs typeface="Times New Roman"/>
+                      </a:endParaRPr>
                     </a:p>
                   </a:txBody>
                   <a:tcPr/>
@@ -7176,17 +7248,20 @@
                         <a:defRPr/>
                       </a:pPr>
                       <a:r>
-                        <a:rPr lang="ru-RU" sz="1800" b="0" i="0" u="none" strike="noStrike" cap="none" spc="0">
+                        <a:rPr lang="ru-RU" sz="2400" b="0" i="0" u="none" strike="noStrike" cap="none" spc="0">
                           <a:solidFill>
                             <a:schemeClr val="dk1"/>
                           </a:solidFill>
-                          <a:latin typeface="Arial"/>
+                          <a:latin typeface="Times New Roman"/>
                           <a:ea typeface="Arial"/>
-                          <a:cs typeface="Arial"/>
+                          <a:cs typeface="Times New Roman"/>
                         </a:rPr>
                         <a:t>408</a:t>
                       </a:r>
-                      <a:endParaRPr sz="1800"/>
+                      <a:endParaRPr sz="2400">
+                        <a:latin typeface="Times New Roman"/>
+                        <a:cs typeface="Times New Roman"/>
+                      </a:endParaRPr>
                     </a:p>
                   </a:txBody>
                   <a:tcPr/>
@@ -7201,16 +7276,19 @@
                         <a:defRPr/>
                       </a:pPr>
                       <a:r>
-                        <a:rPr lang="ru-RU" sz="1800" b="0" i="0" u="none" strike="noStrike" cap="none" spc="0">
+                        <a:rPr lang="ru-RU" sz="2400" b="0" i="0" u="none" strike="noStrike" cap="none" spc="0">
                           <a:solidFill>
                             <a:schemeClr val="dk1"/>
                           </a:solidFill>
-                          <a:latin typeface="Arial"/>
-                          <a:cs typeface="Arial"/>
+                          <a:latin typeface="Times New Roman"/>
+                          <a:cs typeface="Times New Roman"/>
                         </a:rPr>
                         <a:t>TypeScript</a:t>
                       </a:r>
-                      <a:endParaRPr/>
+                      <a:endParaRPr sz="2400">
+                        <a:latin typeface="Times New Roman"/>
+                        <a:cs typeface="Times New Roman"/>
+                      </a:endParaRPr>
                     </a:p>
                   </a:txBody>
                   <a:tcPr/>
@@ -7223,16 +7301,19 @@
                         <a:defRPr/>
                       </a:pPr>
                       <a:r>
-                        <a:rPr lang="ru-RU" sz="1800" b="0" i="0" u="none" strike="noStrike" cap="none" spc="0">
+                        <a:rPr lang="ru-RU" sz="2400" b="0" i="0" u="none" strike="noStrike" cap="none" spc="0">
                           <a:solidFill>
                             <a:schemeClr val="dk1"/>
                           </a:solidFill>
-                          <a:latin typeface="Arial"/>
-                          <a:cs typeface="Arial"/>
+                          <a:latin typeface="Times New Roman"/>
+                          <a:cs typeface="Times New Roman"/>
                         </a:rPr>
                         <a:t>54</a:t>
                       </a:r>
-                      <a:endParaRPr/>
+                      <a:endParaRPr sz="2400">
+                        <a:latin typeface="Times New Roman"/>
+                        <a:cs typeface="Times New Roman"/>
+                      </a:endParaRPr>
                     </a:p>
                   </a:txBody>
                   <a:tcPr/>
@@ -7245,16 +7326,19 @@
                         <a:defRPr/>
                       </a:pPr>
                       <a:r>
-                        <a:rPr lang="ru-RU" sz="1800" b="0" i="0" u="none" strike="noStrike" cap="none" spc="0">
+                        <a:rPr lang="ru-RU" sz="2400" b="0" i="0" u="none" strike="noStrike" cap="none" spc="0">
                           <a:solidFill>
                             <a:schemeClr val="dk1"/>
                           </a:solidFill>
-                          <a:latin typeface="Arial"/>
-                          <a:cs typeface="Arial"/>
+                          <a:latin typeface="Times New Roman"/>
+                          <a:cs typeface="Times New Roman"/>
                         </a:rPr>
                         <a:t>6</a:t>
                       </a:r>
-                      <a:endParaRPr/>
+                      <a:endParaRPr sz="2400">
+                        <a:latin typeface="Times New Roman"/>
+                        <a:cs typeface="Times New Roman"/>
+                      </a:endParaRPr>
                     </a:p>
                   </a:txBody>
                   <a:tcPr/>
@@ -7267,16 +7351,19 @@
                         <a:defRPr/>
                       </a:pPr>
                       <a:r>
-                        <a:rPr lang="ru-RU" sz="1800" b="0" i="0" u="none" strike="noStrike" cap="none" spc="0">
+                        <a:rPr lang="ru-RU" sz="2400" b="0" i="0" u="none" strike="noStrike" cap="none" spc="0">
                           <a:solidFill>
                             <a:schemeClr val="dk1"/>
                           </a:solidFill>
-                          <a:latin typeface="Arial"/>
-                          <a:cs typeface="Arial"/>
+                          <a:latin typeface="Times New Roman"/>
+                          <a:cs typeface="Times New Roman"/>
                         </a:rPr>
                         <a:t>13</a:t>
                       </a:r>
-                      <a:endParaRPr/>
+                      <a:endParaRPr sz="2400">
+                        <a:latin typeface="Times New Roman"/>
+                        <a:cs typeface="Times New Roman"/>
+                      </a:endParaRPr>
                     </a:p>
                   </a:txBody>
                   <a:tcPr/>
@@ -7289,16 +7376,19 @@
                         <a:defRPr/>
                       </a:pPr>
                       <a:r>
-                        <a:rPr lang="ru-RU" sz="1800" b="0" i="0" u="none" strike="noStrike" cap="none" spc="0">
+                        <a:rPr lang="ru-RU" sz="2400" b="0" i="0" u="none" strike="noStrike" cap="none" spc="0">
                           <a:solidFill>
                             <a:schemeClr val="dk1"/>
                           </a:solidFill>
-                          <a:latin typeface="Arial"/>
-                          <a:cs typeface="Arial"/>
+                          <a:latin typeface="Times New Roman"/>
+                          <a:cs typeface="Times New Roman"/>
                         </a:rPr>
                         <a:t>73</a:t>
                       </a:r>
-                      <a:endParaRPr/>
+                      <a:endParaRPr sz="2400">
+                        <a:latin typeface="Times New Roman"/>
+                        <a:cs typeface="Times New Roman"/>
+                      </a:endParaRPr>
                     </a:p>
                   </a:txBody>
                   <a:tcPr/>
@@ -8061,7 +8151,7 @@
           <a:graphicData uri="http://schemas.openxmlformats.org/drawingml/2006/table">
             <a:tbl>
               <a:tblPr firstRow="1" firstCol="1" lastRow="0" lastCol="0" bandRow="1" bandCol="0">
-                <a:tableStyleId>{5940675A-B579-460E-94D1-54222C63F5DA}</a:tableStyleId>
+                <a:tableStyleId>{3C21AF34-DCD5-8230-C345-7A89F10F8233}</a:tableStyleId>
               </a:tblPr>
               <a:tblGrid>
                 <a:gridCol w="1908613"/>
@@ -10454,7 +10544,7 @@
         <p:spPr bwMode="auto">
           <a:xfrm flipH="0" flipV="0">
             <a:off x="628650" y="720000"/>
-            <a:ext cx="7886700" cy="5456962"/>
+            <a:ext cx="7886700" cy="4306977"/>
           </a:xfrm>
         </p:spPr>
         <p:txBody>
@@ -10705,6 +10795,220 @@
               <a:t>/18</a:t>
             </a:r>
             <a:endParaRPr lang="en-US"/>
+          </a:p>
+        </p:txBody>
+      </p:sp>
+      <p:sp>
+        <p:nvSpPr>
+          <p:cNvPr id="29505722" name="Content Placeholder 2"/>
+          <p:cNvSpPr>
+            <a:spLocks noGrp="1"/>
+          </p:cNvSpPr>
+          <p:nvPr/>
+        </p:nvSpPr>
+        <p:spPr bwMode="auto">
+          <a:xfrm flipH="0" flipV="0">
+            <a:off x="628649" y="5026977"/>
+            <a:ext cx="7886700" cy="1149984"/>
+          </a:xfrm>
+        </p:spPr>
+        <p:txBody>
+          <a:bodyPr vertOverflow="overflow" horzOverflow="overflow" vert="horz" wrap="square" lIns="91440" tIns="45720" rIns="91440" bIns="45720" numCol="1" spcCol="0" rtlCol="0" fromWordArt="0" anchor="ctr" anchorCtr="0" forceAA="0" upright="0" compatLnSpc="0">
+            <a:normAutofit/>
+          </a:bodyPr>
+          <a:lstStyle>
+            <a:lvl1pPr marL="228600" indent="-228600" algn="l" defTabSz="914400">
+              <a:lnSpc>
+                <a:spcPct val="90000"/>
+              </a:lnSpc>
+              <a:spcBef>
+                <a:spcPts val="999"/>
+              </a:spcBef>
+              <a:buFont typeface="Arial"/>
+              <a:buChar char="•"/>
+              <a:defRPr sz="2800">
+                <a:solidFill>
+                  <a:schemeClr val="tx1"/>
+                </a:solidFill>
+                <a:latin typeface="+mn-lt"/>
+                <a:ea typeface="+mn-ea"/>
+                <a:cs typeface="+mn-cs"/>
+              </a:defRPr>
+            </a:lvl1pPr>
+            <a:lvl2pPr marL="685800" indent="-228600" algn="l" defTabSz="914400">
+              <a:lnSpc>
+                <a:spcPct val="90000"/>
+              </a:lnSpc>
+              <a:spcBef>
+                <a:spcPts val="499"/>
+              </a:spcBef>
+              <a:buFont typeface="Arial"/>
+              <a:buChar char="•"/>
+              <a:defRPr sz="2400">
+                <a:solidFill>
+                  <a:schemeClr val="tx1"/>
+                </a:solidFill>
+                <a:latin typeface="+mn-lt"/>
+                <a:ea typeface="+mn-ea"/>
+                <a:cs typeface="+mn-cs"/>
+              </a:defRPr>
+            </a:lvl2pPr>
+            <a:lvl3pPr marL="1143000" indent="-228600" algn="l" defTabSz="914400">
+              <a:lnSpc>
+                <a:spcPct val="90000"/>
+              </a:lnSpc>
+              <a:spcBef>
+                <a:spcPts val="499"/>
+              </a:spcBef>
+              <a:buFont typeface="Arial"/>
+              <a:buChar char="•"/>
+              <a:defRPr sz="2000">
+                <a:solidFill>
+                  <a:schemeClr val="tx1"/>
+                </a:solidFill>
+                <a:latin typeface="+mn-lt"/>
+                <a:ea typeface="+mn-ea"/>
+                <a:cs typeface="+mn-cs"/>
+              </a:defRPr>
+            </a:lvl3pPr>
+            <a:lvl4pPr marL="1600200" indent="-228600" algn="l" defTabSz="914400">
+              <a:lnSpc>
+                <a:spcPct val="90000"/>
+              </a:lnSpc>
+              <a:spcBef>
+                <a:spcPts val="499"/>
+              </a:spcBef>
+              <a:buFont typeface="Arial"/>
+              <a:buChar char="•"/>
+              <a:defRPr sz="1800">
+                <a:solidFill>
+                  <a:schemeClr val="tx1"/>
+                </a:solidFill>
+                <a:latin typeface="+mn-lt"/>
+                <a:ea typeface="+mn-ea"/>
+                <a:cs typeface="+mn-cs"/>
+              </a:defRPr>
+            </a:lvl4pPr>
+            <a:lvl5pPr marL="2057400" indent="-228600" algn="l" defTabSz="914400">
+              <a:lnSpc>
+                <a:spcPct val="90000"/>
+              </a:lnSpc>
+              <a:spcBef>
+                <a:spcPts val="499"/>
+              </a:spcBef>
+              <a:buFont typeface="Arial"/>
+              <a:buChar char="•"/>
+              <a:defRPr sz="1800">
+                <a:solidFill>
+                  <a:schemeClr val="tx1"/>
+                </a:solidFill>
+                <a:latin typeface="+mn-lt"/>
+                <a:ea typeface="+mn-ea"/>
+                <a:cs typeface="+mn-cs"/>
+              </a:defRPr>
+            </a:lvl5pPr>
+            <a:lvl6pPr marL="2514599" indent="-228600" algn="l" defTabSz="914400">
+              <a:lnSpc>
+                <a:spcPct val="90000"/>
+              </a:lnSpc>
+              <a:spcBef>
+                <a:spcPts val="499"/>
+              </a:spcBef>
+              <a:buFont typeface="Arial"/>
+              <a:buChar char="•"/>
+              <a:defRPr sz="1800">
+                <a:solidFill>
+                  <a:schemeClr val="tx1"/>
+                </a:solidFill>
+                <a:latin typeface="+mn-lt"/>
+                <a:ea typeface="+mn-ea"/>
+                <a:cs typeface="+mn-cs"/>
+              </a:defRPr>
+            </a:lvl6pPr>
+            <a:lvl7pPr marL="2971800" indent="-228600" algn="l" defTabSz="914400">
+              <a:lnSpc>
+                <a:spcPct val="90000"/>
+              </a:lnSpc>
+              <a:spcBef>
+                <a:spcPts val="499"/>
+              </a:spcBef>
+              <a:buFont typeface="Arial"/>
+              <a:buChar char="•"/>
+              <a:defRPr sz="1800">
+                <a:solidFill>
+                  <a:schemeClr val="tx1"/>
+                </a:solidFill>
+                <a:latin typeface="+mn-lt"/>
+                <a:ea typeface="+mn-ea"/>
+                <a:cs typeface="+mn-cs"/>
+              </a:defRPr>
+            </a:lvl7pPr>
+            <a:lvl8pPr marL="3429000" indent="-228600" algn="l" defTabSz="914400">
+              <a:lnSpc>
+                <a:spcPct val="90000"/>
+              </a:lnSpc>
+              <a:spcBef>
+                <a:spcPts val="499"/>
+              </a:spcBef>
+              <a:buFont typeface="Arial"/>
+              <a:buChar char="•"/>
+              <a:defRPr sz="1800">
+                <a:solidFill>
+                  <a:schemeClr val="tx1"/>
+                </a:solidFill>
+                <a:latin typeface="+mn-lt"/>
+                <a:ea typeface="+mn-ea"/>
+                <a:cs typeface="+mn-cs"/>
+              </a:defRPr>
+            </a:lvl8pPr>
+            <a:lvl9pPr marL="3886200" indent="-228600" algn="l" defTabSz="914400">
+              <a:lnSpc>
+                <a:spcPct val="90000"/>
+              </a:lnSpc>
+              <a:spcBef>
+                <a:spcPts val="499"/>
+              </a:spcBef>
+              <a:buFont typeface="Arial"/>
+              <a:buChar char="•"/>
+              <a:defRPr sz="1800">
+                <a:solidFill>
+                  <a:schemeClr val="tx1"/>
+                </a:solidFill>
+                <a:latin typeface="+mn-lt"/>
+                <a:ea typeface="+mn-ea"/>
+                <a:cs typeface="+mn-cs"/>
+              </a:defRPr>
+            </a:lvl9pPr>
+          </a:lstStyle>
+          <a:p>
+            <a:pPr marL="0" indent="0">
+              <a:buFont typeface="Arial"/>
+              <a:buNone/>
+              <a:defRPr/>
+            </a:pPr>
+            <a:r>
+              <a:rPr sz="2600"/>
+              <a:t>Исходный код:</a:t>
+            </a:r>
+            <a:endParaRPr sz="2600"/>
+          </a:p>
+          <a:p>
+            <a:pPr marL="0" indent="0">
+              <a:buFont typeface="Arial"/>
+              <a:buNone/>
+              <a:defRPr/>
+            </a:pPr>
+            <a:r>
+              <a:rPr lang="ru-RU" sz="2600" b="0" i="0" u="none" strike="noStrike" cap="none" spc="0">
+                <a:solidFill>
+                  <a:schemeClr val="tx1"/>
+                </a:solidFill>
+                <a:latin typeface="Arial"/>
+                <a:cs typeface="Arial"/>
+              </a:rPr>
+              <a:t>https://github.com/EvgenKot/uav_route_calculation</a:t>
+            </a:r>
+            <a:endParaRPr sz="2600"/>
           </a:p>
         </p:txBody>
       </p:sp>

--- a/doc/Raschupkin_EV_UAV_Route_Planning.pptx
+++ b/doc/Raschupkin_EV_UAV_Route_Planning.pptx
@@ -6756,7 +6756,7 @@
               </a:tblPr>
               <a:tblGrid>
                 <a:gridCol w="1738964"/>
-                <a:gridCol w="1321034"/>
+                <a:gridCol w="1321033"/>
                 <a:gridCol w="2156894"/>
                 <a:gridCol w="1738964"/>
                 <a:gridCol w="1738964"/>
@@ -10987,10 +10987,16 @@
               <a:defRPr/>
             </a:pPr>
             <a:r>
-              <a:rPr sz="2600"/>
+              <a:rPr sz="2600">
+                <a:latin typeface="Times New Roman"/>
+                <a:cs typeface="Times New Roman"/>
+              </a:rPr>
               <a:t>Исходный код:</a:t>
             </a:r>
-            <a:endParaRPr sz="2600"/>
+            <a:endParaRPr sz="2600">
+              <a:latin typeface="Times New Roman"/>
+              <a:cs typeface="Times New Roman"/>
+            </a:endParaRPr>
           </a:p>
           <a:p>
             <a:pPr marL="0" indent="0">
@@ -11003,12 +11009,15 @@
                 <a:solidFill>
                   <a:schemeClr val="tx1"/>
                 </a:solidFill>
-                <a:latin typeface="Arial"/>
-                <a:cs typeface="Arial"/>
+                <a:latin typeface="Times New Roman"/>
+                <a:cs typeface="Times New Roman"/>
               </a:rPr>
               <a:t>https://github.com/EvgenKot/uav_route_calculation</a:t>
             </a:r>
-            <a:endParaRPr sz="2600"/>
+            <a:endParaRPr sz="2600">
+              <a:latin typeface="Times New Roman"/>
+              <a:cs typeface="Times New Roman"/>
+            </a:endParaRPr>
           </a:p>
         </p:txBody>
       </p:sp>
